--- a/formation_Angular.pptx
+++ b/formation_Angular.pptx
@@ -215,7 +215,7 @@
           <a:p>
             <a:fld id="{060E997E-A64A-414F-A106-86024763E701}" type="datetimeFigureOut">
               <a:rPr lang="fr-FR" smtClean="0"/>
-              <a:t>28/05/2018</a:t>
+              <a:t>29/05/2018</a:t>
             </a:fld>
             <a:endParaRPr lang="fr-FR"/>
           </a:p>
@@ -531,6 +531,10 @@
               <a:rPr lang="fr-FR" dirty="0" err="1" smtClean="0"/>
               <a:t>Nodejs</a:t>
             </a:r>
+            <a:r>
+              <a:rPr lang="fr-FR" dirty="0" smtClean="0"/>
+              <a:t> v8</a:t>
+            </a:r>
             <a:endParaRPr lang="fr-FR" dirty="0" smtClean="0"/>
           </a:p>
           <a:p>
@@ -3261,7 +3265,7 @@
           <a:p>
             <a:fld id="{58FC6F0A-3597-4ED6-9ED9-061AF1CD731E}" type="datetimeFigureOut">
               <a:rPr lang="fr-FR" smtClean="0"/>
-              <a:t>28/05/2018</a:t>
+              <a:t>29/05/2018</a:t>
             </a:fld>
             <a:endParaRPr lang="fr-FR"/>
           </a:p>
@@ -3442,7 +3446,7 @@
           <a:p>
             <a:fld id="{58FC6F0A-3597-4ED6-9ED9-061AF1CD731E}" type="datetimeFigureOut">
               <a:rPr lang="fr-FR" smtClean="0"/>
-              <a:t>28/05/2018</a:t>
+              <a:t>29/05/2018</a:t>
             </a:fld>
             <a:endParaRPr lang="fr-FR"/>
           </a:p>
@@ -3593,7 +3597,7 @@
           <a:p>
             <a:fld id="{58FC6F0A-3597-4ED6-9ED9-061AF1CD731E}" type="datetimeFigureOut">
               <a:rPr lang="fr-FR" smtClean="0"/>
-              <a:t>28/05/2018</a:t>
+              <a:t>29/05/2018</a:t>
             </a:fld>
             <a:endParaRPr lang="fr-FR"/>
           </a:p>
@@ -5419,7 +5423,7 @@
           <a:p>
             <a:fld id="{58FC6F0A-3597-4ED6-9ED9-061AF1CD731E}" type="datetimeFigureOut">
               <a:rPr lang="fr-FR" smtClean="0"/>
-              <a:t>28/05/2018</a:t>
+              <a:t>29/05/2018</a:t>
             </a:fld>
             <a:endParaRPr lang="fr-FR"/>
           </a:p>
@@ -7289,7 +7293,7 @@
           <a:p>
             <a:fld id="{58FC6F0A-3597-4ED6-9ED9-061AF1CD731E}" type="datetimeFigureOut">
               <a:rPr lang="fr-FR" smtClean="0"/>
-              <a:t>28/05/2018</a:t>
+              <a:t>29/05/2018</a:t>
             </a:fld>
             <a:endParaRPr lang="fr-FR"/>
           </a:p>
@@ -7402,7 +7406,7 @@
           <a:p>
             <a:fld id="{58FC6F0A-3597-4ED6-9ED9-061AF1CD731E}" type="datetimeFigureOut">
               <a:rPr lang="fr-FR" smtClean="0"/>
-              <a:t>28/05/2018</a:t>
+              <a:t>29/05/2018</a:t>
             </a:fld>
             <a:endParaRPr lang="fr-FR"/>
           </a:p>
@@ -7943,7 +7947,7 @@
           <a:p>
             <a:fld id="{58FC6F0A-3597-4ED6-9ED9-061AF1CD731E}" type="datetimeFigureOut">
               <a:rPr lang="fr-FR" smtClean="0"/>
-              <a:t>28/05/2018</a:t>
+              <a:t>29/05/2018</a:t>
             </a:fld>
             <a:endParaRPr lang="fr-FR"/>
           </a:p>
@@ -8056,7 +8060,7 @@
           <a:p>
             <a:fld id="{58FC6F0A-3597-4ED6-9ED9-061AF1CD731E}" type="datetimeFigureOut">
               <a:rPr lang="fr-FR" smtClean="0"/>
-              <a:t>28/05/2018</a:t>
+              <a:t>29/05/2018</a:t>
             </a:fld>
             <a:endParaRPr lang="fr-FR"/>
           </a:p>
@@ -9767,7 +9771,7 @@
           <a:p>
             <a:fld id="{58FC6F0A-3597-4ED6-9ED9-061AF1CD731E}" type="datetimeFigureOut">
               <a:rPr lang="fr-FR" smtClean="0"/>
-              <a:t>28/05/2018</a:t>
+              <a:t>29/05/2018</a:t>
             </a:fld>
             <a:endParaRPr lang="fr-FR"/>
           </a:p>
@@ -9918,7 +9922,7 @@
           <a:p>
             <a:fld id="{58FC6F0A-3597-4ED6-9ED9-061AF1CD731E}" type="datetimeFigureOut">
               <a:rPr lang="fr-FR" smtClean="0"/>
-              <a:t>28/05/2018</a:t>
+              <a:t>29/05/2018</a:t>
             </a:fld>
             <a:endParaRPr lang="fr-FR"/>
           </a:p>
@@ -13533,7 +13537,7 @@
           <a:p>
             <a:fld id="{58FC6F0A-3597-4ED6-9ED9-061AF1CD731E}" type="datetimeFigureOut">
               <a:rPr lang="fr-FR" smtClean="0"/>
-              <a:t>28/05/2018</a:t>
+              <a:t>29/05/2018</a:t>
             </a:fld>
             <a:endParaRPr lang="fr-FR"/>
           </a:p>
@@ -15392,7 +15396,7 @@
           <a:p>
             <a:fld id="{58FC6F0A-3597-4ED6-9ED9-061AF1CD731E}" type="datetimeFigureOut">
               <a:rPr lang="fr-FR" smtClean="0"/>
-              <a:t>28/05/2018</a:t>
+              <a:t>29/05/2018</a:t>
             </a:fld>
             <a:endParaRPr lang="fr-FR"/>
           </a:p>
@@ -15965,19 +15969,7 @@
             </a:r>
             <a:r>
               <a:rPr lang="fr-FR" sz="2800" dirty="0" smtClean="0"/>
-              <a:t>, de la </a:t>
-            </a:r>
-            <a:r>
-              <a:rPr lang="fr-FR" sz="2800" dirty="0" smtClean="0"/>
-              <a:t>v2 </a:t>
-            </a:r>
-            <a:r>
-              <a:rPr lang="fr-FR" sz="2800" dirty="0" smtClean="0"/>
-              <a:t>à la </a:t>
-            </a:r>
-            <a:r>
-              <a:rPr lang="fr-FR" sz="2800" dirty="0" smtClean="0"/>
-              <a:t>v6</a:t>
+              <a:t>, de la v2 à la v6</a:t>
             </a:r>
             <a:endParaRPr lang="fr-FR" sz="2800" dirty="0"/>
           </a:p>
@@ -16303,18 +16295,6 @@
           <a:lstStyle/>
           <a:p>
             <a:r>
-              <a:rPr lang="fr-FR" dirty="0"/>
-              <a:t>Lancer le serveur</a:t>
-            </a:r>
-          </a:p>
-          <a:p>
-            <a:r>
-              <a:rPr lang="fr-FR" dirty="0"/>
-              <a:t>Dans la console chrome analyser les fichiers récupérés</a:t>
-            </a:r>
-          </a:p>
-          <a:p>
-            <a:r>
               <a:rPr lang="fr-FR" dirty="0" smtClean="0"/>
               <a:t>Ajouter </a:t>
             </a:r>
@@ -16383,60 +16363,6 @@
           </a:p>
         </p:txBody>
       </p:sp>
-      <p:pic>
-        <p:nvPicPr>
-          <p:cNvPr id="5122" name="Picture 2"/>
-          <p:cNvPicPr>
-            <a:picLocks noChangeAspect="1" noChangeArrowheads="1"/>
-          </p:cNvPicPr>
-          <p:nvPr/>
-        </p:nvPicPr>
-        <p:blipFill>
-          <a:blip r:embed="rId3">
-            <a:extLst>
-              <a:ext uri="{28A0092B-C50C-407E-A947-70E740481C1C}">
-                <a14:useLocalDpi xmlns:a14="http://schemas.microsoft.com/office/drawing/2010/main" val="0"/>
-              </a:ext>
-            </a:extLst>
-          </a:blip>
-          <a:srcRect/>
-          <a:stretch>
-            <a:fillRect/>
-          </a:stretch>
-        </p:blipFill>
-        <p:spPr bwMode="auto">
-          <a:xfrm>
-            <a:off x="5868144" y="2996952"/>
-            <a:ext cx="2844316" cy="3528392"/>
-          </a:xfrm>
-          <a:prstGeom prst="rect">
-            <a:avLst/>
-          </a:prstGeom>
-          <a:noFill/>
-          <a:ln>
-            <a:noFill/>
-          </a:ln>
-          <a:extLst>
-            <a:ext uri="{909E8E84-426E-40DD-AFC4-6F175D3DCCD1}">
-              <a14:hiddenFill xmlns:a14="http://schemas.microsoft.com/office/drawing/2010/main">
-                <a:solidFill>
-                  <a:schemeClr val="accent1"/>
-                </a:solidFill>
-              </a14:hiddenFill>
-            </a:ext>
-            <a:ext uri="{91240B29-F687-4F45-9708-019B960494DF}">
-              <a14:hiddenLine xmlns:a14="http://schemas.microsoft.com/office/drawing/2010/main" w="9525">
-                <a:solidFill>
-                  <a:schemeClr val="tx1"/>
-                </a:solidFill>
-                <a:miter lim="800000"/>
-                <a:headEnd/>
-                <a:tailEnd/>
-              </a14:hiddenLine>
-            </a:ext>
-          </a:extLst>
-        </p:spPr>
-      </p:pic>
     </p:spTree>
     <p:extLst>
       <p:ext uri="{BB962C8B-B14F-4D97-AF65-F5344CB8AC3E}">
@@ -16621,23 +16547,7 @@
           <a:p>
             <a:r>
               <a:rPr lang="fr-FR" dirty="0" smtClean="0"/>
-              <a:t>Créer un</a:t>
-            </a:r>
-            <a:r>
-              <a:rPr lang="fr-FR" dirty="0" smtClean="0"/>
-              <a:t> </a:t>
-            </a:r>
-            <a:r>
-              <a:rPr lang="fr-FR" dirty="0" smtClean="0"/>
-              <a:t>provider </a:t>
-            </a:r>
-            <a:r>
-              <a:rPr lang="fr-FR" dirty="0" smtClean="0"/>
-              <a:t>avec </a:t>
-            </a:r>
-            <a:r>
-              <a:rPr lang="fr-FR" dirty="0" smtClean="0"/>
-              <a:t>une liste de cours en attribut</a:t>
+              <a:t>Créer un provider avec une liste de cours en attribut</a:t>
             </a:r>
           </a:p>
           <a:p>
@@ -17360,11 +17270,11 @@
   <p:clrMapOvr>
     <a:masterClrMapping/>
   </p:clrMapOvr>
-  <mc:AlternateContent xmlns:mc="http://schemas.openxmlformats.org/markup-compatibility/2006">
-    <mc:Choice xmlns:p14="http://schemas.microsoft.com/office/powerpoint/2010/main" Requires="p14">
+  <mc:AlternateContent xmlns:mc="http://schemas.openxmlformats.org/markup-compatibility/2006" xmlns:p14="http://schemas.microsoft.com/office/powerpoint/2010/main">
+    <mc:Choice Requires="p14">
       <p:transition spd="slow" p14:dur="2000"/>
     </mc:Choice>
-    <mc:Fallback>
+    <mc:Fallback xmlns="">
       <p:transition spd="slow"/>
     </mc:Fallback>
   </mc:AlternateContent>
@@ -17506,11 +17416,7 @@
             </a:r>
             <a:r>
               <a:rPr lang="fr-FR" dirty="0" smtClean="0"/>
-              <a:t> </a:t>
-            </a:r>
-            <a:r>
-              <a:rPr lang="fr-FR" dirty="0" smtClean="0"/>
-              <a:t>JavaScript</a:t>
+              <a:t> JavaScript</a:t>
             </a:r>
             <a:endParaRPr lang="fr-FR" dirty="0"/>
           </a:p>
@@ -17632,11 +17538,11 @@
   <p:clrMapOvr>
     <a:masterClrMapping/>
   </p:clrMapOvr>
-  <mc:AlternateContent xmlns:mc="http://schemas.openxmlformats.org/markup-compatibility/2006">
-    <mc:Choice xmlns:p14="http://schemas.microsoft.com/office/powerpoint/2010/main" Requires="p14">
+  <mc:AlternateContent xmlns:mc="http://schemas.openxmlformats.org/markup-compatibility/2006" xmlns:p14="http://schemas.microsoft.com/office/powerpoint/2010/main">
+    <mc:Choice Requires="p14">
       <p:transition spd="slow" p14:dur="2000"/>
     </mc:Choice>
-    <mc:Fallback>
+    <mc:Fallback xmlns="">
       <p:transition spd="slow"/>
     </mc:Fallback>
   </mc:AlternateContent>
@@ -17767,11 +17673,11 @@
   <p:clrMapOvr>
     <a:masterClrMapping/>
   </p:clrMapOvr>
-  <mc:AlternateContent xmlns:mc="http://schemas.openxmlformats.org/markup-compatibility/2006">
-    <mc:Choice xmlns:p14="http://schemas.microsoft.com/office/powerpoint/2010/main" Requires="p14">
+  <mc:AlternateContent xmlns:mc="http://schemas.openxmlformats.org/markup-compatibility/2006" xmlns:p14="http://schemas.microsoft.com/office/powerpoint/2010/main">
+    <mc:Choice Requires="p14">
       <p:transition spd="slow" p14:dur="2000"/>
     </mc:Choice>
-    <mc:Fallback>
+    <mc:Fallback xmlns="">
       <p:transition spd="slow"/>
     </mc:Fallback>
   </mc:AlternateContent>
@@ -17858,11 +17764,11 @@
   <p:clrMapOvr>
     <a:masterClrMapping/>
   </p:clrMapOvr>
-  <mc:AlternateContent xmlns:mc="http://schemas.openxmlformats.org/markup-compatibility/2006">
-    <mc:Choice xmlns:p14="http://schemas.microsoft.com/office/powerpoint/2010/main" Requires="p14">
+  <mc:AlternateContent xmlns:mc="http://schemas.openxmlformats.org/markup-compatibility/2006" xmlns:p14="http://schemas.microsoft.com/office/powerpoint/2010/main">
+    <mc:Choice Requires="p14">
       <p:transition spd="slow" p14:dur="2000"/>
     </mc:Choice>
-    <mc:Fallback>
+    <mc:Fallback xmlns="">
       <p:transition spd="slow"/>
     </mc:Fallback>
   </mc:AlternateContent>
@@ -17949,11 +17855,11 @@
   <p:clrMapOvr>
     <a:masterClrMapping/>
   </p:clrMapOvr>
-  <mc:AlternateContent xmlns:mc="http://schemas.openxmlformats.org/markup-compatibility/2006">
-    <mc:Choice xmlns:p14="http://schemas.microsoft.com/office/powerpoint/2010/main" Requires="p14">
+  <mc:AlternateContent xmlns:mc="http://schemas.openxmlformats.org/markup-compatibility/2006" xmlns:p14="http://schemas.microsoft.com/office/powerpoint/2010/main">
+    <mc:Choice Requires="p14">
       <p:transition spd="slow" p14:dur="2000"/>
     </mc:Choice>
-    <mc:Fallback>
+    <mc:Fallback xmlns="">
       <p:transition spd="slow"/>
     </mc:Fallback>
   </mc:AlternateContent>
@@ -18283,11 +18189,7 @@
             </a:r>
             <a:r>
               <a:rPr lang="fr-FR" dirty="0" smtClean="0"/>
-              <a:t> </a:t>
-            </a:r>
-            <a:r>
-              <a:rPr lang="fr-FR" dirty="0" smtClean="0"/>
-              <a:t>v8</a:t>
+              <a:t> v8</a:t>
             </a:r>
           </a:p>
           <a:p>
@@ -18369,60 +18271,6 @@
           </a:p>
         </p:txBody>
       </p:sp>
-      <p:pic>
-        <p:nvPicPr>
-          <p:cNvPr id="2050" name="Picture 2"/>
-          <p:cNvPicPr>
-            <a:picLocks noChangeAspect="1" noChangeArrowheads="1"/>
-          </p:cNvPicPr>
-          <p:nvPr/>
-        </p:nvPicPr>
-        <p:blipFill>
-          <a:blip r:embed="rId3">
-            <a:extLst>
-              <a:ext uri="{28A0092B-C50C-407E-A947-70E740481C1C}">
-                <a14:useLocalDpi xmlns:a14="http://schemas.microsoft.com/office/drawing/2010/main" val="0"/>
-              </a:ext>
-            </a:extLst>
-          </a:blip>
-          <a:srcRect/>
-          <a:stretch>
-            <a:fillRect/>
-          </a:stretch>
-        </p:blipFill>
-        <p:spPr bwMode="auto">
-          <a:xfrm>
-            <a:off x="1043608" y="4509120"/>
-            <a:ext cx="7105650" cy="1800225"/>
-          </a:xfrm>
-          <a:prstGeom prst="rect">
-            <a:avLst/>
-          </a:prstGeom>
-          <a:noFill/>
-          <a:ln>
-            <a:noFill/>
-          </a:ln>
-          <a:extLst>
-            <a:ext uri="{909E8E84-426E-40DD-AFC4-6F175D3DCCD1}">
-              <a14:hiddenFill xmlns:a14="http://schemas.microsoft.com/office/drawing/2010/main">
-                <a:solidFill>
-                  <a:schemeClr val="accent1"/>
-                </a:solidFill>
-              </a14:hiddenFill>
-            </a:ext>
-            <a:ext uri="{91240B29-F687-4F45-9708-019B960494DF}">
-              <a14:hiddenLine xmlns:a14="http://schemas.microsoft.com/office/drawing/2010/main" w="9525">
-                <a:solidFill>
-                  <a:schemeClr val="tx1"/>
-                </a:solidFill>
-                <a:miter lim="800000"/>
-                <a:headEnd/>
-                <a:tailEnd/>
-              </a14:hiddenLine>
-            </a:ext>
-          </a:extLst>
-        </p:spPr>
-      </p:pic>
     </p:spTree>
     <p:extLst>
       <p:ext uri="{BB962C8B-B14F-4D97-AF65-F5344CB8AC3E}">
@@ -18768,7 +18616,6 @@
               <a:rPr lang="fr-FR" dirty="0" smtClean="0"/>
               <a:t>-loader</a:t>
             </a:r>
-            <a:endParaRPr lang="fr-FR" dirty="0" smtClean="0"/>
           </a:p>
           <a:p>
             <a:r>
@@ -18789,7 +18636,6 @@
               <a:rPr lang="fr-FR" dirty="0" smtClean="0"/>
               <a:t>Compiler, ouvrir le bundle.js</a:t>
             </a:r>
-            <a:endParaRPr lang="fr-FR" dirty="0" smtClean="0"/>
           </a:p>
         </p:txBody>
       </p:sp>
@@ -18938,15 +18784,7 @@
             </a:r>
             <a:r>
               <a:rPr lang="fr-FR" dirty="0" smtClean="0"/>
-              <a:t>, </a:t>
-            </a:r>
-            <a:r>
-              <a:rPr lang="fr-FR" dirty="0" smtClean="0"/>
-              <a:t>décorateurs, </a:t>
-            </a:r>
-            <a:r>
-              <a:rPr lang="fr-FR" dirty="0" smtClean="0"/>
-              <a:t>composants…)</a:t>
+              <a:t>, décorateurs, composants…)</a:t>
             </a:r>
           </a:p>
           <a:p>
@@ -19304,12 +19142,14 @@
         </p:nvSpPr>
         <p:spPr>
           <a:xfrm>
-            <a:off x="872067" y="2675467"/>
+            <a:off x="179512" y="2204864"/>
             <a:ext cx="4420013" cy="3450696"/>
           </a:xfrm>
         </p:spPr>
         <p:txBody>
-          <a:bodyPr/>
+          <a:bodyPr>
+            <a:normAutofit lnSpcReduction="10000"/>
+          </a:bodyPr>
           <a:lstStyle/>
           <a:p>
             <a:r>
@@ -19328,22 +19168,32 @@
           <a:p>
             <a:r>
               <a:rPr lang="fr-FR" dirty="0" smtClean="0"/>
-              <a:t>Générer un </a:t>
-            </a:r>
+              <a:t>Générer un nouveau projet avec le client</a:t>
+            </a:r>
+          </a:p>
+          <a:p>
             <a:r>
               <a:rPr lang="fr-FR" dirty="0" smtClean="0"/>
-              <a:t>nouveau </a:t>
+              <a:t>Analyser les fichiers de la </a:t>
             </a:r>
             <a:r>
               <a:rPr lang="fr-FR" dirty="0" smtClean="0"/>
-              <a:t>projet avec le client</a:t>
-            </a:r>
-          </a:p>
-          <a:p>
-            <a:r>
-              <a:rPr lang="fr-FR" dirty="0" smtClean="0"/>
-              <a:t>Analyser les fichiers de la racine</a:t>
-            </a:r>
+              <a:t>racine</a:t>
+            </a:r>
+          </a:p>
+          <a:p>
+            <a:r>
+              <a:rPr lang="fr-FR" dirty="0"/>
+              <a:t>Lancer le serveur</a:t>
+            </a:r>
+          </a:p>
+          <a:p>
+            <a:r>
+              <a:rPr lang="fr-FR" dirty="0"/>
+              <a:t>Dans la console chrome analyser les fichiers récupérés</a:t>
+            </a:r>
+          </a:p>
+          <a:p>
             <a:endParaRPr lang="fr-FR" dirty="0"/>
           </a:p>
         </p:txBody>
@@ -19398,8 +19248,57 @@
         </p:blipFill>
         <p:spPr bwMode="auto">
           <a:xfrm>
-            <a:off x="5796136" y="2708920"/>
+            <a:off x="4283968" y="1487191"/>
             <a:ext cx="2448272" cy="3657480"/>
+          </a:xfrm>
+          <a:prstGeom prst="rect">
+            <a:avLst/>
+          </a:prstGeom>
+          <a:noFill/>
+          <a:ln w="9525">
+            <a:solidFill>
+              <a:schemeClr val="accent2"/>
+            </a:solidFill>
+            <a:miter lim="800000"/>
+            <a:headEnd/>
+            <a:tailEnd/>
+          </a:ln>
+          <a:extLst>
+            <a:ext uri="{909E8E84-426E-40DD-AFC4-6F175D3DCCD1}">
+              <a14:hiddenFill xmlns:a14="http://schemas.microsoft.com/office/drawing/2010/main">
+                <a:solidFill>
+                  <a:schemeClr val="accent1"/>
+                </a:solidFill>
+              </a14:hiddenFill>
+            </a:ext>
+          </a:extLst>
+        </p:spPr>
+      </p:pic>
+      <p:pic>
+        <p:nvPicPr>
+          <p:cNvPr id="5" name="Picture 2"/>
+          <p:cNvPicPr>
+            <a:picLocks noChangeAspect="1" noChangeArrowheads="1"/>
+          </p:cNvPicPr>
+          <p:nvPr/>
+        </p:nvPicPr>
+        <p:blipFill>
+          <a:blip r:embed="rId4">
+            <a:extLst>
+              <a:ext uri="{28A0092B-C50C-407E-A947-70E740481C1C}">
+                <a14:useLocalDpi xmlns:a14="http://schemas.microsoft.com/office/drawing/2010/main" val="0"/>
+              </a:ext>
+            </a:extLst>
+          </a:blip>
+          <a:srcRect/>
+          <a:stretch>
+            <a:fillRect/>
+          </a:stretch>
+        </p:blipFill>
+        <p:spPr bwMode="auto">
+          <a:xfrm>
+            <a:off x="6372200" y="3756804"/>
+            <a:ext cx="2523625" cy="3130574"/>
           </a:xfrm>
           <a:prstGeom prst="rect">
             <a:avLst/>

--- a/formation_Angular.pptx
+++ b/formation_Angular.pptx
@@ -535,7 +535,6 @@
               <a:rPr lang="fr-FR" dirty="0" smtClean="0"/>
               <a:t> v8</a:t>
             </a:r>
-            <a:endParaRPr lang="fr-FR" dirty="0" smtClean="0"/>
           </a:p>
           <a:p>
             <a:r>
@@ -1139,8 +1138,94 @@
           <a:p>
             <a:r>
               <a:rPr lang="fr-FR" dirty="0" smtClean="0"/>
-              <a:t>Étudier la racine du répertoire</a:t>
-            </a:r>
+              <a:t>Étudier la racine du </a:t>
+            </a:r>
+            <a:r>
+              <a:rPr lang="fr-FR" dirty="0" smtClean="0"/>
+              <a:t>répertoire</a:t>
+            </a:r>
+          </a:p>
+          <a:p>
+            <a:r>
+              <a:rPr lang="fr-FR" dirty="0" err="1" smtClean="0"/>
+              <a:t>Sockjs</a:t>
+            </a:r>
+            <a:r>
+              <a:rPr lang="fr-FR" dirty="0" smtClean="0"/>
+              <a:t> =&gt; </a:t>
+            </a:r>
+            <a:r>
+              <a:rPr lang="fr-FR" dirty="0" err="1" smtClean="0"/>
+              <a:t>webpack</a:t>
+            </a:r>
+            <a:r>
+              <a:rPr lang="fr-FR" dirty="0" smtClean="0"/>
+              <a:t>-</a:t>
+            </a:r>
+            <a:r>
+              <a:rPr lang="fr-FR" dirty="0" err="1" smtClean="0"/>
+              <a:t>dev</a:t>
+            </a:r>
+            <a:r>
+              <a:rPr lang="fr-FR" dirty="0" smtClean="0"/>
+              <a:t>-server : memory-</a:t>
+            </a:r>
+            <a:r>
+              <a:rPr lang="fr-FR" dirty="0" err="1" smtClean="0"/>
+              <a:t>fs</a:t>
+            </a:r>
+            <a:r>
+              <a:rPr lang="fr-FR" dirty="0" smtClean="0"/>
+              <a:t> utiliser pour charger le projet dans objet </a:t>
+            </a:r>
+            <a:r>
+              <a:rPr lang="fr-FR" dirty="0" err="1" smtClean="0"/>
+              <a:t>js</a:t>
+            </a:r>
+            <a:r>
+              <a:rPr lang="fr-FR" dirty="0" smtClean="0"/>
+              <a:t> (pas de /</a:t>
+            </a:r>
+            <a:r>
+              <a:rPr lang="fr-FR" dirty="0" err="1" smtClean="0"/>
+              <a:t>dist</a:t>
+            </a:r>
+            <a:r>
+              <a:rPr lang="fr-FR" dirty="0" smtClean="0"/>
+              <a:t>)</a:t>
+            </a:r>
+          </a:p>
+          <a:p>
+            <a:r>
+              <a:rPr lang="fr-FR" dirty="0" err="1" smtClean="0"/>
+              <a:t>Polyfills</a:t>
+            </a:r>
+            <a:r>
+              <a:rPr lang="fr-FR" dirty="0" smtClean="0"/>
+              <a:t> : ES6 mais </a:t>
+            </a:r>
+            <a:r>
+              <a:rPr lang="fr-FR" dirty="0" err="1" smtClean="0"/>
+              <a:t>retrocompatible</a:t>
+            </a:r>
+            <a:endParaRPr lang="fr-FR" dirty="0" smtClean="0"/>
+          </a:p>
+          <a:p>
+            <a:r>
+              <a:rPr lang="fr-FR" dirty="0" smtClean="0"/>
+              <a:t>Styles.js : fonctions</a:t>
+            </a:r>
+            <a:r>
+              <a:rPr lang="fr-FR" baseline="0" dirty="0" smtClean="0"/>
+              <a:t> de traitement style &amp; </a:t>
+            </a:r>
+            <a:r>
+              <a:rPr lang="fr-FR" baseline="0" dirty="0" err="1" smtClean="0"/>
+              <a:t>css</a:t>
+            </a:r>
+            <a:endParaRPr lang="fr-FR" baseline="0" dirty="0" smtClean="0"/>
+          </a:p>
+          <a:p>
             <a:endParaRPr lang="fr-FR" dirty="0"/>
           </a:p>
         </p:txBody>
@@ -1334,84 +1419,31 @@
           <a:p>
             <a:r>
               <a:rPr lang="fr-FR" dirty="0" err="1" smtClean="0"/>
-              <a:t>Sockjs</a:t>
+              <a:t>ng</a:t>
             </a:r>
             <a:r>
               <a:rPr lang="fr-FR" dirty="0" smtClean="0"/>
-              <a:t> =&gt; </a:t>
+              <a:t> </a:t>
             </a:r>
             <a:r>
               <a:rPr lang="fr-FR" dirty="0" err="1" smtClean="0"/>
-              <a:t>webpack</a:t>
+              <a:t>generate</a:t>
             </a:r>
             <a:r>
               <a:rPr lang="fr-FR" dirty="0" smtClean="0"/>
-              <a:t>-</a:t>
+              <a:t> module </a:t>
             </a:r>
             <a:r>
               <a:rPr lang="fr-FR" dirty="0" err="1" smtClean="0"/>
-              <a:t>dev</a:t>
+              <a:t>core</a:t>
             </a:r>
             <a:r>
               <a:rPr lang="fr-FR" dirty="0" smtClean="0"/>
-              <a:t>-server : memory-</a:t>
+              <a:t> --</a:t>
             </a:r>
             <a:r>
               <a:rPr lang="fr-FR" dirty="0" err="1" smtClean="0"/>
-              <a:t>fs</a:t>
-            </a:r>
-            <a:r>
-              <a:rPr lang="fr-FR" dirty="0" smtClean="0"/>
-              <a:t> utiliser pour charger le projet dans objet </a:t>
-            </a:r>
-            <a:r>
-              <a:rPr lang="fr-FR" dirty="0" err="1" smtClean="0"/>
-              <a:t>js</a:t>
-            </a:r>
-            <a:r>
-              <a:rPr lang="fr-FR" dirty="0" smtClean="0"/>
-              <a:t> (pas de /</a:t>
-            </a:r>
-            <a:r>
-              <a:rPr lang="fr-FR" dirty="0" err="1" smtClean="0"/>
-              <a:t>dist</a:t>
-            </a:r>
-            <a:r>
-              <a:rPr lang="fr-FR" dirty="0" smtClean="0"/>
-              <a:t>)</a:t>
-            </a:r>
-          </a:p>
-          <a:p>
-            <a:r>
-              <a:rPr lang="fr-FR" dirty="0" err="1" smtClean="0"/>
-              <a:t>Polyfills</a:t>
-            </a:r>
-            <a:r>
-              <a:rPr lang="fr-FR" dirty="0" smtClean="0"/>
-              <a:t> : ES6 mais </a:t>
-            </a:r>
-            <a:r>
-              <a:rPr lang="fr-FR" dirty="0" err="1" smtClean="0"/>
-              <a:t>retrocompatible</a:t>
-            </a:r>
-            <a:endParaRPr lang="fr-FR" dirty="0" smtClean="0"/>
-          </a:p>
-          <a:p>
-            <a:r>
-              <a:rPr lang="fr-FR" dirty="0" smtClean="0"/>
-              <a:t>Styles.js : </a:t>
-            </a:r>
-            <a:r>
-              <a:rPr lang="fr-FR" dirty="0" err="1" smtClean="0"/>
-              <a:t>focntions</a:t>
-            </a:r>
-            <a:r>
-              <a:rPr lang="fr-FR" baseline="0" dirty="0" smtClean="0"/>
-              <a:t> de traitement &amp; </a:t>
-            </a:r>
-            <a:r>
-              <a:rPr lang="fr-FR" baseline="0" dirty="0" err="1" smtClean="0"/>
-              <a:t>css</a:t>
+              <a:t>routing</a:t>
             </a:r>
             <a:endParaRPr lang="fr-FR" dirty="0"/>
           </a:p>
@@ -1444,6 +1476,90 @@
     <p:extLst>
       <p:ext uri="{BB962C8B-B14F-4D97-AF65-F5344CB8AC3E}">
         <p14:creationId xmlns:p14="http://schemas.microsoft.com/office/powerpoint/2010/main" val="3528251478"/>
+      </p:ext>
+    </p:extLst>
+  </p:cSld>
+  <p:clrMapOvr>
+    <a:masterClrMapping/>
+  </p:clrMapOvr>
+</p:notes>
+</file>
+
+<file path=ppt/notesSlides/notesSlide9.xml><?xml version="1.0" encoding="utf-8"?>
+<p:notes xmlns:a="http://schemas.openxmlformats.org/drawingml/2006/main" xmlns:r="http://schemas.openxmlformats.org/officeDocument/2006/relationships" xmlns:p="http://schemas.openxmlformats.org/presentationml/2006/main">
+  <p:cSld>
+    <p:spTree>
+      <p:nvGrpSpPr>
+        <p:cNvPr id="1" name=""/>
+        <p:cNvGrpSpPr/>
+        <p:nvPr/>
+      </p:nvGrpSpPr>
+      <p:grpSpPr>
+        <a:xfrm>
+          <a:off x="0" y="0"/>
+          <a:ext cx="0" cy="0"/>
+          <a:chOff x="0" y="0"/>
+          <a:chExt cx="0" cy="0"/>
+        </a:xfrm>
+      </p:grpSpPr>
+      <p:sp>
+        <p:nvSpPr>
+          <p:cNvPr id="2" name="Espace réservé de l'image des diapositives 1"/>
+          <p:cNvSpPr>
+            <a:spLocks noGrp="1" noRot="1" noChangeAspect="1"/>
+          </p:cNvSpPr>
+          <p:nvPr>
+            <p:ph type="sldImg"/>
+          </p:nvPr>
+        </p:nvSpPr>
+        <p:spPr/>
+      </p:sp>
+      <p:sp>
+        <p:nvSpPr>
+          <p:cNvPr id="3" name="Espace réservé des commentaires 2"/>
+          <p:cNvSpPr>
+            <a:spLocks noGrp="1"/>
+          </p:cNvSpPr>
+          <p:nvPr>
+            <p:ph type="body" idx="1"/>
+          </p:nvPr>
+        </p:nvSpPr>
+        <p:spPr/>
+        <p:txBody>
+          <a:bodyPr/>
+          <a:lstStyle/>
+          <a:p>
+            <a:endParaRPr lang="fr-FR" dirty="0"/>
+          </a:p>
+        </p:txBody>
+      </p:sp>
+      <p:sp>
+        <p:nvSpPr>
+          <p:cNvPr id="4" name="Espace réservé du numéro de diapositive 3"/>
+          <p:cNvSpPr>
+            <a:spLocks noGrp="1"/>
+          </p:cNvSpPr>
+          <p:nvPr>
+            <p:ph type="sldNum" sz="quarter" idx="10"/>
+          </p:nvPr>
+        </p:nvSpPr>
+        <p:spPr/>
+        <p:txBody>
+          <a:bodyPr/>
+          <a:lstStyle/>
+          <a:p>
+            <a:fld id="{FD0CA3AA-443A-466C-BF59-FB6574BB11C3}" type="slidenum">
+              <a:rPr lang="fr-FR" smtClean="0"/>
+              <a:t>12</a:t>
+            </a:fld>
+            <a:endParaRPr lang="fr-FR"/>
+          </a:p>
+        </p:txBody>
+      </p:sp>
+    </p:spTree>
+    <p:extLst>
+      <p:ext uri="{BB962C8B-B14F-4D97-AF65-F5344CB8AC3E}">
+        <p14:creationId xmlns:p14="http://schemas.microsoft.com/office/powerpoint/2010/main" val="3207704278"/>
       </p:ext>
     </p:extLst>
   </p:cSld>
@@ -16208,7 +16324,11 @@
           <a:p>
             <a:r>
               <a:rPr lang="fr-FR" dirty="0" smtClean="0"/>
-              <a:t>Composant ou directive évoluée</a:t>
+              <a:t>Composant, </a:t>
+            </a:r>
+            <a:r>
+              <a:rPr lang="fr-FR" dirty="0" smtClean="0"/>
+              <a:t>directive évoluée</a:t>
             </a:r>
             <a:endParaRPr lang="fr-FR" dirty="0"/>
           </a:p>
@@ -16286,8 +16406,8 @@
         </p:nvSpPr>
         <p:spPr>
           <a:xfrm>
-            <a:off x="395537" y="2924944"/>
-            <a:ext cx="5688631" cy="3201219"/>
+            <a:off x="827584" y="2996952"/>
+            <a:ext cx="7416823" cy="3201219"/>
           </a:xfrm>
         </p:spPr>
         <p:txBody>
@@ -16296,19 +16416,23 @@
           <a:p>
             <a:r>
               <a:rPr lang="fr-FR" dirty="0" smtClean="0"/>
-              <a:t>Ajouter </a:t>
-            </a:r>
-            <a:r>
-              <a:rPr lang="fr-FR" dirty="0" smtClean="0"/>
-              <a:t>un module </a:t>
+              <a:t>Ajouter un module </a:t>
             </a:r>
             <a:r>
               <a:rPr lang="fr-FR" dirty="0" err="1" smtClean="0"/>
               <a:t>core</a:t>
             </a:r>
             <a:r>
+              <a:rPr lang="fr-FR" dirty="0"/>
+              <a:t> </a:t>
+            </a:r>
+            <a:r>
               <a:rPr lang="fr-FR" dirty="0" smtClean="0"/>
-              <a:t> à l’application avec le client </a:t>
+              <a:t>à </a:t>
+            </a:r>
+            <a:r>
+              <a:rPr lang="fr-FR" dirty="0" smtClean="0"/>
+              <a:t>l’application avec le client </a:t>
             </a:r>
             <a:r>
               <a:rPr lang="fr-FR" dirty="0" err="1" smtClean="0"/>
@@ -16335,6 +16459,24 @@
             <a:r>
               <a:rPr lang="fr-FR" dirty="0" err="1" smtClean="0"/>
               <a:t>CommonModule</a:t>
+            </a:r>
+            <a:endParaRPr lang="fr-FR" dirty="0" smtClean="0"/>
+          </a:p>
+          <a:p>
+            <a:r>
+              <a:rPr lang="fr-FR" dirty="0" smtClean="0"/>
+              <a:t>Ajouter le composant à la vue du composant </a:t>
+            </a:r>
+            <a:r>
+              <a:rPr lang="fr-FR" dirty="0" err="1" smtClean="0"/>
+              <a:t>app</a:t>
+            </a:r>
+            <a:endParaRPr lang="fr-FR" dirty="0" smtClean="0"/>
+          </a:p>
+          <a:p>
+            <a:r>
+              <a:rPr lang="fr-FR" dirty="0" smtClean="0"/>
+              <a:t>Passer une valeur au composant</a:t>
             </a:r>
             <a:endParaRPr lang="fr-FR" dirty="0"/>
           </a:p>
@@ -16357,7 +16499,11 @@
           <a:p>
             <a:r>
               <a:rPr lang="fr-FR" dirty="0" smtClean="0"/>
-              <a:t>TP Modules</a:t>
+              <a:t>TP </a:t>
+            </a:r>
+            <a:r>
+              <a:rPr lang="fr-FR" dirty="0" smtClean="0"/>
+              <a:t>Modularisation</a:t>
             </a:r>
             <a:endParaRPr lang="fr-FR" dirty="0"/>
           </a:p>
@@ -16576,7 +16722,7 @@
           <a:p>
             <a:r>
               <a:rPr lang="fr-FR" dirty="0" smtClean="0"/>
-              <a:t>TP</a:t>
+              <a:t>TP Providers</a:t>
             </a:r>
             <a:endParaRPr lang="fr-FR" dirty="0"/>
           </a:p>
@@ -19143,12 +19289,12 @@
         <p:spPr>
           <a:xfrm>
             <a:off x="179512" y="2204864"/>
-            <a:ext cx="4420013" cy="3450696"/>
+            <a:ext cx="4420013" cy="4104456"/>
           </a:xfrm>
         </p:spPr>
         <p:txBody>
           <a:bodyPr>
-            <a:normAutofit lnSpcReduction="10000"/>
+            <a:normAutofit/>
           </a:bodyPr>
           <a:lstStyle/>
           <a:p>
@@ -19174,11 +19320,7 @@
           <a:p>
             <a:r>
               <a:rPr lang="fr-FR" dirty="0" smtClean="0"/>
-              <a:t>Analyser les fichiers de la </a:t>
-            </a:r>
-            <a:r>
-              <a:rPr lang="fr-FR" dirty="0" smtClean="0"/>
-              <a:t>racine</a:t>
+              <a:t>Analyser les fichiers de la racine</a:t>
             </a:r>
           </a:p>
           <a:p>
@@ -19248,7 +19390,7 @@
         </p:blipFill>
         <p:spPr bwMode="auto">
           <a:xfrm>
-            <a:off x="4283968" y="1487191"/>
+            <a:off x="4716016" y="1487191"/>
             <a:ext cx="2448272" cy="3657480"/>
           </a:xfrm>
           <a:prstGeom prst="rect">

--- a/formation_Angular.pptx
+++ b/formation_Angular.pptx
@@ -1138,11 +1138,7 @@
           <a:p>
             <a:r>
               <a:rPr lang="fr-FR" dirty="0" smtClean="0"/>
-              <a:t>Étudier la racine du </a:t>
-            </a:r>
-            <a:r>
-              <a:rPr lang="fr-FR" dirty="0" smtClean="0"/>
-              <a:t>répertoire</a:t>
+              <a:t>Étudier la racine du répertoire</a:t>
             </a:r>
           </a:p>
           <a:p>
@@ -16324,11 +16320,7 @@
           <a:p>
             <a:r>
               <a:rPr lang="fr-FR" dirty="0" smtClean="0"/>
-              <a:t>Composant, </a:t>
-            </a:r>
-            <a:r>
-              <a:rPr lang="fr-FR" dirty="0" smtClean="0"/>
-              <a:t>directive évoluée</a:t>
+              <a:t>Composant, directive évoluée</a:t>
             </a:r>
             <a:endParaRPr lang="fr-FR" dirty="0"/>
           </a:p>
@@ -16428,11 +16420,7 @@
             </a:r>
             <a:r>
               <a:rPr lang="fr-FR" dirty="0" smtClean="0"/>
-              <a:t>à </a:t>
-            </a:r>
-            <a:r>
-              <a:rPr lang="fr-FR" dirty="0" smtClean="0"/>
-              <a:t>l’application avec le client </a:t>
+              <a:t>à l’application avec le client </a:t>
             </a:r>
             <a:r>
               <a:rPr lang="fr-FR" dirty="0" err="1" smtClean="0"/>
@@ -16499,11 +16487,7 @@
           <a:p>
             <a:r>
               <a:rPr lang="fr-FR" dirty="0" smtClean="0"/>
-              <a:t>TP </a:t>
-            </a:r>
-            <a:r>
-              <a:rPr lang="fr-FR" dirty="0" smtClean="0"/>
-              <a:t>Modularisation</a:t>
+              <a:t>TP Modularisation</a:t>
             </a:r>
             <a:endParaRPr lang="fr-FR" dirty="0"/>
           </a:p>

--- a/formation_Angular.pptx
+++ b/formation_Angular.pptx
@@ -527,49 +527,6 @@
           <a:bodyPr/>
           <a:lstStyle/>
           <a:p>
-            <a:r>
-              <a:rPr lang="fr-FR" dirty="0" err="1" smtClean="0"/>
-              <a:t>Nodejs</a:t>
-            </a:r>
-            <a:r>
-              <a:rPr lang="fr-FR" dirty="0" smtClean="0"/>
-              <a:t> v8</a:t>
-            </a:r>
-          </a:p>
-          <a:p>
-            <a:r>
-              <a:rPr lang="fr-FR" dirty="0" err="1" smtClean="0"/>
-              <a:t>Nvm</a:t>
-            </a:r>
-            <a:r>
-              <a:rPr lang="fr-FR" dirty="0" smtClean="0"/>
-              <a:t> : Gestion de plusieurs version de </a:t>
-            </a:r>
-            <a:r>
-              <a:rPr lang="fr-FR" dirty="0" err="1" smtClean="0"/>
-              <a:t>nodejs</a:t>
-            </a:r>
-            <a:endParaRPr lang="fr-FR" dirty="0" smtClean="0"/>
-          </a:p>
-          <a:p>
-            <a:r>
-              <a:rPr lang="fr-FR" dirty="0" err="1" smtClean="0"/>
-              <a:t>Yarn</a:t>
-            </a:r>
-            <a:r>
-              <a:rPr lang="fr-FR" dirty="0" smtClean="0"/>
-              <a:t> : alternative à </a:t>
-            </a:r>
-            <a:r>
-              <a:rPr lang="fr-FR" dirty="0" err="1" smtClean="0"/>
-              <a:t>npm</a:t>
-            </a:r>
-            <a:endParaRPr lang="fr-FR" dirty="0" smtClean="0"/>
-          </a:p>
-          <a:p>
-            <a:endParaRPr lang="fr-FR" dirty="0" smtClean="0"/>
-          </a:p>
-          <a:p>
             <a:endParaRPr lang="fr-FR" dirty="0"/>
           </a:p>
         </p:txBody>
@@ -591,7 +548,7 @@
           <a:p>
             <a:fld id="{FD0CA3AA-443A-466C-BF59-FB6574BB11C3}" type="slidenum">
               <a:rPr lang="fr-FR" smtClean="0"/>
-              <a:t>3</a:t>
+              <a:t>2</a:t>
             </a:fld>
             <a:endParaRPr lang="fr-FR"/>
           </a:p>
@@ -600,7 +557,203 @@
     </p:spTree>
     <p:extLst>
       <p:ext uri="{BB962C8B-B14F-4D97-AF65-F5344CB8AC3E}">
-        <p14:creationId xmlns:p14="http://schemas.microsoft.com/office/powerpoint/2010/main" val="3028710348"/>
+        <p14:creationId xmlns:p14="http://schemas.microsoft.com/office/powerpoint/2010/main" val="1835928739"/>
+      </p:ext>
+    </p:extLst>
+  </p:cSld>
+  <p:clrMapOvr>
+    <a:masterClrMapping/>
+  </p:clrMapOvr>
+</p:notes>
+</file>
+
+<file path=ppt/notesSlides/notesSlide10.xml><?xml version="1.0" encoding="utf-8"?>
+<p:notes xmlns:a="http://schemas.openxmlformats.org/drawingml/2006/main" xmlns:r="http://schemas.openxmlformats.org/officeDocument/2006/relationships" xmlns:p="http://schemas.openxmlformats.org/presentationml/2006/main">
+  <p:cSld>
+    <p:spTree>
+      <p:nvGrpSpPr>
+        <p:cNvPr id="1" name=""/>
+        <p:cNvGrpSpPr/>
+        <p:nvPr/>
+      </p:nvGrpSpPr>
+      <p:grpSpPr>
+        <a:xfrm>
+          <a:off x="0" y="0"/>
+          <a:ext cx="0" cy="0"/>
+          <a:chOff x="0" y="0"/>
+          <a:chExt cx="0" cy="0"/>
+        </a:xfrm>
+      </p:grpSpPr>
+      <p:sp>
+        <p:nvSpPr>
+          <p:cNvPr id="2" name="Espace réservé de l'image des diapositives 1"/>
+          <p:cNvSpPr>
+            <a:spLocks noGrp="1" noRot="1" noChangeAspect="1"/>
+          </p:cNvSpPr>
+          <p:nvPr>
+            <p:ph type="sldImg"/>
+          </p:nvPr>
+        </p:nvSpPr>
+        <p:spPr/>
+      </p:sp>
+      <p:sp>
+        <p:nvSpPr>
+          <p:cNvPr id="3" name="Espace réservé des commentaires 2"/>
+          <p:cNvSpPr>
+            <a:spLocks noGrp="1"/>
+          </p:cNvSpPr>
+          <p:nvPr>
+            <p:ph type="body" idx="1"/>
+          </p:nvPr>
+        </p:nvSpPr>
+        <p:spPr/>
+        <p:txBody>
+          <a:bodyPr/>
+          <a:lstStyle/>
+          <a:p>
+            <a:endParaRPr lang="fr-FR" dirty="0"/>
+          </a:p>
+        </p:txBody>
+      </p:sp>
+      <p:sp>
+        <p:nvSpPr>
+          <p:cNvPr id="4" name="Espace réservé du numéro de diapositive 3"/>
+          <p:cNvSpPr>
+            <a:spLocks noGrp="1"/>
+          </p:cNvSpPr>
+          <p:nvPr>
+            <p:ph type="sldNum" sz="quarter" idx="10"/>
+          </p:nvPr>
+        </p:nvSpPr>
+        <p:spPr/>
+        <p:txBody>
+          <a:bodyPr/>
+          <a:lstStyle/>
+          <a:p>
+            <a:fld id="{FD0CA3AA-443A-466C-BF59-FB6574BB11C3}" type="slidenum">
+              <a:rPr lang="fr-FR" smtClean="0"/>
+              <a:t>12</a:t>
+            </a:fld>
+            <a:endParaRPr lang="fr-FR"/>
+          </a:p>
+        </p:txBody>
+      </p:sp>
+    </p:spTree>
+    <p:extLst>
+      <p:ext uri="{BB962C8B-B14F-4D97-AF65-F5344CB8AC3E}">
+        <p14:creationId xmlns:p14="http://schemas.microsoft.com/office/powerpoint/2010/main" val="3207704278"/>
+      </p:ext>
+    </p:extLst>
+  </p:cSld>
+  <p:clrMapOvr>
+    <a:masterClrMapping/>
+  </p:clrMapOvr>
+</p:notes>
+</file>
+
+<file path=ppt/notesSlides/notesSlide11.xml><?xml version="1.0" encoding="utf-8"?>
+<p:notes xmlns:a="http://schemas.openxmlformats.org/drawingml/2006/main" xmlns:r="http://schemas.openxmlformats.org/officeDocument/2006/relationships" xmlns:p="http://schemas.openxmlformats.org/presentationml/2006/main">
+  <p:cSld>
+    <p:spTree>
+      <p:nvGrpSpPr>
+        <p:cNvPr id="1" name=""/>
+        <p:cNvGrpSpPr/>
+        <p:nvPr/>
+      </p:nvGrpSpPr>
+      <p:grpSpPr>
+        <a:xfrm>
+          <a:off x="0" y="0"/>
+          <a:ext cx="0" cy="0"/>
+          <a:chOff x="0" y="0"/>
+          <a:chExt cx="0" cy="0"/>
+        </a:xfrm>
+      </p:grpSpPr>
+      <p:sp>
+        <p:nvSpPr>
+          <p:cNvPr id="2" name="Espace réservé de l'image des diapositives 1"/>
+          <p:cNvSpPr>
+            <a:spLocks noGrp="1" noRot="1" noChangeAspect="1"/>
+          </p:cNvSpPr>
+          <p:nvPr>
+            <p:ph type="sldImg"/>
+          </p:nvPr>
+        </p:nvSpPr>
+        <p:spPr/>
+      </p:sp>
+      <p:sp>
+        <p:nvSpPr>
+          <p:cNvPr id="3" name="Espace réservé des commentaires 2"/>
+          <p:cNvSpPr>
+            <a:spLocks noGrp="1"/>
+          </p:cNvSpPr>
+          <p:nvPr>
+            <p:ph type="body" idx="1"/>
+          </p:nvPr>
+        </p:nvSpPr>
+        <p:spPr/>
+        <p:txBody>
+          <a:bodyPr/>
+          <a:lstStyle/>
+          <a:p>
+            <a:r>
+              <a:rPr lang="fr-FR" dirty="0" err="1" smtClean="0"/>
+              <a:t>ng</a:t>
+            </a:r>
+            <a:r>
+              <a:rPr lang="fr-FR" dirty="0" smtClean="0"/>
+              <a:t> </a:t>
+            </a:r>
+            <a:r>
+              <a:rPr lang="fr-FR" dirty="0" err="1" smtClean="0"/>
+              <a:t>generate</a:t>
+            </a:r>
+            <a:r>
+              <a:rPr lang="fr-FR" dirty="0" smtClean="0"/>
+              <a:t> provider service/</a:t>
+            </a:r>
+            <a:r>
+              <a:rPr lang="fr-FR" dirty="0" err="1" smtClean="0"/>
+              <a:t>core</a:t>
+            </a:r>
+            <a:r>
+              <a:rPr lang="fr-FR" dirty="0" smtClean="0"/>
+              <a:t>/</a:t>
+            </a:r>
+            <a:r>
+              <a:rPr lang="fr-FR" dirty="0" err="1" smtClean="0"/>
+              <a:t>student</a:t>
+            </a:r>
+            <a:endParaRPr lang="fr-FR" dirty="0"/>
+          </a:p>
+        </p:txBody>
+      </p:sp>
+      <p:sp>
+        <p:nvSpPr>
+          <p:cNvPr id="4" name="Espace réservé du numéro de diapositive 3"/>
+          <p:cNvSpPr>
+            <a:spLocks noGrp="1"/>
+          </p:cNvSpPr>
+          <p:nvPr>
+            <p:ph type="sldNum" sz="quarter" idx="10"/>
+          </p:nvPr>
+        </p:nvSpPr>
+        <p:spPr/>
+        <p:txBody>
+          <a:bodyPr/>
+          <a:lstStyle/>
+          <a:p>
+            <a:fld id="{FD0CA3AA-443A-466C-BF59-FB6574BB11C3}" type="slidenum">
+              <a:rPr lang="fr-FR" smtClean="0"/>
+              <a:t>13</a:t>
+            </a:fld>
+            <a:endParaRPr lang="fr-FR"/>
+          </a:p>
+        </p:txBody>
+      </p:sp>
+    </p:spTree>
+    <p:extLst>
+      <p:ext uri="{BB962C8B-B14F-4D97-AF65-F5344CB8AC3E}">
+        <p14:creationId xmlns:p14="http://schemas.microsoft.com/office/powerpoint/2010/main" val="3836970229"/>
       </p:ext>
     </p:extLst>
   </p:cSld>
@@ -655,91 +808,46 @@
           <a:lstStyle/>
           <a:p>
             <a:r>
+              <a:rPr lang="fr-FR" dirty="0" err="1" smtClean="0"/>
+              <a:t>Nodejs</a:t>
+            </a:r>
+            <a:r>
               <a:rPr lang="fr-FR" dirty="0" smtClean="0"/>
-              <a:t>!</a:t>
-            </a:r>
-            <a:r>
-              <a:rPr lang="fr-FR" baseline="0" dirty="0" smtClean="0"/>
-              <a:t> Module v4 est en erreur. Tester avec </a:t>
-            </a:r>
-            <a:r>
-              <a:rPr lang="fr-FR" baseline="0" dirty="0" err="1" smtClean="0"/>
-              <a:t>webpack</a:t>
-            </a:r>
-            <a:r>
-              <a:rPr lang="fr-FR" baseline="0" dirty="0" smtClean="0"/>
-              <a:t> &amp; </a:t>
-            </a:r>
-            <a:r>
-              <a:rPr lang="fr-FR" baseline="0" dirty="0" err="1" smtClean="0"/>
-              <a:t>ts</a:t>
-            </a:r>
-            <a:r>
-              <a:rPr lang="fr-FR" baseline="0" dirty="0" smtClean="0"/>
-              <a:t>-loader en v3</a:t>
-            </a:r>
-          </a:p>
-          <a:p>
-            <a:r>
-              <a:rPr lang="fr-FR" baseline="0" dirty="0" smtClean="0"/>
-              <a:t>Webpack.config.js =&gt; </a:t>
-            </a:r>
-            <a:r>
-              <a:rPr lang="fr-FR" baseline="0" dirty="0" err="1" smtClean="0"/>
-              <a:t>resolve</a:t>
-            </a:r>
-            <a:r>
-              <a:rPr lang="fr-FR" baseline="0" dirty="0" smtClean="0"/>
-              <a:t> crucial pour identifier les modules importés</a:t>
-            </a:r>
-          </a:p>
-          <a:p>
-            <a:r>
-              <a:rPr lang="fr-FR" baseline="0" dirty="0" smtClean="0"/>
-              <a:t>Dev-</a:t>
-            </a:r>
-            <a:r>
-              <a:rPr lang="fr-FR" baseline="0" dirty="0" err="1" smtClean="0"/>
-              <a:t>dependencies</a:t>
-            </a:r>
-            <a:r>
-              <a:rPr lang="fr-FR" baseline="0" dirty="0" smtClean="0"/>
-              <a:t> : non traité en –production</a:t>
-            </a:r>
-          </a:p>
-          <a:p>
-            <a:r>
-              <a:rPr lang="fr-FR" baseline="0" dirty="0" err="1" smtClean="0"/>
+              <a:t> v8</a:t>
+            </a:r>
+          </a:p>
+          <a:p>
+            <a:r>
+              <a:rPr lang="fr-FR" dirty="0" err="1" smtClean="0"/>
+              <a:t>Nvm</a:t>
+            </a:r>
+            <a:r>
+              <a:rPr lang="fr-FR" dirty="0" smtClean="0"/>
+              <a:t> : Gestion de plusieurs version de </a:t>
+            </a:r>
+            <a:r>
+              <a:rPr lang="fr-FR" dirty="0" err="1" smtClean="0"/>
+              <a:t>nodejs</a:t>
+            </a:r>
+            <a:endParaRPr lang="fr-FR" dirty="0" smtClean="0"/>
+          </a:p>
+          <a:p>
+            <a:r>
+              <a:rPr lang="fr-FR" dirty="0" err="1" smtClean="0"/>
               <a:t>Yarn</a:t>
             </a:r>
             <a:r>
-              <a:rPr lang="fr-FR" baseline="0" dirty="0" smtClean="0"/>
-              <a:t> : </a:t>
-            </a:r>
-            <a:r>
-              <a:rPr lang="fr-FR" baseline="0" dirty="0" err="1" smtClean="0"/>
-              <a:t>yarn.lock</a:t>
-            </a:r>
-            <a:r>
-              <a:rPr lang="fr-FR" baseline="0" dirty="0" smtClean="0"/>
-              <a:t>, // </a:t>
-            </a:r>
-            <a:r>
-              <a:rPr lang="fr-FR" baseline="0" dirty="0" err="1" smtClean="0"/>
-              <a:t>dep</a:t>
-            </a:r>
-            <a:r>
-              <a:rPr lang="fr-FR" baseline="0" dirty="0" smtClean="0"/>
-              <a:t> </a:t>
-            </a:r>
-            <a:r>
-              <a:rPr lang="fr-FR" baseline="0" dirty="0" err="1" smtClean="0"/>
-              <a:t>processing</a:t>
-            </a:r>
-            <a:r>
-              <a:rPr lang="fr-FR" baseline="0" dirty="0" smtClean="0"/>
-              <a:t>, </a:t>
-            </a:r>
+              <a:rPr lang="fr-FR" dirty="0" smtClean="0"/>
+              <a:t> : alternative à </a:t>
+            </a:r>
+            <a:r>
+              <a:rPr lang="fr-FR" dirty="0" err="1" smtClean="0"/>
+              <a:t>npm</a:t>
+            </a:r>
+            <a:endParaRPr lang="fr-FR" dirty="0" smtClean="0"/>
+          </a:p>
+          <a:p>
+            <a:endParaRPr lang="fr-FR" dirty="0" smtClean="0"/>
           </a:p>
           <a:p>
             <a:endParaRPr lang="fr-FR" dirty="0"/>
@@ -763,7 +871,7 @@
           <a:p>
             <a:fld id="{FD0CA3AA-443A-466C-BF59-FB6574BB11C3}" type="slidenum">
               <a:rPr lang="fr-FR" smtClean="0"/>
-              <a:t>4</a:t>
+              <a:t>3</a:t>
             </a:fld>
             <a:endParaRPr lang="fr-FR"/>
           </a:p>
@@ -772,7 +880,7 @@
     </p:spTree>
     <p:extLst>
       <p:ext uri="{BB962C8B-B14F-4D97-AF65-F5344CB8AC3E}">
-        <p14:creationId xmlns:p14="http://schemas.microsoft.com/office/powerpoint/2010/main" val="3430609492"/>
+        <p14:creationId xmlns:p14="http://schemas.microsoft.com/office/powerpoint/2010/main" val="3028710348"/>
       </p:ext>
     </p:extLst>
   </p:cSld>
@@ -828,23 +936,77 @@
           <a:p>
             <a:r>
               <a:rPr lang="fr-FR" dirty="0" smtClean="0"/>
-              <a:t>ECMASCRIPT,</a:t>
+              <a:t>!</a:t>
             </a:r>
             <a:r>
               <a:rPr lang="fr-FR" baseline="0" dirty="0" smtClean="0"/>
-              <a:t> le standard de JS, standard ES6 == ES2015 : typages statique/générique, interfaces, classes, modules, </a:t>
+              <a:t> Module v4 est en erreur. Tester avec </a:t>
             </a:r>
             <a:r>
               <a:rPr lang="fr-FR" baseline="0" dirty="0" err="1" smtClean="0"/>
-              <a:t>mixin</a:t>
+              <a:t>webpack</a:t>
             </a:r>
             <a:r>
               <a:rPr lang="fr-FR" baseline="0" dirty="0" smtClean="0"/>
-              <a:t>, énumérations, </a:t>
+              <a:t> &amp; </a:t>
             </a:r>
             <a:r>
               <a:rPr lang="fr-FR" baseline="0" dirty="0" err="1" smtClean="0"/>
-              <a:t>params</a:t>
+              <a:t>ts</a:t>
+            </a:r>
+            <a:r>
+              <a:rPr lang="fr-FR" baseline="0" dirty="0" smtClean="0"/>
+              <a:t>-loader en v3</a:t>
+            </a:r>
+          </a:p>
+          <a:p>
+            <a:r>
+              <a:rPr lang="fr-FR" baseline="0" dirty="0" smtClean="0"/>
+              <a:t>Webpack.config.js =&gt; </a:t>
+            </a:r>
+            <a:r>
+              <a:rPr lang="fr-FR" baseline="0" dirty="0" err="1" smtClean="0"/>
+              <a:t>resolve</a:t>
+            </a:r>
+            <a:r>
+              <a:rPr lang="fr-FR" baseline="0" dirty="0" smtClean="0"/>
+              <a:t> crucial pour identifier les modules importés</a:t>
+            </a:r>
+          </a:p>
+          <a:p>
+            <a:r>
+              <a:rPr lang="fr-FR" baseline="0" dirty="0" smtClean="0"/>
+              <a:t>Dev-</a:t>
+            </a:r>
+            <a:r>
+              <a:rPr lang="fr-FR" baseline="0" dirty="0" err="1" smtClean="0"/>
+              <a:t>dependencies</a:t>
+            </a:r>
+            <a:r>
+              <a:rPr lang="fr-FR" baseline="0" dirty="0" smtClean="0"/>
+              <a:t> : non traité en –production</a:t>
+            </a:r>
+          </a:p>
+          <a:p>
+            <a:r>
+              <a:rPr lang="fr-FR" baseline="0" dirty="0" err="1" smtClean="0"/>
+              <a:t>Yarn</a:t>
+            </a:r>
+            <a:r>
+              <a:rPr lang="fr-FR" baseline="0" dirty="0" smtClean="0"/>
+              <a:t> : </a:t>
+            </a:r>
+            <a:r>
+              <a:rPr lang="fr-FR" baseline="0" dirty="0" err="1" smtClean="0"/>
+              <a:t>yarn.lock</a:t>
+            </a:r>
+            <a:r>
+              <a:rPr lang="fr-FR" baseline="0" dirty="0" smtClean="0"/>
+              <a:t>, // </a:t>
+            </a:r>
+            <a:r>
+              <a:rPr lang="fr-FR" baseline="0" dirty="0" err="1" smtClean="0"/>
+              <a:t>dep</a:t>
             </a:r>
             <a:r>
               <a:rPr lang="fr-FR" baseline="0" dirty="0" smtClean="0"/>
@@ -852,31 +1014,11 @@
             </a:r>
             <a:r>
               <a:rPr lang="fr-FR" baseline="0" dirty="0" err="1" smtClean="0"/>
-              <a:t>opt</a:t>
+              <a:t>processing</a:t>
             </a:r>
             <a:r>
               <a:rPr lang="fr-FR" baseline="0" dirty="0" smtClean="0"/>
-              <a:t>, unions, alias, symboles, </a:t>
-            </a:r>
-            <a:r>
-              <a:rPr lang="fr-FR" baseline="0" dirty="0" err="1" smtClean="0"/>
-              <a:t>loet</a:t>
-            </a:r>
-            <a:r>
-              <a:rPr lang="fr-FR" baseline="0" dirty="0" smtClean="0"/>
-              <a:t>/</a:t>
-            </a:r>
-            <a:r>
-              <a:rPr lang="fr-FR" baseline="0" dirty="0" err="1" smtClean="0"/>
-              <a:t>const</a:t>
-            </a:r>
-            <a:r>
-              <a:rPr lang="fr-FR" baseline="0" dirty="0" smtClean="0"/>
-              <a:t>/for…of, promesses… </a:t>
-            </a:r>
-            <a:r>
-              <a:rPr lang="fr-FR" dirty="0" smtClean="0"/>
-              <a:t>http://es6-features.org/#Constants</a:t>
+              <a:t>, </a:t>
             </a:r>
           </a:p>
           <a:p>
@@ -901,7 +1043,7 @@
           <a:p>
             <a:fld id="{FD0CA3AA-443A-466C-BF59-FB6574BB11C3}" type="slidenum">
               <a:rPr lang="fr-FR" smtClean="0"/>
-              <a:t>5</a:t>
+              <a:t>4</a:t>
             </a:fld>
             <a:endParaRPr lang="fr-FR"/>
           </a:p>
@@ -910,7 +1052,7 @@
     </p:spTree>
     <p:extLst>
       <p:ext uri="{BB962C8B-B14F-4D97-AF65-F5344CB8AC3E}">
-        <p14:creationId xmlns:p14="http://schemas.microsoft.com/office/powerpoint/2010/main" val="4057531695"/>
+        <p14:creationId xmlns:p14="http://schemas.microsoft.com/office/powerpoint/2010/main" val="3430609492"/>
       </p:ext>
     </p:extLst>
   </p:cSld>
@@ -966,8 +1108,109 @@
           <a:p>
             <a:r>
               <a:rPr lang="fr-FR" dirty="0" smtClean="0"/>
-              <a:t>Dans le répertorie initié lors du TP Environnement</a:t>
-            </a:r>
+              <a:t>ECMASCRIPT,</a:t>
+            </a:r>
+            <a:r>
+              <a:rPr lang="fr-FR" baseline="0" dirty="0" smtClean="0"/>
+              <a:t> le standard de JS, standard ES6 == ES2015 : typages statique/générique, interfaces, classes, modules, </a:t>
+            </a:r>
+            <a:r>
+              <a:rPr lang="fr-FR" baseline="0" dirty="0" err="1" smtClean="0"/>
+              <a:t>mixin</a:t>
+            </a:r>
+            <a:r>
+              <a:rPr lang="fr-FR" baseline="0" dirty="0" smtClean="0"/>
+              <a:t>, énumérations, </a:t>
+            </a:r>
+            <a:r>
+              <a:rPr lang="fr-FR" baseline="0" dirty="0" err="1" smtClean="0"/>
+              <a:t>params</a:t>
+            </a:r>
+            <a:r>
+              <a:rPr lang="fr-FR" baseline="0" dirty="0" smtClean="0"/>
+              <a:t> </a:t>
+            </a:r>
+            <a:r>
+              <a:rPr lang="fr-FR" baseline="0" dirty="0" err="1" smtClean="0"/>
+              <a:t>opt</a:t>
+            </a:r>
+            <a:r>
+              <a:rPr lang="fr-FR" baseline="0" dirty="0" smtClean="0"/>
+              <a:t>, unions, alias, symboles, </a:t>
+            </a:r>
+            <a:r>
+              <a:rPr lang="fr-FR" baseline="0" dirty="0" err="1" smtClean="0"/>
+              <a:t>loet</a:t>
+            </a:r>
+            <a:r>
+              <a:rPr lang="fr-FR" baseline="0" dirty="0" smtClean="0"/>
+              <a:t>/</a:t>
+            </a:r>
+            <a:r>
+              <a:rPr lang="fr-FR" baseline="0" dirty="0" err="1" smtClean="0"/>
+              <a:t>const</a:t>
+            </a:r>
+            <a:r>
+              <a:rPr lang="fr-FR" baseline="0" dirty="0" smtClean="0"/>
+              <a:t>/for…of, promesses… </a:t>
+            </a:r>
+            <a:r>
+              <a:rPr lang="fr-FR" dirty="0" smtClean="0"/>
+              <a:t>http://es6-features.org/#</a:t>
+            </a:r>
+            <a:r>
+              <a:rPr lang="fr-FR" dirty="0" smtClean="0"/>
+              <a:t>Constants</a:t>
+            </a:r>
+          </a:p>
+          <a:p>
+            <a:endParaRPr lang="fr-FR" dirty="0" smtClean="0"/>
+          </a:p>
+          <a:p>
+            <a:r>
+              <a:rPr lang="fr-FR" dirty="0" err="1" smtClean="0"/>
+              <a:t>AngularJS’s</a:t>
+            </a:r>
+            <a:r>
+              <a:rPr lang="fr-FR" dirty="0" smtClean="0"/>
+              <a:t> $Watch : Un timeout (Digest Cycle) vérifie tous les </a:t>
+            </a:r>
+            <a:r>
+              <a:rPr lang="fr-FR" dirty="0" err="1" smtClean="0"/>
+              <a:t>databindings</a:t>
+            </a:r>
+            <a:endParaRPr lang="fr-FR" dirty="0" smtClean="0"/>
+          </a:p>
+          <a:p>
+            <a:r>
+              <a:rPr lang="fr-FR" dirty="0" err="1" smtClean="0"/>
+              <a:t>Angular’s</a:t>
+            </a:r>
+            <a:r>
+              <a:rPr lang="fr-FR" dirty="0" smtClean="0"/>
+              <a:t> </a:t>
+            </a:r>
+            <a:r>
+              <a:rPr lang="fr-FR" dirty="0" err="1" smtClean="0"/>
+              <a:t>ChangeDetectorRef</a:t>
+            </a:r>
+            <a:r>
+              <a:rPr lang="fr-FR" dirty="0" smtClean="0"/>
+              <a:t> : Chaque composant a une classe </a:t>
+            </a:r>
+            <a:r>
+              <a:rPr lang="fr-FR" dirty="0" err="1" smtClean="0"/>
+              <a:t>ChangeDetectorRef</a:t>
+            </a:r>
+            <a:r>
+              <a:rPr lang="fr-FR" dirty="0" smtClean="0"/>
+              <a:t> qui permet de gérer (activer/désactiver/suspendre) la vérification au niveau d’un composant et de ses enfants</a:t>
+            </a:r>
+          </a:p>
+          <a:p>
+            <a:endParaRPr lang="fr-FR" dirty="0" smtClean="0"/>
+          </a:p>
+          <a:p>
             <a:endParaRPr lang="fr-FR" dirty="0"/>
           </a:p>
         </p:txBody>
@@ -989,7 +1232,7 @@
           <a:p>
             <a:fld id="{FD0CA3AA-443A-466C-BF59-FB6574BB11C3}" type="slidenum">
               <a:rPr lang="fr-FR" smtClean="0"/>
-              <a:t>6</a:t>
+              <a:t>5</a:t>
             </a:fld>
             <a:endParaRPr lang="fr-FR"/>
           </a:p>
@@ -998,7 +1241,7 @@
     </p:spTree>
     <p:extLst>
       <p:ext uri="{BB962C8B-B14F-4D97-AF65-F5344CB8AC3E}">
-        <p14:creationId xmlns:p14="http://schemas.microsoft.com/office/powerpoint/2010/main" val="2570715949"/>
+        <p14:creationId xmlns:p14="http://schemas.microsoft.com/office/powerpoint/2010/main" val="4057531695"/>
       </p:ext>
     </p:extLst>
   </p:cSld>
@@ -1052,6 +1295,10 @@
           <a:bodyPr/>
           <a:lstStyle/>
           <a:p>
+            <a:r>
+              <a:rPr lang="fr-FR" dirty="0" smtClean="0"/>
+              <a:t>Dans le répertorie initié lors du TP Environnement</a:t>
+            </a:r>
             <a:endParaRPr lang="fr-FR" dirty="0"/>
           </a:p>
         </p:txBody>
@@ -1073,7 +1320,7 @@
           <a:p>
             <a:fld id="{FD0CA3AA-443A-466C-BF59-FB6574BB11C3}" type="slidenum">
               <a:rPr lang="fr-FR" smtClean="0"/>
-              <a:t>7</a:t>
+              <a:t>6</a:t>
             </a:fld>
             <a:endParaRPr lang="fr-FR"/>
           </a:p>
@@ -1082,7 +1329,7 @@
     </p:spTree>
     <p:extLst>
       <p:ext uri="{BB962C8B-B14F-4D97-AF65-F5344CB8AC3E}">
-        <p14:creationId xmlns:p14="http://schemas.microsoft.com/office/powerpoint/2010/main" val="2636852585"/>
+        <p14:creationId xmlns:p14="http://schemas.microsoft.com/office/powerpoint/2010/main" val="2570715949"/>
       </p:ext>
     </p:extLst>
   </p:cSld>
@@ -1136,92 +1383,6 @@
           <a:bodyPr/>
           <a:lstStyle/>
           <a:p>
-            <a:r>
-              <a:rPr lang="fr-FR" dirty="0" smtClean="0"/>
-              <a:t>Étudier la racine du répertoire</a:t>
-            </a:r>
-          </a:p>
-          <a:p>
-            <a:r>
-              <a:rPr lang="fr-FR" dirty="0" err="1" smtClean="0"/>
-              <a:t>Sockjs</a:t>
-            </a:r>
-            <a:r>
-              <a:rPr lang="fr-FR" dirty="0" smtClean="0"/>
-              <a:t> =&gt; </a:t>
-            </a:r>
-            <a:r>
-              <a:rPr lang="fr-FR" dirty="0" err="1" smtClean="0"/>
-              <a:t>webpack</a:t>
-            </a:r>
-            <a:r>
-              <a:rPr lang="fr-FR" dirty="0" smtClean="0"/>
-              <a:t>-</a:t>
-            </a:r>
-            <a:r>
-              <a:rPr lang="fr-FR" dirty="0" err="1" smtClean="0"/>
-              <a:t>dev</a:t>
-            </a:r>
-            <a:r>
-              <a:rPr lang="fr-FR" dirty="0" smtClean="0"/>
-              <a:t>-server : memory-</a:t>
-            </a:r>
-            <a:r>
-              <a:rPr lang="fr-FR" dirty="0" err="1" smtClean="0"/>
-              <a:t>fs</a:t>
-            </a:r>
-            <a:r>
-              <a:rPr lang="fr-FR" dirty="0" smtClean="0"/>
-              <a:t> utiliser pour charger le projet dans objet </a:t>
-            </a:r>
-            <a:r>
-              <a:rPr lang="fr-FR" dirty="0" err="1" smtClean="0"/>
-              <a:t>js</a:t>
-            </a:r>
-            <a:r>
-              <a:rPr lang="fr-FR" dirty="0" smtClean="0"/>
-              <a:t> (pas de /</a:t>
-            </a:r>
-            <a:r>
-              <a:rPr lang="fr-FR" dirty="0" err="1" smtClean="0"/>
-              <a:t>dist</a:t>
-            </a:r>
-            <a:r>
-              <a:rPr lang="fr-FR" dirty="0" smtClean="0"/>
-              <a:t>)</a:t>
-            </a:r>
-          </a:p>
-          <a:p>
-            <a:r>
-              <a:rPr lang="fr-FR" dirty="0" err="1" smtClean="0"/>
-              <a:t>Polyfills</a:t>
-            </a:r>
-            <a:r>
-              <a:rPr lang="fr-FR" dirty="0" smtClean="0"/>
-              <a:t> : ES6 mais </a:t>
-            </a:r>
-            <a:r>
-              <a:rPr lang="fr-FR" dirty="0" err="1" smtClean="0"/>
-              <a:t>retrocompatible</a:t>
-            </a:r>
-            <a:endParaRPr lang="fr-FR" dirty="0" smtClean="0"/>
-          </a:p>
-          <a:p>
-            <a:r>
-              <a:rPr lang="fr-FR" dirty="0" smtClean="0"/>
-              <a:t>Styles.js : fonctions</a:t>
-            </a:r>
-            <a:r>
-              <a:rPr lang="fr-FR" baseline="0" dirty="0" smtClean="0"/>
-              <a:t> de traitement style &amp; </a:t>
-            </a:r>
-            <a:r>
-              <a:rPr lang="fr-FR" baseline="0" dirty="0" err="1" smtClean="0"/>
-              <a:t>css</a:t>
-            </a:r>
-            <a:endParaRPr lang="fr-FR" baseline="0" dirty="0" smtClean="0"/>
-          </a:p>
-          <a:p>
             <a:endParaRPr lang="fr-FR" dirty="0"/>
           </a:p>
         </p:txBody>
@@ -1243,7 +1404,7 @@
           <a:p>
             <a:fld id="{FD0CA3AA-443A-466C-BF59-FB6574BB11C3}" type="slidenum">
               <a:rPr lang="fr-FR" smtClean="0"/>
-              <a:t>9</a:t>
+              <a:t>7</a:t>
             </a:fld>
             <a:endParaRPr lang="fr-FR"/>
           </a:p>
@@ -1252,7 +1413,7 @@
     </p:spTree>
     <p:extLst>
       <p:ext uri="{BB962C8B-B14F-4D97-AF65-F5344CB8AC3E}">
-        <p14:creationId xmlns:p14="http://schemas.microsoft.com/office/powerpoint/2010/main" val="1259930748"/>
+        <p14:creationId xmlns:p14="http://schemas.microsoft.com/office/powerpoint/2010/main" val="2636852585"/>
       </p:ext>
     </p:extLst>
   </p:cSld>
@@ -1306,27 +1467,90 @@
           <a:bodyPr/>
           <a:lstStyle/>
           <a:p>
-            <a:pPr marL="0" marR="0" indent="0" algn="l" defTabSz="914400" rtl="0" eaLnBrk="1" fontAlgn="auto" latinLnBrk="0" hangingPunct="1">
-              <a:lnSpc>
-                <a:spcPct val="100000"/>
-              </a:lnSpc>
-              <a:spcBef>
-                <a:spcPts val="0"/>
-              </a:spcBef>
-              <a:spcAft>
-                <a:spcPts val="0"/>
-              </a:spcAft>
-              <a:buClrTx/>
-              <a:buSzTx/>
-              <a:buFontTx/>
-              <a:buNone/>
-              <a:tabLst/>
-              <a:defRPr/>
-            </a:pPr>
             <a:r>
               <a:rPr lang="fr-FR" dirty="0" smtClean="0"/>
-              <a:t>Ordre de déclaration des routes crucial </a:t>
-            </a:r>
+              <a:t>Étudier la racine du répertoire</a:t>
+            </a:r>
+          </a:p>
+          <a:p>
+            <a:r>
+              <a:rPr lang="fr-FR" dirty="0" err="1" smtClean="0"/>
+              <a:t>Sockjs</a:t>
+            </a:r>
+            <a:r>
+              <a:rPr lang="fr-FR" dirty="0" smtClean="0"/>
+              <a:t> =&gt; </a:t>
+            </a:r>
+            <a:r>
+              <a:rPr lang="fr-FR" dirty="0" err="1" smtClean="0"/>
+              <a:t>webpack</a:t>
+            </a:r>
+            <a:r>
+              <a:rPr lang="fr-FR" dirty="0" smtClean="0"/>
+              <a:t>-</a:t>
+            </a:r>
+            <a:r>
+              <a:rPr lang="fr-FR" dirty="0" err="1" smtClean="0"/>
+              <a:t>dev</a:t>
+            </a:r>
+            <a:r>
+              <a:rPr lang="fr-FR" dirty="0" smtClean="0"/>
+              <a:t>-server : memory-</a:t>
+            </a:r>
+            <a:r>
+              <a:rPr lang="fr-FR" dirty="0" err="1" smtClean="0"/>
+              <a:t>fs</a:t>
+            </a:r>
+            <a:r>
+              <a:rPr lang="fr-FR" dirty="0" smtClean="0"/>
+              <a:t> utiliser pour charger le projet dans objet </a:t>
+            </a:r>
+            <a:r>
+              <a:rPr lang="fr-FR" dirty="0" err="1" smtClean="0"/>
+              <a:t>js</a:t>
+            </a:r>
+            <a:r>
+              <a:rPr lang="fr-FR" dirty="0" smtClean="0"/>
+              <a:t> (pas de /</a:t>
+            </a:r>
+            <a:r>
+              <a:rPr lang="fr-FR" dirty="0" err="1" smtClean="0"/>
+              <a:t>dist</a:t>
+            </a:r>
+            <a:r>
+              <a:rPr lang="fr-FR" dirty="0" smtClean="0"/>
+              <a:t>)</a:t>
+            </a:r>
+          </a:p>
+          <a:p>
+            <a:r>
+              <a:rPr lang="fr-FR" dirty="0" err="1" smtClean="0"/>
+              <a:t>Polyfills</a:t>
+            </a:r>
+            <a:r>
+              <a:rPr lang="fr-FR" dirty="0" smtClean="0"/>
+              <a:t> : ES6 mais </a:t>
+            </a:r>
+            <a:r>
+              <a:rPr lang="fr-FR" dirty="0" err="1" smtClean="0"/>
+              <a:t>retrocompatible</a:t>
+            </a:r>
+            <a:endParaRPr lang="fr-FR" dirty="0" smtClean="0"/>
+          </a:p>
+          <a:p>
+            <a:r>
+              <a:rPr lang="fr-FR" dirty="0" smtClean="0"/>
+              <a:t>Styles.js : fonctions</a:t>
+            </a:r>
+            <a:r>
+              <a:rPr lang="fr-FR" baseline="0" dirty="0" smtClean="0"/>
+              <a:t> de traitement style &amp; </a:t>
+            </a:r>
+            <a:r>
+              <a:rPr lang="fr-FR" baseline="0" dirty="0" err="1" smtClean="0"/>
+              <a:t>css</a:t>
+            </a:r>
+            <a:endParaRPr lang="fr-FR" baseline="0" dirty="0" smtClean="0"/>
           </a:p>
           <a:p>
             <a:endParaRPr lang="fr-FR" dirty="0"/>
@@ -1350,7 +1574,7 @@
           <a:p>
             <a:fld id="{FD0CA3AA-443A-466C-BF59-FB6574BB11C3}" type="slidenum">
               <a:rPr lang="fr-FR" smtClean="0"/>
-              <a:t>10</a:t>
+              <a:t>9</a:t>
             </a:fld>
             <a:endParaRPr lang="fr-FR"/>
           </a:p>
@@ -1359,7 +1583,7 @@
     </p:spTree>
     <p:extLst>
       <p:ext uri="{BB962C8B-B14F-4D97-AF65-F5344CB8AC3E}">
-        <p14:creationId xmlns:p14="http://schemas.microsoft.com/office/powerpoint/2010/main" val="3388767870"/>
+        <p14:creationId xmlns:p14="http://schemas.microsoft.com/office/powerpoint/2010/main" val="1259930748"/>
       </p:ext>
     </p:extLst>
   </p:cSld>
@@ -1413,34 +1637,29 @@
           <a:bodyPr/>
           <a:lstStyle/>
           <a:p>
-            <a:r>
-              <a:rPr lang="fr-FR" dirty="0" err="1" smtClean="0"/>
-              <a:t>ng</a:t>
-            </a:r>
+            <a:pPr marL="0" marR="0" indent="0" algn="l" defTabSz="914400" rtl="0" eaLnBrk="1" fontAlgn="auto" latinLnBrk="0" hangingPunct="1">
+              <a:lnSpc>
+                <a:spcPct val="100000"/>
+              </a:lnSpc>
+              <a:spcBef>
+                <a:spcPts val="0"/>
+              </a:spcBef>
+              <a:spcAft>
+                <a:spcPts val="0"/>
+              </a:spcAft>
+              <a:buClrTx/>
+              <a:buSzTx/>
+              <a:buFontTx/>
+              <a:buNone/>
+              <a:tabLst/>
+              <a:defRPr/>
+            </a:pPr>
             <a:r>
               <a:rPr lang="fr-FR" dirty="0" smtClean="0"/>
-              <a:t> </a:t>
-            </a:r>
-            <a:r>
-              <a:rPr lang="fr-FR" dirty="0" err="1" smtClean="0"/>
-              <a:t>generate</a:t>
-            </a:r>
-            <a:r>
-              <a:rPr lang="fr-FR" dirty="0" smtClean="0"/>
-              <a:t> module </a:t>
-            </a:r>
-            <a:r>
-              <a:rPr lang="fr-FR" dirty="0" err="1" smtClean="0"/>
-              <a:t>core</a:t>
-            </a:r>
-            <a:r>
-              <a:rPr lang="fr-FR" dirty="0" smtClean="0"/>
-              <a:t> --</a:t>
-            </a:r>
-            <a:r>
-              <a:rPr lang="fr-FR" dirty="0" err="1" smtClean="0"/>
-              <a:t>routing</a:t>
-            </a:r>
+              <a:t>Ordre de déclaration des routes crucial </a:t>
+            </a:r>
+          </a:p>
+          <a:p>
             <a:endParaRPr lang="fr-FR" dirty="0"/>
           </a:p>
         </p:txBody>
@@ -1462,7 +1681,7 @@
           <a:p>
             <a:fld id="{FD0CA3AA-443A-466C-BF59-FB6574BB11C3}" type="slidenum">
               <a:rPr lang="fr-FR" smtClean="0"/>
-              <a:t>11</a:t>
+              <a:t>10</a:t>
             </a:fld>
             <a:endParaRPr lang="fr-FR"/>
           </a:p>
@@ -1471,7 +1690,7 @@
     </p:spTree>
     <p:extLst>
       <p:ext uri="{BB962C8B-B14F-4D97-AF65-F5344CB8AC3E}">
-        <p14:creationId xmlns:p14="http://schemas.microsoft.com/office/powerpoint/2010/main" val="3528251478"/>
+        <p14:creationId xmlns:p14="http://schemas.microsoft.com/office/powerpoint/2010/main" val="3388767870"/>
       </p:ext>
     </p:extLst>
   </p:cSld>
@@ -1525,6 +1744,34 @@
           <a:bodyPr/>
           <a:lstStyle/>
           <a:p>
+            <a:r>
+              <a:rPr lang="fr-FR" dirty="0" err="1" smtClean="0"/>
+              <a:t>ng</a:t>
+            </a:r>
+            <a:r>
+              <a:rPr lang="fr-FR" dirty="0" smtClean="0"/>
+              <a:t> </a:t>
+            </a:r>
+            <a:r>
+              <a:rPr lang="fr-FR" dirty="0" err="1" smtClean="0"/>
+              <a:t>generate</a:t>
+            </a:r>
+            <a:r>
+              <a:rPr lang="fr-FR" dirty="0" smtClean="0"/>
+              <a:t> module </a:t>
+            </a:r>
+            <a:r>
+              <a:rPr lang="fr-FR" dirty="0" err="1" smtClean="0"/>
+              <a:t>core</a:t>
+            </a:r>
+            <a:r>
+              <a:rPr lang="fr-FR" dirty="0" smtClean="0"/>
+              <a:t> --</a:t>
+            </a:r>
+            <a:r>
+              <a:rPr lang="fr-FR" dirty="0" err="1" smtClean="0"/>
+              <a:t>routing</a:t>
+            </a:r>
             <a:endParaRPr lang="fr-FR" dirty="0"/>
           </a:p>
         </p:txBody>
@@ -1546,7 +1793,7 @@
           <a:p>
             <a:fld id="{FD0CA3AA-443A-466C-BF59-FB6574BB11C3}" type="slidenum">
               <a:rPr lang="fr-FR" smtClean="0"/>
-              <a:t>12</a:t>
+              <a:t>11</a:t>
             </a:fld>
             <a:endParaRPr lang="fr-FR"/>
           </a:p>
@@ -1555,7 +1802,7 @@
     </p:spTree>
     <p:extLst>
       <p:ext uri="{BB962C8B-B14F-4D97-AF65-F5344CB8AC3E}">
-        <p14:creationId xmlns:p14="http://schemas.microsoft.com/office/powerpoint/2010/main" val="3207704278"/>
+        <p14:creationId xmlns:p14="http://schemas.microsoft.com/office/powerpoint/2010/main" val="3528251478"/>
       </p:ext>
     </p:extLst>
   </p:cSld>
@@ -16036,7 +16283,7 @@
         </p:nvSpPr>
         <p:spPr>
           <a:xfrm>
-            <a:off x="612775" y="2276872"/>
+            <a:off x="612775" y="1916832"/>
             <a:ext cx="7772400" cy="748680"/>
           </a:xfrm>
         </p:spPr>
@@ -16047,8 +16294,20 @@
           <a:lstStyle/>
           <a:p>
             <a:r>
-              <a:rPr lang="fr-FR" dirty="0" err="1" smtClean="0"/>
+              <a:rPr lang="fr-FR" dirty="0"/>
+              <a:t>Framework </a:t>
+            </a:r>
+            <a:r>
+              <a:rPr lang="fr-FR" dirty="0" err="1"/>
               <a:t>Angular</a:t>
+            </a:r>
+            <a:r>
+              <a:rPr lang="fr-FR" dirty="0"/>
+              <a:t> </a:t>
+            </a:r>
+            <a:r>
+              <a:rPr lang="fr-FR" dirty="0" smtClean="0"/>
+              <a:t>v6</a:t>
             </a:r>
             <a:endParaRPr lang="fr-FR" dirty="0"/>
           </a:p>
@@ -16064,7 +16323,12 @@
             <p:ph type="subTitle" idx="1"/>
           </p:nvPr>
         </p:nvSpPr>
-        <p:spPr/>
+        <p:spPr>
+          <a:xfrm>
+            <a:off x="1425352" y="2996952"/>
+            <a:ext cx="6400800" cy="1473200"/>
+          </a:xfrm>
+        </p:spPr>
         <p:txBody>
           <a:bodyPr>
             <a:normAutofit/>
@@ -16073,15 +16337,21 @@
           <a:p>
             <a:r>
               <a:rPr lang="fr-FR" sz="2800" dirty="0" smtClean="0"/>
-              <a:t>Formation au Framework </a:t>
-            </a:r>
-            <a:r>
-              <a:rPr lang="fr-FR" sz="2800" dirty="0" err="1" smtClean="0"/>
-              <a:t>Angular</a:t>
+              <a:t>1</a:t>
+            </a:r>
+            <a:r>
+              <a:rPr lang="fr-FR" sz="2800" baseline="30000" dirty="0" smtClean="0"/>
+              <a:t>ère</a:t>
             </a:r>
             <a:r>
               <a:rPr lang="fr-FR" sz="2800" dirty="0" smtClean="0"/>
-              <a:t>, de la v2 à la v6</a:t>
+              <a:t> partie </a:t>
+            </a:r>
+          </a:p>
+          <a:p>
+            <a:r>
+              <a:rPr lang="fr-FR" sz="2800" dirty="0" smtClean="0"/>
+              <a:t>Architecture &amp; Modularisation</a:t>
             </a:r>
             <a:endParaRPr lang="fr-FR" sz="2800" dirty="0"/>
           </a:p>
@@ -16195,6 +16465,210 @@
           </a:prstGeom>
         </p:spPr>
       </p:pic>
+      <p:sp>
+        <p:nvSpPr>
+          <p:cNvPr id="7" name="ZoneTexte 6"/>
+          <p:cNvSpPr txBox="1"/>
+          <p:nvPr/>
+        </p:nvSpPr>
+        <p:spPr>
+          <a:xfrm>
+            <a:off x="2627784" y="4437112"/>
+            <a:ext cx="4347450" cy="720080"/>
+          </a:xfrm>
+          <a:prstGeom prst="rect">
+            <a:avLst/>
+          </a:prstGeom>
+        </p:spPr>
+        <p:txBody>
+          <a:bodyPr vert="horz" lIns="91440" tIns="45720" rIns="91440" bIns="45720" rtlCol="0">
+            <a:normAutofit fontScale="77500" lnSpcReduction="20000"/>
+          </a:bodyPr>
+          <a:lstStyle>
+            <a:lvl1pPr indent="0" algn="ctr">
+              <a:spcBef>
+                <a:spcPct val="20000"/>
+              </a:spcBef>
+              <a:buClr>
+                <a:schemeClr val="accent1"/>
+              </a:buClr>
+              <a:buSzPct val="100000"/>
+              <a:buFont typeface="Symbol" pitchFamily="18" charset="2"/>
+              <a:buNone/>
+              <a:defRPr sz="2800">
+                <a:solidFill>
+                  <a:srgbClr val="FFFFFF"/>
+                </a:solidFill>
+              </a:defRPr>
+            </a:lvl1pPr>
+            <a:lvl2pPr indent="0" algn="ctr">
+              <a:spcBef>
+                <a:spcPct val="20000"/>
+              </a:spcBef>
+              <a:buClr>
+                <a:schemeClr val="accent1"/>
+              </a:buClr>
+              <a:buSzPct val="100000"/>
+              <a:buFont typeface="Symbol" pitchFamily="18" charset="2"/>
+              <a:buNone/>
+              <a:defRPr sz="2200">
+                <a:solidFill>
+                  <a:schemeClr val="tx1">
+                    <a:tint val="75000"/>
+                  </a:schemeClr>
+                </a:solidFill>
+              </a:defRPr>
+            </a:lvl2pPr>
+            <a:lvl3pPr indent="0" algn="ctr">
+              <a:spcBef>
+                <a:spcPct val="20000"/>
+              </a:spcBef>
+              <a:buClr>
+                <a:schemeClr val="accent1"/>
+              </a:buClr>
+              <a:buSzPct val="100000"/>
+              <a:buFont typeface="Symbol" pitchFamily="18" charset="2"/>
+              <a:buNone/>
+              <a:defRPr sz="2000">
+                <a:solidFill>
+                  <a:schemeClr val="tx1">
+                    <a:tint val="75000"/>
+                  </a:schemeClr>
+                </a:solidFill>
+              </a:defRPr>
+            </a:lvl3pPr>
+            <a:lvl4pPr indent="0" algn="ctr">
+              <a:spcBef>
+                <a:spcPct val="20000"/>
+              </a:spcBef>
+              <a:buClr>
+                <a:schemeClr val="accent1"/>
+              </a:buClr>
+              <a:buSzPct val="100000"/>
+              <a:buFont typeface="Symbol" pitchFamily="18" charset="2"/>
+              <a:buNone/>
+              <a:defRPr>
+                <a:solidFill>
+                  <a:schemeClr val="tx1">
+                    <a:tint val="75000"/>
+                  </a:schemeClr>
+                </a:solidFill>
+              </a:defRPr>
+            </a:lvl4pPr>
+            <a:lvl5pPr indent="0" algn="ctr">
+              <a:spcBef>
+                <a:spcPct val="20000"/>
+              </a:spcBef>
+              <a:buClr>
+                <a:schemeClr val="accent1"/>
+              </a:buClr>
+              <a:buSzPct val="100000"/>
+              <a:buFont typeface="Symbol" pitchFamily="18" charset="2"/>
+              <a:buNone/>
+              <a:defRPr sz="1600">
+                <a:solidFill>
+                  <a:schemeClr val="tx1">
+                    <a:tint val="75000"/>
+                  </a:schemeClr>
+                </a:solidFill>
+              </a:defRPr>
+            </a:lvl5pPr>
+            <a:lvl6pPr indent="0" algn="ctr">
+              <a:spcBef>
+                <a:spcPts val="384"/>
+              </a:spcBef>
+              <a:buClr>
+                <a:schemeClr val="accent1"/>
+              </a:buClr>
+              <a:buFont typeface="Symbol" pitchFamily="18" charset="2"/>
+              <a:buNone/>
+              <a:defRPr sz="1400">
+                <a:solidFill>
+                  <a:schemeClr val="tx1">
+                    <a:tint val="75000"/>
+                  </a:schemeClr>
+                </a:solidFill>
+              </a:defRPr>
+            </a:lvl6pPr>
+            <a:lvl7pPr indent="0" algn="ctr">
+              <a:spcBef>
+                <a:spcPts val="384"/>
+              </a:spcBef>
+              <a:buClr>
+                <a:schemeClr val="accent1"/>
+              </a:buClr>
+              <a:buFont typeface="Symbol" pitchFamily="18" charset="2"/>
+              <a:buNone/>
+              <a:defRPr sz="1400">
+                <a:solidFill>
+                  <a:schemeClr val="tx1">
+                    <a:tint val="75000"/>
+                  </a:schemeClr>
+                </a:solidFill>
+              </a:defRPr>
+            </a:lvl7pPr>
+            <a:lvl8pPr indent="0" algn="ctr">
+              <a:spcBef>
+                <a:spcPts val="384"/>
+              </a:spcBef>
+              <a:buClr>
+                <a:schemeClr val="accent1"/>
+              </a:buClr>
+              <a:buFont typeface="Symbol" pitchFamily="18" charset="2"/>
+              <a:buNone/>
+              <a:defRPr sz="1400">
+                <a:solidFill>
+                  <a:schemeClr val="tx1">
+                    <a:tint val="75000"/>
+                  </a:schemeClr>
+                </a:solidFill>
+              </a:defRPr>
+            </a:lvl8pPr>
+            <a:lvl9pPr indent="0" algn="ctr">
+              <a:spcBef>
+                <a:spcPts val="384"/>
+              </a:spcBef>
+              <a:buClr>
+                <a:schemeClr val="accent1"/>
+              </a:buClr>
+              <a:buFont typeface="Symbol" pitchFamily="18" charset="2"/>
+              <a:buNone/>
+              <a:defRPr sz="1400">
+                <a:solidFill>
+                  <a:schemeClr val="tx1">
+                    <a:tint val="75000"/>
+                  </a:schemeClr>
+                </a:solidFill>
+              </a:defRPr>
+            </a:lvl9pPr>
+          </a:lstStyle>
+          <a:p>
+            <a:r>
+              <a:rPr lang="fr-FR" dirty="0" err="1"/>
+              <a:t>Dalibor</a:t>
+            </a:r>
+            <a:r>
+              <a:rPr lang="fr-FR" dirty="0"/>
+              <a:t> </a:t>
+            </a:r>
+            <a:r>
+              <a:rPr lang="fr-FR" dirty="0" err="1" smtClean="0"/>
+              <a:t>Dubajic</a:t>
+            </a:r>
+            <a:endParaRPr lang="fr-FR" dirty="0" smtClean="0"/>
+          </a:p>
+          <a:p>
+            <a:r>
+              <a:rPr lang="fr-FR" dirty="0" smtClean="0"/>
+              <a:t>31 </a:t>
+            </a:r>
+            <a:r>
+              <a:rPr lang="fr-FR" dirty="0"/>
+              <a:t>mai 2018</a:t>
+            </a:r>
+          </a:p>
+        </p:txBody>
+      </p:sp>
     </p:spTree>
     <p:extLst>
       <p:ext uri="{BB962C8B-B14F-4D97-AF65-F5344CB8AC3E}">
@@ -16658,34 +17132,50 @@
           <a:p>
             <a:r>
               <a:rPr lang="fr-FR" dirty="0" smtClean="0"/>
-              <a:t>Ajouter un model (libellé, </a:t>
+              <a:t>Ajouter un </a:t>
+            </a:r>
+            <a:r>
+              <a:rPr lang="fr-FR" dirty="0" smtClean="0"/>
+              <a:t>model </a:t>
             </a:r>
             <a:r>
               <a:rPr lang="fr-FR" dirty="0" err="1" smtClean="0"/>
-              <a:t>datetime</a:t>
+              <a:t>student.ts</a:t>
             </a:r>
             <a:r>
               <a:rPr lang="fr-FR" dirty="0" smtClean="0"/>
-              <a:t>, élèves max) et un provider </a:t>
+              <a:t> &amp; </a:t>
             </a:r>
             <a:r>
               <a:rPr lang="fr-FR" dirty="0" err="1" smtClean="0"/>
-              <a:t>course.ts</a:t>
+              <a:t>classroom.ts</a:t>
             </a:r>
             <a:endParaRPr lang="fr-FR" dirty="0"/>
           </a:p>
           <a:p>
             <a:r>
               <a:rPr lang="fr-FR" dirty="0" smtClean="0"/>
-              <a:t>Créer un provider avec une liste de cours en attribut</a:t>
-            </a:r>
-          </a:p>
-          <a:p>
+              <a:t>Créer un provider </a:t>
+            </a:r>
+            <a:r>
+              <a:rPr lang="fr-FR" dirty="0" err="1" smtClean="0"/>
+              <a:t>students.service</a:t>
+            </a:r>
             <a:r>
               <a:rPr lang="fr-FR" dirty="0" smtClean="0"/>
-              <a:t>Une fonction permet de renvoyer la liste des cours triés par date</a:t>
-            </a:r>
-            <a:endParaRPr lang="fr-FR" dirty="0"/>
+              <a:t> qui renvoie une liste d’élèves</a:t>
+            </a:r>
+          </a:p>
+          <a:p>
+            <a:r>
+              <a:rPr lang="fr-FR" dirty="0" smtClean="0"/>
+              <a:t>Afficher la liste d’élèves dans le composant </a:t>
+            </a:r>
+            <a:r>
+              <a:rPr lang="fr-FR" dirty="0" err="1" smtClean="0"/>
+              <a:t>classroom</a:t>
+            </a:r>
+            <a:endParaRPr lang="fr-FR" dirty="0" smtClean="0"/>
           </a:p>
         </p:txBody>
       </p:sp>
@@ -16706,7 +17196,11 @@
           <a:p>
             <a:r>
               <a:rPr lang="fr-FR" dirty="0" smtClean="0"/>
-              <a:t>TP Providers</a:t>
+              <a:t>TP </a:t>
+            </a:r>
+            <a:r>
+              <a:rPr lang="fr-FR" dirty="0" smtClean="0"/>
+              <a:t>Provider</a:t>
             </a:r>
             <a:endParaRPr lang="fr-FR" dirty="0"/>
           </a:p>
@@ -16777,6 +17271,14 @@
             </a:r>
             <a:r>
               <a:rPr lang="fr-FR" dirty="0" err="1" smtClean="0"/>
+              <a:t>ngClick</a:t>
+            </a:r>
+            <a:r>
+              <a:rPr lang="fr-FR" dirty="0" smtClean="0"/>
+              <a:t>, </a:t>
+            </a:r>
+            <a:r>
+              <a:rPr lang="fr-FR" dirty="0" err="1" smtClean="0"/>
               <a:t>ngIf</a:t>
             </a:r>
             <a:r>
@@ -16882,27 +17384,46 @@
           <a:p>
             <a:r>
               <a:rPr lang="fr-FR" dirty="0" smtClean="0"/>
-              <a:t>Intégrer </a:t>
-            </a:r>
-            <a:r>
-              <a:rPr lang="fr-FR" dirty="0" err="1" smtClean="0"/>
-              <a:t>Material</a:t>
+              <a:t>Créer </a:t>
             </a:r>
             <a:r>
               <a:rPr lang="fr-FR" dirty="0" smtClean="0"/>
-              <a:t> design</a:t>
-            </a:r>
-          </a:p>
-          <a:p>
+              <a:t>une </a:t>
+            </a:r>
             <a:r>
               <a:rPr lang="fr-FR" dirty="0" smtClean="0"/>
-              <a:t>Créer une classe</a:t>
-            </a:r>
+              <a:t>classe Pipe avec le générateur</a:t>
+            </a:r>
+            <a:endParaRPr lang="fr-FR" dirty="0" smtClean="0"/>
           </a:p>
           <a:p>
             <a:r>
               <a:rPr lang="fr-FR" dirty="0" smtClean="0"/>
-              <a:t>Afficher la liste des élèves de cette classe</a:t>
+              <a:t>Créer un pipe de tri</a:t>
+            </a:r>
+          </a:p>
+          <a:p>
+            <a:r>
+              <a:rPr lang="fr-FR" dirty="0" smtClean="0"/>
+              <a:t>Afficher </a:t>
+            </a:r>
+            <a:r>
+              <a:rPr lang="fr-FR" dirty="0" smtClean="0"/>
+              <a:t>la liste des </a:t>
+            </a:r>
+            <a:r>
+              <a:rPr lang="fr-FR" dirty="0" smtClean="0"/>
+              <a:t>étudiants avec le pipe de tri</a:t>
+            </a:r>
+          </a:p>
+          <a:p>
+            <a:r>
+              <a:rPr lang="fr-FR" dirty="0" smtClean="0"/>
+              <a:t>Ajouter un </a:t>
+            </a:r>
+            <a:r>
+              <a:rPr lang="fr-FR" smtClean="0"/>
+              <a:t>bouton d’ordre de tri</a:t>
             </a:r>
             <a:endParaRPr lang="fr-FR" dirty="0"/>
           </a:p>
@@ -16925,7 +17446,7 @@
           <a:p>
             <a:r>
               <a:rPr lang="fr-FR" dirty="0" smtClean="0"/>
-              <a:t>TP</a:t>
+              <a:t>TP Pipe</a:t>
             </a:r>
             <a:endParaRPr lang="fr-FR" dirty="0"/>
           </a:p>
@@ -17282,7 +17803,11 @@
           <a:p>
             <a:r>
               <a:rPr lang="fr-FR" dirty="0" smtClean="0"/>
-              <a:t>TP</a:t>
+              <a:t>TP </a:t>
+            </a:r>
+            <a:r>
+              <a:rPr lang="fr-FR" dirty="0" err="1" smtClean="0"/>
+              <a:t>Routing</a:t>
             </a:r>
             <a:endParaRPr lang="fr-FR" dirty="0"/>
           </a:p>
@@ -18679,7 +19204,7 @@
         </p:nvSpPr>
         <p:spPr>
           <a:xfrm>
-            <a:off x="325796" y="2574727"/>
+            <a:off x="251520" y="2574727"/>
             <a:ext cx="4246203" cy="3816424"/>
           </a:xfrm>
         </p:spPr>

--- a/formation_Angular.pptx
+++ b/formation_Angular.pptx
@@ -5,7 +5,7 @@
     <p:sldMasterId id="2147483732" r:id="rId1"/>
   </p:sldMasterIdLst>
   <p:notesMasterIdLst>
-    <p:notesMasterId r:id="rId26"/>
+    <p:notesMasterId r:id="rId23"/>
   </p:notesMasterIdLst>
   <p:sldIdLst>
     <p:sldId id="256" r:id="rId2"/>
@@ -28,10 +28,7 @@
     <p:sldId id="279" r:id="rId19"/>
     <p:sldId id="266" r:id="rId20"/>
     <p:sldId id="278" r:id="rId21"/>
-    <p:sldId id="261" r:id="rId22"/>
-    <p:sldId id="269" r:id="rId23"/>
-    <p:sldId id="270" r:id="rId24"/>
-    <p:sldId id="268" r:id="rId25"/>
+    <p:sldId id="268" r:id="rId22"/>
   </p:sldIdLst>
   <p:sldSz cx="9144000" cy="6858000" type="screen4x3"/>
   <p:notesSz cx="6858000" cy="9144000"/>
@@ -763,6 +760,90 @@
 </p:notes>
 </file>
 
+<file path=ppt/notesSlides/notesSlide12.xml><?xml version="1.0" encoding="utf-8"?>
+<p:notes xmlns:a="http://schemas.openxmlformats.org/drawingml/2006/main" xmlns:r="http://schemas.openxmlformats.org/officeDocument/2006/relationships" xmlns:p="http://schemas.openxmlformats.org/presentationml/2006/main">
+  <p:cSld>
+    <p:spTree>
+      <p:nvGrpSpPr>
+        <p:cNvPr id="1" name=""/>
+        <p:cNvGrpSpPr/>
+        <p:nvPr/>
+      </p:nvGrpSpPr>
+      <p:grpSpPr>
+        <a:xfrm>
+          <a:off x="0" y="0"/>
+          <a:ext cx="0" cy="0"/>
+          <a:chOff x="0" y="0"/>
+          <a:chExt cx="0" cy="0"/>
+        </a:xfrm>
+      </p:grpSpPr>
+      <p:sp>
+        <p:nvSpPr>
+          <p:cNvPr id="2" name="Espace réservé de l'image des diapositives 1"/>
+          <p:cNvSpPr>
+            <a:spLocks noGrp="1" noRot="1" noChangeAspect="1"/>
+          </p:cNvSpPr>
+          <p:nvPr>
+            <p:ph type="sldImg"/>
+          </p:nvPr>
+        </p:nvSpPr>
+        <p:spPr/>
+      </p:sp>
+      <p:sp>
+        <p:nvSpPr>
+          <p:cNvPr id="3" name="Espace réservé des commentaires 2"/>
+          <p:cNvSpPr>
+            <a:spLocks noGrp="1"/>
+          </p:cNvSpPr>
+          <p:nvPr>
+            <p:ph type="body" idx="1"/>
+          </p:nvPr>
+        </p:nvSpPr>
+        <p:spPr/>
+        <p:txBody>
+          <a:bodyPr/>
+          <a:lstStyle/>
+          <a:p>
+            <a:endParaRPr lang="fr-FR" dirty="0"/>
+          </a:p>
+        </p:txBody>
+      </p:sp>
+      <p:sp>
+        <p:nvSpPr>
+          <p:cNvPr id="4" name="Espace réservé du numéro de diapositive 3"/>
+          <p:cNvSpPr>
+            <a:spLocks noGrp="1"/>
+          </p:cNvSpPr>
+          <p:nvPr>
+            <p:ph type="sldNum" sz="quarter" idx="10"/>
+          </p:nvPr>
+        </p:nvSpPr>
+        <p:spPr/>
+        <p:txBody>
+          <a:bodyPr/>
+          <a:lstStyle/>
+          <a:p>
+            <a:fld id="{FD0CA3AA-443A-466C-BF59-FB6574BB11C3}" type="slidenum">
+              <a:rPr lang="fr-FR" smtClean="0"/>
+              <a:t>21</a:t>
+            </a:fld>
+            <a:endParaRPr lang="fr-FR"/>
+          </a:p>
+        </p:txBody>
+      </p:sp>
+    </p:spTree>
+    <p:extLst>
+      <p:ext uri="{BB962C8B-B14F-4D97-AF65-F5344CB8AC3E}">
+        <p14:creationId xmlns:p14="http://schemas.microsoft.com/office/powerpoint/2010/main" val="4185764342"/>
+      </p:ext>
+    </p:extLst>
+  </p:cSld>
+  <p:clrMapOvr>
+    <a:masterClrMapping/>
+  </p:clrMapOvr>
+</p:notes>
+</file>
+
 <file path=ppt/notesSlides/notesSlide2.xml><?xml version="1.0" encoding="utf-8"?>
 <p:notes xmlns:a="http://schemas.openxmlformats.org/drawingml/2006/main" xmlns:r="http://schemas.openxmlformats.org/officeDocument/2006/relationships" xmlns:p="http://schemas.openxmlformats.org/presentationml/2006/main">
   <p:cSld>
@@ -1156,11 +1237,7 @@
             </a:r>
             <a:r>
               <a:rPr lang="fr-FR" dirty="0" smtClean="0"/>
-              <a:t>http://es6-features.org/#</a:t>
-            </a:r>
-            <a:r>
-              <a:rPr lang="fr-FR" dirty="0" smtClean="0"/>
-              <a:t>Constants</a:t>
+              <a:t>http://es6-features.org/#Constants</a:t>
             </a:r>
           </a:p>
           <a:p>
@@ -16457,7 +16534,7 @@
         </p:blipFill>
         <p:spPr>
           <a:xfrm>
-            <a:off x="1043608" y="5445224"/>
+            <a:off x="1331640" y="5445224"/>
             <a:ext cx="1008112" cy="1008112"/>
           </a:xfrm>
           <a:prstGeom prst="rect">
@@ -17132,11 +17209,7 @@
           <a:p>
             <a:r>
               <a:rPr lang="fr-FR" dirty="0" smtClean="0"/>
-              <a:t>Ajouter un </a:t>
-            </a:r>
-            <a:r>
-              <a:rPr lang="fr-FR" dirty="0" smtClean="0"/>
-              <a:t>model </a:t>
+              <a:t>Ajouter un model </a:t>
             </a:r>
             <a:r>
               <a:rPr lang="fr-FR" dirty="0" err="1" smtClean="0"/>
@@ -17196,11 +17269,7 @@
           <a:p>
             <a:r>
               <a:rPr lang="fr-FR" dirty="0" smtClean="0"/>
-              <a:t>TP </a:t>
-            </a:r>
-            <a:r>
-              <a:rPr lang="fr-FR" dirty="0" smtClean="0"/>
-              <a:t>Provider</a:t>
+              <a:t>TP Provider</a:t>
             </a:r>
             <a:endParaRPr lang="fr-FR" dirty="0"/>
           </a:p>
@@ -17384,17 +17453,8 @@
           <a:p>
             <a:r>
               <a:rPr lang="fr-FR" dirty="0" smtClean="0"/>
-              <a:t>Créer </a:t>
-            </a:r>
-            <a:r>
-              <a:rPr lang="fr-FR" dirty="0" smtClean="0"/>
-              <a:t>une </a:t>
-            </a:r>
-            <a:r>
-              <a:rPr lang="fr-FR" dirty="0" smtClean="0"/>
-              <a:t>classe Pipe avec le générateur</a:t>
-            </a:r>
-            <a:endParaRPr lang="fr-FR" dirty="0" smtClean="0"/>
+              <a:t>Créer une classe Pipe avec le générateur</a:t>
+            </a:r>
           </a:p>
           <a:p>
             <a:r>
@@ -17405,15 +17465,7 @@
           <a:p>
             <a:r>
               <a:rPr lang="fr-FR" dirty="0" smtClean="0"/>
-              <a:t>Afficher </a:t>
-            </a:r>
-            <a:r>
-              <a:rPr lang="fr-FR" dirty="0" smtClean="0"/>
-              <a:t>la liste des </a:t>
-            </a:r>
-            <a:r>
-              <a:rPr lang="fr-FR" dirty="0" smtClean="0"/>
-              <a:t>étudiants avec le pipe de tri</a:t>
+              <a:t>Afficher la liste des étudiants avec le pipe de tri</a:t>
             </a:r>
           </a:p>
           <a:p>
@@ -17731,12 +17783,24 @@
           <a:lstStyle/>
           <a:p>
             <a:r>
+              <a:rPr lang="fr-FR" dirty="0" err="1" smtClean="0"/>
+              <a:t>Editer</a:t>
+            </a:r>
+            <a:r>
+              <a:rPr lang="fr-FR" dirty="0" smtClean="0"/>
+              <a:t> les </a:t>
+            </a:r>
+            <a:r>
               <a:rPr lang="fr-FR" dirty="0"/>
-              <a:t>Ajouter les routes de </a:t>
+              <a:t>routes de </a:t>
             </a:r>
             <a:r>
               <a:rPr lang="fr-FR" dirty="0" smtClean="0"/>
-              <a:t>bases au module </a:t>
+              <a:t>base </a:t>
+            </a:r>
+            <a:r>
+              <a:rPr lang="fr-FR" dirty="0" smtClean="0"/>
+              <a:t>au module </a:t>
             </a:r>
             <a:r>
               <a:rPr lang="fr-FR" dirty="0" err="1" smtClean="0"/>
@@ -17780,7 +17844,15 @@
           <a:p>
             <a:r>
               <a:rPr lang="fr-FR" dirty="0" smtClean="0"/>
-              <a:t>Gérer le passage de paramètre entre deux routes en asynchrone</a:t>
+              <a:t>Gérer le passage de </a:t>
+            </a:r>
+            <a:r>
+              <a:rPr lang="fr-FR" dirty="0" smtClean="0"/>
+              <a:t>paramètres </a:t>
+            </a:r>
+            <a:r>
+              <a:rPr lang="fr-FR" dirty="0" smtClean="0"/>
+              <a:t>entre deux routes en asynchrone</a:t>
             </a:r>
             <a:endParaRPr lang="fr-FR" dirty="0"/>
           </a:p>
@@ -18212,323 +18284,6 @@
 </file>
 
 <file path=ppt/slides/slide21.xml><?xml version="1.0" encoding="utf-8"?>
-<p:sld xmlns:a="http://schemas.openxmlformats.org/drawingml/2006/main" xmlns:r="http://schemas.openxmlformats.org/officeDocument/2006/relationships" xmlns:p="http://schemas.openxmlformats.org/presentationml/2006/main" show="0">
-  <p:cSld>
-    <p:spTree>
-      <p:nvGrpSpPr>
-        <p:cNvPr id="1" name=""/>
-        <p:cNvGrpSpPr/>
-        <p:nvPr/>
-      </p:nvGrpSpPr>
-      <p:grpSpPr>
-        <a:xfrm>
-          <a:off x="0" y="0"/>
-          <a:ext cx="0" cy="0"/>
-          <a:chOff x="0" y="0"/>
-          <a:chExt cx="0" cy="0"/>
-        </a:xfrm>
-      </p:grpSpPr>
-      <p:sp>
-        <p:nvSpPr>
-          <p:cNvPr id="3" name="Espace réservé du contenu 2"/>
-          <p:cNvSpPr>
-            <a:spLocks noGrp="1"/>
-          </p:cNvSpPr>
-          <p:nvPr>
-            <p:ph idx="1"/>
-          </p:nvPr>
-        </p:nvSpPr>
-        <p:spPr>
-          <a:xfrm>
-            <a:off x="395536" y="2636912"/>
-            <a:ext cx="8229600" cy="3445843"/>
-          </a:xfrm>
-        </p:spPr>
-        <p:txBody>
-          <a:bodyPr/>
-          <a:lstStyle/>
-          <a:p>
-            <a:r>
-              <a:rPr lang="fr-FR" dirty="0" err="1" smtClean="0"/>
-              <a:t>AngularJS’s</a:t>
-            </a:r>
-            <a:r>
-              <a:rPr lang="fr-FR" dirty="0" smtClean="0"/>
-              <a:t> $Watch : Un timeout (Digest Cycle) vérifie tous les </a:t>
-            </a:r>
-            <a:r>
-              <a:rPr lang="fr-FR" dirty="0" err="1" smtClean="0"/>
-              <a:t>databindings</a:t>
-            </a:r>
-            <a:endParaRPr lang="fr-FR" dirty="0" smtClean="0"/>
-          </a:p>
-          <a:p>
-            <a:r>
-              <a:rPr lang="fr-FR" dirty="0" err="1" smtClean="0"/>
-              <a:t>Angular’s</a:t>
-            </a:r>
-            <a:r>
-              <a:rPr lang="fr-FR" dirty="0" smtClean="0"/>
-              <a:t> </a:t>
-            </a:r>
-            <a:r>
-              <a:rPr lang="fr-FR" dirty="0" err="1" smtClean="0"/>
-              <a:t>ChangeDetectorRef</a:t>
-            </a:r>
-            <a:r>
-              <a:rPr lang="fr-FR" dirty="0" smtClean="0"/>
-              <a:t> : Chaque composant a une classe </a:t>
-            </a:r>
-            <a:r>
-              <a:rPr lang="fr-FR" dirty="0" err="1" smtClean="0"/>
-              <a:t>ChangeDetectorRef</a:t>
-            </a:r>
-            <a:r>
-              <a:rPr lang="fr-FR" dirty="0" smtClean="0"/>
-              <a:t> qui permet de gérer (activer/désactiver/suspendre) la vérification au niveau d’un composant et de ses enfants</a:t>
-            </a:r>
-            <a:endParaRPr lang="fr-FR" dirty="0"/>
-          </a:p>
-        </p:txBody>
-      </p:sp>
-      <p:sp>
-        <p:nvSpPr>
-          <p:cNvPr id="2" name="Titre 1"/>
-          <p:cNvSpPr>
-            <a:spLocks noGrp="1"/>
-          </p:cNvSpPr>
-          <p:nvPr>
-            <p:ph type="title"/>
-          </p:nvPr>
-        </p:nvSpPr>
-        <p:spPr/>
-        <p:txBody>
-          <a:bodyPr/>
-          <a:lstStyle/>
-          <a:p>
-            <a:r>
-              <a:rPr lang="fr-FR" dirty="0" smtClean="0"/>
-              <a:t>Change </a:t>
-            </a:r>
-            <a:r>
-              <a:rPr lang="fr-FR" dirty="0" err="1" smtClean="0"/>
-              <a:t>Detection</a:t>
-            </a:r>
-            <a:endParaRPr lang="fr-FR" dirty="0"/>
-          </a:p>
-        </p:txBody>
-      </p:sp>
-    </p:spTree>
-    <p:extLst>
-      <p:ext uri="{BB962C8B-B14F-4D97-AF65-F5344CB8AC3E}">
-        <p14:creationId xmlns:p14="http://schemas.microsoft.com/office/powerpoint/2010/main" val="459256215"/>
-      </p:ext>
-    </p:extLst>
-  </p:cSld>
-  <p:clrMapOvr>
-    <a:masterClrMapping/>
-  </p:clrMapOvr>
-  <mc:AlternateContent xmlns:mc="http://schemas.openxmlformats.org/markup-compatibility/2006" xmlns:p14="http://schemas.microsoft.com/office/powerpoint/2010/main">
-    <mc:Choice Requires="p14">
-      <p:transition spd="slow" p14:dur="2000"/>
-    </mc:Choice>
-    <mc:Fallback xmlns="">
-      <p:transition spd="slow"/>
-    </mc:Fallback>
-  </mc:AlternateContent>
-  <p:timing>
-    <p:tnLst>
-      <p:par>
-        <p:cTn id="1" dur="indefinite" restart="never" nodeType="tmRoot"/>
-      </p:par>
-    </p:tnLst>
-  </p:timing>
-</p:sld>
-</file>
-
-<file path=ppt/slides/slide22.xml><?xml version="1.0" encoding="utf-8"?>
-<p:sld xmlns:a="http://schemas.openxmlformats.org/drawingml/2006/main" xmlns:r="http://schemas.openxmlformats.org/officeDocument/2006/relationships" xmlns:p="http://schemas.openxmlformats.org/presentationml/2006/main" show="0">
-  <p:cSld>
-    <p:spTree>
-      <p:nvGrpSpPr>
-        <p:cNvPr id="1" name=""/>
-        <p:cNvGrpSpPr/>
-        <p:nvPr/>
-      </p:nvGrpSpPr>
-      <p:grpSpPr>
-        <a:xfrm>
-          <a:off x="0" y="0"/>
-          <a:ext cx="0" cy="0"/>
-          <a:chOff x="0" y="0"/>
-          <a:chExt cx="0" cy="0"/>
-        </a:xfrm>
-      </p:grpSpPr>
-      <p:sp>
-        <p:nvSpPr>
-          <p:cNvPr id="3" name="Espace réservé du contenu 2"/>
-          <p:cNvSpPr>
-            <a:spLocks noGrp="1"/>
-          </p:cNvSpPr>
-          <p:nvPr>
-            <p:ph idx="1"/>
-          </p:nvPr>
-        </p:nvSpPr>
-        <p:spPr/>
-        <p:txBody>
-          <a:bodyPr/>
-          <a:lstStyle/>
-          <a:p>
-            <a:r>
-              <a:rPr lang="fr-FR" dirty="0" smtClean="0"/>
-              <a:t>…</a:t>
-            </a:r>
-            <a:endParaRPr lang="fr-FR" dirty="0"/>
-          </a:p>
-        </p:txBody>
-      </p:sp>
-      <p:sp>
-        <p:nvSpPr>
-          <p:cNvPr id="2" name="Titre 1"/>
-          <p:cNvSpPr>
-            <a:spLocks noGrp="1"/>
-          </p:cNvSpPr>
-          <p:nvPr>
-            <p:ph type="title"/>
-          </p:nvPr>
-        </p:nvSpPr>
-        <p:spPr/>
-        <p:txBody>
-          <a:bodyPr/>
-          <a:lstStyle/>
-          <a:p>
-            <a:r>
-              <a:rPr lang="fr-FR" dirty="0" smtClean="0"/>
-              <a:t>TU</a:t>
-            </a:r>
-            <a:endParaRPr lang="fr-FR" dirty="0"/>
-          </a:p>
-        </p:txBody>
-      </p:sp>
-    </p:spTree>
-    <p:extLst>
-      <p:ext uri="{BB962C8B-B14F-4D97-AF65-F5344CB8AC3E}">
-        <p14:creationId xmlns:p14="http://schemas.microsoft.com/office/powerpoint/2010/main" val="3193692409"/>
-      </p:ext>
-    </p:extLst>
-  </p:cSld>
-  <p:clrMapOvr>
-    <a:masterClrMapping/>
-  </p:clrMapOvr>
-  <mc:AlternateContent xmlns:mc="http://schemas.openxmlformats.org/markup-compatibility/2006" xmlns:p14="http://schemas.microsoft.com/office/powerpoint/2010/main">
-    <mc:Choice Requires="p14">
-      <p:transition spd="slow" p14:dur="2000"/>
-    </mc:Choice>
-    <mc:Fallback xmlns="">
-      <p:transition spd="slow"/>
-    </mc:Fallback>
-  </mc:AlternateContent>
-  <p:timing>
-    <p:tnLst>
-      <p:par>
-        <p:cTn id="1" dur="indefinite" restart="never" nodeType="tmRoot"/>
-      </p:par>
-    </p:tnLst>
-  </p:timing>
-</p:sld>
-</file>
-
-<file path=ppt/slides/slide23.xml><?xml version="1.0" encoding="utf-8"?>
-<p:sld xmlns:a="http://schemas.openxmlformats.org/drawingml/2006/main" xmlns:r="http://schemas.openxmlformats.org/officeDocument/2006/relationships" xmlns:p="http://schemas.openxmlformats.org/presentationml/2006/main" show="0">
-  <p:cSld>
-    <p:spTree>
-      <p:nvGrpSpPr>
-        <p:cNvPr id="1" name=""/>
-        <p:cNvGrpSpPr/>
-        <p:nvPr/>
-      </p:nvGrpSpPr>
-      <p:grpSpPr>
-        <a:xfrm>
-          <a:off x="0" y="0"/>
-          <a:ext cx="0" cy="0"/>
-          <a:chOff x="0" y="0"/>
-          <a:chExt cx="0" cy="0"/>
-        </a:xfrm>
-      </p:grpSpPr>
-      <p:sp>
-        <p:nvSpPr>
-          <p:cNvPr id="3" name="Espace réservé du contenu 2"/>
-          <p:cNvSpPr>
-            <a:spLocks noGrp="1"/>
-          </p:cNvSpPr>
-          <p:nvPr>
-            <p:ph idx="1"/>
-          </p:nvPr>
-        </p:nvSpPr>
-        <p:spPr/>
-        <p:txBody>
-          <a:bodyPr/>
-          <a:lstStyle/>
-          <a:p>
-            <a:r>
-              <a:rPr lang="fr-FR" dirty="0" smtClean="0"/>
-              <a:t>…</a:t>
-            </a:r>
-            <a:endParaRPr lang="fr-FR" dirty="0"/>
-          </a:p>
-        </p:txBody>
-      </p:sp>
-      <p:sp>
-        <p:nvSpPr>
-          <p:cNvPr id="2" name="Titre 1"/>
-          <p:cNvSpPr>
-            <a:spLocks noGrp="1"/>
-          </p:cNvSpPr>
-          <p:nvPr>
-            <p:ph type="title"/>
-          </p:nvPr>
-        </p:nvSpPr>
-        <p:spPr/>
-        <p:txBody>
-          <a:bodyPr/>
-          <a:lstStyle/>
-          <a:p>
-            <a:r>
-              <a:rPr lang="fr-FR" dirty="0" smtClean="0"/>
-              <a:t>e2e</a:t>
-            </a:r>
-            <a:endParaRPr lang="fr-FR" dirty="0"/>
-          </a:p>
-        </p:txBody>
-      </p:sp>
-    </p:spTree>
-    <p:extLst>
-      <p:ext uri="{BB962C8B-B14F-4D97-AF65-F5344CB8AC3E}">
-        <p14:creationId xmlns:p14="http://schemas.microsoft.com/office/powerpoint/2010/main" val="2854940141"/>
-      </p:ext>
-    </p:extLst>
-  </p:cSld>
-  <p:clrMapOvr>
-    <a:masterClrMapping/>
-  </p:clrMapOvr>
-  <mc:AlternateContent xmlns:mc="http://schemas.openxmlformats.org/markup-compatibility/2006" xmlns:p14="http://schemas.microsoft.com/office/powerpoint/2010/main">
-    <mc:Choice Requires="p14">
-      <p:transition spd="slow" p14:dur="2000"/>
-    </mc:Choice>
-    <mc:Fallback xmlns="">
-      <p:transition spd="slow"/>
-    </mc:Fallback>
-  </mc:AlternateContent>
-  <p:timing>
-    <p:tnLst>
-      <p:par>
-        <p:cTn id="1" dur="indefinite" restart="never" nodeType="tmRoot"/>
-      </p:par>
-    </p:tnLst>
-  </p:timing>
-</p:sld>
-</file>
-
-<file path=ppt/slides/slide24.xml><?xml version="1.0" encoding="utf-8"?>
 <p:sld xmlns:a="http://schemas.openxmlformats.org/drawingml/2006/main" xmlns:r="http://schemas.openxmlformats.org/officeDocument/2006/relationships" xmlns:p="http://schemas.openxmlformats.org/presentationml/2006/main">
   <p:cSld>
     <p:spTree>
@@ -18574,13 +18329,13 @@
             </a:r>
             <a:r>
               <a:rPr lang="fr-FR" dirty="0">
-                <a:hlinkClick r:id="rId2"/>
+                <a:hlinkClick r:id="rId3"/>
               </a:rPr>
               <a:t>https://</a:t>
             </a:r>
             <a:r>
               <a:rPr lang="fr-FR" dirty="0" smtClean="0">
-                <a:hlinkClick r:id="rId2"/>
+                <a:hlinkClick r:id="rId3"/>
               </a:rPr>
               <a:t>angular.io/guide/styleguide</a:t>
             </a:r>

--- a/formation_Angular.pptx
+++ b/formation_Angular.pptx
@@ -761,6 +761,1335 @@
 </file>
 
 <file path=ppt/notesSlides/notesSlide12.xml><?xml version="1.0" encoding="utf-8"?>
+<p:notes xmlns:a="http://schemas.openxmlformats.org/drawingml/2006/main" xmlns:r="http://schemas.openxmlformats.org/officeDocument/2006/relationships" xmlns:p="http://schemas.openxmlformats.org/presentationml/2006/main">
+  <p:cSld>
+    <p:spTree>
+      <p:nvGrpSpPr>
+        <p:cNvPr id="1" name=""/>
+        <p:cNvGrpSpPr/>
+        <p:nvPr/>
+      </p:nvGrpSpPr>
+      <p:grpSpPr>
+        <a:xfrm>
+          <a:off x="0" y="0"/>
+          <a:ext cx="0" cy="0"/>
+          <a:chOff x="0" y="0"/>
+          <a:chExt cx="0" cy="0"/>
+        </a:xfrm>
+      </p:grpSpPr>
+      <p:sp>
+        <p:nvSpPr>
+          <p:cNvPr id="2" name="Espace réservé de l'image des diapositives 1"/>
+          <p:cNvSpPr>
+            <a:spLocks noGrp="1" noRot="1" noChangeAspect="1"/>
+          </p:cNvSpPr>
+          <p:nvPr>
+            <p:ph type="sldImg"/>
+          </p:nvPr>
+        </p:nvSpPr>
+        <p:spPr/>
+      </p:sp>
+      <p:sp>
+        <p:nvSpPr>
+          <p:cNvPr id="3" name="Espace réservé des commentaires 2"/>
+          <p:cNvSpPr>
+            <a:spLocks noGrp="1"/>
+          </p:cNvSpPr>
+          <p:nvPr>
+            <p:ph type="body" idx="1"/>
+          </p:nvPr>
+        </p:nvSpPr>
+        <p:spPr/>
+        <p:txBody>
+          <a:bodyPr/>
+          <a:lstStyle/>
+          <a:p>
+            <a:r>
+              <a:rPr lang="fr-FR" sz="1200" b="0" kern="1200" dirty="0" err="1" smtClean="0">
+                <a:solidFill>
+                  <a:schemeClr val="tx1"/>
+                </a:solidFill>
+                <a:effectLst/>
+                <a:latin typeface="+mn-lt"/>
+                <a:ea typeface="+mn-ea"/>
+                <a:cs typeface="+mn-cs"/>
+              </a:rPr>
+              <a:t>intercept</a:t>
+            </a:r>
+            <a:r>
+              <a:rPr lang="fr-FR" sz="1200" b="0" kern="1200" dirty="0" smtClean="0">
+                <a:solidFill>
+                  <a:schemeClr val="tx1"/>
+                </a:solidFill>
+                <a:effectLst/>
+                <a:latin typeface="+mn-lt"/>
+                <a:ea typeface="+mn-ea"/>
+                <a:cs typeface="+mn-cs"/>
+              </a:rPr>
+              <a:t>(</a:t>
+            </a:r>
+            <a:r>
+              <a:rPr lang="fr-FR" sz="1200" b="0" kern="1200" dirty="0" err="1" smtClean="0">
+                <a:solidFill>
+                  <a:schemeClr val="tx1"/>
+                </a:solidFill>
+                <a:effectLst/>
+                <a:latin typeface="+mn-lt"/>
+                <a:ea typeface="+mn-ea"/>
+                <a:cs typeface="+mn-cs"/>
+              </a:rPr>
+              <a:t>req</a:t>
+            </a:r>
+            <a:r>
+              <a:rPr lang="fr-FR" sz="1200" b="0" kern="1200" dirty="0" smtClean="0">
+                <a:solidFill>
+                  <a:schemeClr val="tx1"/>
+                </a:solidFill>
+                <a:effectLst/>
+                <a:latin typeface="+mn-lt"/>
+                <a:ea typeface="+mn-ea"/>
+                <a:cs typeface="+mn-cs"/>
+              </a:rPr>
+              <a:t>: </a:t>
+            </a:r>
+            <a:r>
+              <a:rPr lang="fr-FR" sz="1200" b="0" kern="1200" dirty="0" err="1" smtClean="0">
+                <a:solidFill>
+                  <a:schemeClr val="tx1"/>
+                </a:solidFill>
+                <a:effectLst/>
+                <a:latin typeface="+mn-lt"/>
+                <a:ea typeface="+mn-ea"/>
+                <a:cs typeface="+mn-cs"/>
+              </a:rPr>
+              <a:t>HttpRequest</a:t>
+            </a:r>
+            <a:r>
+              <a:rPr lang="fr-FR" sz="1200" b="0" kern="1200" dirty="0" smtClean="0">
+                <a:solidFill>
+                  <a:schemeClr val="tx1"/>
+                </a:solidFill>
+                <a:effectLst/>
+                <a:latin typeface="+mn-lt"/>
+                <a:ea typeface="+mn-ea"/>
+                <a:cs typeface="+mn-cs"/>
+              </a:rPr>
+              <a:t>&lt;</a:t>
+            </a:r>
+            <a:r>
+              <a:rPr lang="fr-FR" sz="1200" b="0" kern="1200" dirty="0" err="1" smtClean="0">
+                <a:solidFill>
+                  <a:schemeClr val="tx1"/>
+                </a:solidFill>
+                <a:effectLst/>
+                <a:latin typeface="+mn-lt"/>
+                <a:ea typeface="+mn-ea"/>
+                <a:cs typeface="+mn-cs"/>
+              </a:rPr>
+              <a:t>any</a:t>
+            </a:r>
+            <a:r>
+              <a:rPr lang="fr-FR" sz="1200" b="0" kern="1200" dirty="0" smtClean="0">
+                <a:solidFill>
+                  <a:schemeClr val="tx1"/>
+                </a:solidFill>
+                <a:effectLst/>
+                <a:latin typeface="+mn-lt"/>
+                <a:ea typeface="+mn-ea"/>
+                <a:cs typeface="+mn-cs"/>
+              </a:rPr>
+              <a:t>&gt;, </a:t>
+            </a:r>
+            <a:r>
+              <a:rPr lang="fr-FR" sz="1200" b="0" kern="1200" dirty="0" err="1" smtClean="0">
+                <a:solidFill>
+                  <a:schemeClr val="tx1"/>
+                </a:solidFill>
+                <a:effectLst/>
+                <a:latin typeface="+mn-lt"/>
+                <a:ea typeface="+mn-ea"/>
+                <a:cs typeface="+mn-cs"/>
+              </a:rPr>
+              <a:t>next</a:t>
+            </a:r>
+            <a:r>
+              <a:rPr lang="fr-FR" sz="1200" b="0" kern="1200" dirty="0" smtClean="0">
+                <a:solidFill>
+                  <a:schemeClr val="tx1"/>
+                </a:solidFill>
+                <a:effectLst/>
+                <a:latin typeface="+mn-lt"/>
+                <a:ea typeface="+mn-ea"/>
+                <a:cs typeface="+mn-cs"/>
+              </a:rPr>
+              <a:t>: </a:t>
+            </a:r>
+            <a:r>
+              <a:rPr lang="fr-FR" sz="1200" b="0" kern="1200" dirty="0" err="1" smtClean="0">
+                <a:solidFill>
+                  <a:schemeClr val="tx1"/>
+                </a:solidFill>
+                <a:effectLst/>
+                <a:latin typeface="+mn-lt"/>
+                <a:ea typeface="+mn-ea"/>
+                <a:cs typeface="+mn-cs"/>
+              </a:rPr>
+              <a:t>HttpHandler</a:t>
+            </a:r>
+            <a:r>
+              <a:rPr lang="fr-FR" sz="1200" b="0" kern="1200" dirty="0" smtClean="0">
+                <a:solidFill>
+                  <a:schemeClr val="tx1"/>
+                </a:solidFill>
+                <a:effectLst/>
+                <a:latin typeface="+mn-lt"/>
+                <a:ea typeface="+mn-ea"/>
+                <a:cs typeface="+mn-cs"/>
+              </a:rPr>
+              <a:t>): Observable&lt;</a:t>
+            </a:r>
+            <a:r>
+              <a:rPr lang="fr-FR" sz="1200" b="0" kern="1200" dirty="0" err="1" smtClean="0">
+                <a:solidFill>
+                  <a:schemeClr val="tx1"/>
+                </a:solidFill>
+                <a:effectLst/>
+                <a:latin typeface="+mn-lt"/>
+                <a:ea typeface="+mn-ea"/>
+                <a:cs typeface="+mn-cs"/>
+              </a:rPr>
+              <a:t>HttpEvent</a:t>
+            </a:r>
+            <a:r>
+              <a:rPr lang="fr-FR" sz="1200" b="0" kern="1200" dirty="0" smtClean="0">
+                <a:solidFill>
+                  <a:schemeClr val="tx1"/>
+                </a:solidFill>
+                <a:effectLst/>
+                <a:latin typeface="+mn-lt"/>
+                <a:ea typeface="+mn-ea"/>
+                <a:cs typeface="+mn-cs"/>
+              </a:rPr>
+              <a:t>&lt;</a:t>
+            </a:r>
+            <a:r>
+              <a:rPr lang="fr-FR" sz="1200" b="0" kern="1200" dirty="0" err="1" smtClean="0">
+                <a:solidFill>
+                  <a:schemeClr val="tx1"/>
+                </a:solidFill>
+                <a:effectLst/>
+                <a:latin typeface="+mn-lt"/>
+                <a:ea typeface="+mn-ea"/>
+                <a:cs typeface="+mn-cs"/>
+              </a:rPr>
+              <a:t>any</a:t>
+            </a:r>
+            <a:r>
+              <a:rPr lang="fr-FR" sz="1200" b="0" kern="1200" dirty="0" smtClean="0">
+                <a:solidFill>
+                  <a:schemeClr val="tx1"/>
+                </a:solidFill>
+                <a:effectLst/>
+                <a:latin typeface="+mn-lt"/>
+                <a:ea typeface="+mn-ea"/>
+                <a:cs typeface="+mn-cs"/>
+              </a:rPr>
+              <a:t>&gt;&gt; {</a:t>
+            </a:r>
+          </a:p>
+          <a:p>
+            <a:r>
+              <a:rPr lang="fr-FR" sz="1200" b="0" kern="1200" dirty="0" err="1" smtClean="0">
+                <a:solidFill>
+                  <a:schemeClr val="tx1"/>
+                </a:solidFill>
+                <a:effectLst/>
+                <a:latin typeface="+mn-lt"/>
+                <a:ea typeface="+mn-ea"/>
+                <a:cs typeface="+mn-cs"/>
+              </a:rPr>
+              <a:t>const</a:t>
+            </a:r>
+            <a:r>
+              <a:rPr lang="fr-FR" sz="1200" b="0" kern="1200" dirty="0" smtClean="0">
+                <a:solidFill>
+                  <a:schemeClr val="tx1"/>
+                </a:solidFill>
+                <a:effectLst/>
+                <a:latin typeface="+mn-lt"/>
+                <a:ea typeface="+mn-ea"/>
+                <a:cs typeface="+mn-cs"/>
+              </a:rPr>
+              <a:t> </a:t>
+            </a:r>
+            <a:r>
+              <a:rPr lang="fr-FR" sz="1200" b="0" kern="1200" dirty="0" err="1" smtClean="0">
+                <a:solidFill>
+                  <a:schemeClr val="tx1"/>
+                </a:solidFill>
+                <a:effectLst/>
+                <a:latin typeface="+mn-lt"/>
+                <a:ea typeface="+mn-ea"/>
+                <a:cs typeface="+mn-cs"/>
+              </a:rPr>
+              <a:t>noCache</a:t>
+            </a:r>
+            <a:r>
+              <a:rPr lang="fr-FR" sz="1200" b="0" kern="1200" dirty="0" smtClean="0">
+                <a:solidFill>
+                  <a:schemeClr val="tx1"/>
+                </a:solidFill>
+                <a:effectLst/>
+                <a:latin typeface="+mn-lt"/>
+                <a:ea typeface="+mn-ea"/>
+                <a:cs typeface="+mn-cs"/>
+              </a:rPr>
+              <a:t> = </a:t>
+            </a:r>
+            <a:r>
+              <a:rPr lang="fr-FR" sz="1200" b="0" kern="1200" dirty="0" err="1" smtClean="0">
+                <a:solidFill>
+                  <a:schemeClr val="tx1"/>
+                </a:solidFill>
+                <a:effectLst/>
+                <a:latin typeface="+mn-lt"/>
+                <a:ea typeface="+mn-ea"/>
+                <a:cs typeface="+mn-cs"/>
+              </a:rPr>
+              <a:t>req.params.get</a:t>
+            </a:r>
+            <a:r>
+              <a:rPr lang="fr-FR" sz="1200" b="0" kern="1200" dirty="0" smtClean="0">
+                <a:solidFill>
+                  <a:schemeClr val="tx1"/>
+                </a:solidFill>
+                <a:effectLst/>
+                <a:latin typeface="+mn-lt"/>
+                <a:ea typeface="+mn-ea"/>
+                <a:cs typeface="+mn-cs"/>
+              </a:rPr>
+              <a:t>('</a:t>
+            </a:r>
+            <a:r>
+              <a:rPr lang="fr-FR" sz="1200" b="0" kern="1200" dirty="0" err="1" smtClean="0">
+                <a:solidFill>
+                  <a:schemeClr val="tx1"/>
+                </a:solidFill>
+                <a:effectLst/>
+                <a:latin typeface="+mn-lt"/>
+                <a:ea typeface="+mn-ea"/>
+                <a:cs typeface="+mn-cs"/>
+              </a:rPr>
+              <a:t>noCache</a:t>
+            </a:r>
+            <a:r>
+              <a:rPr lang="fr-FR" sz="1200" b="0" kern="1200" dirty="0" smtClean="0">
+                <a:solidFill>
+                  <a:schemeClr val="tx1"/>
+                </a:solidFill>
+                <a:effectLst/>
+                <a:latin typeface="+mn-lt"/>
+                <a:ea typeface="+mn-ea"/>
+                <a:cs typeface="+mn-cs"/>
+              </a:rPr>
+              <a:t>') === '</a:t>
+            </a:r>
+            <a:r>
+              <a:rPr lang="fr-FR" sz="1200" b="0" kern="1200" dirty="0" err="1" smtClean="0">
+                <a:solidFill>
+                  <a:schemeClr val="tx1"/>
+                </a:solidFill>
+                <a:effectLst/>
+                <a:latin typeface="+mn-lt"/>
+                <a:ea typeface="+mn-ea"/>
+                <a:cs typeface="+mn-cs"/>
+              </a:rPr>
+              <a:t>true</a:t>
+            </a:r>
+            <a:r>
+              <a:rPr lang="fr-FR" sz="1200" b="0" kern="1200" dirty="0" smtClean="0">
+                <a:solidFill>
+                  <a:schemeClr val="tx1"/>
+                </a:solidFill>
+                <a:effectLst/>
+                <a:latin typeface="+mn-lt"/>
+                <a:ea typeface="+mn-ea"/>
+                <a:cs typeface="+mn-cs"/>
+              </a:rPr>
+              <a:t>';</a:t>
+            </a:r>
+          </a:p>
+          <a:p>
+            <a:r>
+              <a:rPr lang="fr-FR" sz="1200" b="0" kern="1200" dirty="0" err="1" smtClean="0">
+                <a:solidFill>
+                  <a:schemeClr val="tx1"/>
+                </a:solidFill>
+                <a:effectLst/>
+                <a:latin typeface="+mn-lt"/>
+                <a:ea typeface="+mn-ea"/>
+                <a:cs typeface="+mn-cs"/>
+              </a:rPr>
+              <a:t>const</a:t>
+            </a:r>
+            <a:r>
+              <a:rPr lang="fr-FR" sz="1200" b="0" kern="1200" dirty="0" smtClean="0">
+                <a:solidFill>
+                  <a:schemeClr val="tx1"/>
+                </a:solidFill>
+                <a:effectLst/>
+                <a:latin typeface="+mn-lt"/>
+                <a:ea typeface="+mn-ea"/>
+                <a:cs typeface="+mn-cs"/>
+              </a:rPr>
+              <a:t> </a:t>
+            </a:r>
+            <a:r>
+              <a:rPr lang="fr-FR" sz="1200" b="0" kern="1200" dirty="0" err="1" smtClean="0">
+                <a:solidFill>
+                  <a:schemeClr val="tx1"/>
+                </a:solidFill>
+                <a:effectLst/>
+                <a:latin typeface="+mn-lt"/>
+                <a:ea typeface="+mn-ea"/>
+                <a:cs typeface="+mn-cs"/>
+              </a:rPr>
+              <a:t>noErrorModal</a:t>
+            </a:r>
+            <a:r>
+              <a:rPr lang="fr-FR" sz="1200" b="0" kern="1200" dirty="0" smtClean="0">
+                <a:solidFill>
+                  <a:schemeClr val="tx1"/>
+                </a:solidFill>
+                <a:effectLst/>
+                <a:latin typeface="+mn-lt"/>
+                <a:ea typeface="+mn-ea"/>
+                <a:cs typeface="+mn-cs"/>
+              </a:rPr>
+              <a:t> = </a:t>
+            </a:r>
+            <a:r>
+              <a:rPr lang="fr-FR" sz="1200" b="0" kern="1200" dirty="0" err="1" smtClean="0">
+                <a:solidFill>
+                  <a:schemeClr val="tx1"/>
+                </a:solidFill>
+                <a:effectLst/>
+                <a:latin typeface="+mn-lt"/>
+                <a:ea typeface="+mn-ea"/>
+                <a:cs typeface="+mn-cs"/>
+              </a:rPr>
+              <a:t>req.params.get</a:t>
+            </a:r>
+            <a:r>
+              <a:rPr lang="fr-FR" sz="1200" b="0" kern="1200" dirty="0" smtClean="0">
+                <a:solidFill>
+                  <a:schemeClr val="tx1"/>
+                </a:solidFill>
+                <a:effectLst/>
+                <a:latin typeface="+mn-lt"/>
+                <a:ea typeface="+mn-ea"/>
+                <a:cs typeface="+mn-cs"/>
+              </a:rPr>
+              <a:t>('</a:t>
+            </a:r>
+            <a:r>
+              <a:rPr lang="fr-FR" sz="1200" b="0" kern="1200" dirty="0" err="1" smtClean="0">
+                <a:solidFill>
+                  <a:schemeClr val="tx1"/>
+                </a:solidFill>
+                <a:effectLst/>
+                <a:latin typeface="+mn-lt"/>
+                <a:ea typeface="+mn-ea"/>
+                <a:cs typeface="+mn-cs"/>
+              </a:rPr>
+              <a:t>noErrorModal</a:t>
+            </a:r>
+            <a:r>
+              <a:rPr lang="fr-FR" sz="1200" b="0" kern="1200" dirty="0" smtClean="0">
+                <a:solidFill>
+                  <a:schemeClr val="tx1"/>
+                </a:solidFill>
+                <a:effectLst/>
+                <a:latin typeface="+mn-lt"/>
+                <a:ea typeface="+mn-ea"/>
+                <a:cs typeface="+mn-cs"/>
+              </a:rPr>
+              <a:t>') === '</a:t>
+            </a:r>
+            <a:r>
+              <a:rPr lang="fr-FR" sz="1200" b="0" kern="1200" dirty="0" err="1" smtClean="0">
+                <a:solidFill>
+                  <a:schemeClr val="tx1"/>
+                </a:solidFill>
+                <a:effectLst/>
+                <a:latin typeface="+mn-lt"/>
+                <a:ea typeface="+mn-ea"/>
+                <a:cs typeface="+mn-cs"/>
+              </a:rPr>
+              <a:t>true</a:t>
+            </a:r>
+            <a:r>
+              <a:rPr lang="fr-FR" sz="1200" b="0" kern="1200" dirty="0" smtClean="0">
+                <a:solidFill>
+                  <a:schemeClr val="tx1"/>
+                </a:solidFill>
+                <a:effectLst/>
+                <a:latin typeface="+mn-lt"/>
+                <a:ea typeface="+mn-ea"/>
+                <a:cs typeface="+mn-cs"/>
+              </a:rPr>
+              <a:t>';</a:t>
+            </a:r>
+          </a:p>
+          <a:p>
+            <a:r>
+              <a:rPr lang="fr-FR" sz="1200" b="0" kern="1200" dirty="0" smtClean="0">
+                <a:solidFill>
+                  <a:schemeClr val="tx1"/>
+                </a:solidFill>
+                <a:effectLst/>
+                <a:latin typeface="+mn-lt"/>
+                <a:ea typeface="+mn-ea"/>
+                <a:cs typeface="+mn-cs"/>
+              </a:rPr>
+              <a:t/>
+            </a:r>
+            <a:br>
+              <a:rPr lang="fr-FR" sz="1200" b="0" kern="1200" dirty="0" smtClean="0">
+                <a:solidFill>
+                  <a:schemeClr val="tx1"/>
+                </a:solidFill>
+                <a:effectLst/>
+                <a:latin typeface="+mn-lt"/>
+                <a:ea typeface="+mn-ea"/>
+                <a:cs typeface="+mn-cs"/>
+              </a:rPr>
+            </a:br>
+            <a:r>
+              <a:rPr lang="fr-FR" sz="1200" b="0" kern="1200" dirty="0" err="1" smtClean="0">
+                <a:solidFill>
+                  <a:schemeClr val="tx1"/>
+                </a:solidFill>
+                <a:effectLst/>
+                <a:latin typeface="+mn-lt"/>
+                <a:ea typeface="+mn-ea"/>
+                <a:cs typeface="+mn-cs"/>
+              </a:rPr>
+              <a:t>this.loading.pendingRequests</a:t>
+            </a:r>
+            <a:r>
+              <a:rPr lang="fr-FR" sz="1200" b="0" kern="1200" dirty="0" smtClean="0">
+                <a:solidFill>
+                  <a:schemeClr val="tx1"/>
+                </a:solidFill>
+                <a:effectLst/>
+                <a:latin typeface="+mn-lt"/>
+                <a:ea typeface="+mn-ea"/>
+                <a:cs typeface="+mn-cs"/>
+              </a:rPr>
+              <a:t>++;</a:t>
+            </a:r>
+          </a:p>
+          <a:p>
+            <a:r>
+              <a:rPr lang="fr-FR" sz="1200" b="0" kern="1200" dirty="0" smtClean="0">
+                <a:solidFill>
+                  <a:schemeClr val="tx1"/>
+                </a:solidFill>
+                <a:effectLst/>
+                <a:latin typeface="+mn-lt"/>
+                <a:ea typeface="+mn-ea"/>
+                <a:cs typeface="+mn-cs"/>
+              </a:rPr>
+              <a:t>return </a:t>
+            </a:r>
+            <a:r>
+              <a:rPr lang="fr-FR" sz="1200" b="0" kern="1200" dirty="0" err="1" smtClean="0">
+                <a:solidFill>
+                  <a:schemeClr val="tx1"/>
+                </a:solidFill>
+                <a:effectLst/>
+                <a:latin typeface="+mn-lt"/>
+                <a:ea typeface="+mn-ea"/>
+                <a:cs typeface="+mn-cs"/>
+              </a:rPr>
+              <a:t>next.handle</a:t>
+            </a:r>
+            <a:r>
+              <a:rPr lang="fr-FR" sz="1200" b="0" kern="1200" dirty="0" smtClean="0">
+                <a:solidFill>
+                  <a:schemeClr val="tx1"/>
+                </a:solidFill>
+                <a:effectLst/>
+                <a:latin typeface="+mn-lt"/>
+                <a:ea typeface="+mn-ea"/>
+                <a:cs typeface="+mn-cs"/>
+              </a:rPr>
+              <a:t>(</a:t>
+            </a:r>
+            <a:r>
+              <a:rPr lang="fr-FR" sz="1200" b="0" kern="1200" dirty="0" err="1" smtClean="0">
+                <a:solidFill>
+                  <a:schemeClr val="tx1"/>
+                </a:solidFill>
+                <a:effectLst/>
+                <a:latin typeface="+mn-lt"/>
+                <a:ea typeface="+mn-ea"/>
+                <a:cs typeface="+mn-cs"/>
+              </a:rPr>
+              <a:t>req</a:t>
+            </a:r>
+            <a:r>
+              <a:rPr lang="fr-FR" sz="1200" b="0" kern="1200" dirty="0" smtClean="0">
+                <a:solidFill>
+                  <a:schemeClr val="tx1"/>
+                </a:solidFill>
+                <a:effectLst/>
+                <a:latin typeface="+mn-lt"/>
+                <a:ea typeface="+mn-ea"/>
+                <a:cs typeface="+mn-cs"/>
+              </a:rPr>
+              <a:t>)</a:t>
+            </a:r>
+          </a:p>
+          <a:p>
+            <a:r>
+              <a:rPr lang="fr-FR" sz="1200" b="0" kern="1200" dirty="0" smtClean="0">
+                <a:solidFill>
+                  <a:schemeClr val="tx1"/>
+                </a:solidFill>
+                <a:effectLst/>
+                <a:latin typeface="+mn-lt"/>
+                <a:ea typeface="+mn-ea"/>
+                <a:cs typeface="+mn-cs"/>
+              </a:rPr>
+              <a:t>.timeout(REQUEST_TIMEOUT)</a:t>
+            </a:r>
+          </a:p>
+          <a:p>
+            <a:r>
+              <a:rPr lang="fr-FR" sz="1200" b="0" kern="1200" dirty="0" smtClean="0">
+                <a:solidFill>
+                  <a:schemeClr val="tx1"/>
+                </a:solidFill>
+                <a:effectLst/>
+                <a:latin typeface="+mn-lt"/>
+                <a:ea typeface="+mn-ea"/>
+                <a:cs typeface="+mn-cs"/>
+              </a:rPr>
+              <a:t>.</a:t>
+            </a:r>
+            <a:r>
+              <a:rPr lang="fr-FR" sz="1200" b="0" kern="1200" dirty="0" err="1" smtClean="0">
+                <a:solidFill>
+                  <a:schemeClr val="tx1"/>
+                </a:solidFill>
+                <a:effectLst/>
+                <a:latin typeface="+mn-lt"/>
+                <a:ea typeface="+mn-ea"/>
+                <a:cs typeface="+mn-cs"/>
+              </a:rPr>
+              <a:t>filter</a:t>
+            </a:r>
+            <a:r>
+              <a:rPr lang="fr-FR" sz="1200" b="0" kern="1200" dirty="0" smtClean="0">
+                <a:solidFill>
+                  <a:schemeClr val="tx1"/>
+                </a:solidFill>
+                <a:effectLst/>
+                <a:latin typeface="+mn-lt"/>
+                <a:ea typeface="+mn-ea"/>
+                <a:cs typeface="+mn-cs"/>
+              </a:rPr>
+              <a:t>(</a:t>
+            </a:r>
+            <a:r>
+              <a:rPr lang="fr-FR" sz="1200" b="0" kern="1200" dirty="0" err="1" smtClean="0">
+                <a:solidFill>
+                  <a:schemeClr val="tx1"/>
+                </a:solidFill>
+                <a:effectLst/>
+                <a:latin typeface="+mn-lt"/>
+                <a:ea typeface="+mn-ea"/>
+                <a:cs typeface="+mn-cs"/>
+              </a:rPr>
+              <a:t>result</a:t>
+            </a:r>
+            <a:r>
+              <a:rPr lang="fr-FR" sz="1200" b="0" kern="1200" dirty="0" smtClean="0">
+                <a:solidFill>
+                  <a:schemeClr val="tx1"/>
+                </a:solidFill>
+                <a:effectLst/>
+                <a:latin typeface="+mn-lt"/>
+                <a:ea typeface="+mn-ea"/>
+                <a:cs typeface="+mn-cs"/>
+              </a:rPr>
+              <a:t> =&gt; </a:t>
+            </a:r>
+            <a:r>
+              <a:rPr lang="fr-FR" sz="1200" b="0" kern="1200" dirty="0" err="1" smtClean="0">
+                <a:solidFill>
+                  <a:schemeClr val="tx1"/>
+                </a:solidFill>
+                <a:effectLst/>
+                <a:latin typeface="+mn-lt"/>
+                <a:ea typeface="+mn-ea"/>
+                <a:cs typeface="+mn-cs"/>
+              </a:rPr>
+              <a:t>this.isHttpResponse</a:t>
+            </a:r>
+            <a:r>
+              <a:rPr lang="fr-FR" sz="1200" b="0" kern="1200" dirty="0" smtClean="0">
+                <a:solidFill>
+                  <a:schemeClr val="tx1"/>
+                </a:solidFill>
+                <a:effectLst/>
+                <a:latin typeface="+mn-lt"/>
+                <a:ea typeface="+mn-ea"/>
+                <a:cs typeface="+mn-cs"/>
+              </a:rPr>
+              <a:t>(</a:t>
+            </a:r>
+            <a:r>
+              <a:rPr lang="fr-FR" sz="1200" b="0" kern="1200" dirty="0" err="1" smtClean="0">
+                <a:solidFill>
+                  <a:schemeClr val="tx1"/>
+                </a:solidFill>
+                <a:effectLst/>
+                <a:latin typeface="+mn-lt"/>
+                <a:ea typeface="+mn-ea"/>
+                <a:cs typeface="+mn-cs"/>
+              </a:rPr>
+              <a:t>result</a:t>
+            </a:r>
+            <a:r>
+              <a:rPr lang="fr-FR" sz="1200" b="0" kern="1200" dirty="0" smtClean="0">
+                <a:solidFill>
+                  <a:schemeClr val="tx1"/>
+                </a:solidFill>
+                <a:effectLst/>
+                <a:latin typeface="+mn-lt"/>
+                <a:ea typeface="+mn-ea"/>
+                <a:cs typeface="+mn-cs"/>
+              </a:rPr>
+              <a:t>))</a:t>
+            </a:r>
+          </a:p>
+          <a:p>
+            <a:r>
+              <a:rPr lang="fr-FR" sz="1200" b="0" kern="1200" dirty="0" smtClean="0">
+                <a:solidFill>
+                  <a:schemeClr val="tx1"/>
+                </a:solidFill>
+                <a:effectLst/>
+                <a:latin typeface="+mn-lt"/>
+                <a:ea typeface="+mn-ea"/>
+                <a:cs typeface="+mn-cs"/>
+              </a:rPr>
+              <a:t>.do(</a:t>
+            </a:r>
+            <a:r>
+              <a:rPr lang="fr-FR" sz="1200" b="0" kern="1200" dirty="0" err="1" smtClean="0">
+                <a:solidFill>
+                  <a:schemeClr val="tx1"/>
+                </a:solidFill>
+                <a:effectLst/>
+                <a:latin typeface="+mn-lt"/>
+                <a:ea typeface="+mn-ea"/>
+                <a:cs typeface="+mn-cs"/>
+              </a:rPr>
+              <a:t>result</a:t>
+            </a:r>
+            <a:r>
+              <a:rPr lang="fr-FR" sz="1200" b="0" kern="1200" dirty="0" smtClean="0">
+                <a:solidFill>
+                  <a:schemeClr val="tx1"/>
+                </a:solidFill>
+                <a:effectLst/>
+                <a:latin typeface="+mn-lt"/>
+                <a:ea typeface="+mn-ea"/>
+                <a:cs typeface="+mn-cs"/>
+              </a:rPr>
+              <a:t> =&gt; !</a:t>
+            </a:r>
+            <a:r>
+              <a:rPr lang="fr-FR" sz="1200" b="0" kern="1200" dirty="0" err="1" smtClean="0">
+                <a:solidFill>
+                  <a:schemeClr val="tx1"/>
+                </a:solidFill>
+                <a:effectLst/>
+                <a:latin typeface="+mn-lt"/>
+                <a:ea typeface="+mn-ea"/>
+                <a:cs typeface="+mn-cs"/>
+              </a:rPr>
+              <a:t>noCache</a:t>
+            </a:r>
+            <a:r>
+              <a:rPr lang="fr-FR" sz="1200" b="0" kern="1200" dirty="0" smtClean="0">
+                <a:solidFill>
+                  <a:schemeClr val="tx1"/>
+                </a:solidFill>
+                <a:effectLst/>
+                <a:latin typeface="+mn-lt"/>
+                <a:ea typeface="+mn-ea"/>
+                <a:cs typeface="+mn-cs"/>
+              </a:rPr>
+              <a:t> &amp;&amp; </a:t>
+            </a:r>
+            <a:r>
+              <a:rPr lang="fr-FR" sz="1200" b="0" kern="1200" dirty="0" err="1" smtClean="0">
+                <a:solidFill>
+                  <a:schemeClr val="tx1"/>
+                </a:solidFill>
+                <a:effectLst/>
+                <a:latin typeface="+mn-lt"/>
+                <a:ea typeface="+mn-ea"/>
+                <a:cs typeface="+mn-cs"/>
+              </a:rPr>
+              <a:t>this.cacheRequestResponse</a:t>
+            </a:r>
+            <a:r>
+              <a:rPr lang="fr-FR" sz="1200" b="0" kern="1200" dirty="0" smtClean="0">
+                <a:solidFill>
+                  <a:schemeClr val="tx1"/>
+                </a:solidFill>
+                <a:effectLst/>
+                <a:latin typeface="+mn-lt"/>
+                <a:ea typeface="+mn-ea"/>
+                <a:cs typeface="+mn-cs"/>
+              </a:rPr>
+              <a:t>(req.url, </a:t>
+            </a:r>
+            <a:r>
+              <a:rPr lang="fr-FR" sz="1200" b="0" kern="1200" dirty="0" err="1" smtClean="0">
+                <a:solidFill>
+                  <a:schemeClr val="tx1"/>
+                </a:solidFill>
+                <a:effectLst/>
+                <a:latin typeface="+mn-lt"/>
+                <a:ea typeface="+mn-ea"/>
+                <a:cs typeface="+mn-cs"/>
+              </a:rPr>
+              <a:t>result</a:t>
+            </a:r>
+            <a:r>
+              <a:rPr lang="fr-FR" sz="1200" b="0" kern="1200" dirty="0" smtClean="0">
+                <a:solidFill>
+                  <a:schemeClr val="tx1"/>
+                </a:solidFill>
+                <a:effectLst/>
+                <a:latin typeface="+mn-lt"/>
+                <a:ea typeface="+mn-ea"/>
+                <a:cs typeface="+mn-cs"/>
+              </a:rPr>
+              <a:t> as </a:t>
+            </a:r>
+            <a:r>
+              <a:rPr lang="fr-FR" sz="1200" b="0" kern="1200" dirty="0" err="1" smtClean="0">
+                <a:solidFill>
+                  <a:schemeClr val="tx1"/>
+                </a:solidFill>
+                <a:effectLst/>
+                <a:latin typeface="+mn-lt"/>
+                <a:ea typeface="+mn-ea"/>
+                <a:cs typeface="+mn-cs"/>
+              </a:rPr>
+              <a:t>HttpResponse</a:t>
+            </a:r>
+            <a:r>
+              <a:rPr lang="fr-FR" sz="1200" b="0" kern="1200" dirty="0" smtClean="0">
+                <a:solidFill>
+                  <a:schemeClr val="tx1"/>
+                </a:solidFill>
+                <a:effectLst/>
+                <a:latin typeface="+mn-lt"/>
+                <a:ea typeface="+mn-ea"/>
+                <a:cs typeface="+mn-cs"/>
+              </a:rPr>
+              <a:t>&lt;</a:t>
+            </a:r>
+            <a:r>
+              <a:rPr lang="fr-FR" sz="1200" b="0" kern="1200" dirty="0" err="1" smtClean="0">
+                <a:solidFill>
+                  <a:schemeClr val="tx1"/>
+                </a:solidFill>
+                <a:effectLst/>
+                <a:latin typeface="+mn-lt"/>
+                <a:ea typeface="+mn-ea"/>
+                <a:cs typeface="+mn-cs"/>
+              </a:rPr>
+              <a:t>any</a:t>
+            </a:r>
+            <a:r>
+              <a:rPr lang="fr-FR" sz="1200" b="0" kern="1200" dirty="0" smtClean="0">
+                <a:solidFill>
+                  <a:schemeClr val="tx1"/>
+                </a:solidFill>
+                <a:effectLst/>
+                <a:latin typeface="+mn-lt"/>
+                <a:ea typeface="+mn-ea"/>
+                <a:cs typeface="+mn-cs"/>
+              </a:rPr>
+              <a:t>&gt;))</a:t>
+            </a:r>
+          </a:p>
+          <a:p>
+            <a:r>
+              <a:rPr lang="fr-FR" sz="1200" b="0" kern="1200" dirty="0" smtClean="0">
+                <a:solidFill>
+                  <a:schemeClr val="tx1"/>
+                </a:solidFill>
+                <a:effectLst/>
+                <a:latin typeface="+mn-lt"/>
+                <a:ea typeface="+mn-ea"/>
+                <a:cs typeface="+mn-cs"/>
+              </a:rPr>
+              <a:t>.catch((</a:t>
+            </a:r>
+            <a:r>
+              <a:rPr lang="fr-FR" sz="1200" b="0" kern="1200" dirty="0" err="1" smtClean="0">
+                <a:solidFill>
+                  <a:schemeClr val="tx1"/>
+                </a:solidFill>
+                <a:effectLst/>
+                <a:latin typeface="+mn-lt"/>
+                <a:ea typeface="+mn-ea"/>
+                <a:cs typeface="+mn-cs"/>
+              </a:rPr>
+              <a:t>error</a:t>
+            </a:r>
+            <a:r>
+              <a:rPr lang="fr-FR" sz="1200" b="0" kern="1200" dirty="0" smtClean="0">
+                <a:solidFill>
+                  <a:schemeClr val="tx1"/>
+                </a:solidFill>
+                <a:effectLst/>
+                <a:latin typeface="+mn-lt"/>
+                <a:ea typeface="+mn-ea"/>
+                <a:cs typeface="+mn-cs"/>
+              </a:rPr>
+              <a:t>, </a:t>
+            </a:r>
+            <a:r>
+              <a:rPr lang="fr-FR" sz="1200" b="0" kern="1200" dirty="0" err="1" smtClean="0">
+                <a:solidFill>
+                  <a:schemeClr val="tx1"/>
+                </a:solidFill>
+                <a:effectLst/>
+                <a:latin typeface="+mn-lt"/>
+                <a:ea typeface="+mn-ea"/>
+                <a:cs typeface="+mn-cs"/>
+              </a:rPr>
+              <a:t>caught</a:t>
+            </a:r>
+            <a:r>
+              <a:rPr lang="fr-FR" sz="1200" b="0" kern="1200" dirty="0" smtClean="0">
+                <a:solidFill>
+                  <a:schemeClr val="tx1"/>
+                </a:solidFill>
+                <a:effectLst/>
+                <a:latin typeface="+mn-lt"/>
+                <a:ea typeface="+mn-ea"/>
+                <a:cs typeface="+mn-cs"/>
+              </a:rPr>
+              <a:t>) =&gt; {</a:t>
+            </a:r>
+          </a:p>
+          <a:p>
+            <a:r>
+              <a:rPr lang="fr-FR" sz="1200" b="0" kern="1200" dirty="0" smtClean="0">
+                <a:solidFill>
+                  <a:schemeClr val="tx1"/>
+                </a:solidFill>
+                <a:effectLst/>
+                <a:latin typeface="+mn-lt"/>
+                <a:ea typeface="+mn-ea"/>
+                <a:cs typeface="+mn-cs"/>
+              </a:rPr>
+              <a:t>if (</a:t>
+            </a:r>
+            <a:r>
+              <a:rPr lang="fr-FR" sz="1200" b="0" kern="1200" dirty="0" err="1" smtClean="0">
+                <a:solidFill>
+                  <a:schemeClr val="tx1"/>
+                </a:solidFill>
+                <a:effectLst/>
+                <a:latin typeface="+mn-lt"/>
+                <a:ea typeface="+mn-ea"/>
+                <a:cs typeface="+mn-cs"/>
+              </a:rPr>
+              <a:t>this.isProxyError</a:t>
+            </a:r>
+            <a:r>
+              <a:rPr lang="fr-FR" sz="1200" b="0" kern="1200" dirty="0" smtClean="0">
+                <a:solidFill>
+                  <a:schemeClr val="tx1"/>
+                </a:solidFill>
+                <a:effectLst/>
+                <a:latin typeface="+mn-lt"/>
+                <a:ea typeface="+mn-ea"/>
+                <a:cs typeface="+mn-cs"/>
+              </a:rPr>
+              <a:t>(</a:t>
+            </a:r>
+            <a:r>
+              <a:rPr lang="fr-FR" sz="1200" b="0" kern="1200" dirty="0" err="1" smtClean="0">
+                <a:solidFill>
+                  <a:schemeClr val="tx1"/>
+                </a:solidFill>
+                <a:effectLst/>
+                <a:latin typeface="+mn-lt"/>
+                <a:ea typeface="+mn-ea"/>
+                <a:cs typeface="+mn-cs"/>
+              </a:rPr>
+              <a:t>error</a:t>
+            </a:r>
+            <a:r>
+              <a:rPr lang="fr-FR" sz="1200" b="0" kern="1200" dirty="0" smtClean="0">
+                <a:solidFill>
+                  <a:schemeClr val="tx1"/>
+                </a:solidFill>
+                <a:effectLst/>
+                <a:latin typeface="+mn-lt"/>
+                <a:ea typeface="+mn-ea"/>
+                <a:cs typeface="+mn-cs"/>
+              </a:rPr>
+              <a:t>)) {</a:t>
+            </a:r>
+          </a:p>
+          <a:p>
+            <a:r>
+              <a:rPr lang="fr-FR" sz="1200" b="0" kern="1200" dirty="0" smtClean="0">
+                <a:solidFill>
+                  <a:schemeClr val="tx1"/>
+                </a:solidFill>
+                <a:effectLst/>
+                <a:latin typeface="+mn-lt"/>
+                <a:ea typeface="+mn-ea"/>
+                <a:cs typeface="+mn-cs"/>
+              </a:rPr>
+              <a:t>return </a:t>
+            </a:r>
+            <a:r>
+              <a:rPr lang="fr-FR" sz="1200" b="0" kern="1200" dirty="0" err="1" smtClean="0">
+                <a:solidFill>
+                  <a:schemeClr val="tx1"/>
+                </a:solidFill>
+                <a:effectLst/>
+                <a:latin typeface="+mn-lt"/>
+                <a:ea typeface="+mn-ea"/>
+                <a:cs typeface="+mn-cs"/>
+              </a:rPr>
+              <a:t>Observable.of</a:t>
+            </a:r>
+            <a:r>
+              <a:rPr lang="fr-FR" sz="1200" b="0" kern="1200" dirty="0" smtClean="0">
+                <a:solidFill>
+                  <a:schemeClr val="tx1"/>
+                </a:solidFill>
+                <a:effectLst/>
+                <a:latin typeface="+mn-lt"/>
+                <a:ea typeface="+mn-ea"/>
+                <a:cs typeface="+mn-cs"/>
+              </a:rPr>
+              <a:t>(</a:t>
+            </a:r>
+            <a:r>
+              <a:rPr lang="fr-FR" sz="1200" b="0" kern="1200" dirty="0" err="1" smtClean="0">
+                <a:solidFill>
+                  <a:schemeClr val="tx1"/>
+                </a:solidFill>
+                <a:effectLst/>
+                <a:latin typeface="+mn-lt"/>
+                <a:ea typeface="+mn-ea"/>
+                <a:cs typeface="+mn-cs"/>
+              </a:rPr>
+              <a:t>this.inFlightResponse</a:t>
+            </a:r>
+            <a:r>
+              <a:rPr lang="fr-FR" sz="1200" b="0" kern="1200" dirty="0" smtClean="0">
+                <a:solidFill>
+                  <a:schemeClr val="tx1"/>
+                </a:solidFill>
+                <a:effectLst/>
+                <a:latin typeface="+mn-lt"/>
+                <a:ea typeface="+mn-ea"/>
+                <a:cs typeface="+mn-cs"/>
+              </a:rPr>
+              <a:t>(req.url, </a:t>
+            </a:r>
+            <a:r>
+              <a:rPr lang="fr-FR" sz="1200" b="0" kern="1200" dirty="0" err="1" smtClean="0">
+                <a:solidFill>
+                  <a:schemeClr val="tx1"/>
+                </a:solidFill>
+                <a:effectLst/>
+                <a:latin typeface="+mn-lt"/>
+                <a:ea typeface="+mn-ea"/>
+                <a:cs typeface="+mn-cs"/>
+              </a:rPr>
+              <a:t>error.error</a:t>
+            </a:r>
+            <a:r>
+              <a:rPr lang="fr-FR" sz="1200" b="0" kern="1200" dirty="0" smtClean="0">
+                <a:solidFill>
+                  <a:schemeClr val="tx1"/>
+                </a:solidFill>
+                <a:effectLst/>
+                <a:latin typeface="+mn-lt"/>
+                <a:ea typeface="+mn-ea"/>
+                <a:cs typeface="+mn-cs"/>
+              </a:rPr>
+              <a:t>));</a:t>
+            </a:r>
+          </a:p>
+          <a:p>
+            <a:r>
+              <a:rPr lang="fr-FR" sz="1200" b="0" kern="1200" dirty="0" smtClean="0">
+                <a:solidFill>
+                  <a:schemeClr val="tx1"/>
+                </a:solidFill>
+                <a:effectLst/>
+                <a:latin typeface="+mn-lt"/>
+                <a:ea typeface="+mn-ea"/>
+                <a:cs typeface="+mn-cs"/>
+              </a:rPr>
+              <a:t>} </a:t>
+            </a:r>
+            <a:r>
+              <a:rPr lang="fr-FR" sz="1200" b="0" kern="1200" dirty="0" err="1" smtClean="0">
+                <a:solidFill>
+                  <a:schemeClr val="tx1"/>
+                </a:solidFill>
+                <a:effectLst/>
+                <a:latin typeface="+mn-lt"/>
+                <a:ea typeface="+mn-ea"/>
+                <a:cs typeface="+mn-cs"/>
+              </a:rPr>
+              <a:t>else</a:t>
+            </a:r>
+            <a:r>
+              <a:rPr lang="fr-FR" sz="1200" b="0" kern="1200" dirty="0" smtClean="0">
+                <a:solidFill>
+                  <a:schemeClr val="tx1"/>
+                </a:solidFill>
+                <a:effectLst/>
+                <a:latin typeface="+mn-lt"/>
+                <a:ea typeface="+mn-ea"/>
+                <a:cs typeface="+mn-cs"/>
+              </a:rPr>
+              <a:t> {</a:t>
+            </a:r>
+          </a:p>
+          <a:p>
+            <a:r>
+              <a:rPr lang="fr-FR" sz="1200" b="0" kern="1200" dirty="0" smtClean="0">
+                <a:solidFill>
+                  <a:schemeClr val="tx1"/>
+                </a:solidFill>
+                <a:effectLst/>
+                <a:latin typeface="+mn-lt"/>
+                <a:ea typeface="+mn-ea"/>
+                <a:cs typeface="+mn-cs"/>
+              </a:rPr>
+              <a:t>return </a:t>
+            </a:r>
+            <a:r>
+              <a:rPr lang="fr-FR" sz="1200" b="0" kern="1200" dirty="0" err="1" smtClean="0">
+                <a:solidFill>
+                  <a:schemeClr val="tx1"/>
+                </a:solidFill>
+                <a:effectLst/>
+                <a:latin typeface="+mn-lt"/>
+                <a:ea typeface="+mn-ea"/>
+                <a:cs typeface="+mn-cs"/>
+              </a:rPr>
+              <a:t>this.responseFromCacheOrPresentModal</a:t>
+            </a:r>
+            <a:r>
+              <a:rPr lang="fr-FR" sz="1200" b="0" kern="1200" dirty="0" smtClean="0">
+                <a:solidFill>
+                  <a:schemeClr val="tx1"/>
+                </a:solidFill>
+                <a:effectLst/>
+                <a:latin typeface="+mn-lt"/>
+                <a:ea typeface="+mn-ea"/>
+                <a:cs typeface="+mn-cs"/>
+              </a:rPr>
+              <a:t>(req.url, </a:t>
+            </a:r>
+            <a:r>
+              <a:rPr lang="fr-FR" sz="1200" b="0" kern="1200" dirty="0" err="1" smtClean="0">
+                <a:solidFill>
+                  <a:schemeClr val="tx1"/>
+                </a:solidFill>
+                <a:effectLst/>
+                <a:latin typeface="+mn-lt"/>
+                <a:ea typeface="+mn-ea"/>
+                <a:cs typeface="+mn-cs"/>
+              </a:rPr>
+              <a:t>error</a:t>
+            </a:r>
+            <a:r>
+              <a:rPr lang="fr-FR" sz="1200" b="0" kern="1200" dirty="0" smtClean="0">
+                <a:solidFill>
+                  <a:schemeClr val="tx1"/>
+                </a:solidFill>
+                <a:effectLst/>
+                <a:latin typeface="+mn-lt"/>
+                <a:ea typeface="+mn-ea"/>
+                <a:cs typeface="+mn-cs"/>
+              </a:rPr>
+              <a:t>, </a:t>
+            </a:r>
+            <a:r>
+              <a:rPr lang="fr-FR" sz="1200" b="0" kern="1200" dirty="0" err="1" smtClean="0">
+                <a:solidFill>
+                  <a:schemeClr val="tx1"/>
+                </a:solidFill>
+                <a:effectLst/>
+                <a:latin typeface="+mn-lt"/>
+                <a:ea typeface="+mn-ea"/>
+                <a:cs typeface="+mn-cs"/>
+              </a:rPr>
+              <a:t>noErrorModal</a:t>
+            </a:r>
+            <a:r>
+              <a:rPr lang="fr-FR" sz="1200" b="0" kern="1200" dirty="0" smtClean="0">
+                <a:solidFill>
+                  <a:schemeClr val="tx1"/>
+                </a:solidFill>
+                <a:effectLst/>
+                <a:latin typeface="+mn-lt"/>
+                <a:ea typeface="+mn-ea"/>
+                <a:cs typeface="+mn-cs"/>
+              </a:rPr>
+              <a:t>);</a:t>
+            </a:r>
+          </a:p>
+          <a:p>
+            <a:r>
+              <a:rPr lang="fr-FR" sz="1200" b="0" kern="1200" dirty="0" smtClean="0">
+                <a:solidFill>
+                  <a:schemeClr val="tx1"/>
+                </a:solidFill>
+                <a:effectLst/>
+                <a:latin typeface="+mn-lt"/>
+                <a:ea typeface="+mn-ea"/>
+                <a:cs typeface="+mn-cs"/>
+              </a:rPr>
+              <a:t>}</a:t>
+            </a:r>
+          </a:p>
+          <a:p>
+            <a:r>
+              <a:rPr lang="fr-FR" sz="1200" b="0" kern="1200" dirty="0" smtClean="0">
+                <a:solidFill>
+                  <a:schemeClr val="tx1"/>
+                </a:solidFill>
+                <a:effectLst/>
+                <a:latin typeface="+mn-lt"/>
+                <a:ea typeface="+mn-ea"/>
+                <a:cs typeface="+mn-cs"/>
+              </a:rPr>
+              <a:t>})</a:t>
+            </a:r>
+          </a:p>
+          <a:p>
+            <a:r>
+              <a:rPr lang="fr-FR" sz="1200" b="0" kern="1200" dirty="0" smtClean="0">
+                <a:solidFill>
+                  <a:schemeClr val="tx1"/>
+                </a:solidFill>
+                <a:effectLst/>
+                <a:latin typeface="+mn-lt"/>
+                <a:ea typeface="+mn-ea"/>
+                <a:cs typeface="+mn-cs"/>
+              </a:rPr>
+              <a:t>.do(() =&gt; </a:t>
+            </a:r>
+            <a:r>
+              <a:rPr lang="fr-FR" sz="1200" b="0" kern="1200" dirty="0" err="1" smtClean="0">
+                <a:solidFill>
+                  <a:schemeClr val="tx1"/>
+                </a:solidFill>
+                <a:effectLst/>
+                <a:latin typeface="+mn-lt"/>
+                <a:ea typeface="+mn-ea"/>
+                <a:cs typeface="+mn-cs"/>
+              </a:rPr>
+              <a:t>this.loading.pendingRequests</a:t>
+            </a:r>
+            <a:r>
+              <a:rPr lang="fr-FR" sz="1200" b="0" kern="1200" dirty="0" smtClean="0">
+                <a:solidFill>
+                  <a:schemeClr val="tx1"/>
+                </a:solidFill>
+                <a:effectLst/>
+                <a:latin typeface="+mn-lt"/>
+                <a:ea typeface="+mn-ea"/>
+                <a:cs typeface="+mn-cs"/>
+              </a:rPr>
+              <a:t>--);</a:t>
+            </a:r>
+          </a:p>
+          <a:p>
+            <a:r>
+              <a:rPr lang="fr-FR" sz="1200" b="0" kern="1200" dirty="0" smtClean="0">
+                <a:solidFill>
+                  <a:schemeClr val="tx1"/>
+                </a:solidFill>
+                <a:effectLst/>
+                <a:latin typeface="+mn-lt"/>
+                <a:ea typeface="+mn-ea"/>
+                <a:cs typeface="+mn-cs"/>
+              </a:rPr>
+              <a:t>}</a:t>
+            </a:r>
+          </a:p>
+          <a:p>
+            <a:endParaRPr lang="fr-FR" dirty="0"/>
+          </a:p>
+        </p:txBody>
+      </p:sp>
+      <p:sp>
+        <p:nvSpPr>
+          <p:cNvPr id="4" name="Espace réservé du numéro de diapositive 3"/>
+          <p:cNvSpPr>
+            <a:spLocks noGrp="1"/>
+          </p:cNvSpPr>
+          <p:nvPr>
+            <p:ph type="sldNum" sz="quarter" idx="10"/>
+          </p:nvPr>
+        </p:nvSpPr>
+        <p:spPr/>
+        <p:txBody>
+          <a:bodyPr/>
+          <a:lstStyle/>
+          <a:p>
+            <a:fld id="{FD0CA3AA-443A-466C-BF59-FB6574BB11C3}" type="slidenum">
+              <a:rPr lang="fr-FR" smtClean="0"/>
+              <a:t>19</a:t>
+            </a:fld>
+            <a:endParaRPr lang="fr-FR"/>
+          </a:p>
+        </p:txBody>
+      </p:sp>
+    </p:spTree>
+    <p:extLst>
+      <p:ext uri="{BB962C8B-B14F-4D97-AF65-F5344CB8AC3E}">
+        <p14:creationId xmlns:p14="http://schemas.microsoft.com/office/powerpoint/2010/main" val="2240073132"/>
+      </p:ext>
+    </p:extLst>
+  </p:cSld>
+  <p:clrMapOvr>
+    <a:masterClrMapping/>
+  </p:clrMapOvr>
+</p:notes>
+</file>
+
+<file path=ppt/notesSlides/notesSlide13.xml><?xml version="1.0" encoding="utf-8"?>
 <p:notes xmlns:a="http://schemas.openxmlformats.org/drawingml/2006/main" xmlns:r="http://schemas.openxmlformats.org/officeDocument/2006/relationships" xmlns:p="http://schemas.openxmlformats.org/presentationml/2006/main">
   <p:cSld>
     <p:spTree>
@@ -17796,11 +19125,7 @@
             </a:r>
             <a:r>
               <a:rPr lang="fr-FR" dirty="0" smtClean="0"/>
-              <a:t>base </a:t>
-            </a:r>
-            <a:r>
-              <a:rPr lang="fr-FR" dirty="0" smtClean="0"/>
-              <a:t>au module </a:t>
+              <a:t>base au module </a:t>
             </a:r>
             <a:r>
               <a:rPr lang="fr-FR" dirty="0" err="1" smtClean="0"/>
@@ -17844,15 +19169,7 @@
           <a:p>
             <a:r>
               <a:rPr lang="fr-FR" dirty="0" smtClean="0"/>
-              <a:t>Gérer le passage de </a:t>
-            </a:r>
-            <a:r>
-              <a:rPr lang="fr-FR" dirty="0" smtClean="0"/>
-              <a:t>paramètres </a:t>
-            </a:r>
-            <a:r>
-              <a:rPr lang="fr-FR" dirty="0" smtClean="0"/>
-              <a:t>entre deux routes en asynchrone</a:t>
+              <a:t>Gérer le passage de paramètres entre deux routes en asynchrone</a:t>
             </a:r>
             <a:endParaRPr lang="fr-FR" dirty="0"/>
           </a:p>

--- a/formation_Angular.pptx
+++ b/formation_Angular.pptx
@@ -5,7 +5,7 @@
     <p:sldMasterId id="2147483732" r:id="rId1"/>
   </p:sldMasterIdLst>
   <p:notesMasterIdLst>
-    <p:notesMasterId r:id="rId23"/>
+    <p:notesMasterId r:id="rId25"/>
   </p:notesMasterIdLst>
   <p:sldIdLst>
     <p:sldId id="256" r:id="rId2"/>
@@ -13,22 +13,24 @@
     <p:sldId id="257" r:id="rId4"/>
     <p:sldId id="273" r:id="rId5"/>
     <p:sldId id="259" r:id="rId6"/>
-    <p:sldId id="272" r:id="rId7"/>
-    <p:sldId id="260" r:id="rId8"/>
-    <p:sldId id="262" r:id="rId9"/>
-    <p:sldId id="274" r:id="rId10"/>
-    <p:sldId id="263" r:id="rId11"/>
-    <p:sldId id="275" r:id="rId12"/>
-    <p:sldId id="264" r:id="rId13"/>
-    <p:sldId id="276" r:id="rId14"/>
-    <p:sldId id="265" r:id="rId15"/>
-    <p:sldId id="277" r:id="rId16"/>
-    <p:sldId id="267" r:id="rId17"/>
-    <p:sldId id="271" r:id="rId18"/>
-    <p:sldId id="279" r:id="rId19"/>
-    <p:sldId id="266" r:id="rId20"/>
-    <p:sldId id="278" r:id="rId21"/>
-    <p:sldId id="268" r:id="rId22"/>
+    <p:sldId id="280" r:id="rId7"/>
+    <p:sldId id="281" r:id="rId8"/>
+    <p:sldId id="272" r:id="rId9"/>
+    <p:sldId id="260" r:id="rId10"/>
+    <p:sldId id="262" r:id="rId11"/>
+    <p:sldId id="274" r:id="rId12"/>
+    <p:sldId id="263" r:id="rId13"/>
+    <p:sldId id="275" r:id="rId14"/>
+    <p:sldId id="264" r:id="rId15"/>
+    <p:sldId id="276" r:id="rId16"/>
+    <p:sldId id="265" r:id="rId17"/>
+    <p:sldId id="277" r:id="rId18"/>
+    <p:sldId id="267" r:id="rId19"/>
+    <p:sldId id="271" r:id="rId20"/>
+    <p:sldId id="279" r:id="rId21"/>
+    <p:sldId id="266" r:id="rId22"/>
+    <p:sldId id="278" r:id="rId23"/>
+    <p:sldId id="268" r:id="rId24"/>
   </p:sldIdLst>
   <p:sldSz cx="9144000" cy="6858000" type="screen4x3"/>
   <p:notesSz cx="6858000" cy="9144000"/>
@@ -212,7 +214,7 @@
           <a:p>
             <a:fld id="{060E997E-A64A-414F-A106-86024763E701}" type="datetimeFigureOut">
               <a:rPr lang="fr-FR" smtClean="0"/>
-              <a:t>29/05/2018</a:t>
+              <a:t>30/05/2018</a:t>
             </a:fld>
             <a:endParaRPr lang="fr-FR"/>
           </a:p>
@@ -608,6 +610,34 @@
           <a:bodyPr/>
           <a:lstStyle/>
           <a:p>
+            <a:r>
+              <a:rPr lang="fr-FR" dirty="0" err="1" smtClean="0"/>
+              <a:t>ng</a:t>
+            </a:r>
+            <a:r>
+              <a:rPr lang="fr-FR" dirty="0" smtClean="0"/>
+              <a:t> </a:t>
+            </a:r>
+            <a:r>
+              <a:rPr lang="fr-FR" dirty="0" err="1" smtClean="0"/>
+              <a:t>generate</a:t>
+            </a:r>
+            <a:r>
+              <a:rPr lang="fr-FR" dirty="0" smtClean="0"/>
+              <a:t> module </a:t>
+            </a:r>
+            <a:r>
+              <a:rPr lang="fr-FR" dirty="0" err="1" smtClean="0"/>
+              <a:t>core</a:t>
+            </a:r>
+            <a:r>
+              <a:rPr lang="fr-FR" dirty="0" smtClean="0"/>
+              <a:t> --</a:t>
+            </a:r>
+            <a:r>
+              <a:rPr lang="fr-FR" dirty="0" err="1" smtClean="0"/>
+              <a:t>routing</a:t>
+            </a:r>
             <a:endParaRPr lang="fr-FR" dirty="0"/>
           </a:p>
         </p:txBody>
@@ -629,7 +659,7 @@
           <a:p>
             <a:fld id="{FD0CA3AA-443A-466C-BF59-FB6574BB11C3}" type="slidenum">
               <a:rPr lang="fr-FR" smtClean="0"/>
-              <a:t>12</a:t>
+              <a:t>13</a:t>
             </a:fld>
             <a:endParaRPr lang="fr-FR"/>
           </a:p>
@@ -638,7 +668,7 @@
     </p:spTree>
     <p:extLst>
       <p:ext uri="{BB962C8B-B14F-4D97-AF65-F5344CB8AC3E}">
-        <p14:creationId xmlns:p14="http://schemas.microsoft.com/office/powerpoint/2010/main" val="3207704278"/>
+        <p14:creationId xmlns:p14="http://schemas.microsoft.com/office/powerpoint/2010/main" val="3528251478"/>
       </p:ext>
     </p:extLst>
   </p:cSld>
@@ -692,34 +722,6 @@
           <a:bodyPr/>
           <a:lstStyle/>
           <a:p>
-            <a:r>
-              <a:rPr lang="fr-FR" dirty="0" err="1" smtClean="0"/>
-              <a:t>ng</a:t>
-            </a:r>
-            <a:r>
-              <a:rPr lang="fr-FR" dirty="0" smtClean="0"/>
-              <a:t> </a:t>
-            </a:r>
-            <a:r>
-              <a:rPr lang="fr-FR" dirty="0" err="1" smtClean="0"/>
-              <a:t>generate</a:t>
-            </a:r>
-            <a:r>
-              <a:rPr lang="fr-FR" dirty="0" smtClean="0"/>
-              <a:t> provider service/</a:t>
-            </a:r>
-            <a:r>
-              <a:rPr lang="fr-FR" dirty="0" err="1" smtClean="0"/>
-              <a:t>core</a:t>
-            </a:r>
-            <a:r>
-              <a:rPr lang="fr-FR" dirty="0" smtClean="0"/>
-              <a:t>/</a:t>
-            </a:r>
-            <a:r>
-              <a:rPr lang="fr-FR" dirty="0" err="1" smtClean="0"/>
-              <a:t>student</a:t>
-            </a:r>
             <a:endParaRPr lang="fr-FR" dirty="0"/>
           </a:p>
         </p:txBody>
@@ -741,7 +743,7 @@
           <a:p>
             <a:fld id="{FD0CA3AA-443A-466C-BF59-FB6574BB11C3}" type="slidenum">
               <a:rPr lang="fr-FR" smtClean="0"/>
-              <a:t>13</a:t>
+              <a:t>14</a:t>
             </a:fld>
             <a:endParaRPr lang="fr-FR"/>
           </a:p>
@@ -750,7 +752,7 @@
     </p:spTree>
     <p:extLst>
       <p:ext uri="{BB962C8B-B14F-4D97-AF65-F5344CB8AC3E}">
-        <p14:creationId xmlns:p14="http://schemas.microsoft.com/office/powerpoint/2010/main" val="3836970229"/>
+        <p14:creationId xmlns:p14="http://schemas.microsoft.com/office/powerpoint/2010/main" val="3207704278"/>
       </p:ext>
     </p:extLst>
   </p:cSld>
@@ -805,1250 +807,33 @@
           <a:lstStyle/>
           <a:p>
             <a:r>
-              <a:rPr lang="fr-FR" sz="1200" b="0" kern="1200" dirty="0" err="1" smtClean="0">
-                <a:solidFill>
-                  <a:schemeClr val="tx1"/>
-                </a:solidFill>
-                <a:effectLst/>
-                <a:latin typeface="+mn-lt"/>
-                <a:ea typeface="+mn-ea"/>
-                <a:cs typeface="+mn-cs"/>
-              </a:rPr>
-              <a:t>intercept</a:t>
-            </a:r>
-            <a:r>
-              <a:rPr lang="fr-FR" sz="1200" b="0" kern="1200" dirty="0" smtClean="0">
-                <a:solidFill>
-                  <a:schemeClr val="tx1"/>
-                </a:solidFill>
-                <a:effectLst/>
-                <a:latin typeface="+mn-lt"/>
-                <a:ea typeface="+mn-ea"/>
-                <a:cs typeface="+mn-cs"/>
-              </a:rPr>
-              <a:t>(</a:t>
-            </a:r>
-            <a:r>
-              <a:rPr lang="fr-FR" sz="1200" b="0" kern="1200" dirty="0" err="1" smtClean="0">
-                <a:solidFill>
-                  <a:schemeClr val="tx1"/>
-                </a:solidFill>
-                <a:effectLst/>
-                <a:latin typeface="+mn-lt"/>
-                <a:ea typeface="+mn-ea"/>
-                <a:cs typeface="+mn-cs"/>
-              </a:rPr>
-              <a:t>req</a:t>
-            </a:r>
-            <a:r>
-              <a:rPr lang="fr-FR" sz="1200" b="0" kern="1200" dirty="0" smtClean="0">
-                <a:solidFill>
-                  <a:schemeClr val="tx1"/>
-                </a:solidFill>
-                <a:effectLst/>
-                <a:latin typeface="+mn-lt"/>
-                <a:ea typeface="+mn-ea"/>
-                <a:cs typeface="+mn-cs"/>
-              </a:rPr>
-              <a:t>: </a:t>
-            </a:r>
-            <a:r>
-              <a:rPr lang="fr-FR" sz="1200" b="0" kern="1200" dirty="0" err="1" smtClean="0">
-                <a:solidFill>
-                  <a:schemeClr val="tx1"/>
-                </a:solidFill>
-                <a:effectLst/>
-                <a:latin typeface="+mn-lt"/>
-                <a:ea typeface="+mn-ea"/>
-                <a:cs typeface="+mn-cs"/>
-              </a:rPr>
-              <a:t>HttpRequest</a:t>
-            </a:r>
-            <a:r>
-              <a:rPr lang="fr-FR" sz="1200" b="0" kern="1200" dirty="0" smtClean="0">
-                <a:solidFill>
-                  <a:schemeClr val="tx1"/>
-                </a:solidFill>
-                <a:effectLst/>
-                <a:latin typeface="+mn-lt"/>
-                <a:ea typeface="+mn-ea"/>
-                <a:cs typeface="+mn-cs"/>
-              </a:rPr>
-              <a:t>&lt;</a:t>
-            </a:r>
-            <a:r>
-              <a:rPr lang="fr-FR" sz="1200" b="0" kern="1200" dirty="0" err="1" smtClean="0">
-                <a:solidFill>
-                  <a:schemeClr val="tx1"/>
-                </a:solidFill>
-                <a:effectLst/>
-                <a:latin typeface="+mn-lt"/>
-                <a:ea typeface="+mn-ea"/>
-                <a:cs typeface="+mn-cs"/>
-              </a:rPr>
-              <a:t>any</a:t>
-            </a:r>
-            <a:r>
-              <a:rPr lang="fr-FR" sz="1200" b="0" kern="1200" dirty="0" smtClean="0">
-                <a:solidFill>
-                  <a:schemeClr val="tx1"/>
-                </a:solidFill>
-                <a:effectLst/>
-                <a:latin typeface="+mn-lt"/>
-                <a:ea typeface="+mn-ea"/>
-                <a:cs typeface="+mn-cs"/>
-              </a:rPr>
-              <a:t>&gt;, </a:t>
-            </a:r>
-            <a:r>
-              <a:rPr lang="fr-FR" sz="1200" b="0" kern="1200" dirty="0" err="1" smtClean="0">
-                <a:solidFill>
-                  <a:schemeClr val="tx1"/>
-                </a:solidFill>
-                <a:effectLst/>
-                <a:latin typeface="+mn-lt"/>
-                <a:ea typeface="+mn-ea"/>
-                <a:cs typeface="+mn-cs"/>
-              </a:rPr>
-              <a:t>next</a:t>
-            </a:r>
-            <a:r>
-              <a:rPr lang="fr-FR" sz="1200" b="0" kern="1200" dirty="0" smtClean="0">
-                <a:solidFill>
-                  <a:schemeClr val="tx1"/>
-                </a:solidFill>
-                <a:effectLst/>
-                <a:latin typeface="+mn-lt"/>
-                <a:ea typeface="+mn-ea"/>
-                <a:cs typeface="+mn-cs"/>
-              </a:rPr>
-              <a:t>: </a:t>
-            </a:r>
-            <a:r>
-              <a:rPr lang="fr-FR" sz="1200" b="0" kern="1200" dirty="0" err="1" smtClean="0">
-                <a:solidFill>
-                  <a:schemeClr val="tx1"/>
-                </a:solidFill>
-                <a:effectLst/>
-                <a:latin typeface="+mn-lt"/>
-                <a:ea typeface="+mn-ea"/>
-                <a:cs typeface="+mn-cs"/>
-              </a:rPr>
-              <a:t>HttpHandler</a:t>
-            </a:r>
-            <a:r>
-              <a:rPr lang="fr-FR" sz="1200" b="0" kern="1200" dirty="0" smtClean="0">
-                <a:solidFill>
-                  <a:schemeClr val="tx1"/>
-                </a:solidFill>
-                <a:effectLst/>
-                <a:latin typeface="+mn-lt"/>
-                <a:ea typeface="+mn-ea"/>
-                <a:cs typeface="+mn-cs"/>
-              </a:rPr>
-              <a:t>): Observable&lt;</a:t>
-            </a:r>
-            <a:r>
-              <a:rPr lang="fr-FR" sz="1200" b="0" kern="1200" dirty="0" err="1" smtClean="0">
-                <a:solidFill>
-                  <a:schemeClr val="tx1"/>
-                </a:solidFill>
-                <a:effectLst/>
-                <a:latin typeface="+mn-lt"/>
-                <a:ea typeface="+mn-ea"/>
-                <a:cs typeface="+mn-cs"/>
-              </a:rPr>
-              <a:t>HttpEvent</a:t>
-            </a:r>
-            <a:r>
-              <a:rPr lang="fr-FR" sz="1200" b="0" kern="1200" dirty="0" smtClean="0">
-                <a:solidFill>
-                  <a:schemeClr val="tx1"/>
-                </a:solidFill>
-                <a:effectLst/>
-                <a:latin typeface="+mn-lt"/>
-                <a:ea typeface="+mn-ea"/>
-                <a:cs typeface="+mn-cs"/>
-              </a:rPr>
-              <a:t>&lt;</a:t>
-            </a:r>
-            <a:r>
-              <a:rPr lang="fr-FR" sz="1200" b="0" kern="1200" dirty="0" err="1" smtClean="0">
-                <a:solidFill>
-                  <a:schemeClr val="tx1"/>
-                </a:solidFill>
-                <a:effectLst/>
-                <a:latin typeface="+mn-lt"/>
-                <a:ea typeface="+mn-ea"/>
-                <a:cs typeface="+mn-cs"/>
-              </a:rPr>
-              <a:t>any</a:t>
-            </a:r>
-            <a:r>
-              <a:rPr lang="fr-FR" sz="1200" b="0" kern="1200" dirty="0" smtClean="0">
-                <a:solidFill>
-                  <a:schemeClr val="tx1"/>
-                </a:solidFill>
-                <a:effectLst/>
-                <a:latin typeface="+mn-lt"/>
-                <a:ea typeface="+mn-ea"/>
-                <a:cs typeface="+mn-cs"/>
-              </a:rPr>
-              <a:t>&gt;&gt; {</a:t>
-            </a:r>
-          </a:p>
-          <a:p>
-            <a:r>
-              <a:rPr lang="fr-FR" sz="1200" b="0" kern="1200" dirty="0" err="1" smtClean="0">
-                <a:solidFill>
-                  <a:schemeClr val="tx1"/>
-                </a:solidFill>
-                <a:effectLst/>
-                <a:latin typeface="+mn-lt"/>
-                <a:ea typeface="+mn-ea"/>
-                <a:cs typeface="+mn-cs"/>
-              </a:rPr>
-              <a:t>const</a:t>
-            </a:r>
-            <a:r>
-              <a:rPr lang="fr-FR" sz="1200" b="0" kern="1200" dirty="0" smtClean="0">
-                <a:solidFill>
-                  <a:schemeClr val="tx1"/>
-                </a:solidFill>
-                <a:effectLst/>
-                <a:latin typeface="+mn-lt"/>
-                <a:ea typeface="+mn-ea"/>
-                <a:cs typeface="+mn-cs"/>
-              </a:rPr>
+              <a:rPr lang="fr-FR" dirty="0" err="1" smtClean="0"/>
+              <a:t>ng</a:t>
+            </a:r>
+            <a:r>
+              <a:rPr lang="fr-FR" dirty="0" smtClean="0"/>
               <a:t> </a:t>
             </a:r>
             <a:r>
-              <a:rPr lang="fr-FR" sz="1200" b="0" kern="1200" dirty="0" err="1" smtClean="0">
-                <a:solidFill>
-                  <a:schemeClr val="tx1"/>
-                </a:solidFill>
-                <a:effectLst/>
-                <a:latin typeface="+mn-lt"/>
-                <a:ea typeface="+mn-ea"/>
-                <a:cs typeface="+mn-cs"/>
-              </a:rPr>
-              <a:t>noCache</a:t>
-            </a:r>
-            <a:r>
-              <a:rPr lang="fr-FR" sz="1200" b="0" kern="1200" dirty="0" smtClean="0">
-                <a:solidFill>
-                  <a:schemeClr val="tx1"/>
-                </a:solidFill>
-                <a:effectLst/>
-                <a:latin typeface="+mn-lt"/>
-                <a:ea typeface="+mn-ea"/>
-                <a:cs typeface="+mn-cs"/>
-              </a:rPr>
-              <a:t> = </a:t>
-            </a:r>
-            <a:r>
-              <a:rPr lang="fr-FR" sz="1200" b="0" kern="1200" dirty="0" err="1" smtClean="0">
-                <a:solidFill>
-                  <a:schemeClr val="tx1"/>
-                </a:solidFill>
-                <a:effectLst/>
-                <a:latin typeface="+mn-lt"/>
-                <a:ea typeface="+mn-ea"/>
-                <a:cs typeface="+mn-cs"/>
-              </a:rPr>
-              <a:t>req.params.get</a:t>
-            </a:r>
-            <a:r>
-              <a:rPr lang="fr-FR" sz="1200" b="0" kern="1200" dirty="0" smtClean="0">
-                <a:solidFill>
-                  <a:schemeClr val="tx1"/>
-                </a:solidFill>
-                <a:effectLst/>
-                <a:latin typeface="+mn-lt"/>
-                <a:ea typeface="+mn-ea"/>
-                <a:cs typeface="+mn-cs"/>
-              </a:rPr>
-              <a:t>('</a:t>
-            </a:r>
-            <a:r>
-              <a:rPr lang="fr-FR" sz="1200" b="0" kern="1200" dirty="0" err="1" smtClean="0">
-                <a:solidFill>
-                  <a:schemeClr val="tx1"/>
-                </a:solidFill>
-                <a:effectLst/>
-                <a:latin typeface="+mn-lt"/>
-                <a:ea typeface="+mn-ea"/>
-                <a:cs typeface="+mn-cs"/>
-              </a:rPr>
-              <a:t>noCache</a:t>
-            </a:r>
-            <a:r>
-              <a:rPr lang="fr-FR" sz="1200" b="0" kern="1200" dirty="0" smtClean="0">
-                <a:solidFill>
-                  <a:schemeClr val="tx1"/>
-                </a:solidFill>
-                <a:effectLst/>
-                <a:latin typeface="+mn-lt"/>
-                <a:ea typeface="+mn-ea"/>
-                <a:cs typeface="+mn-cs"/>
-              </a:rPr>
-              <a:t>') === '</a:t>
-            </a:r>
-            <a:r>
-              <a:rPr lang="fr-FR" sz="1200" b="0" kern="1200" dirty="0" err="1" smtClean="0">
-                <a:solidFill>
-                  <a:schemeClr val="tx1"/>
-                </a:solidFill>
-                <a:effectLst/>
-                <a:latin typeface="+mn-lt"/>
-                <a:ea typeface="+mn-ea"/>
-                <a:cs typeface="+mn-cs"/>
-              </a:rPr>
-              <a:t>true</a:t>
-            </a:r>
-            <a:r>
-              <a:rPr lang="fr-FR" sz="1200" b="0" kern="1200" dirty="0" smtClean="0">
-                <a:solidFill>
-                  <a:schemeClr val="tx1"/>
-                </a:solidFill>
-                <a:effectLst/>
-                <a:latin typeface="+mn-lt"/>
-                <a:ea typeface="+mn-ea"/>
-                <a:cs typeface="+mn-cs"/>
-              </a:rPr>
-              <a:t>';</a:t>
-            </a:r>
-          </a:p>
-          <a:p>
-            <a:r>
-              <a:rPr lang="fr-FR" sz="1200" b="0" kern="1200" dirty="0" err="1" smtClean="0">
-                <a:solidFill>
-                  <a:schemeClr val="tx1"/>
-                </a:solidFill>
-                <a:effectLst/>
-                <a:latin typeface="+mn-lt"/>
-                <a:ea typeface="+mn-ea"/>
-                <a:cs typeface="+mn-cs"/>
-              </a:rPr>
-              <a:t>const</a:t>
-            </a:r>
-            <a:r>
-              <a:rPr lang="fr-FR" sz="1200" b="0" kern="1200" dirty="0" smtClean="0">
-                <a:solidFill>
-                  <a:schemeClr val="tx1"/>
-                </a:solidFill>
-                <a:effectLst/>
-                <a:latin typeface="+mn-lt"/>
-                <a:ea typeface="+mn-ea"/>
-                <a:cs typeface="+mn-cs"/>
-              </a:rPr>
-              <a:t> </a:t>
-            </a:r>
-            <a:r>
-              <a:rPr lang="fr-FR" sz="1200" b="0" kern="1200" dirty="0" err="1" smtClean="0">
-                <a:solidFill>
-                  <a:schemeClr val="tx1"/>
-                </a:solidFill>
-                <a:effectLst/>
-                <a:latin typeface="+mn-lt"/>
-                <a:ea typeface="+mn-ea"/>
-                <a:cs typeface="+mn-cs"/>
-              </a:rPr>
-              <a:t>noErrorModal</a:t>
-            </a:r>
-            <a:r>
-              <a:rPr lang="fr-FR" sz="1200" b="0" kern="1200" dirty="0" smtClean="0">
-                <a:solidFill>
-                  <a:schemeClr val="tx1"/>
-                </a:solidFill>
-                <a:effectLst/>
-                <a:latin typeface="+mn-lt"/>
-                <a:ea typeface="+mn-ea"/>
-                <a:cs typeface="+mn-cs"/>
-              </a:rPr>
-              <a:t> = </a:t>
-            </a:r>
-            <a:r>
-              <a:rPr lang="fr-FR" sz="1200" b="0" kern="1200" dirty="0" err="1" smtClean="0">
-                <a:solidFill>
-                  <a:schemeClr val="tx1"/>
-                </a:solidFill>
-                <a:effectLst/>
-                <a:latin typeface="+mn-lt"/>
-                <a:ea typeface="+mn-ea"/>
-                <a:cs typeface="+mn-cs"/>
-              </a:rPr>
-              <a:t>req.params.get</a:t>
-            </a:r>
-            <a:r>
-              <a:rPr lang="fr-FR" sz="1200" b="0" kern="1200" dirty="0" smtClean="0">
-                <a:solidFill>
-                  <a:schemeClr val="tx1"/>
-                </a:solidFill>
-                <a:effectLst/>
-                <a:latin typeface="+mn-lt"/>
-                <a:ea typeface="+mn-ea"/>
-                <a:cs typeface="+mn-cs"/>
-              </a:rPr>
-              <a:t>('</a:t>
-            </a:r>
-            <a:r>
-              <a:rPr lang="fr-FR" sz="1200" b="0" kern="1200" dirty="0" err="1" smtClean="0">
-                <a:solidFill>
-                  <a:schemeClr val="tx1"/>
-                </a:solidFill>
-                <a:effectLst/>
-                <a:latin typeface="+mn-lt"/>
-                <a:ea typeface="+mn-ea"/>
-                <a:cs typeface="+mn-cs"/>
-              </a:rPr>
-              <a:t>noErrorModal</a:t>
-            </a:r>
-            <a:r>
-              <a:rPr lang="fr-FR" sz="1200" b="0" kern="1200" dirty="0" smtClean="0">
-                <a:solidFill>
-                  <a:schemeClr val="tx1"/>
-                </a:solidFill>
-                <a:effectLst/>
-                <a:latin typeface="+mn-lt"/>
-                <a:ea typeface="+mn-ea"/>
-                <a:cs typeface="+mn-cs"/>
-              </a:rPr>
-              <a:t>') === '</a:t>
-            </a:r>
-            <a:r>
-              <a:rPr lang="fr-FR" sz="1200" b="0" kern="1200" dirty="0" err="1" smtClean="0">
-                <a:solidFill>
-                  <a:schemeClr val="tx1"/>
-                </a:solidFill>
-                <a:effectLst/>
-                <a:latin typeface="+mn-lt"/>
-                <a:ea typeface="+mn-ea"/>
-                <a:cs typeface="+mn-cs"/>
-              </a:rPr>
-              <a:t>true</a:t>
-            </a:r>
-            <a:r>
-              <a:rPr lang="fr-FR" sz="1200" b="0" kern="1200" dirty="0" smtClean="0">
-                <a:solidFill>
-                  <a:schemeClr val="tx1"/>
-                </a:solidFill>
-                <a:effectLst/>
-                <a:latin typeface="+mn-lt"/>
-                <a:ea typeface="+mn-ea"/>
-                <a:cs typeface="+mn-cs"/>
-              </a:rPr>
-              <a:t>';</a:t>
-            </a:r>
-          </a:p>
-          <a:p>
-            <a:r>
-              <a:rPr lang="fr-FR" sz="1200" b="0" kern="1200" dirty="0" smtClean="0">
-                <a:solidFill>
-                  <a:schemeClr val="tx1"/>
-                </a:solidFill>
-                <a:effectLst/>
-                <a:latin typeface="+mn-lt"/>
-                <a:ea typeface="+mn-ea"/>
-                <a:cs typeface="+mn-cs"/>
-              </a:rPr>
-              <a:t/>
-            </a:r>
-            <a:br>
-              <a:rPr lang="fr-FR" sz="1200" b="0" kern="1200" dirty="0" smtClean="0">
-                <a:solidFill>
-                  <a:schemeClr val="tx1"/>
-                </a:solidFill>
-                <a:effectLst/>
-                <a:latin typeface="+mn-lt"/>
-                <a:ea typeface="+mn-ea"/>
-                <a:cs typeface="+mn-cs"/>
-              </a:rPr>
-            </a:br>
-            <a:r>
-              <a:rPr lang="fr-FR" sz="1200" b="0" kern="1200" dirty="0" err="1" smtClean="0">
-                <a:solidFill>
-                  <a:schemeClr val="tx1"/>
-                </a:solidFill>
-                <a:effectLst/>
-                <a:latin typeface="+mn-lt"/>
-                <a:ea typeface="+mn-ea"/>
-                <a:cs typeface="+mn-cs"/>
-              </a:rPr>
-              <a:t>this.loading.pendingRequests</a:t>
-            </a:r>
-            <a:r>
-              <a:rPr lang="fr-FR" sz="1200" b="0" kern="1200" dirty="0" smtClean="0">
-                <a:solidFill>
-                  <a:schemeClr val="tx1"/>
-                </a:solidFill>
-                <a:effectLst/>
-                <a:latin typeface="+mn-lt"/>
-                <a:ea typeface="+mn-ea"/>
-                <a:cs typeface="+mn-cs"/>
-              </a:rPr>
-              <a:t>++;</a:t>
-            </a:r>
-          </a:p>
-          <a:p>
-            <a:r>
-              <a:rPr lang="fr-FR" sz="1200" b="0" kern="1200" dirty="0" smtClean="0">
-                <a:solidFill>
-                  <a:schemeClr val="tx1"/>
-                </a:solidFill>
-                <a:effectLst/>
-                <a:latin typeface="+mn-lt"/>
-                <a:ea typeface="+mn-ea"/>
-                <a:cs typeface="+mn-cs"/>
-              </a:rPr>
-              <a:t>return </a:t>
-            </a:r>
-            <a:r>
-              <a:rPr lang="fr-FR" sz="1200" b="0" kern="1200" dirty="0" err="1" smtClean="0">
-                <a:solidFill>
-                  <a:schemeClr val="tx1"/>
-                </a:solidFill>
-                <a:effectLst/>
-                <a:latin typeface="+mn-lt"/>
-                <a:ea typeface="+mn-ea"/>
-                <a:cs typeface="+mn-cs"/>
-              </a:rPr>
-              <a:t>next.handle</a:t>
-            </a:r>
-            <a:r>
-              <a:rPr lang="fr-FR" sz="1200" b="0" kern="1200" dirty="0" smtClean="0">
-                <a:solidFill>
-                  <a:schemeClr val="tx1"/>
-                </a:solidFill>
-                <a:effectLst/>
-                <a:latin typeface="+mn-lt"/>
-                <a:ea typeface="+mn-ea"/>
-                <a:cs typeface="+mn-cs"/>
-              </a:rPr>
-              <a:t>(</a:t>
-            </a:r>
-            <a:r>
-              <a:rPr lang="fr-FR" sz="1200" b="0" kern="1200" dirty="0" err="1" smtClean="0">
-                <a:solidFill>
-                  <a:schemeClr val="tx1"/>
-                </a:solidFill>
-                <a:effectLst/>
-                <a:latin typeface="+mn-lt"/>
-                <a:ea typeface="+mn-ea"/>
-                <a:cs typeface="+mn-cs"/>
-              </a:rPr>
-              <a:t>req</a:t>
-            </a:r>
-            <a:r>
-              <a:rPr lang="fr-FR" sz="1200" b="0" kern="1200" dirty="0" smtClean="0">
-                <a:solidFill>
-                  <a:schemeClr val="tx1"/>
-                </a:solidFill>
-                <a:effectLst/>
-                <a:latin typeface="+mn-lt"/>
-                <a:ea typeface="+mn-ea"/>
-                <a:cs typeface="+mn-cs"/>
-              </a:rPr>
-              <a:t>)</a:t>
-            </a:r>
-          </a:p>
-          <a:p>
-            <a:r>
-              <a:rPr lang="fr-FR" sz="1200" b="0" kern="1200" dirty="0" smtClean="0">
-                <a:solidFill>
-                  <a:schemeClr val="tx1"/>
-                </a:solidFill>
-                <a:effectLst/>
-                <a:latin typeface="+mn-lt"/>
-                <a:ea typeface="+mn-ea"/>
-                <a:cs typeface="+mn-cs"/>
-              </a:rPr>
-              <a:t>.timeout(REQUEST_TIMEOUT)</a:t>
-            </a:r>
-          </a:p>
-          <a:p>
-            <a:r>
-              <a:rPr lang="fr-FR" sz="1200" b="0" kern="1200" dirty="0" smtClean="0">
-                <a:solidFill>
-                  <a:schemeClr val="tx1"/>
-                </a:solidFill>
-                <a:effectLst/>
-                <a:latin typeface="+mn-lt"/>
-                <a:ea typeface="+mn-ea"/>
-                <a:cs typeface="+mn-cs"/>
-              </a:rPr>
-              <a:t>.</a:t>
-            </a:r>
-            <a:r>
-              <a:rPr lang="fr-FR" sz="1200" b="0" kern="1200" dirty="0" err="1" smtClean="0">
-                <a:solidFill>
-                  <a:schemeClr val="tx1"/>
-                </a:solidFill>
-                <a:effectLst/>
-                <a:latin typeface="+mn-lt"/>
-                <a:ea typeface="+mn-ea"/>
-                <a:cs typeface="+mn-cs"/>
-              </a:rPr>
-              <a:t>filter</a:t>
-            </a:r>
-            <a:r>
-              <a:rPr lang="fr-FR" sz="1200" b="0" kern="1200" dirty="0" smtClean="0">
-                <a:solidFill>
-                  <a:schemeClr val="tx1"/>
-                </a:solidFill>
-                <a:effectLst/>
-                <a:latin typeface="+mn-lt"/>
-                <a:ea typeface="+mn-ea"/>
-                <a:cs typeface="+mn-cs"/>
-              </a:rPr>
-              <a:t>(</a:t>
-            </a:r>
-            <a:r>
-              <a:rPr lang="fr-FR" sz="1200" b="0" kern="1200" dirty="0" err="1" smtClean="0">
-                <a:solidFill>
-                  <a:schemeClr val="tx1"/>
-                </a:solidFill>
-                <a:effectLst/>
-                <a:latin typeface="+mn-lt"/>
-                <a:ea typeface="+mn-ea"/>
-                <a:cs typeface="+mn-cs"/>
-              </a:rPr>
-              <a:t>result</a:t>
-            </a:r>
-            <a:r>
-              <a:rPr lang="fr-FR" sz="1200" b="0" kern="1200" dirty="0" smtClean="0">
-                <a:solidFill>
-                  <a:schemeClr val="tx1"/>
-                </a:solidFill>
-                <a:effectLst/>
-                <a:latin typeface="+mn-lt"/>
-                <a:ea typeface="+mn-ea"/>
-                <a:cs typeface="+mn-cs"/>
-              </a:rPr>
-              <a:t> =&gt; </a:t>
-            </a:r>
-            <a:r>
-              <a:rPr lang="fr-FR" sz="1200" b="0" kern="1200" dirty="0" err="1" smtClean="0">
-                <a:solidFill>
-                  <a:schemeClr val="tx1"/>
-                </a:solidFill>
-                <a:effectLst/>
-                <a:latin typeface="+mn-lt"/>
-                <a:ea typeface="+mn-ea"/>
-                <a:cs typeface="+mn-cs"/>
-              </a:rPr>
-              <a:t>this.isHttpResponse</a:t>
-            </a:r>
-            <a:r>
-              <a:rPr lang="fr-FR" sz="1200" b="0" kern="1200" dirty="0" smtClean="0">
-                <a:solidFill>
-                  <a:schemeClr val="tx1"/>
-                </a:solidFill>
-                <a:effectLst/>
-                <a:latin typeface="+mn-lt"/>
-                <a:ea typeface="+mn-ea"/>
-                <a:cs typeface="+mn-cs"/>
-              </a:rPr>
-              <a:t>(</a:t>
-            </a:r>
-            <a:r>
-              <a:rPr lang="fr-FR" sz="1200" b="0" kern="1200" dirty="0" err="1" smtClean="0">
-                <a:solidFill>
-                  <a:schemeClr val="tx1"/>
-                </a:solidFill>
-                <a:effectLst/>
-                <a:latin typeface="+mn-lt"/>
-                <a:ea typeface="+mn-ea"/>
-                <a:cs typeface="+mn-cs"/>
-              </a:rPr>
-              <a:t>result</a:t>
-            </a:r>
-            <a:r>
-              <a:rPr lang="fr-FR" sz="1200" b="0" kern="1200" dirty="0" smtClean="0">
-                <a:solidFill>
-                  <a:schemeClr val="tx1"/>
-                </a:solidFill>
-                <a:effectLst/>
-                <a:latin typeface="+mn-lt"/>
-                <a:ea typeface="+mn-ea"/>
-                <a:cs typeface="+mn-cs"/>
-              </a:rPr>
-              <a:t>))</a:t>
-            </a:r>
-          </a:p>
-          <a:p>
-            <a:r>
-              <a:rPr lang="fr-FR" sz="1200" b="0" kern="1200" dirty="0" smtClean="0">
-                <a:solidFill>
-                  <a:schemeClr val="tx1"/>
-                </a:solidFill>
-                <a:effectLst/>
-                <a:latin typeface="+mn-lt"/>
-                <a:ea typeface="+mn-ea"/>
-                <a:cs typeface="+mn-cs"/>
-              </a:rPr>
-              <a:t>.do(</a:t>
-            </a:r>
-            <a:r>
-              <a:rPr lang="fr-FR" sz="1200" b="0" kern="1200" dirty="0" err="1" smtClean="0">
-                <a:solidFill>
-                  <a:schemeClr val="tx1"/>
-                </a:solidFill>
-                <a:effectLst/>
-                <a:latin typeface="+mn-lt"/>
-                <a:ea typeface="+mn-ea"/>
-                <a:cs typeface="+mn-cs"/>
-              </a:rPr>
-              <a:t>result</a:t>
-            </a:r>
-            <a:r>
-              <a:rPr lang="fr-FR" sz="1200" b="0" kern="1200" dirty="0" smtClean="0">
-                <a:solidFill>
-                  <a:schemeClr val="tx1"/>
-                </a:solidFill>
-                <a:effectLst/>
-                <a:latin typeface="+mn-lt"/>
-                <a:ea typeface="+mn-ea"/>
-                <a:cs typeface="+mn-cs"/>
-              </a:rPr>
-              <a:t> =&gt; !</a:t>
-            </a:r>
-            <a:r>
-              <a:rPr lang="fr-FR" sz="1200" b="0" kern="1200" dirty="0" err="1" smtClean="0">
-                <a:solidFill>
-                  <a:schemeClr val="tx1"/>
-                </a:solidFill>
-                <a:effectLst/>
-                <a:latin typeface="+mn-lt"/>
-                <a:ea typeface="+mn-ea"/>
-                <a:cs typeface="+mn-cs"/>
-              </a:rPr>
-              <a:t>noCache</a:t>
-            </a:r>
-            <a:r>
-              <a:rPr lang="fr-FR" sz="1200" b="0" kern="1200" dirty="0" smtClean="0">
-                <a:solidFill>
-                  <a:schemeClr val="tx1"/>
-                </a:solidFill>
-                <a:effectLst/>
-                <a:latin typeface="+mn-lt"/>
-                <a:ea typeface="+mn-ea"/>
-                <a:cs typeface="+mn-cs"/>
-              </a:rPr>
-              <a:t> &amp;&amp; </a:t>
-            </a:r>
-            <a:r>
-              <a:rPr lang="fr-FR" sz="1200" b="0" kern="1200" dirty="0" err="1" smtClean="0">
-                <a:solidFill>
-                  <a:schemeClr val="tx1"/>
-                </a:solidFill>
-                <a:effectLst/>
-                <a:latin typeface="+mn-lt"/>
-                <a:ea typeface="+mn-ea"/>
-                <a:cs typeface="+mn-cs"/>
-              </a:rPr>
-              <a:t>this.cacheRequestResponse</a:t>
-            </a:r>
-            <a:r>
-              <a:rPr lang="fr-FR" sz="1200" b="0" kern="1200" dirty="0" smtClean="0">
-                <a:solidFill>
-                  <a:schemeClr val="tx1"/>
-                </a:solidFill>
-                <a:effectLst/>
-                <a:latin typeface="+mn-lt"/>
-                <a:ea typeface="+mn-ea"/>
-                <a:cs typeface="+mn-cs"/>
-              </a:rPr>
-              <a:t>(req.url, </a:t>
-            </a:r>
-            <a:r>
-              <a:rPr lang="fr-FR" sz="1200" b="0" kern="1200" dirty="0" err="1" smtClean="0">
-                <a:solidFill>
-                  <a:schemeClr val="tx1"/>
-                </a:solidFill>
-                <a:effectLst/>
-                <a:latin typeface="+mn-lt"/>
-                <a:ea typeface="+mn-ea"/>
-                <a:cs typeface="+mn-cs"/>
-              </a:rPr>
-              <a:t>result</a:t>
-            </a:r>
-            <a:r>
-              <a:rPr lang="fr-FR" sz="1200" b="0" kern="1200" dirty="0" smtClean="0">
-                <a:solidFill>
-                  <a:schemeClr val="tx1"/>
-                </a:solidFill>
-                <a:effectLst/>
-                <a:latin typeface="+mn-lt"/>
-                <a:ea typeface="+mn-ea"/>
-                <a:cs typeface="+mn-cs"/>
-              </a:rPr>
-              <a:t> as </a:t>
-            </a:r>
-            <a:r>
-              <a:rPr lang="fr-FR" sz="1200" b="0" kern="1200" dirty="0" err="1" smtClean="0">
-                <a:solidFill>
-                  <a:schemeClr val="tx1"/>
-                </a:solidFill>
-                <a:effectLst/>
-                <a:latin typeface="+mn-lt"/>
-                <a:ea typeface="+mn-ea"/>
-                <a:cs typeface="+mn-cs"/>
-              </a:rPr>
-              <a:t>HttpResponse</a:t>
-            </a:r>
-            <a:r>
-              <a:rPr lang="fr-FR" sz="1200" b="0" kern="1200" dirty="0" smtClean="0">
-                <a:solidFill>
-                  <a:schemeClr val="tx1"/>
-                </a:solidFill>
-                <a:effectLst/>
-                <a:latin typeface="+mn-lt"/>
-                <a:ea typeface="+mn-ea"/>
-                <a:cs typeface="+mn-cs"/>
-              </a:rPr>
-              <a:t>&lt;</a:t>
-            </a:r>
-            <a:r>
-              <a:rPr lang="fr-FR" sz="1200" b="0" kern="1200" dirty="0" err="1" smtClean="0">
-                <a:solidFill>
-                  <a:schemeClr val="tx1"/>
-                </a:solidFill>
-                <a:effectLst/>
-                <a:latin typeface="+mn-lt"/>
-                <a:ea typeface="+mn-ea"/>
-                <a:cs typeface="+mn-cs"/>
-              </a:rPr>
-              <a:t>any</a:t>
-            </a:r>
-            <a:r>
-              <a:rPr lang="fr-FR" sz="1200" b="0" kern="1200" dirty="0" smtClean="0">
-                <a:solidFill>
-                  <a:schemeClr val="tx1"/>
-                </a:solidFill>
-                <a:effectLst/>
-                <a:latin typeface="+mn-lt"/>
-                <a:ea typeface="+mn-ea"/>
-                <a:cs typeface="+mn-cs"/>
-              </a:rPr>
-              <a:t>&gt;))</a:t>
-            </a:r>
-          </a:p>
-          <a:p>
-            <a:r>
-              <a:rPr lang="fr-FR" sz="1200" b="0" kern="1200" dirty="0" smtClean="0">
-                <a:solidFill>
-                  <a:schemeClr val="tx1"/>
-                </a:solidFill>
-                <a:effectLst/>
-                <a:latin typeface="+mn-lt"/>
-                <a:ea typeface="+mn-ea"/>
-                <a:cs typeface="+mn-cs"/>
-              </a:rPr>
-              <a:t>.catch((</a:t>
-            </a:r>
-            <a:r>
-              <a:rPr lang="fr-FR" sz="1200" b="0" kern="1200" dirty="0" err="1" smtClean="0">
-                <a:solidFill>
-                  <a:schemeClr val="tx1"/>
-                </a:solidFill>
-                <a:effectLst/>
-                <a:latin typeface="+mn-lt"/>
-                <a:ea typeface="+mn-ea"/>
-                <a:cs typeface="+mn-cs"/>
-              </a:rPr>
-              <a:t>error</a:t>
-            </a:r>
-            <a:r>
-              <a:rPr lang="fr-FR" sz="1200" b="0" kern="1200" dirty="0" smtClean="0">
-                <a:solidFill>
-                  <a:schemeClr val="tx1"/>
-                </a:solidFill>
-                <a:effectLst/>
-                <a:latin typeface="+mn-lt"/>
-                <a:ea typeface="+mn-ea"/>
-                <a:cs typeface="+mn-cs"/>
-              </a:rPr>
-              <a:t>, </a:t>
-            </a:r>
-            <a:r>
-              <a:rPr lang="fr-FR" sz="1200" b="0" kern="1200" dirty="0" err="1" smtClean="0">
-                <a:solidFill>
-                  <a:schemeClr val="tx1"/>
-                </a:solidFill>
-                <a:effectLst/>
-                <a:latin typeface="+mn-lt"/>
-                <a:ea typeface="+mn-ea"/>
-                <a:cs typeface="+mn-cs"/>
-              </a:rPr>
-              <a:t>caught</a:t>
-            </a:r>
-            <a:r>
-              <a:rPr lang="fr-FR" sz="1200" b="0" kern="1200" dirty="0" smtClean="0">
-                <a:solidFill>
-                  <a:schemeClr val="tx1"/>
-                </a:solidFill>
-                <a:effectLst/>
-                <a:latin typeface="+mn-lt"/>
-                <a:ea typeface="+mn-ea"/>
-                <a:cs typeface="+mn-cs"/>
-              </a:rPr>
-              <a:t>) =&gt; {</a:t>
-            </a:r>
-          </a:p>
-          <a:p>
-            <a:r>
-              <a:rPr lang="fr-FR" sz="1200" b="0" kern="1200" dirty="0" smtClean="0">
-                <a:solidFill>
-                  <a:schemeClr val="tx1"/>
-                </a:solidFill>
-                <a:effectLst/>
-                <a:latin typeface="+mn-lt"/>
-                <a:ea typeface="+mn-ea"/>
-                <a:cs typeface="+mn-cs"/>
-              </a:rPr>
-              <a:t>if (</a:t>
-            </a:r>
-            <a:r>
-              <a:rPr lang="fr-FR" sz="1200" b="0" kern="1200" dirty="0" err="1" smtClean="0">
-                <a:solidFill>
-                  <a:schemeClr val="tx1"/>
-                </a:solidFill>
-                <a:effectLst/>
-                <a:latin typeface="+mn-lt"/>
-                <a:ea typeface="+mn-ea"/>
-                <a:cs typeface="+mn-cs"/>
-              </a:rPr>
-              <a:t>this.isProxyError</a:t>
-            </a:r>
-            <a:r>
-              <a:rPr lang="fr-FR" sz="1200" b="0" kern="1200" dirty="0" smtClean="0">
-                <a:solidFill>
-                  <a:schemeClr val="tx1"/>
-                </a:solidFill>
-                <a:effectLst/>
-                <a:latin typeface="+mn-lt"/>
-                <a:ea typeface="+mn-ea"/>
-                <a:cs typeface="+mn-cs"/>
-              </a:rPr>
-              <a:t>(</a:t>
-            </a:r>
-            <a:r>
-              <a:rPr lang="fr-FR" sz="1200" b="0" kern="1200" dirty="0" err="1" smtClean="0">
-                <a:solidFill>
-                  <a:schemeClr val="tx1"/>
-                </a:solidFill>
-                <a:effectLst/>
-                <a:latin typeface="+mn-lt"/>
-                <a:ea typeface="+mn-ea"/>
-                <a:cs typeface="+mn-cs"/>
-              </a:rPr>
-              <a:t>error</a:t>
-            </a:r>
-            <a:r>
-              <a:rPr lang="fr-FR" sz="1200" b="0" kern="1200" dirty="0" smtClean="0">
-                <a:solidFill>
-                  <a:schemeClr val="tx1"/>
-                </a:solidFill>
-                <a:effectLst/>
-                <a:latin typeface="+mn-lt"/>
-                <a:ea typeface="+mn-ea"/>
-                <a:cs typeface="+mn-cs"/>
-              </a:rPr>
-              <a:t>)) {</a:t>
-            </a:r>
-          </a:p>
-          <a:p>
-            <a:r>
-              <a:rPr lang="fr-FR" sz="1200" b="0" kern="1200" dirty="0" smtClean="0">
-                <a:solidFill>
-                  <a:schemeClr val="tx1"/>
-                </a:solidFill>
-                <a:effectLst/>
-                <a:latin typeface="+mn-lt"/>
-                <a:ea typeface="+mn-ea"/>
-                <a:cs typeface="+mn-cs"/>
-              </a:rPr>
-              <a:t>return </a:t>
-            </a:r>
-            <a:r>
-              <a:rPr lang="fr-FR" sz="1200" b="0" kern="1200" dirty="0" err="1" smtClean="0">
-                <a:solidFill>
-                  <a:schemeClr val="tx1"/>
-                </a:solidFill>
-                <a:effectLst/>
-                <a:latin typeface="+mn-lt"/>
-                <a:ea typeface="+mn-ea"/>
-                <a:cs typeface="+mn-cs"/>
-              </a:rPr>
-              <a:t>Observable.of</a:t>
-            </a:r>
-            <a:r>
-              <a:rPr lang="fr-FR" sz="1200" b="0" kern="1200" dirty="0" smtClean="0">
-                <a:solidFill>
-                  <a:schemeClr val="tx1"/>
-                </a:solidFill>
-                <a:effectLst/>
-                <a:latin typeface="+mn-lt"/>
-                <a:ea typeface="+mn-ea"/>
-                <a:cs typeface="+mn-cs"/>
-              </a:rPr>
-              <a:t>(</a:t>
-            </a:r>
-            <a:r>
-              <a:rPr lang="fr-FR" sz="1200" b="0" kern="1200" dirty="0" err="1" smtClean="0">
-                <a:solidFill>
-                  <a:schemeClr val="tx1"/>
-                </a:solidFill>
-                <a:effectLst/>
-                <a:latin typeface="+mn-lt"/>
-                <a:ea typeface="+mn-ea"/>
-                <a:cs typeface="+mn-cs"/>
-              </a:rPr>
-              <a:t>this.inFlightResponse</a:t>
-            </a:r>
-            <a:r>
-              <a:rPr lang="fr-FR" sz="1200" b="0" kern="1200" dirty="0" smtClean="0">
-                <a:solidFill>
-                  <a:schemeClr val="tx1"/>
-                </a:solidFill>
-                <a:effectLst/>
-                <a:latin typeface="+mn-lt"/>
-                <a:ea typeface="+mn-ea"/>
-                <a:cs typeface="+mn-cs"/>
-              </a:rPr>
-              <a:t>(req.url, </a:t>
-            </a:r>
-            <a:r>
-              <a:rPr lang="fr-FR" sz="1200" b="0" kern="1200" dirty="0" err="1" smtClean="0">
-                <a:solidFill>
-                  <a:schemeClr val="tx1"/>
-                </a:solidFill>
-                <a:effectLst/>
-                <a:latin typeface="+mn-lt"/>
-                <a:ea typeface="+mn-ea"/>
-                <a:cs typeface="+mn-cs"/>
-              </a:rPr>
-              <a:t>error.error</a:t>
-            </a:r>
-            <a:r>
-              <a:rPr lang="fr-FR" sz="1200" b="0" kern="1200" dirty="0" smtClean="0">
-                <a:solidFill>
-                  <a:schemeClr val="tx1"/>
-                </a:solidFill>
-                <a:effectLst/>
-                <a:latin typeface="+mn-lt"/>
-                <a:ea typeface="+mn-ea"/>
-                <a:cs typeface="+mn-cs"/>
-              </a:rPr>
-              <a:t>));</a:t>
-            </a:r>
-          </a:p>
-          <a:p>
-            <a:r>
-              <a:rPr lang="fr-FR" sz="1200" b="0" kern="1200" dirty="0" smtClean="0">
-                <a:solidFill>
-                  <a:schemeClr val="tx1"/>
-                </a:solidFill>
-                <a:effectLst/>
-                <a:latin typeface="+mn-lt"/>
-                <a:ea typeface="+mn-ea"/>
-                <a:cs typeface="+mn-cs"/>
-              </a:rPr>
-              <a:t>} </a:t>
-            </a:r>
-            <a:r>
-              <a:rPr lang="fr-FR" sz="1200" b="0" kern="1200" dirty="0" err="1" smtClean="0">
-                <a:solidFill>
-                  <a:schemeClr val="tx1"/>
-                </a:solidFill>
-                <a:effectLst/>
-                <a:latin typeface="+mn-lt"/>
-                <a:ea typeface="+mn-ea"/>
-                <a:cs typeface="+mn-cs"/>
-              </a:rPr>
-              <a:t>else</a:t>
-            </a:r>
-            <a:r>
-              <a:rPr lang="fr-FR" sz="1200" b="0" kern="1200" dirty="0" smtClean="0">
-                <a:solidFill>
-                  <a:schemeClr val="tx1"/>
-                </a:solidFill>
-                <a:effectLst/>
-                <a:latin typeface="+mn-lt"/>
-                <a:ea typeface="+mn-ea"/>
-                <a:cs typeface="+mn-cs"/>
-              </a:rPr>
-              <a:t> {</a:t>
-            </a:r>
-          </a:p>
-          <a:p>
-            <a:r>
-              <a:rPr lang="fr-FR" sz="1200" b="0" kern="1200" dirty="0" smtClean="0">
-                <a:solidFill>
-                  <a:schemeClr val="tx1"/>
-                </a:solidFill>
-                <a:effectLst/>
-                <a:latin typeface="+mn-lt"/>
-                <a:ea typeface="+mn-ea"/>
-                <a:cs typeface="+mn-cs"/>
-              </a:rPr>
-              <a:t>return </a:t>
-            </a:r>
-            <a:r>
-              <a:rPr lang="fr-FR" sz="1200" b="0" kern="1200" dirty="0" err="1" smtClean="0">
-                <a:solidFill>
-                  <a:schemeClr val="tx1"/>
-                </a:solidFill>
-                <a:effectLst/>
-                <a:latin typeface="+mn-lt"/>
-                <a:ea typeface="+mn-ea"/>
-                <a:cs typeface="+mn-cs"/>
-              </a:rPr>
-              <a:t>this.responseFromCacheOrPresentModal</a:t>
-            </a:r>
-            <a:r>
-              <a:rPr lang="fr-FR" sz="1200" b="0" kern="1200" dirty="0" smtClean="0">
-                <a:solidFill>
-                  <a:schemeClr val="tx1"/>
-                </a:solidFill>
-                <a:effectLst/>
-                <a:latin typeface="+mn-lt"/>
-                <a:ea typeface="+mn-ea"/>
-                <a:cs typeface="+mn-cs"/>
-              </a:rPr>
-              <a:t>(req.url, </a:t>
-            </a:r>
-            <a:r>
-              <a:rPr lang="fr-FR" sz="1200" b="0" kern="1200" dirty="0" err="1" smtClean="0">
-                <a:solidFill>
-                  <a:schemeClr val="tx1"/>
-                </a:solidFill>
-                <a:effectLst/>
-                <a:latin typeface="+mn-lt"/>
-                <a:ea typeface="+mn-ea"/>
-                <a:cs typeface="+mn-cs"/>
-              </a:rPr>
-              <a:t>error</a:t>
-            </a:r>
-            <a:r>
-              <a:rPr lang="fr-FR" sz="1200" b="0" kern="1200" dirty="0" smtClean="0">
-                <a:solidFill>
-                  <a:schemeClr val="tx1"/>
-                </a:solidFill>
-                <a:effectLst/>
-                <a:latin typeface="+mn-lt"/>
-                <a:ea typeface="+mn-ea"/>
-                <a:cs typeface="+mn-cs"/>
-              </a:rPr>
-              <a:t>, </a:t>
-            </a:r>
-            <a:r>
-              <a:rPr lang="fr-FR" sz="1200" b="0" kern="1200" dirty="0" err="1" smtClean="0">
-                <a:solidFill>
-                  <a:schemeClr val="tx1"/>
-                </a:solidFill>
-                <a:effectLst/>
-                <a:latin typeface="+mn-lt"/>
-                <a:ea typeface="+mn-ea"/>
-                <a:cs typeface="+mn-cs"/>
-              </a:rPr>
-              <a:t>noErrorModal</a:t>
-            </a:r>
-            <a:r>
-              <a:rPr lang="fr-FR" sz="1200" b="0" kern="1200" dirty="0" smtClean="0">
-                <a:solidFill>
-                  <a:schemeClr val="tx1"/>
-                </a:solidFill>
-                <a:effectLst/>
-                <a:latin typeface="+mn-lt"/>
-                <a:ea typeface="+mn-ea"/>
-                <a:cs typeface="+mn-cs"/>
-              </a:rPr>
-              <a:t>);</a:t>
-            </a:r>
-          </a:p>
-          <a:p>
-            <a:r>
-              <a:rPr lang="fr-FR" sz="1200" b="0" kern="1200" dirty="0" smtClean="0">
-                <a:solidFill>
-                  <a:schemeClr val="tx1"/>
-                </a:solidFill>
-                <a:effectLst/>
-                <a:latin typeface="+mn-lt"/>
-                <a:ea typeface="+mn-ea"/>
-                <a:cs typeface="+mn-cs"/>
-              </a:rPr>
-              <a:t>}</a:t>
-            </a:r>
-          </a:p>
-          <a:p>
-            <a:r>
-              <a:rPr lang="fr-FR" sz="1200" b="0" kern="1200" dirty="0" smtClean="0">
-                <a:solidFill>
-                  <a:schemeClr val="tx1"/>
-                </a:solidFill>
-                <a:effectLst/>
-                <a:latin typeface="+mn-lt"/>
-                <a:ea typeface="+mn-ea"/>
-                <a:cs typeface="+mn-cs"/>
-              </a:rPr>
-              <a:t>})</a:t>
-            </a:r>
-          </a:p>
-          <a:p>
-            <a:r>
-              <a:rPr lang="fr-FR" sz="1200" b="0" kern="1200" dirty="0" smtClean="0">
-                <a:solidFill>
-                  <a:schemeClr val="tx1"/>
-                </a:solidFill>
-                <a:effectLst/>
-                <a:latin typeface="+mn-lt"/>
-                <a:ea typeface="+mn-ea"/>
-                <a:cs typeface="+mn-cs"/>
-              </a:rPr>
-              <a:t>.do(() =&gt; </a:t>
-            </a:r>
-            <a:r>
-              <a:rPr lang="fr-FR" sz="1200" b="0" kern="1200" dirty="0" err="1" smtClean="0">
-                <a:solidFill>
-                  <a:schemeClr val="tx1"/>
-                </a:solidFill>
-                <a:effectLst/>
-                <a:latin typeface="+mn-lt"/>
-                <a:ea typeface="+mn-ea"/>
-                <a:cs typeface="+mn-cs"/>
-              </a:rPr>
-              <a:t>this.loading.pendingRequests</a:t>
-            </a:r>
-            <a:r>
-              <a:rPr lang="fr-FR" sz="1200" b="0" kern="1200" dirty="0" smtClean="0">
-                <a:solidFill>
-                  <a:schemeClr val="tx1"/>
-                </a:solidFill>
-                <a:effectLst/>
-                <a:latin typeface="+mn-lt"/>
-                <a:ea typeface="+mn-ea"/>
-                <a:cs typeface="+mn-cs"/>
-              </a:rPr>
-              <a:t>--);</a:t>
-            </a:r>
-          </a:p>
-          <a:p>
-            <a:r>
-              <a:rPr lang="fr-FR" sz="1200" b="0" kern="1200" dirty="0" smtClean="0">
-                <a:solidFill>
-                  <a:schemeClr val="tx1"/>
-                </a:solidFill>
-                <a:effectLst/>
-                <a:latin typeface="+mn-lt"/>
-                <a:ea typeface="+mn-ea"/>
-                <a:cs typeface="+mn-cs"/>
-              </a:rPr>
-              <a:t>}</a:t>
-            </a:r>
-          </a:p>
-          <a:p>
+              <a:rPr lang="fr-FR" dirty="0" err="1" smtClean="0"/>
+              <a:t>generate</a:t>
+            </a:r>
+            <a:r>
+              <a:rPr lang="fr-FR" dirty="0" smtClean="0"/>
+              <a:t> provider service/</a:t>
+            </a:r>
+            <a:r>
+              <a:rPr lang="fr-FR" dirty="0" err="1" smtClean="0"/>
+              <a:t>core</a:t>
+            </a:r>
+            <a:r>
+              <a:rPr lang="fr-FR" dirty="0" smtClean="0"/>
+              <a:t>/</a:t>
+            </a:r>
+            <a:r>
+              <a:rPr lang="fr-FR" dirty="0" err="1" smtClean="0"/>
+              <a:t>student</a:t>
+            </a:r>
             <a:endParaRPr lang="fr-FR" dirty="0"/>
           </a:p>
         </p:txBody>
@@ -2070,7 +855,7 @@
           <a:p>
             <a:fld id="{FD0CA3AA-443A-466C-BF59-FB6574BB11C3}" type="slidenum">
               <a:rPr lang="fr-FR" smtClean="0"/>
-              <a:t>19</a:t>
+              <a:t>15</a:t>
             </a:fld>
             <a:endParaRPr lang="fr-FR"/>
           </a:p>
@@ -2079,7 +864,7 @@
     </p:spTree>
     <p:extLst>
       <p:ext uri="{BB962C8B-B14F-4D97-AF65-F5344CB8AC3E}">
-        <p14:creationId xmlns:p14="http://schemas.microsoft.com/office/powerpoint/2010/main" val="2240073132"/>
+        <p14:creationId xmlns:p14="http://schemas.microsoft.com/office/powerpoint/2010/main" val="3836970229"/>
       </p:ext>
     </p:extLst>
   </p:cSld>
@@ -2133,6 +918,44 @@
           <a:bodyPr/>
           <a:lstStyle/>
           <a:p>
+            <a:r>
+              <a:rPr lang="fr-FR" dirty="0" err="1" smtClean="0"/>
+              <a:t>Ng</a:t>
+            </a:r>
+            <a:r>
+              <a:rPr lang="fr-FR" dirty="0" smtClean="0"/>
+              <a:t> g module </a:t>
+            </a:r>
+            <a:r>
+              <a:rPr lang="fr-FR" dirty="0" err="1" smtClean="0"/>
+              <a:t>shared</a:t>
+            </a:r>
+            <a:r>
+              <a:rPr lang="fr-FR" dirty="0" smtClean="0"/>
+              <a:t> </a:t>
+            </a:r>
+          </a:p>
+          <a:p>
+            <a:r>
+              <a:rPr lang="fr-FR" dirty="0" err="1" smtClean="0"/>
+              <a:t>ng</a:t>
+            </a:r>
+            <a:r>
+              <a:rPr lang="fr-FR" dirty="0" smtClean="0"/>
+              <a:t> g pipe </a:t>
+            </a:r>
+            <a:r>
+              <a:rPr lang="fr-FR" dirty="0" err="1" smtClean="0"/>
+              <a:t>core</a:t>
+            </a:r>
+            <a:r>
+              <a:rPr lang="fr-FR" dirty="0" smtClean="0"/>
+              <a:t>/pipe/</a:t>
+            </a:r>
+            <a:r>
+              <a:rPr lang="fr-FR" dirty="0" err="1" smtClean="0"/>
+              <a:t>orderBy</a:t>
+            </a:r>
             <a:endParaRPr lang="fr-FR" dirty="0"/>
           </a:p>
         </p:txBody>
@@ -2154,7 +977,1420 @@
           <a:p>
             <a:fld id="{FD0CA3AA-443A-466C-BF59-FB6574BB11C3}" type="slidenum">
               <a:rPr lang="fr-FR" smtClean="0"/>
+              <a:t>17</a:t>
+            </a:fld>
+            <a:endParaRPr lang="fr-FR"/>
+          </a:p>
+        </p:txBody>
+      </p:sp>
+    </p:spTree>
+    <p:extLst>
+      <p:ext uri="{BB962C8B-B14F-4D97-AF65-F5344CB8AC3E}">
+        <p14:creationId xmlns:p14="http://schemas.microsoft.com/office/powerpoint/2010/main" val="2840317410"/>
+      </p:ext>
+    </p:extLst>
+  </p:cSld>
+  <p:clrMapOvr>
+    <a:masterClrMapping/>
+  </p:clrMapOvr>
+</p:notes>
+</file>
+
+<file path=ppt/notesSlides/notesSlide14.xml><?xml version="1.0" encoding="utf-8"?>
+<p:notes xmlns:a="http://schemas.openxmlformats.org/drawingml/2006/main" xmlns:r="http://schemas.openxmlformats.org/officeDocument/2006/relationships" xmlns:p="http://schemas.openxmlformats.org/presentationml/2006/main">
+  <p:cSld>
+    <p:spTree>
+      <p:nvGrpSpPr>
+        <p:cNvPr id="1" name=""/>
+        <p:cNvGrpSpPr/>
+        <p:nvPr/>
+      </p:nvGrpSpPr>
+      <p:grpSpPr>
+        <a:xfrm>
+          <a:off x="0" y="0"/>
+          <a:ext cx="0" cy="0"/>
+          <a:chOff x="0" y="0"/>
+          <a:chExt cx="0" cy="0"/>
+        </a:xfrm>
+      </p:grpSpPr>
+      <p:sp>
+        <p:nvSpPr>
+          <p:cNvPr id="2" name="Espace réservé de l'image des diapositives 1"/>
+          <p:cNvSpPr>
+            <a:spLocks noGrp="1" noRot="1" noChangeAspect="1"/>
+          </p:cNvSpPr>
+          <p:nvPr>
+            <p:ph type="sldImg"/>
+          </p:nvPr>
+        </p:nvSpPr>
+        <p:spPr/>
+      </p:sp>
+      <p:sp>
+        <p:nvSpPr>
+          <p:cNvPr id="3" name="Espace réservé des commentaires 2"/>
+          <p:cNvSpPr>
+            <a:spLocks noGrp="1"/>
+          </p:cNvSpPr>
+          <p:nvPr>
+            <p:ph type="body" idx="1"/>
+          </p:nvPr>
+        </p:nvSpPr>
+        <p:spPr/>
+        <p:txBody>
+          <a:bodyPr/>
+          <a:lstStyle/>
+          <a:p>
+            <a:r>
+              <a:rPr lang="fr-FR" sz="1200" b="0" kern="1200" dirty="0" err="1" smtClean="0">
+                <a:solidFill>
+                  <a:schemeClr val="tx1"/>
+                </a:solidFill>
+                <a:effectLst/>
+                <a:latin typeface="+mn-lt"/>
+                <a:ea typeface="+mn-ea"/>
+                <a:cs typeface="+mn-cs"/>
+              </a:rPr>
+              <a:t>intercept</a:t>
+            </a:r>
+            <a:r>
+              <a:rPr lang="fr-FR" sz="1200" b="0" kern="1200" dirty="0" smtClean="0">
+                <a:solidFill>
+                  <a:schemeClr val="tx1"/>
+                </a:solidFill>
+                <a:effectLst/>
+                <a:latin typeface="+mn-lt"/>
+                <a:ea typeface="+mn-ea"/>
+                <a:cs typeface="+mn-cs"/>
+              </a:rPr>
+              <a:t>(</a:t>
+            </a:r>
+            <a:r>
+              <a:rPr lang="fr-FR" sz="1200" b="0" kern="1200" dirty="0" err="1" smtClean="0">
+                <a:solidFill>
+                  <a:schemeClr val="tx1"/>
+                </a:solidFill>
+                <a:effectLst/>
+                <a:latin typeface="+mn-lt"/>
+                <a:ea typeface="+mn-ea"/>
+                <a:cs typeface="+mn-cs"/>
+              </a:rPr>
+              <a:t>req</a:t>
+            </a:r>
+            <a:r>
+              <a:rPr lang="fr-FR" sz="1200" b="0" kern="1200" dirty="0" smtClean="0">
+                <a:solidFill>
+                  <a:schemeClr val="tx1"/>
+                </a:solidFill>
+                <a:effectLst/>
+                <a:latin typeface="+mn-lt"/>
+                <a:ea typeface="+mn-ea"/>
+                <a:cs typeface="+mn-cs"/>
+              </a:rPr>
+              <a:t>: </a:t>
+            </a:r>
+            <a:r>
+              <a:rPr lang="fr-FR" sz="1200" b="0" kern="1200" dirty="0" err="1" smtClean="0">
+                <a:solidFill>
+                  <a:schemeClr val="tx1"/>
+                </a:solidFill>
+                <a:effectLst/>
+                <a:latin typeface="+mn-lt"/>
+                <a:ea typeface="+mn-ea"/>
+                <a:cs typeface="+mn-cs"/>
+              </a:rPr>
+              <a:t>HttpRequest</a:t>
+            </a:r>
+            <a:r>
+              <a:rPr lang="fr-FR" sz="1200" b="0" kern="1200" dirty="0" smtClean="0">
+                <a:solidFill>
+                  <a:schemeClr val="tx1"/>
+                </a:solidFill>
+                <a:effectLst/>
+                <a:latin typeface="+mn-lt"/>
+                <a:ea typeface="+mn-ea"/>
+                <a:cs typeface="+mn-cs"/>
+              </a:rPr>
+              <a:t>&lt;</a:t>
+            </a:r>
+            <a:r>
+              <a:rPr lang="fr-FR" sz="1200" b="0" kern="1200" dirty="0" err="1" smtClean="0">
+                <a:solidFill>
+                  <a:schemeClr val="tx1"/>
+                </a:solidFill>
+                <a:effectLst/>
+                <a:latin typeface="+mn-lt"/>
+                <a:ea typeface="+mn-ea"/>
+                <a:cs typeface="+mn-cs"/>
+              </a:rPr>
+              <a:t>any</a:t>
+            </a:r>
+            <a:r>
+              <a:rPr lang="fr-FR" sz="1200" b="0" kern="1200" dirty="0" smtClean="0">
+                <a:solidFill>
+                  <a:schemeClr val="tx1"/>
+                </a:solidFill>
+                <a:effectLst/>
+                <a:latin typeface="+mn-lt"/>
+                <a:ea typeface="+mn-ea"/>
+                <a:cs typeface="+mn-cs"/>
+              </a:rPr>
+              <a:t>&gt;, </a:t>
+            </a:r>
+            <a:r>
+              <a:rPr lang="fr-FR" sz="1200" b="0" kern="1200" dirty="0" err="1" smtClean="0">
+                <a:solidFill>
+                  <a:schemeClr val="tx1"/>
+                </a:solidFill>
+                <a:effectLst/>
+                <a:latin typeface="+mn-lt"/>
+                <a:ea typeface="+mn-ea"/>
+                <a:cs typeface="+mn-cs"/>
+              </a:rPr>
+              <a:t>next</a:t>
+            </a:r>
+            <a:r>
+              <a:rPr lang="fr-FR" sz="1200" b="0" kern="1200" dirty="0" smtClean="0">
+                <a:solidFill>
+                  <a:schemeClr val="tx1"/>
+                </a:solidFill>
+                <a:effectLst/>
+                <a:latin typeface="+mn-lt"/>
+                <a:ea typeface="+mn-ea"/>
+                <a:cs typeface="+mn-cs"/>
+              </a:rPr>
+              <a:t>: </a:t>
+            </a:r>
+            <a:r>
+              <a:rPr lang="fr-FR" sz="1200" b="0" kern="1200" dirty="0" err="1" smtClean="0">
+                <a:solidFill>
+                  <a:schemeClr val="tx1"/>
+                </a:solidFill>
+                <a:effectLst/>
+                <a:latin typeface="+mn-lt"/>
+                <a:ea typeface="+mn-ea"/>
+                <a:cs typeface="+mn-cs"/>
+              </a:rPr>
+              <a:t>HttpHandler</a:t>
+            </a:r>
+            <a:r>
+              <a:rPr lang="fr-FR" sz="1200" b="0" kern="1200" dirty="0" smtClean="0">
+                <a:solidFill>
+                  <a:schemeClr val="tx1"/>
+                </a:solidFill>
+                <a:effectLst/>
+                <a:latin typeface="+mn-lt"/>
+                <a:ea typeface="+mn-ea"/>
+                <a:cs typeface="+mn-cs"/>
+              </a:rPr>
+              <a:t>): Observable&lt;</a:t>
+            </a:r>
+            <a:r>
+              <a:rPr lang="fr-FR" sz="1200" b="0" kern="1200" dirty="0" err="1" smtClean="0">
+                <a:solidFill>
+                  <a:schemeClr val="tx1"/>
+                </a:solidFill>
+                <a:effectLst/>
+                <a:latin typeface="+mn-lt"/>
+                <a:ea typeface="+mn-ea"/>
+                <a:cs typeface="+mn-cs"/>
+              </a:rPr>
+              <a:t>HttpEvent</a:t>
+            </a:r>
+            <a:r>
+              <a:rPr lang="fr-FR" sz="1200" b="0" kern="1200" dirty="0" smtClean="0">
+                <a:solidFill>
+                  <a:schemeClr val="tx1"/>
+                </a:solidFill>
+                <a:effectLst/>
+                <a:latin typeface="+mn-lt"/>
+                <a:ea typeface="+mn-ea"/>
+                <a:cs typeface="+mn-cs"/>
+              </a:rPr>
+              <a:t>&lt;</a:t>
+            </a:r>
+            <a:r>
+              <a:rPr lang="fr-FR" sz="1200" b="0" kern="1200" dirty="0" err="1" smtClean="0">
+                <a:solidFill>
+                  <a:schemeClr val="tx1"/>
+                </a:solidFill>
+                <a:effectLst/>
+                <a:latin typeface="+mn-lt"/>
+                <a:ea typeface="+mn-ea"/>
+                <a:cs typeface="+mn-cs"/>
+              </a:rPr>
+              <a:t>any</a:t>
+            </a:r>
+            <a:r>
+              <a:rPr lang="fr-FR" sz="1200" b="0" kern="1200" dirty="0" smtClean="0">
+                <a:solidFill>
+                  <a:schemeClr val="tx1"/>
+                </a:solidFill>
+                <a:effectLst/>
+                <a:latin typeface="+mn-lt"/>
+                <a:ea typeface="+mn-ea"/>
+                <a:cs typeface="+mn-cs"/>
+              </a:rPr>
+              <a:t>&gt;&gt; {</a:t>
+            </a:r>
+          </a:p>
+          <a:p>
+            <a:r>
+              <a:rPr lang="fr-FR" sz="1200" b="0" kern="1200" dirty="0" err="1" smtClean="0">
+                <a:solidFill>
+                  <a:schemeClr val="tx1"/>
+                </a:solidFill>
+                <a:effectLst/>
+                <a:latin typeface="+mn-lt"/>
+                <a:ea typeface="+mn-ea"/>
+                <a:cs typeface="+mn-cs"/>
+              </a:rPr>
+              <a:t>const</a:t>
+            </a:r>
+            <a:r>
+              <a:rPr lang="fr-FR" sz="1200" b="0" kern="1200" dirty="0" smtClean="0">
+                <a:solidFill>
+                  <a:schemeClr val="tx1"/>
+                </a:solidFill>
+                <a:effectLst/>
+                <a:latin typeface="+mn-lt"/>
+                <a:ea typeface="+mn-ea"/>
+                <a:cs typeface="+mn-cs"/>
+              </a:rPr>
+              <a:t> </a:t>
+            </a:r>
+            <a:r>
+              <a:rPr lang="fr-FR" sz="1200" b="0" kern="1200" dirty="0" err="1" smtClean="0">
+                <a:solidFill>
+                  <a:schemeClr val="tx1"/>
+                </a:solidFill>
+                <a:effectLst/>
+                <a:latin typeface="+mn-lt"/>
+                <a:ea typeface="+mn-ea"/>
+                <a:cs typeface="+mn-cs"/>
+              </a:rPr>
+              <a:t>noCache</a:t>
+            </a:r>
+            <a:r>
+              <a:rPr lang="fr-FR" sz="1200" b="0" kern="1200" dirty="0" smtClean="0">
+                <a:solidFill>
+                  <a:schemeClr val="tx1"/>
+                </a:solidFill>
+                <a:effectLst/>
+                <a:latin typeface="+mn-lt"/>
+                <a:ea typeface="+mn-ea"/>
+                <a:cs typeface="+mn-cs"/>
+              </a:rPr>
+              <a:t> = </a:t>
+            </a:r>
+            <a:r>
+              <a:rPr lang="fr-FR" sz="1200" b="0" kern="1200" dirty="0" err="1" smtClean="0">
+                <a:solidFill>
+                  <a:schemeClr val="tx1"/>
+                </a:solidFill>
+                <a:effectLst/>
+                <a:latin typeface="+mn-lt"/>
+                <a:ea typeface="+mn-ea"/>
+                <a:cs typeface="+mn-cs"/>
+              </a:rPr>
+              <a:t>req.params.get</a:t>
+            </a:r>
+            <a:r>
+              <a:rPr lang="fr-FR" sz="1200" b="0" kern="1200" dirty="0" smtClean="0">
+                <a:solidFill>
+                  <a:schemeClr val="tx1"/>
+                </a:solidFill>
+                <a:effectLst/>
+                <a:latin typeface="+mn-lt"/>
+                <a:ea typeface="+mn-ea"/>
+                <a:cs typeface="+mn-cs"/>
+              </a:rPr>
+              <a:t>('</a:t>
+            </a:r>
+            <a:r>
+              <a:rPr lang="fr-FR" sz="1200" b="0" kern="1200" dirty="0" err="1" smtClean="0">
+                <a:solidFill>
+                  <a:schemeClr val="tx1"/>
+                </a:solidFill>
+                <a:effectLst/>
+                <a:latin typeface="+mn-lt"/>
+                <a:ea typeface="+mn-ea"/>
+                <a:cs typeface="+mn-cs"/>
+              </a:rPr>
+              <a:t>noCache</a:t>
+            </a:r>
+            <a:r>
+              <a:rPr lang="fr-FR" sz="1200" b="0" kern="1200" dirty="0" smtClean="0">
+                <a:solidFill>
+                  <a:schemeClr val="tx1"/>
+                </a:solidFill>
+                <a:effectLst/>
+                <a:latin typeface="+mn-lt"/>
+                <a:ea typeface="+mn-ea"/>
+                <a:cs typeface="+mn-cs"/>
+              </a:rPr>
+              <a:t>') === '</a:t>
+            </a:r>
+            <a:r>
+              <a:rPr lang="fr-FR" sz="1200" b="0" kern="1200" dirty="0" err="1" smtClean="0">
+                <a:solidFill>
+                  <a:schemeClr val="tx1"/>
+                </a:solidFill>
+                <a:effectLst/>
+                <a:latin typeface="+mn-lt"/>
+                <a:ea typeface="+mn-ea"/>
+                <a:cs typeface="+mn-cs"/>
+              </a:rPr>
+              <a:t>true</a:t>
+            </a:r>
+            <a:r>
+              <a:rPr lang="fr-FR" sz="1200" b="0" kern="1200" dirty="0" smtClean="0">
+                <a:solidFill>
+                  <a:schemeClr val="tx1"/>
+                </a:solidFill>
+                <a:effectLst/>
+                <a:latin typeface="+mn-lt"/>
+                <a:ea typeface="+mn-ea"/>
+                <a:cs typeface="+mn-cs"/>
+              </a:rPr>
+              <a:t>';</a:t>
+            </a:r>
+          </a:p>
+          <a:p>
+            <a:r>
+              <a:rPr lang="fr-FR" sz="1200" b="0" kern="1200" dirty="0" err="1" smtClean="0">
+                <a:solidFill>
+                  <a:schemeClr val="tx1"/>
+                </a:solidFill>
+                <a:effectLst/>
+                <a:latin typeface="+mn-lt"/>
+                <a:ea typeface="+mn-ea"/>
+                <a:cs typeface="+mn-cs"/>
+              </a:rPr>
+              <a:t>const</a:t>
+            </a:r>
+            <a:r>
+              <a:rPr lang="fr-FR" sz="1200" b="0" kern="1200" dirty="0" smtClean="0">
+                <a:solidFill>
+                  <a:schemeClr val="tx1"/>
+                </a:solidFill>
+                <a:effectLst/>
+                <a:latin typeface="+mn-lt"/>
+                <a:ea typeface="+mn-ea"/>
+                <a:cs typeface="+mn-cs"/>
+              </a:rPr>
+              <a:t> </a:t>
+            </a:r>
+            <a:r>
+              <a:rPr lang="fr-FR" sz="1200" b="0" kern="1200" dirty="0" err="1" smtClean="0">
+                <a:solidFill>
+                  <a:schemeClr val="tx1"/>
+                </a:solidFill>
+                <a:effectLst/>
+                <a:latin typeface="+mn-lt"/>
+                <a:ea typeface="+mn-ea"/>
+                <a:cs typeface="+mn-cs"/>
+              </a:rPr>
+              <a:t>noErrorModal</a:t>
+            </a:r>
+            <a:r>
+              <a:rPr lang="fr-FR" sz="1200" b="0" kern="1200" dirty="0" smtClean="0">
+                <a:solidFill>
+                  <a:schemeClr val="tx1"/>
+                </a:solidFill>
+                <a:effectLst/>
+                <a:latin typeface="+mn-lt"/>
+                <a:ea typeface="+mn-ea"/>
+                <a:cs typeface="+mn-cs"/>
+              </a:rPr>
+              <a:t> = </a:t>
+            </a:r>
+            <a:r>
+              <a:rPr lang="fr-FR" sz="1200" b="0" kern="1200" dirty="0" err="1" smtClean="0">
+                <a:solidFill>
+                  <a:schemeClr val="tx1"/>
+                </a:solidFill>
+                <a:effectLst/>
+                <a:latin typeface="+mn-lt"/>
+                <a:ea typeface="+mn-ea"/>
+                <a:cs typeface="+mn-cs"/>
+              </a:rPr>
+              <a:t>req.params.get</a:t>
+            </a:r>
+            <a:r>
+              <a:rPr lang="fr-FR" sz="1200" b="0" kern="1200" dirty="0" smtClean="0">
+                <a:solidFill>
+                  <a:schemeClr val="tx1"/>
+                </a:solidFill>
+                <a:effectLst/>
+                <a:latin typeface="+mn-lt"/>
+                <a:ea typeface="+mn-ea"/>
+                <a:cs typeface="+mn-cs"/>
+              </a:rPr>
+              <a:t>('</a:t>
+            </a:r>
+            <a:r>
+              <a:rPr lang="fr-FR" sz="1200" b="0" kern="1200" dirty="0" err="1" smtClean="0">
+                <a:solidFill>
+                  <a:schemeClr val="tx1"/>
+                </a:solidFill>
+                <a:effectLst/>
+                <a:latin typeface="+mn-lt"/>
+                <a:ea typeface="+mn-ea"/>
+                <a:cs typeface="+mn-cs"/>
+              </a:rPr>
+              <a:t>noErrorModal</a:t>
+            </a:r>
+            <a:r>
+              <a:rPr lang="fr-FR" sz="1200" b="0" kern="1200" dirty="0" smtClean="0">
+                <a:solidFill>
+                  <a:schemeClr val="tx1"/>
+                </a:solidFill>
+                <a:effectLst/>
+                <a:latin typeface="+mn-lt"/>
+                <a:ea typeface="+mn-ea"/>
+                <a:cs typeface="+mn-cs"/>
+              </a:rPr>
+              <a:t>') === '</a:t>
+            </a:r>
+            <a:r>
+              <a:rPr lang="fr-FR" sz="1200" b="0" kern="1200" dirty="0" err="1" smtClean="0">
+                <a:solidFill>
+                  <a:schemeClr val="tx1"/>
+                </a:solidFill>
+                <a:effectLst/>
+                <a:latin typeface="+mn-lt"/>
+                <a:ea typeface="+mn-ea"/>
+                <a:cs typeface="+mn-cs"/>
+              </a:rPr>
+              <a:t>true</a:t>
+            </a:r>
+            <a:r>
+              <a:rPr lang="fr-FR" sz="1200" b="0" kern="1200" dirty="0" smtClean="0">
+                <a:solidFill>
+                  <a:schemeClr val="tx1"/>
+                </a:solidFill>
+                <a:effectLst/>
+                <a:latin typeface="+mn-lt"/>
+                <a:ea typeface="+mn-ea"/>
+                <a:cs typeface="+mn-cs"/>
+              </a:rPr>
+              <a:t>';</a:t>
+            </a:r>
+          </a:p>
+          <a:p>
+            <a:r>
+              <a:rPr lang="fr-FR" sz="1200" b="0" kern="1200" dirty="0" smtClean="0">
+                <a:solidFill>
+                  <a:schemeClr val="tx1"/>
+                </a:solidFill>
+                <a:effectLst/>
+                <a:latin typeface="+mn-lt"/>
+                <a:ea typeface="+mn-ea"/>
+                <a:cs typeface="+mn-cs"/>
+              </a:rPr>
+              <a:t/>
+            </a:r>
+            <a:br>
+              <a:rPr lang="fr-FR" sz="1200" b="0" kern="1200" dirty="0" smtClean="0">
+                <a:solidFill>
+                  <a:schemeClr val="tx1"/>
+                </a:solidFill>
+                <a:effectLst/>
+                <a:latin typeface="+mn-lt"/>
+                <a:ea typeface="+mn-ea"/>
+                <a:cs typeface="+mn-cs"/>
+              </a:rPr>
+            </a:br>
+            <a:r>
+              <a:rPr lang="fr-FR" sz="1200" b="0" kern="1200" dirty="0" err="1" smtClean="0">
+                <a:solidFill>
+                  <a:schemeClr val="tx1"/>
+                </a:solidFill>
+                <a:effectLst/>
+                <a:latin typeface="+mn-lt"/>
+                <a:ea typeface="+mn-ea"/>
+                <a:cs typeface="+mn-cs"/>
+              </a:rPr>
+              <a:t>this.loading.pendingRequests</a:t>
+            </a:r>
+            <a:r>
+              <a:rPr lang="fr-FR" sz="1200" b="0" kern="1200" dirty="0" smtClean="0">
+                <a:solidFill>
+                  <a:schemeClr val="tx1"/>
+                </a:solidFill>
+                <a:effectLst/>
+                <a:latin typeface="+mn-lt"/>
+                <a:ea typeface="+mn-ea"/>
+                <a:cs typeface="+mn-cs"/>
+              </a:rPr>
+              <a:t>++;</a:t>
+            </a:r>
+          </a:p>
+          <a:p>
+            <a:r>
+              <a:rPr lang="fr-FR" sz="1200" b="0" kern="1200" dirty="0" smtClean="0">
+                <a:solidFill>
+                  <a:schemeClr val="tx1"/>
+                </a:solidFill>
+                <a:effectLst/>
+                <a:latin typeface="+mn-lt"/>
+                <a:ea typeface="+mn-ea"/>
+                <a:cs typeface="+mn-cs"/>
+              </a:rPr>
+              <a:t>return </a:t>
+            </a:r>
+            <a:r>
+              <a:rPr lang="fr-FR" sz="1200" b="0" kern="1200" dirty="0" err="1" smtClean="0">
+                <a:solidFill>
+                  <a:schemeClr val="tx1"/>
+                </a:solidFill>
+                <a:effectLst/>
+                <a:latin typeface="+mn-lt"/>
+                <a:ea typeface="+mn-ea"/>
+                <a:cs typeface="+mn-cs"/>
+              </a:rPr>
+              <a:t>next.handle</a:t>
+            </a:r>
+            <a:r>
+              <a:rPr lang="fr-FR" sz="1200" b="0" kern="1200" dirty="0" smtClean="0">
+                <a:solidFill>
+                  <a:schemeClr val="tx1"/>
+                </a:solidFill>
+                <a:effectLst/>
+                <a:latin typeface="+mn-lt"/>
+                <a:ea typeface="+mn-ea"/>
+                <a:cs typeface="+mn-cs"/>
+              </a:rPr>
+              <a:t>(</a:t>
+            </a:r>
+            <a:r>
+              <a:rPr lang="fr-FR" sz="1200" b="0" kern="1200" dirty="0" err="1" smtClean="0">
+                <a:solidFill>
+                  <a:schemeClr val="tx1"/>
+                </a:solidFill>
+                <a:effectLst/>
+                <a:latin typeface="+mn-lt"/>
+                <a:ea typeface="+mn-ea"/>
+                <a:cs typeface="+mn-cs"/>
+              </a:rPr>
+              <a:t>req</a:t>
+            </a:r>
+            <a:r>
+              <a:rPr lang="fr-FR" sz="1200" b="0" kern="1200" dirty="0" smtClean="0">
+                <a:solidFill>
+                  <a:schemeClr val="tx1"/>
+                </a:solidFill>
+                <a:effectLst/>
+                <a:latin typeface="+mn-lt"/>
+                <a:ea typeface="+mn-ea"/>
+                <a:cs typeface="+mn-cs"/>
+              </a:rPr>
+              <a:t>)</a:t>
+            </a:r>
+          </a:p>
+          <a:p>
+            <a:r>
+              <a:rPr lang="fr-FR" sz="1200" b="0" kern="1200" dirty="0" smtClean="0">
+                <a:solidFill>
+                  <a:schemeClr val="tx1"/>
+                </a:solidFill>
+                <a:effectLst/>
+                <a:latin typeface="+mn-lt"/>
+                <a:ea typeface="+mn-ea"/>
+                <a:cs typeface="+mn-cs"/>
+              </a:rPr>
+              <a:t>.timeout(REQUEST_TIMEOUT)</a:t>
+            </a:r>
+          </a:p>
+          <a:p>
+            <a:r>
+              <a:rPr lang="fr-FR" sz="1200" b="0" kern="1200" dirty="0" smtClean="0">
+                <a:solidFill>
+                  <a:schemeClr val="tx1"/>
+                </a:solidFill>
+                <a:effectLst/>
+                <a:latin typeface="+mn-lt"/>
+                <a:ea typeface="+mn-ea"/>
+                <a:cs typeface="+mn-cs"/>
+              </a:rPr>
+              <a:t>.</a:t>
+            </a:r>
+            <a:r>
+              <a:rPr lang="fr-FR" sz="1200" b="0" kern="1200" dirty="0" err="1" smtClean="0">
+                <a:solidFill>
+                  <a:schemeClr val="tx1"/>
+                </a:solidFill>
+                <a:effectLst/>
+                <a:latin typeface="+mn-lt"/>
+                <a:ea typeface="+mn-ea"/>
+                <a:cs typeface="+mn-cs"/>
+              </a:rPr>
+              <a:t>filter</a:t>
+            </a:r>
+            <a:r>
+              <a:rPr lang="fr-FR" sz="1200" b="0" kern="1200" dirty="0" smtClean="0">
+                <a:solidFill>
+                  <a:schemeClr val="tx1"/>
+                </a:solidFill>
+                <a:effectLst/>
+                <a:latin typeface="+mn-lt"/>
+                <a:ea typeface="+mn-ea"/>
+                <a:cs typeface="+mn-cs"/>
+              </a:rPr>
+              <a:t>(</a:t>
+            </a:r>
+            <a:r>
+              <a:rPr lang="fr-FR" sz="1200" b="0" kern="1200" dirty="0" err="1" smtClean="0">
+                <a:solidFill>
+                  <a:schemeClr val="tx1"/>
+                </a:solidFill>
+                <a:effectLst/>
+                <a:latin typeface="+mn-lt"/>
+                <a:ea typeface="+mn-ea"/>
+                <a:cs typeface="+mn-cs"/>
+              </a:rPr>
+              <a:t>result</a:t>
+            </a:r>
+            <a:r>
+              <a:rPr lang="fr-FR" sz="1200" b="0" kern="1200" dirty="0" smtClean="0">
+                <a:solidFill>
+                  <a:schemeClr val="tx1"/>
+                </a:solidFill>
+                <a:effectLst/>
+                <a:latin typeface="+mn-lt"/>
+                <a:ea typeface="+mn-ea"/>
+                <a:cs typeface="+mn-cs"/>
+              </a:rPr>
+              <a:t> =&gt; </a:t>
+            </a:r>
+            <a:r>
+              <a:rPr lang="fr-FR" sz="1200" b="0" kern="1200" dirty="0" err="1" smtClean="0">
+                <a:solidFill>
+                  <a:schemeClr val="tx1"/>
+                </a:solidFill>
+                <a:effectLst/>
+                <a:latin typeface="+mn-lt"/>
+                <a:ea typeface="+mn-ea"/>
+                <a:cs typeface="+mn-cs"/>
+              </a:rPr>
+              <a:t>this.isHttpResponse</a:t>
+            </a:r>
+            <a:r>
+              <a:rPr lang="fr-FR" sz="1200" b="0" kern="1200" dirty="0" smtClean="0">
+                <a:solidFill>
+                  <a:schemeClr val="tx1"/>
+                </a:solidFill>
+                <a:effectLst/>
+                <a:latin typeface="+mn-lt"/>
+                <a:ea typeface="+mn-ea"/>
+                <a:cs typeface="+mn-cs"/>
+              </a:rPr>
+              <a:t>(</a:t>
+            </a:r>
+            <a:r>
+              <a:rPr lang="fr-FR" sz="1200" b="0" kern="1200" dirty="0" err="1" smtClean="0">
+                <a:solidFill>
+                  <a:schemeClr val="tx1"/>
+                </a:solidFill>
+                <a:effectLst/>
+                <a:latin typeface="+mn-lt"/>
+                <a:ea typeface="+mn-ea"/>
+                <a:cs typeface="+mn-cs"/>
+              </a:rPr>
+              <a:t>result</a:t>
+            </a:r>
+            <a:r>
+              <a:rPr lang="fr-FR" sz="1200" b="0" kern="1200" dirty="0" smtClean="0">
+                <a:solidFill>
+                  <a:schemeClr val="tx1"/>
+                </a:solidFill>
+                <a:effectLst/>
+                <a:latin typeface="+mn-lt"/>
+                <a:ea typeface="+mn-ea"/>
+                <a:cs typeface="+mn-cs"/>
+              </a:rPr>
+              <a:t>))</a:t>
+            </a:r>
+          </a:p>
+          <a:p>
+            <a:r>
+              <a:rPr lang="fr-FR" sz="1200" b="0" kern="1200" dirty="0" smtClean="0">
+                <a:solidFill>
+                  <a:schemeClr val="tx1"/>
+                </a:solidFill>
+                <a:effectLst/>
+                <a:latin typeface="+mn-lt"/>
+                <a:ea typeface="+mn-ea"/>
+                <a:cs typeface="+mn-cs"/>
+              </a:rPr>
+              <a:t>.do(</a:t>
+            </a:r>
+            <a:r>
+              <a:rPr lang="fr-FR" sz="1200" b="0" kern="1200" dirty="0" err="1" smtClean="0">
+                <a:solidFill>
+                  <a:schemeClr val="tx1"/>
+                </a:solidFill>
+                <a:effectLst/>
+                <a:latin typeface="+mn-lt"/>
+                <a:ea typeface="+mn-ea"/>
+                <a:cs typeface="+mn-cs"/>
+              </a:rPr>
+              <a:t>result</a:t>
+            </a:r>
+            <a:r>
+              <a:rPr lang="fr-FR" sz="1200" b="0" kern="1200" dirty="0" smtClean="0">
+                <a:solidFill>
+                  <a:schemeClr val="tx1"/>
+                </a:solidFill>
+                <a:effectLst/>
+                <a:latin typeface="+mn-lt"/>
+                <a:ea typeface="+mn-ea"/>
+                <a:cs typeface="+mn-cs"/>
+              </a:rPr>
+              <a:t> =&gt; !</a:t>
+            </a:r>
+            <a:r>
+              <a:rPr lang="fr-FR" sz="1200" b="0" kern="1200" dirty="0" err="1" smtClean="0">
+                <a:solidFill>
+                  <a:schemeClr val="tx1"/>
+                </a:solidFill>
+                <a:effectLst/>
+                <a:latin typeface="+mn-lt"/>
+                <a:ea typeface="+mn-ea"/>
+                <a:cs typeface="+mn-cs"/>
+              </a:rPr>
+              <a:t>noCache</a:t>
+            </a:r>
+            <a:r>
+              <a:rPr lang="fr-FR" sz="1200" b="0" kern="1200" dirty="0" smtClean="0">
+                <a:solidFill>
+                  <a:schemeClr val="tx1"/>
+                </a:solidFill>
+                <a:effectLst/>
+                <a:latin typeface="+mn-lt"/>
+                <a:ea typeface="+mn-ea"/>
+                <a:cs typeface="+mn-cs"/>
+              </a:rPr>
+              <a:t> &amp;&amp; </a:t>
+            </a:r>
+            <a:r>
+              <a:rPr lang="fr-FR" sz="1200" b="0" kern="1200" dirty="0" err="1" smtClean="0">
+                <a:solidFill>
+                  <a:schemeClr val="tx1"/>
+                </a:solidFill>
+                <a:effectLst/>
+                <a:latin typeface="+mn-lt"/>
+                <a:ea typeface="+mn-ea"/>
+                <a:cs typeface="+mn-cs"/>
+              </a:rPr>
+              <a:t>this.cacheRequestResponse</a:t>
+            </a:r>
+            <a:r>
+              <a:rPr lang="fr-FR" sz="1200" b="0" kern="1200" dirty="0" smtClean="0">
+                <a:solidFill>
+                  <a:schemeClr val="tx1"/>
+                </a:solidFill>
+                <a:effectLst/>
+                <a:latin typeface="+mn-lt"/>
+                <a:ea typeface="+mn-ea"/>
+                <a:cs typeface="+mn-cs"/>
+              </a:rPr>
+              <a:t>(req.url, </a:t>
+            </a:r>
+            <a:r>
+              <a:rPr lang="fr-FR" sz="1200" b="0" kern="1200" dirty="0" err="1" smtClean="0">
+                <a:solidFill>
+                  <a:schemeClr val="tx1"/>
+                </a:solidFill>
+                <a:effectLst/>
+                <a:latin typeface="+mn-lt"/>
+                <a:ea typeface="+mn-ea"/>
+                <a:cs typeface="+mn-cs"/>
+              </a:rPr>
+              <a:t>result</a:t>
+            </a:r>
+            <a:r>
+              <a:rPr lang="fr-FR" sz="1200" b="0" kern="1200" dirty="0" smtClean="0">
+                <a:solidFill>
+                  <a:schemeClr val="tx1"/>
+                </a:solidFill>
+                <a:effectLst/>
+                <a:latin typeface="+mn-lt"/>
+                <a:ea typeface="+mn-ea"/>
+                <a:cs typeface="+mn-cs"/>
+              </a:rPr>
+              <a:t> as </a:t>
+            </a:r>
+            <a:r>
+              <a:rPr lang="fr-FR" sz="1200" b="0" kern="1200" dirty="0" err="1" smtClean="0">
+                <a:solidFill>
+                  <a:schemeClr val="tx1"/>
+                </a:solidFill>
+                <a:effectLst/>
+                <a:latin typeface="+mn-lt"/>
+                <a:ea typeface="+mn-ea"/>
+                <a:cs typeface="+mn-cs"/>
+              </a:rPr>
+              <a:t>HttpResponse</a:t>
+            </a:r>
+            <a:r>
+              <a:rPr lang="fr-FR" sz="1200" b="0" kern="1200" dirty="0" smtClean="0">
+                <a:solidFill>
+                  <a:schemeClr val="tx1"/>
+                </a:solidFill>
+                <a:effectLst/>
+                <a:latin typeface="+mn-lt"/>
+                <a:ea typeface="+mn-ea"/>
+                <a:cs typeface="+mn-cs"/>
+              </a:rPr>
+              <a:t>&lt;</a:t>
+            </a:r>
+            <a:r>
+              <a:rPr lang="fr-FR" sz="1200" b="0" kern="1200" dirty="0" err="1" smtClean="0">
+                <a:solidFill>
+                  <a:schemeClr val="tx1"/>
+                </a:solidFill>
+                <a:effectLst/>
+                <a:latin typeface="+mn-lt"/>
+                <a:ea typeface="+mn-ea"/>
+                <a:cs typeface="+mn-cs"/>
+              </a:rPr>
+              <a:t>any</a:t>
+            </a:r>
+            <a:r>
+              <a:rPr lang="fr-FR" sz="1200" b="0" kern="1200" dirty="0" smtClean="0">
+                <a:solidFill>
+                  <a:schemeClr val="tx1"/>
+                </a:solidFill>
+                <a:effectLst/>
+                <a:latin typeface="+mn-lt"/>
+                <a:ea typeface="+mn-ea"/>
+                <a:cs typeface="+mn-cs"/>
+              </a:rPr>
+              <a:t>&gt;))</a:t>
+            </a:r>
+          </a:p>
+          <a:p>
+            <a:r>
+              <a:rPr lang="fr-FR" sz="1200" b="0" kern="1200" dirty="0" smtClean="0">
+                <a:solidFill>
+                  <a:schemeClr val="tx1"/>
+                </a:solidFill>
+                <a:effectLst/>
+                <a:latin typeface="+mn-lt"/>
+                <a:ea typeface="+mn-ea"/>
+                <a:cs typeface="+mn-cs"/>
+              </a:rPr>
+              <a:t>.catch((</a:t>
+            </a:r>
+            <a:r>
+              <a:rPr lang="fr-FR" sz="1200" b="0" kern="1200" dirty="0" err="1" smtClean="0">
+                <a:solidFill>
+                  <a:schemeClr val="tx1"/>
+                </a:solidFill>
+                <a:effectLst/>
+                <a:latin typeface="+mn-lt"/>
+                <a:ea typeface="+mn-ea"/>
+                <a:cs typeface="+mn-cs"/>
+              </a:rPr>
+              <a:t>error</a:t>
+            </a:r>
+            <a:r>
+              <a:rPr lang="fr-FR" sz="1200" b="0" kern="1200" dirty="0" smtClean="0">
+                <a:solidFill>
+                  <a:schemeClr val="tx1"/>
+                </a:solidFill>
+                <a:effectLst/>
+                <a:latin typeface="+mn-lt"/>
+                <a:ea typeface="+mn-ea"/>
+                <a:cs typeface="+mn-cs"/>
+              </a:rPr>
+              <a:t>, </a:t>
+            </a:r>
+            <a:r>
+              <a:rPr lang="fr-FR" sz="1200" b="0" kern="1200" dirty="0" err="1" smtClean="0">
+                <a:solidFill>
+                  <a:schemeClr val="tx1"/>
+                </a:solidFill>
+                <a:effectLst/>
+                <a:latin typeface="+mn-lt"/>
+                <a:ea typeface="+mn-ea"/>
+                <a:cs typeface="+mn-cs"/>
+              </a:rPr>
+              <a:t>caught</a:t>
+            </a:r>
+            <a:r>
+              <a:rPr lang="fr-FR" sz="1200" b="0" kern="1200" dirty="0" smtClean="0">
+                <a:solidFill>
+                  <a:schemeClr val="tx1"/>
+                </a:solidFill>
+                <a:effectLst/>
+                <a:latin typeface="+mn-lt"/>
+                <a:ea typeface="+mn-ea"/>
+                <a:cs typeface="+mn-cs"/>
+              </a:rPr>
+              <a:t>) =&gt; {</a:t>
+            </a:r>
+          </a:p>
+          <a:p>
+            <a:r>
+              <a:rPr lang="fr-FR" sz="1200" b="0" kern="1200" dirty="0" smtClean="0">
+                <a:solidFill>
+                  <a:schemeClr val="tx1"/>
+                </a:solidFill>
+                <a:effectLst/>
+                <a:latin typeface="+mn-lt"/>
+                <a:ea typeface="+mn-ea"/>
+                <a:cs typeface="+mn-cs"/>
+              </a:rPr>
+              <a:t>if (</a:t>
+            </a:r>
+            <a:r>
+              <a:rPr lang="fr-FR" sz="1200" b="0" kern="1200" dirty="0" err="1" smtClean="0">
+                <a:solidFill>
+                  <a:schemeClr val="tx1"/>
+                </a:solidFill>
+                <a:effectLst/>
+                <a:latin typeface="+mn-lt"/>
+                <a:ea typeface="+mn-ea"/>
+                <a:cs typeface="+mn-cs"/>
+              </a:rPr>
+              <a:t>this.isProxyError</a:t>
+            </a:r>
+            <a:r>
+              <a:rPr lang="fr-FR" sz="1200" b="0" kern="1200" dirty="0" smtClean="0">
+                <a:solidFill>
+                  <a:schemeClr val="tx1"/>
+                </a:solidFill>
+                <a:effectLst/>
+                <a:latin typeface="+mn-lt"/>
+                <a:ea typeface="+mn-ea"/>
+                <a:cs typeface="+mn-cs"/>
+              </a:rPr>
+              <a:t>(</a:t>
+            </a:r>
+            <a:r>
+              <a:rPr lang="fr-FR" sz="1200" b="0" kern="1200" dirty="0" err="1" smtClean="0">
+                <a:solidFill>
+                  <a:schemeClr val="tx1"/>
+                </a:solidFill>
+                <a:effectLst/>
+                <a:latin typeface="+mn-lt"/>
+                <a:ea typeface="+mn-ea"/>
+                <a:cs typeface="+mn-cs"/>
+              </a:rPr>
+              <a:t>error</a:t>
+            </a:r>
+            <a:r>
+              <a:rPr lang="fr-FR" sz="1200" b="0" kern="1200" dirty="0" smtClean="0">
+                <a:solidFill>
+                  <a:schemeClr val="tx1"/>
+                </a:solidFill>
+                <a:effectLst/>
+                <a:latin typeface="+mn-lt"/>
+                <a:ea typeface="+mn-ea"/>
+                <a:cs typeface="+mn-cs"/>
+              </a:rPr>
+              <a:t>)) {</a:t>
+            </a:r>
+          </a:p>
+          <a:p>
+            <a:r>
+              <a:rPr lang="fr-FR" sz="1200" b="0" kern="1200" dirty="0" smtClean="0">
+                <a:solidFill>
+                  <a:schemeClr val="tx1"/>
+                </a:solidFill>
+                <a:effectLst/>
+                <a:latin typeface="+mn-lt"/>
+                <a:ea typeface="+mn-ea"/>
+                <a:cs typeface="+mn-cs"/>
+              </a:rPr>
+              <a:t>return </a:t>
+            </a:r>
+            <a:r>
+              <a:rPr lang="fr-FR" sz="1200" b="0" kern="1200" dirty="0" err="1" smtClean="0">
+                <a:solidFill>
+                  <a:schemeClr val="tx1"/>
+                </a:solidFill>
+                <a:effectLst/>
+                <a:latin typeface="+mn-lt"/>
+                <a:ea typeface="+mn-ea"/>
+                <a:cs typeface="+mn-cs"/>
+              </a:rPr>
+              <a:t>Observable.of</a:t>
+            </a:r>
+            <a:r>
+              <a:rPr lang="fr-FR" sz="1200" b="0" kern="1200" dirty="0" smtClean="0">
+                <a:solidFill>
+                  <a:schemeClr val="tx1"/>
+                </a:solidFill>
+                <a:effectLst/>
+                <a:latin typeface="+mn-lt"/>
+                <a:ea typeface="+mn-ea"/>
+                <a:cs typeface="+mn-cs"/>
+              </a:rPr>
+              <a:t>(</a:t>
+            </a:r>
+            <a:r>
+              <a:rPr lang="fr-FR" sz="1200" b="0" kern="1200" dirty="0" err="1" smtClean="0">
+                <a:solidFill>
+                  <a:schemeClr val="tx1"/>
+                </a:solidFill>
+                <a:effectLst/>
+                <a:latin typeface="+mn-lt"/>
+                <a:ea typeface="+mn-ea"/>
+                <a:cs typeface="+mn-cs"/>
+              </a:rPr>
+              <a:t>this.inFlightResponse</a:t>
+            </a:r>
+            <a:r>
+              <a:rPr lang="fr-FR" sz="1200" b="0" kern="1200" dirty="0" smtClean="0">
+                <a:solidFill>
+                  <a:schemeClr val="tx1"/>
+                </a:solidFill>
+                <a:effectLst/>
+                <a:latin typeface="+mn-lt"/>
+                <a:ea typeface="+mn-ea"/>
+                <a:cs typeface="+mn-cs"/>
+              </a:rPr>
+              <a:t>(req.url, </a:t>
+            </a:r>
+            <a:r>
+              <a:rPr lang="fr-FR" sz="1200" b="0" kern="1200" dirty="0" err="1" smtClean="0">
+                <a:solidFill>
+                  <a:schemeClr val="tx1"/>
+                </a:solidFill>
+                <a:effectLst/>
+                <a:latin typeface="+mn-lt"/>
+                <a:ea typeface="+mn-ea"/>
+                <a:cs typeface="+mn-cs"/>
+              </a:rPr>
+              <a:t>error.error</a:t>
+            </a:r>
+            <a:r>
+              <a:rPr lang="fr-FR" sz="1200" b="0" kern="1200" dirty="0" smtClean="0">
+                <a:solidFill>
+                  <a:schemeClr val="tx1"/>
+                </a:solidFill>
+                <a:effectLst/>
+                <a:latin typeface="+mn-lt"/>
+                <a:ea typeface="+mn-ea"/>
+                <a:cs typeface="+mn-cs"/>
+              </a:rPr>
+              <a:t>));</a:t>
+            </a:r>
+          </a:p>
+          <a:p>
+            <a:r>
+              <a:rPr lang="fr-FR" sz="1200" b="0" kern="1200" dirty="0" smtClean="0">
+                <a:solidFill>
+                  <a:schemeClr val="tx1"/>
+                </a:solidFill>
+                <a:effectLst/>
+                <a:latin typeface="+mn-lt"/>
+                <a:ea typeface="+mn-ea"/>
+                <a:cs typeface="+mn-cs"/>
+              </a:rPr>
+              <a:t>} </a:t>
+            </a:r>
+            <a:r>
+              <a:rPr lang="fr-FR" sz="1200" b="0" kern="1200" dirty="0" err="1" smtClean="0">
+                <a:solidFill>
+                  <a:schemeClr val="tx1"/>
+                </a:solidFill>
+                <a:effectLst/>
+                <a:latin typeface="+mn-lt"/>
+                <a:ea typeface="+mn-ea"/>
+                <a:cs typeface="+mn-cs"/>
+              </a:rPr>
+              <a:t>else</a:t>
+            </a:r>
+            <a:r>
+              <a:rPr lang="fr-FR" sz="1200" b="0" kern="1200" dirty="0" smtClean="0">
+                <a:solidFill>
+                  <a:schemeClr val="tx1"/>
+                </a:solidFill>
+                <a:effectLst/>
+                <a:latin typeface="+mn-lt"/>
+                <a:ea typeface="+mn-ea"/>
+                <a:cs typeface="+mn-cs"/>
+              </a:rPr>
+              <a:t> {</a:t>
+            </a:r>
+          </a:p>
+          <a:p>
+            <a:r>
+              <a:rPr lang="fr-FR" sz="1200" b="0" kern="1200" dirty="0" smtClean="0">
+                <a:solidFill>
+                  <a:schemeClr val="tx1"/>
+                </a:solidFill>
+                <a:effectLst/>
+                <a:latin typeface="+mn-lt"/>
+                <a:ea typeface="+mn-ea"/>
+                <a:cs typeface="+mn-cs"/>
+              </a:rPr>
+              <a:t>return </a:t>
+            </a:r>
+            <a:r>
+              <a:rPr lang="fr-FR" sz="1200" b="0" kern="1200" dirty="0" err="1" smtClean="0">
+                <a:solidFill>
+                  <a:schemeClr val="tx1"/>
+                </a:solidFill>
+                <a:effectLst/>
+                <a:latin typeface="+mn-lt"/>
+                <a:ea typeface="+mn-ea"/>
+                <a:cs typeface="+mn-cs"/>
+              </a:rPr>
+              <a:t>this.responseFromCacheOrPresentModal</a:t>
+            </a:r>
+            <a:r>
+              <a:rPr lang="fr-FR" sz="1200" b="0" kern="1200" dirty="0" smtClean="0">
+                <a:solidFill>
+                  <a:schemeClr val="tx1"/>
+                </a:solidFill>
+                <a:effectLst/>
+                <a:latin typeface="+mn-lt"/>
+                <a:ea typeface="+mn-ea"/>
+                <a:cs typeface="+mn-cs"/>
+              </a:rPr>
+              <a:t>(req.url, </a:t>
+            </a:r>
+            <a:r>
+              <a:rPr lang="fr-FR" sz="1200" b="0" kern="1200" dirty="0" err="1" smtClean="0">
+                <a:solidFill>
+                  <a:schemeClr val="tx1"/>
+                </a:solidFill>
+                <a:effectLst/>
+                <a:latin typeface="+mn-lt"/>
+                <a:ea typeface="+mn-ea"/>
+                <a:cs typeface="+mn-cs"/>
+              </a:rPr>
+              <a:t>error</a:t>
+            </a:r>
+            <a:r>
+              <a:rPr lang="fr-FR" sz="1200" b="0" kern="1200" dirty="0" smtClean="0">
+                <a:solidFill>
+                  <a:schemeClr val="tx1"/>
+                </a:solidFill>
+                <a:effectLst/>
+                <a:latin typeface="+mn-lt"/>
+                <a:ea typeface="+mn-ea"/>
+                <a:cs typeface="+mn-cs"/>
+              </a:rPr>
+              <a:t>, </a:t>
+            </a:r>
+            <a:r>
+              <a:rPr lang="fr-FR" sz="1200" b="0" kern="1200" dirty="0" err="1" smtClean="0">
+                <a:solidFill>
+                  <a:schemeClr val="tx1"/>
+                </a:solidFill>
+                <a:effectLst/>
+                <a:latin typeface="+mn-lt"/>
+                <a:ea typeface="+mn-ea"/>
+                <a:cs typeface="+mn-cs"/>
+              </a:rPr>
+              <a:t>noErrorModal</a:t>
+            </a:r>
+            <a:r>
+              <a:rPr lang="fr-FR" sz="1200" b="0" kern="1200" dirty="0" smtClean="0">
+                <a:solidFill>
+                  <a:schemeClr val="tx1"/>
+                </a:solidFill>
+                <a:effectLst/>
+                <a:latin typeface="+mn-lt"/>
+                <a:ea typeface="+mn-ea"/>
+                <a:cs typeface="+mn-cs"/>
+              </a:rPr>
+              <a:t>);</a:t>
+            </a:r>
+          </a:p>
+          <a:p>
+            <a:r>
+              <a:rPr lang="fr-FR" sz="1200" b="0" kern="1200" dirty="0" smtClean="0">
+                <a:solidFill>
+                  <a:schemeClr val="tx1"/>
+                </a:solidFill>
+                <a:effectLst/>
+                <a:latin typeface="+mn-lt"/>
+                <a:ea typeface="+mn-ea"/>
+                <a:cs typeface="+mn-cs"/>
+              </a:rPr>
+              <a:t>}</a:t>
+            </a:r>
+          </a:p>
+          <a:p>
+            <a:r>
+              <a:rPr lang="fr-FR" sz="1200" b="0" kern="1200" dirty="0" smtClean="0">
+                <a:solidFill>
+                  <a:schemeClr val="tx1"/>
+                </a:solidFill>
+                <a:effectLst/>
+                <a:latin typeface="+mn-lt"/>
+                <a:ea typeface="+mn-ea"/>
+                <a:cs typeface="+mn-cs"/>
+              </a:rPr>
+              <a:t>})</a:t>
+            </a:r>
+          </a:p>
+          <a:p>
+            <a:r>
+              <a:rPr lang="fr-FR" sz="1200" b="0" kern="1200" dirty="0" smtClean="0">
+                <a:solidFill>
+                  <a:schemeClr val="tx1"/>
+                </a:solidFill>
+                <a:effectLst/>
+                <a:latin typeface="+mn-lt"/>
+                <a:ea typeface="+mn-ea"/>
+                <a:cs typeface="+mn-cs"/>
+              </a:rPr>
+              <a:t>.do(() =&gt; </a:t>
+            </a:r>
+            <a:r>
+              <a:rPr lang="fr-FR" sz="1200" b="0" kern="1200" dirty="0" err="1" smtClean="0">
+                <a:solidFill>
+                  <a:schemeClr val="tx1"/>
+                </a:solidFill>
+                <a:effectLst/>
+                <a:latin typeface="+mn-lt"/>
+                <a:ea typeface="+mn-ea"/>
+                <a:cs typeface="+mn-cs"/>
+              </a:rPr>
+              <a:t>this.loading.pendingRequests</a:t>
+            </a:r>
+            <a:r>
+              <a:rPr lang="fr-FR" sz="1200" b="0" kern="1200" dirty="0" smtClean="0">
+                <a:solidFill>
+                  <a:schemeClr val="tx1"/>
+                </a:solidFill>
+                <a:effectLst/>
+                <a:latin typeface="+mn-lt"/>
+                <a:ea typeface="+mn-ea"/>
+                <a:cs typeface="+mn-cs"/>
+              </a:rPr>
+              <a:t>--);</a:t>
+            </a:r>
+          </a:p>
+          <a:p>
+            <a:r>
+              <a:rPr lang="fr-FR" sz="1200" b="0" kern="1200" dirty="0" smtClean="0">
+                <a:solidFill>
+                  <a:schemeClr val="tx1"/>
+                </a:solidFill>
+                <a:effectLst/>
+                <a:latin typeface="+mn-lt"/>
+                <a:ea typeface="+mn-ea"/>
+                <a:cs typeface="+mn-cs"/>
+              </a:rPr>
+              <a:t>}</a:t>
+            </a:r>
+          </a:p>
+          <a:p>
+            <a:endParaRPr lang="fr-FR" dirty="0"/>
+          </a:p>
+        </p:txBody>
+      </p:sp>
+      <p:sp>
+        <p:nvSpPr>
+          <p:cNvPr id="4" name="Espace réservé du numéro de diapositive 3"/>
+          <p:cNvSpPr>
+            <a:spLocks noGrp="1"/>
+          </p:cNvSpPr>
+          <p:nvPr>
+            <p:ph type="sldNum" sz="quarter" idx="10"/>
+          </p:nvPr>
+        </p:nvSpPr>
+        <p:spPr/>
+        <p:txBody>
+          <a:bodyPr/>
+          <a:lstStyle/>
+          <a:p>
+            <a:fld id="{FD0CA3AA-443A-466C-BF59-FB6574BB11C3}" type="slidenum">
+              <a:rPr lang="fr-FR" smtClean="0"/>
               <a:t>21</a:t>
+            </a:fld>
+            <a:endParaRPr lang="fr-FR"/>
+          </a:p>
+        </p:txBody>
+      </p:sp>
+    </p:spTree>
+    <p:extLst>
+      <p:ext uri="{BB962C8B-B14F-4D97-AF65-F5344CB8AC3E}">
+        <p14:creationId xmlns:p14="http://schemas.microsoft.com/office/powerpoint/2010/main" val="2240073132"/>
+      </p:ext>
+    </p:extLst>
+  </p:cSld>
+  <p:clrMapOvr>
+    <a:masterClrMapping/>
+  </p:clrMapOvr>
+</p:notes>
+</file>
+
+<file path=ppt/notesSlides/notesSlide15.xml><?xml version="1.0" encoding="utf-8"?>
+<p:notes xmlns:a="http://schemas.openxmlformats.org/drawingml/2006/main" xmlns:r="http://schemas.openxmlformats.org/officeDocument/2006/relationships" xmlns:p="http://schemas.openxmlformats.org/presentationml/2006/main">
+  <p:cSld>
+    <p:spTree>
+      <p:nvGrpSpPr>
+        <p:cNvPr id="1" name=""/>
+        <p:cNvGrpSpPr/>
+        <p:nvPr/>
+      </p:nvGrpSpPr>
+      <p:grpSpPr>
+        <a:xfrm>
+          <a:off x="0" y="0"/>
+          <a:ext cx="0" cy="0"/>
+          <a:chOff x="0" y="0"/>
+          <a:chExt cx="0" cy="0"/>
+        </a:xfrm>
+      </p:grpSpPr>
+      <p:sp>
+        <p:nvSpPr>
+          <p:cNvPr id="2" name="Espace réservé de l'image des diapositives 1"/>
+          <p:cNvSpPr>
+            <a:spLocks noGrp="1" noRot="1" noChangeAspect="1"/>
+          </p:cNvSpPr>
+          <p:nvPr>
+            <p:ph type="sldImg"/>
+          </p:nvPr>
+        </p:nvSpPr>
+        <p:spPr/>
+      </p:sp>
+      <p:sp>
+        <p:nvSpPr>
+          <p:cNvPr id="3" name="Espace réservé des commentaires 2"/>
+          <p:cNvSpPr>
+            <a:spLocks noGrp="1"/>
+          </p:cNvSpPr>
+          <p:nvPr>
+            <p:ph type="body" idx="1"/>
+          </p:nvPr>
+        </p:nvSpPr>
+        <p:spPr/>
+        <p:txBody>
+          <a:bodyPr/>
+          <a:lstStyle/>
+          <a:p>
+            <a:endParaRPr lang="fr-FR" dirty="0"/>
+          </a:p>
+        </p:txBody>
+      </p:sp>
+      <p:sp>
+        <p:nvSpPr>
+          <p:cNvPr id="4" name="Espace réservé du numéro de diapositive 3"/>
+          <p:cNvSpPr>
+            <a:spLocks noGrp="1"/>
+          </p:cNvSpPr>
+          <p:nvPr>
+            <p:ph type="sldNum" sz="quarter" idx="10"/>
+          </p:nvPr>
+        </p:nvSpPr>
+        <p:spPr/>
+        <p:txBody>
+          <a:bodyPr/>
+          <a:lstStyle/>
+          <a:p>
+            <a:fld id="{FD0CA3AA-443A-466C-BF59-FB6574BB11C3}" type="slidenum">
+              <a:rPr lang="fr-FR" smtClean="0"/>
+              <a:t>23</a:t>
             </a:fld>
             <a:endParaRPr lang="fr-FR"/>
           </a:p>
@@ -2702,9 +2938,1445 @@
           <a:lstStyle/>
           <a:p>
             <a:r>
-              <a:rPr lang="fr-FR" dirty="0" smtClean="0"/>
-              <a:t>Dans le répertorie initié lors du TP Environnement</a:t>
-            </a:r>
+              <a:rPr lang="fr-FR" sz="1200" b="0" kern="1200" dirty="0" smtClean="0">
+                <a:solidFill>
+                  <a:schemeClr val="tx1"/>
+                </a:solidFill>
+                <a:effectLst/>
+                <a:latin typeface="+mn-lt"/>
+                <a:ea typeface="+mn-ea"/>
+                <a:cs typeface="+mn-cs"/>
+              </a:rPr>
+              <a:t/>
+            </a:r>
+            <a:br>
+              <a:rPr lang="fr-FR" sz="1200" b="0" kern="1200" dirty="0" smtClean="0">
+                <a:solidFill>
+                  <a:schemeClr val="tx1"/>
+                </a:solidFill>
+                <a:effectLst/>
+                <a:latin typeface="+mn-lt"/>
+                <a:ea typeface="+mn-ea"/>
+                <a:cs typeface="+mn-cs"/>
+              </a:rPr>
+            </a:br>
+            <a:r>
+              <a:rPr lang="fr-FR" sz="1200" b="0" kern="1200" dirty="0" smtClean="0">
+                <a:solidFill>
+                  <a:schemeClr val="tx1"/>
+                </a:solidFill>
+                <a:effectLst/>
+                <a:latin typeface="+mn-lt"/>
+                <a:ea typeface="+mn-ea"/>
+                <a:cs typeface="+mn-cs"/>
+              </a:rPr>
+              <a:t>import { Component, </a:t>
+            </a:r>
+            <a:r>
+              <a:rPr lang="fr-FR" sz="1200" b="0" kern="1200" dirty="0" err="1" smtClean="0">
+                <a:solidFill>
+                  <a:schemeClr val="tx1"/>
+                </a:solidFill>
+                <a:effectLst/>
+                <a:latin typeface="+mn-lt"/>
+                <a:ea typeface="+mn-ea"/>
+                <a:cs typeface="+mn-cs"/>
+              </a:rPr>
+              <a:t>OnInit</a:t>
+            </a:r>
+            <a:r>
+              <a:rPr lang="fr-FR" sz="1200" b="0" kern="1200" dirty="0" smtClean="0">
+                <a:solidFill>
+                  <a:schemeClr val="tx1"/>
+                </a:solidFill>
+                <a:effectLst/>
+                <a:latin typeface="+mn-lt"/>
+                <a:ea typeface="+mn-ea"/>
+                <a:cs typeface="+mn-cs"/>
+              </a:rPr>
+              <a:t>, Input, Output, </a:t>
+            </a:r>
+            <a:r>
+              <a:rPr lang="fr-FR" sz="1200" b="0" kern="1200" dirty="0" err="1" smtClean="0">
+                <a:solidFill>
+                  <a:schemeClr val="tx1"/>
+                </a:solidFill>
+                <a:effectLst/>
+                <a:latin typeface="+mn-lt"/>
+                <a:ea typeface="+mn-ea"/>
+                <a:cs typeface="+mn-cs"/>
+              </a:rPr>
+              <a:t>EventEmitter</a:t>
+            </a:r>
+            <a:r>
+              <a:rPr lang="fr-FR" sz="1200" b="0" kern="1200" dirty="0" smtClean="0">
+                <a:solidFill>
+                  <a:schemeClr val="tx1"/>
+                </a:solidFill>
+                <a:effectLst/>
+                <a:latin typeface="+mn-lt"/>
+                <a:ea typeface="+mn-ea"/>
+                <a:cs typeface="+mn-cs"/>
+              </a:rPr>
+              <a:t> } </a:t>
+            </a:r>
+            <a:r>
+              <a:rPr lang="fr-FR" sz="1200" b="0" kern="1200" dirty="0" err="1" smtClean="0">
+                <a:solidFill>
+                  <a:schemeClr val="tx1"/>
+                </a:solidFill>
+                <a:effectLst/>
+                <a:latin typeface="+mn-lt"/>
+                <a:ea typeface="+mn-ea"/>
+                <a:cs typeface="+mn-cs"/>
+              </a:rPr>
+              <a:t>from</a:t>
+            </a:r>
+            <a:r>
+              <a:rPr lang="fr-FR" sz="1200" b="0" kern="1200" dirty="0" smtClean="0">
+                <a:solidFill>
+                  <a:schemeClr val="tx1"/>
+                </a:solidFill>
+                <a:effectLst/>
+                <a:latin typeface="+mn-lt"/>
+                <a:ea typeface="+mn-ea"/>
+                <a:cs typeface="+mn-cs"/>
+              </a:rPr>
+              <a:t> '@</a:t>
+            </a:r>
+            <a:r>
+              <a:rPr lang="fr-FR" sz="1200" b="0" kern="1200" dirty="0" err="1" smtClean="0">
+                <a:solidFill>
+                  <a:schemeClr val="tx1"/>
+                </a:solidFill>
+                <a:effectLst/>
+                <a:latin typeface="+mn-lt"/>
+                <a:ea typeface="+mn-ea"/>
+                <a:cs typeface="+mn-cs"/>
+              </a:rPr>
+              <a:t>angular</a:t>
+            </a:r>
+            <a:r>
+              <a:rPr lang="fr-FR" sz="1200" b="0" kern="1200" dirty="0" smtClean="0">
+                <a:solidFill>
+                  <a:schemeClr val="tx1"/>
+                </a:solidFill>
+                <a:effectLst/>
+                <a:latin typeface="+mn-lt"/>
+                <a:ea typeface="+mn-ea"/>
+                <a:cs typeface="+mn-cs"/>
+              </a:rPr>
+              <a:t>/</a:t>
+            </a:r>
+            <a:r>
+              <a:rPr lang="fr-FR" sz="1200" b="0" kern="1200" dirty="0" err="1" smtClean="0">
+                <a:solidFill>
+                  <a:schemeClr val="tx1"/>
+                </a:solidFill>
+                <a:effectLst/>
+                <a:latin typeface="+mn-lt"/>
+                <a:ea typeface="+mn-ea"/>
+                <a:cs typeface="+mn-cs"/>
+              </a:rPr>
+              <a:t>core</a:t>
+            </a:r>
+            <a:r>
+              <a:rPr lang="fr-FR" sz="1200" b="0" kern="1200" dirty="0" smtClean="0">
+                <a:solidFill>
+                  <a:schemeClr val="tx1"/>
+                </a:solidFill>
+                <a:effectLst/>
+                <a:latin typeface="+mn-lt"/>
+                <a:ea typeface="+mn-ea"/>
+                <a:cs typeface="+mn-cs"/>
+              </a:rPr>
+              <a:t>';</a:t>
+            </a:r>
+          </a:p>
+          <a:p>
+            <a:r>
+              <a:rPr lang="fr-FR" sz="1200" b="0" kern="1200" dirty="0" smtClean="0">
+                <a:solidFill>
+                  <a:schemeClr val="tx1"/>
+                </a:solidFill>
+                <a:effectLst/>
+                <a:latin typeface="+mn-lt"/>
+                <a:ea typeface="+mn-ea"/>
+                <a:cs typeface="+mn-cs"/>
+              </a:rPr>
+              <a:t/>
+            </a:r>
+            <a:br>
+              <a:rPr lang="fr-FR" sz="1200" b="0" kern="1200" dirty="0" smtClean="0">
+                <a:solidFill>
+                  <a:schemeClr val="tx1"/>
+                </a:solidFill>
+                <a:effectLst/>
+                <a:latin typeface="+mn-lt"/>
+                <a:ea typeface="+mn-ea"/>
+                <a:cs typeface="+mn-cs"/>
+              </a:rPr>
+            </a:br>
+            <a:r>
+              <a:rPr lang="fr-FR" sz="1200" b="0" kern="1200" dirty="0" smtClean="0">
+                <a:solidFill>
+                  <a:schemeClr val="tx1"/>
+                </a:solidFill>
+                <a:effectLst/>
+                <a:latin typeface="+mn-lt"/>
+                <a:ea typeface="+mn-ea"/>
+                <a:cs typeface="+mn-cs"/>
+              </a:rPr>
+              <a:t>@Component({</a:t>
+            </a:r>
+          </a:p>
+          <a:p>
+            <a:r>
+              <a:rPr lang="fr-FR" sz="1200" b="0" kern="1200" dirty="0" err="1" smtClean="0">
+                <a:solidFill>
+                  <a:schemeClr val="tx1"/>
+                </a:solidFill>
+                <a:effectLst/>
+                <a:latin typeface="+mn-lt"/>
+                <a:ea typeface="+mn-ea"/>
+                <a:cs typeface="+mn-cs"/>
+              </a:rPr>
+              <a:t>selector</a:t>
+            </a:r>
+            <a:r>
+              <a:rPr lang="fr-FR" sz="1200" b="0" kern="1200" dirty="0" smtClean="0">
+                <a:solidFill>
+                  <a:schemeClr val="tx1"/>
+                </a:solidFill>
+                <a:effectLst/>
+                <a:latin typeface="+mn-lt"/>
+                <a:ea typeface="+mn-ea"/>
+                <a:cs typeface="+mn-cs"/>
+              </a:rPr>
+              <a:t>: '[</a:t>
+            </a:r>
+            <a:r>
+              <a:rPr lang="fr-FR" sz="1200" b="0" kern="1200" dirty="0" err="1" smtClean="0">
+                <a:solidFill>
+                  <a:schemeClr val="tx1"/>
+                </a:solidFill>
+                <a:effectLst/>
+                <a:latin typeface="+mn-lt"/>
+                <a:ea typeface="+mn-ea"/>
+                <a:cs typeface="+mn-cs"/>
+              </a:rPr>
+              <a:t>app</a:t>
+            </a:r>
+            <a:r>
+              <a:rPr lang="fr-FR" sz="1200" b="0" kern="1200" dirty="0" smtClean="0">
+                <a:solidFill>
+                  <a:schemeClr val="tx1"/>
+                </a:solidFill>
+                <a:effectLst/>
+                <a:latin typeface="+mn-lt"/>
+                <a:ea typeface="+mn-ea"/>
+                <a:cs typeface="+mn-cs"/>
+              </a:rPr>
+              <a:t>-logo-star]',</a:t>
+            </a:r>
+          </a:p>
+          <a:p>
+            <a:r>
+              <a:rPr lang="fr-FR" sz="1200" b="0" kern="1200" dirty="0" err="1" smtClean="0">
+                <a:solidFill>
+                  <a:schemeClr val="tx1"/>
+                </a:solidFill>
+                <a:effectLst/>
+                <a:latin typeface="+mn-lt"/>
+                <a:ea typeface="+mn-ea"/>
+                <a:cs typeface="+mn-cs"/>
+              </a:rPr>
+              <a:t>template</a:t>
+            </a:r>
+            <a:r>
+              <a:rPr lang="fr-FR" sz="1200" b="0" kern="1200" dirty="0" smtClean="0">
+                <a:solidFill>
+                  <a:schemeClr val="tx1"/>
+                </a:solidFill>
+                <a:effectLst/>
+                <a:latin typeface="+mn-lt"/>
+                <a:ea typeface="+mn-ea"/>
+                <a:cs typeface="+mn-cs"/>
+              </a:rPr>
+              <a:t>: `</a:t>
+            </a:r>
+          </a:p>
+          <a:p>
+            <a:r>
+              <a:rPr lang="fr-FR" sz="1200" b="0" kern="1200" dirty="0" smtClean="0">
+                <a:solidFill>
+                  <a:schemeClr val="tx1"/>
+                </a:solidFill>
+                <a:effectLst/>
+                <a:latin typeface="+mn-lt"/>
+                <a:ea typeface="+mn-ea"/>
+                <a:cs typeface="+mn-cs"/>
+              </a:rPr>
+              <a:t>&lt;div class="</a:t>
+            </a:r>
+            <a:r>
+              <a:rPr lang="fr-FR" sz="1200" b="0" kern="1200" dirty="0" err="1" smtClean="0">
+                <a:solidFill>
+                  <a:schemeClr val="tx1"/>
+                </a:solidFill>
+                <a:effectLst/>
+                <a:latin typeface="+mn-lt"/>
+                <a:ea typeface="+mn-ea"/>
+                <a:cs typeface="+mn-cs"/>
+              </a:rPr>
+              <a:t>etoile-icon</a:t>
+            </a:r>
+            <a:r>
+              <a:rPr lang="fr-FR" sz="1200" b="0" kern="1200" dirty="0" smtClean="0">
+                <a:solidFill>
+                  <a:schemeClr val="tx1"/>
+                </a:solidFill>
+                <a:effectLst/>
+                <a:latin typeface="+mn-lt"/>
+                <a:ea typeface="+mn-ea"/>
+                <a:cs typeface="+mn-cs"/>
+              </a:rPr>
+              <a:t>"&gt;</a:t>
+            </a:r>
+          </a:p>
+          <a:p>
+            <a:r>
+              <a:rPr lang="fr-FR" sz="1200" b="0" kern="1200" dirty="0" smtClean="0">
+                <a:solidFill>
+                  <a:schemeClr val="tx1"/>
+                </a:solidFill>
+                <a:effectLst/>
+                <a:latin typeface="+mn-lt"/>
+                <a:ea typeface="+mn-ea"/>
+                <a:cs typeface="+mn-cs"/>
+              </a:rPr>
+              <a:t>&lt;div (click)="</a:t>
+            </a:r>
+            <a:r>
+              <a:rPr lang="fr-FR" sz="1200" b="0" kern="1200" dirty="0" err="1" smtClean="0">
+                <a:solidFill>
+                  <a:schemeClr val="tx1"/>
+                </a:solidFill>
+                <a:effectLst/>
+                <a:latin typeface="+mn-lt"/>
+                <a:ea typeface="+mn-ea"/>
+                <a:cs typeface="+mn-cs"/>
+              </a:rPr>
+              <a:t>doAction</a:t>
+            </a:r>
+            <a:r>
+              <a:rPr lang="fr-FR" sz="1200" b="0" kern="1200" dirty="0" smtClean="0">
+                <a:solidFill>
+                  <a:schemeClr val="tx1"/>
+                </a:solidFill>
+                <a:effectLst/>
+                <a:latin typeface="+mn-lt"/>
+                <a:ea typeface="+mn-ea"/>
+                <a:cs typeface="+mn-cs"/>
+              </a:rPr>
+              <a:t>()"</a:t>
+            </a:r>
+          </a:p>
+          <a:p>
+            <a:r>
+              <a:rPr lang="fr-FR" sz="1200" b="0" kern="1200" dirty="0" smtClean="0">
+                <a:solidFill>
+                  <a:schemeClr val="tx1"/>
+                </a:solidFill>
+                <a:effectLst/>
+                <a:latin typeface="+mn-lt"/>
+                <a:ea typeface="+mn-ea"/>
+                <a:cs typeface="+mn-cs"/>
+              </a:rPr>
+              <a:t>[</a:t>
+            </a:r>
+            <a:r>
+              <a:rPr lang="fr-FR" sz="1200" b="0" kern="1200" dirty="0" err="1" smtClean="0">
+                <a:solidFill>
+                  <a:schemeClr val="tx1"/>
+                </a:solidFill>
+                <a:effectLst/>
+                <a:latin typeface="+mn-lt"/>
+                <a:ea typeface="+mn-ea"/>
+                <a:cs typeface="+mn-cs"/>
+              </a:rPr>
+              <a:t>ngClass</a:t>
+            </a:r>
+            <a:r>
+              <a:rPr lang="fr-FR" sz="1200" b="0" kern="1200" dirty="0" smtClean="0">
+                <a:solidFill>
+                  <a:schemeClr val="tx1"/>
+                </a:solidFill>
+                <a:effectLst/>
+                <a:latin typeface="+mn-lt"/>
+                <a:ea typeface="+mn-ea"/>
+                <a:cs typeface="+mn-cs"/>
+              </a:rPr>
+              <a:t>]="'star-</a:t>
+            </a:r>
+            <a:r>
+              <a:rPr lang="fr-FR" sz="1200" b="0" kern="1200" dirty="0" err="1" smtClean="0">
+                <a:solidFill>
+                  <a:schemeClr val="tx1"/>
+                </a:solidFill>
+                <a:effectLst/>
+                <a:latin typeface="+mn-lt"/>
+                <a:ea typeface="+mn-ea"/>
+                <a:cs typeface="+mn-cs"/>
+              </a:rPr>
+              <a:t>selected</a:t>
+            </a:r>
+            <a:r>
+              <a:rPr lang="fr-FR" sz="1200" b="0" kern="1200" dirty="0" smtClean="0">
+                <a:solidFill>
+                  <a:schemeClr val="tx1"/>
+                </a:solidFill>
+                <a:effectLst/>
+                <a:latin typeface="+mn-lt"/>
+                <a:ea typeface="+mn-ea"/>
+                <a:cs typeface="+mn-cs"/>
+              </a:rPr>
+              <a:t>' : !!</a:t>
+            </a:r>
+            <a:r>
+              <a:rPr lang="fr-FR" sz="1200" b="0" kern="1200" dirty="0" err="1" smtClean="0">
+                <a:solidFill>
+                  <a:schemeClr val="tx1"/>
+                </a:solidFill>
+                <a:effectLst/>
+                <a:latin typeface="+mn-lt"/>
+                <a:ea typeface="+mn-ea"/>
+                <a:cs typeface="+mn-cs"/>
+              </a:rPr>
+              <a:t>isReallyFav</a:t>
+            </a:r>
+            <a:r>
+              <a:rPr lang="fr-FR" sz="1200" b="0" kern="1200" dirty="0" smtClean="0">
+                <a:solidFill>
+                  <a:schemeClr val="tx1"/>
+                </a:solidFill>
+                <a:effectLst/>
+                <a:latin typeface="+mn-lt"/>
+                <a:ea typeface="+mn-ea"/>
+                <a:cs typeface="+mn-cs"/>
+              </a:rPr>
+              <a:t>(), 'star-not-</a:t>
+            </a:r>
+            <a:r>
+              <a:rPr lang="fr-FR" sz="1200" b="0" kern="1200" dirty="0" err="1" smtClean="0">
+                <a:solidFill>
+                  <a:schemeClr val="tx1"/>
+                </a:solidFill>
+                <a:effectLst/>
+                <a:latin typeface="+mn-lt"/>
+                <a:ea typeface="+mn-ea"/>
+                <a:cs typeface="+mn-cs"/>
+              </a:rPr>
+              <a:t>selected</a:t>
+            </a:r>
+            <a:r>
+              <a:rPr lang="fr-FR" sz="1200" b="0" kern="1200" dirty="0" smtClean="0">
+                <a:solidFill>
+                  <a:schemeClr val="tx1"/>
+                </a:solidFill>
+                <a:effectLst/>
+                <a:latin typeface="+mn-lt"/>
+                <a:ea typeface="+mn-ea"/>
+                <a:cs typeface="+mn-cs"/>
+              </a:rPr>
+              <a:t>' : !</a:t>
+            </a:r>
+            <a:r>
+              <a:rPr lang="fr-FR" sz="1200" b="0" kern="1200" dirty="0" err="1" smtClean="0">
+                <a:solidFill>
+                  <a:schemeClr val="tx1"/>
+                </a:solidFill>
+                <a:effectLst/>
+                <a:latin typeface="+mn-lt"/>
+                <a:ea typeface="+mn-ea"/>
+                <a:cs typeface="+mn-cs"/>
+              </a:rPr>
+              <a:t>isReallyFav</a:t>
+            </a:r>
+            <a:r>
+              <a:rPr lang="fr-FR" sz="1200" b="0" kern="1200" dirty="0" smtClean="0">
+                <a:solidFill>
+                  <a:schemeClr val="tx1"/>
+                </a:solidFill>
+                <a:effectLst/>
+                <a:latin typeface="+mn-lt"/>
+                <a:ea typeface="+mn-ea"/>
+                <a:cs typeface="+mn-cs"/>
+              </a:rPr>
+              <a:t>()"&gt;</a:t>
+            </a:r>
+          </a:p>
+          <a:p>
+            <a:r>
+              <a:rPr lang="fr-FR" sz="1200" b="0" kern="1200" dirty="0" smtClean="0">
+                <a:solidFill>
+                  <a:schemeClr val="tx1"/>
+                </a:solidFill>
+                <a:effectLst/>
+                <a:latin typeface="+mn-lt"/>
+                <a:ea typeface="+mn-ea"/>
+                <a:cs typeface="+mn-cs"/>
+              </a:rPr>
+              <a:t>&lt;/div&gt;</a:t>
+            </a:r>
+          </a:p>
+          <a:p>
+            <a:r>
+              <a:rPr lang="fr-FR" sz="1200" b="0" kern="1200" dirty="0" smtClean="0">
+                <a:solidFill>
+                  <a:schemeClr val="tx1"/>
+                </a:solidFill>
+                <a:effectLst/>
+                <a:latin typeface="+mn-lt"/>
+                <a:ea typeface="+mn-ea"/>
+                <a:cs typeface="+mn-cs"/>
+              </a:rPr>
+              <a:t>&lt;/div&gt;</a:t>
+            </a:r>
+          </a:p>
+          <a:p>
+            <a:r>
+              <a:rPr lang="fr-FR" sz="1200" b="0" kern="1200" dirty="0" smtClean="0">
+                <a:solidFill>
+                  <a:schemeClr val="tx1"/>
+                </a:solidFill>
+                <a:effectLst/>
+                <a:latin typeface="+mn-lt"/>
+                <a:ea typeface="+mn-ea"/>
+                <a:cs typeface="+mn-cs"/>
+              </a:rPr>
+              <a:t>`,</a:t>
+            </a:r>
+          </a:p>
+          <a:p>
+            <a:r>
+              <a:rPr lang="fr-FR" sz="1200" b="0" kern="1200" dirty="0" err="1" smtClean="0">
+                <a:solidFill>
+                  <a:schemeClr val="tx1"/>
+                </a:solidFill>
+                <a:effectLst/>
+                <a:latin typeface="+mn-lt"/>
+                <a:ea typeface="+mn-ea"/>
+                <a:cs typeface="+mn-cs"/>
+              </a:rPr>
+              <a:t>styleUrls</a:t>
+            </a:r>
+            <a:r>
+              <a:rPr lang="fr-FR" sz="1200" b="0" kern="1200" dirty="0" smtClean="0">
+                <a:solidFill>
+                  <a:schemeClr val="tx1"/>
+                </a:solidFill>
+                <a:effectLst/>
+                <a:latin typeface="+mn-lt"/>
+                <a:ea typeface="+mn-ea"/>
+                <a:cs typeface="+mn-cs"/>
+              </a:rPr>
+              <a:t>: ['./logo-</a:t>
+            </a:r>
+            <a:r>
+              <a:rPr lang="fr-FR" sz="1200" b="0" kern="1200" dirty="0" err="1" smtClean="0">
+                <a:solidFill>
+                  <a:schemeClr val="tx1"/>
+                </a:solidFill>
+                <a:effectLst/>
+                <a:latin typeface="+mn-lt"/>
+                <a:ea typeface="+mn-ea"/>
+                <a:cs typeface="+mn-cs"/>
+              </a:rPr>
+              <a:t>star.component.scss</a:t>
+            </a:r>
+            <a:r>
+              <a:rPr lang="fr-FR" sz="1200" b="0" kern="1200" dirty="0" smtClean="0">
+                <a:solidFill>
+                  <a:schemeClr val="tx1"/>
+                </a:solidFill>
+                <a:effectLst/>
+                <a:latin typeface="+mn-lt"/>
+                <a:ea typeface="+mn-ea"/>
+                <a:cs typeface="+mn-cs"/>
+              </a:rPr>
+              <a:t>']</a:t>
+            </a:r>
+          </a:p>
+          <a:p>
+            <a:r>
+              <a:rPr lang="fr-FR" sz="1200" b="0" kern="1200" dirty="0" smtClean="0">
+                <a:solidFill>
+                  <a:schemeClr val="tx1"/>
+                </a:solidFill>
+                <a:effectLst/>
+                <a:latin typeface="+mn-lt"/>
+                <a:ea typeface="+mn-ea"/>
+                <a:cs typeface="+mn-cs"/>
+              </a:rPr>
+              <a:t>})</a:t>
+            </a:r>
+          </a:p>
+          <a:p>
+            <a:r>
+              <a:rPr lang="fr-FR" sz="1200" b="0" kern="1200" dirty="0" smtClean="0">
+                <a:solidFill>
+                  <a:schemeClr val="tx1"/>
+                </a:solidFill>
+                <a:effectLst/>
+                <a:latin typeface="+mn-lt"/>
+                <a:ea typeface="+mn-ea"/>
+                <a:cs typeface="+mn-cs"/>
+              </a:rPr>
+              <a:t>export class </a:t>
+            </a:r>
+            <a:r>
+              <a:rPr lang="fr-FR" sz="1200" b="0" kern="1200" dirty="0" err="1" smtClean="0">
+                <a:solidFill>
+                  <a:schemeClr val="tx1"/>
+                </a:solidFill>
+                <a:effectLst/>
+                <a:latin typeface="+mn-lt"/>
+                <a:ea typeface="+mn-ea"/>
+                <a:cs typeface="+mn-cs"/>
+              </a:rPr>
+              <a:t>LogoStarComponent</a:t>
+            </a:r>
+            <a:r>
+              <a:rPr lang="fr-FR" sz="1200" b="0" kern="1200" dirty="0" smtClean="0">
+                <a:solidFill>
+                  <a:schemeClr val="tx1"/>
+                </a:solidFill>
+                <a:effectLst/>
+                <a:latin typeface="+mn-lt"/>
+                <a:ea typeface="+mn-ea"/>
+                <a:cs typeface="+mn-cs"/>
+              </a:rPr>
+              <a:t> {</a:t>
+            </a:r>
+          </a:p>
+          <a:p>
+            <a:r>
+              <a:rPr lang="fr-FR" sz="1200" b="0" kern="1200" dirty="0" smtClean="0">
+                <a:solidFill>
+                  <a:schemeClr val="tx1"/>
+                </a:solidFill>
+                <a:effectLst/>
+                <a:latin typeface="+mn-lt"/>
+                <a:ea typeface="+mn-ea"/>
+                <a:cs typeface="+mn-cs"/>
+              </a:rPr>
+              <a:t>@Input() </a:t>
+            </a:r>
+            <a:r>
+              <a:rPr lang="fr-FR" sz="1200" b="0" kern="1200" dirty="0" err="1" smtClean="0">
+                <a:solidFill>
+                  <a:schemeClr val="tx1"/>
+                </a:solidFill>
+                <a:effectLst/>
+                <a:latin typeface="+mn-lt"/>
+                <a:ea typeface="+mn-ea"/>
+                <a:cs typeface="+mn-cs"/>
+              </a:rPr>
+              <a:t>appName</a:t>
+            </a:r>
+            <a:r>
+              <a:rPr lang="fr-FR" sz="1200" b="0" kern="1200" dirty="0" smtClean="0">
+                <a:solidFill>
+                  <a:schemeClr val="tx1"/>
+                </a:solidFill>
+                <a:effectLst/>
+                <a:latin typeface="+mn-lt"/>
+                <a:ea typeface="+mn-ea"/>
+                <a:cs typeface="+mn-cs"/>
+              </a:rPr>
+              <a:t>: string;</a:t>
+            </a:r>
+          </a:p>
+          <a:p>
+            <a:r>
+              <a:rPr lang="fr-FR" sz="1200" b="0" kern="1200" dirty="0" smtClean="0">
+                <a:solidFill>
+                  <a:schemeClr val="tx1"/>
+                </a:solidFill>
+                <a:effectLst/>
+                <a:latin typeface="+mn-lt"/>
+                <a:ea typeface="+mn-ea"/>
+                <a:cs typeface="+mn-cs"/>
+              </a:rPr>
+              <a:t>@Output() action: </a:t>
+            </a:r>
+            <a:r>
+              <a:rPr lang="fr-FR" sz="1200" b="0" kern="1200" dirty="0" err="1" smtClean="0">
+                <a:solidFill>
+                  <a:schemeClr val="tx1"/>
+                </a:solidFill>
+                <a:effectLst/>
+                <a:latin typeface="+mn-lt"/>
+                <a:ea typeface="+mn-ea"/>
+                <a:cs typeface="+mn-cs"/>
+              </a:rPr>
+              <a:t>EventEmitter</a:t>
+            </a:r>
+            <a:r>
+              <a:rPr lang="fr-FR" sz="1200" b="0" kern="1200" dirty="0" smtClean="0">
+                <a:solidFill>
+                  <a:schemeClr val="tx1"/>
+                </a:solidFill>
+                <a:effectLst/>
+                <a:latin typeface="+mn-lt"/>
+                <a:ea typeface="+mn-ea"/>
+                <a:cs typeface="+mn-cs"/>
+              </a:rPr>
+              <a:t>&lt;() =&gt; </a:t>
+            </a:r>
+            <a:r>
+              <a:rPr lang="fr-FR" sz="1200" b="0" kern="1200" dirty="0" err="1" smtClean="0">
+                <a:solidFill>
+                  <a:schemeClr val="tx1"/>
+                </a:solidFill>
+                <a:effectLst/>
+                <a:latin typeface="+mn-lt"/>
+                <a:ea typeface="+mn-ea"/>
+                <a:cs typeface="+mn-cs"/>
+              </a:rPr>
+              <a:t>void</a:t>
+            </a:r>
+            <a:r>
+              <a:rPr lang="fr-FR" sz="1200" b="0" kern="1200" dirty="0" smtClean="0">
+                <a:solidFill>
+                  <a:schemeClr val="tx1"/>
+                </a:solidFill>
+                <a:effectLst/>
+                <a:latin typeface="+mn-lt"/>
+                <a:ea typeface="+mn-ea"/>
+                <a:cs typeface="+mn-cs"/>
+              </a:rPr>
+              <a:t>&gt; = new </a:t>
+            </a:r>
+            <a:r>
+              <a:rPr lang="fr-FR" sz="1200" b="0" kern="1200" dirty="0" err="1" smtClean="0">
+                <a:solidFill>
+                  <a:schemeClr val="tx1"/>
+                </a:solidFill>
+                <a:effectLst/>
+                <a:latin typeface="+mn-lt"/>
+                <a:ea typeface="+mn-ea"/>
+                <a:cs typeface="+mn-cs"/>
+              </a:rPr>
+              <a:t>EventEmitter</a:t>
+            </a:r>
+            <a:r>
+              <a:rPr lang="fr-FR" sz="1200" b="0" kern="1200" dirty="0" smtClean="0">
+                <a:solidFill>
+                  <a:schemeClr val="tx1"/>
+                </a:solidFill>
+                <a:effectLst/>
+                <a:latin typeface="+mn-lt"/>
+                <a:ea typeface="+mn-ea"/>
+                <a:cs typeface="+mn-cs"/>
+              </a:rPr>
+              <a:t>();</a:t>
+            </a:r>
+          </a:p>
+          <a:p>
+            <a:r>
+              <a:rPr lang="fr-FR" sz="1200" b="0" kern="1200" dirty="0" smtClean="0">
+                <a:solidFill>
+                  <a:schemeClr val="tx1"/>
+                </a:solidFill>
+                <a:effectLst/>
+                <a:latin typeface="+mn-lt"/>
+                <a:ea typeface="+mn-ea"/>
+                <a:cs typeface="+mn-cs"/>
+              </a:rPr>
+              <a:t/>
+            </a:r>
+            <a:br>
+              <a:rPr lang="fr-FR" sz="1200" b="0" kern="1200" dirty="0" smtClean="0">
+                <a:solidFill>
+                  <a:schemeClr val="tx1"/>
+                </a:solidFill>
+                <a:effectLst/>
+                <a:latin typeface="+mn-lt"/>
+                <a:ea typeface="+mn-ea"/>
+                <a:cs typeface="+mn-cs"/>
+              </a:rPr>
+            </a:br>
+            <a:r>
+              <a:rPr lang="fr-FR" sz="1200" b="0" kern="1200" dirty="0" err="1" smtClean="0">
+                <a:solidFill>
+                  <a:schemeClr val="tx1"/>
+                </a:solidFill>
+                <a:effectLst/>
+                <a:latin typeface="+mn-lt"/>
+                <a:ea typeface="+mn-ea"/>
+                <a:cs typeface="+mn-cs"/>
+              </a:rPr>
+              <a:t>constructor</a:t>
+            </a:r>
+            <a:r>
+              <a:rPr lang="fr-FR" sz="1200" b="0" kern="1200" dirty="0" smtClean="0">
+                <a:solidFill>
+                  <a:schemeClr val="tx1"/>
+                </a:solidFill>
+                <a:effectLst/>
+                <a:latin typeface="+mn-lt"/>
+                <a:ea typeface="+mn-ea"/>
+                <a:cs typeface="+mn-cs"/>
+              </a:rPr>
+              <a:t>(</a:t>
+            </a:r>
+            <a:r>
+              <a:rPr lang="fr-FR" sz="1200" b="0" kern="1200" dirty="0" err="1" smtClean="0">
+                <a:solidFill>
+                  <a:schemeClr val="tx1"/>
+                </a:solidFill>
+                <a:effectLst/>
+                <a:latin typeface="+mn-lt"/>
+                <a:ea typeface="+mn-ea"/>
+                <a:cs typeface="+mn-cs"/>
+              </a:rPr>
+              <a:t>private</a:t>
+            </a:r>
+            <a:r>
+              <a:rPr lang="fr-FR" sz="1200" b="0" kern="1200" dirty="0" smtClean="0">
+                <a:solidFill>
+                  <a:schemeClr val="tx1"/>
+                </a:solidFill>
+                <a:effectLst/>
+                <a:latin typeface="+mn-lt"/>
+                <a:ea typeface="+mn-ea"/>
+                <a:cs typeface="+mn-cs"/>
+              </a:rPr>
+              <a:t> </a:t>
+            </a:r>
+            <a:r>
+              <a:rPr lang="fr-FR" sz="1200" b="0" kern="1200" dirty="0" err="1" smtClean="0">
+                <a:solidFill>
+                  <a:schemeClr val="tx1"/>
+                </a:solidFill>
+                <a:effectLst/>
+                <a:latin typeface="+mn-lt"/>
+                <a:ea typeface="+mn-ea"/>
+                <a:cs typeface="+mn-cs"/>
+              </a:rPr>
+              <a:t>favorisStorageService</a:t>
+            </a:r>
+            <a:r>
+              <a:rPr lang="fr-FR" sz="1200" b="0" kern="1200" dirty="0" smtClean="0">
+                <a:solidFill>
+                  <a:schemeClr val="tx1"/>
+                </a:solidFill>
+                <a:effectLst/>
+                <a:latin typeface="+mn-lt"/>
+                <a:ea typeface="+mn-ea"/>
+                <a:cs typeface="+mn-cs"/>
+              </a:rPr>
+              <a:t>: </a:t>
+            </a:r>
+            <a:r>
+              <a:rPr lang="fr-FR" sz="1200" b="0" kern="1200" dirty="0" err="1" smtClean="0">
+                <a:solidFill>
+                  <a:schemeClr val="tx1"/>
+                </a:solidFill>
+                <a:effectLst/>
+                <a:latin typeface="+mn-lt"/>
+                <a:ea typeface="+mn-ea"/>
+                <a:cs typeface="+mn-cs"/>
+              </a:rPr>
+              <a:t>FavorisStorageService</a:t>
+            </a:r>
+            <a:r>
+              <a:rPr lang="fr-FR" sz="1200" b="0" kern="1200" dirty="0" smtClean="0">
+                <a:solidFill>
+                  <a:schemeClr val="tx1"/>
+                </a:solidFill>
+                <a:effectLst/>
+                <a:latin typeface="+mn-lt"/>
+                <a:ea typeface="+mn-ea"/>
+                <a:cs typeface="+mn-cs"/>
+              </a:rPr>
+              <a:t>) { }</a:t>
+            </a:r>
+          </a:p>
+          <a:p>
+            <a:r>
+              <a:rPr lang="fr-FR" sz="1200" b="0" kern="1200" dirty="0" smtClean="0">
+                <a:solidFill>
+                  <a:schemeClr val="tx1"/>
+                </a:solidFill>
+                <a:effectLst/>
+                <a:latin typeface="+mn-lt"/>
+                <a:ea typeface="+mn-ea"/>
+                <a:cs typeface="+mn-cs"/>
+              </a:rPr>
+              <a:t/>
+            </a:r>
+            <a:br>
+              <a:rPr lang="fr-FR" sz="1200" b="0" kern="1200" dirty="0" smtClean="0">
+                <a:solidFill>
+                  <a:schemeClr val="tx1"/>
+                </a:solidFill>
+                <a:effectLst/>
+                <a:latin typeface="+mn-lt"/>
+                <a:ea typeface="+mn-ea"/>
+                <a:cs typeface="+mn-cs"/>
+              </a:rPr>
+            </a:br>
+            <a:r>
+              <a:rPr lang="fr-FR" sz="1200" b="0" kern="1200" dirty="0" err="1" smtClean="0">
+                <a:solidFill>
+                  <a:schemeClr val="tx1"/>
+                </a:solidFill>
+                <a:effectLst/>
+                <a:latin typeface="+mn-lt"/>
+                <a:ea typeface="+mn-ea"/>
+                <a:cs typeface="+mn-cs"/>
+              </a:rPr>
+              <a:t>get</a:t>
+            </a:r>
+            <a:r>
+              <a:rPr lang="fr-FR" sz="1200" b="0" kern="1200" dirty="0" smtClean="0">
+                <a:solidFill>
+                  <a:schemeClr val="tx1"/>
+                </a:solidFill>
+                <a:effectLst/>
+                <a:latin typeface="+mn-lt"/>
+                <a:ea typeface="+mn-ea"/>
+                <a:cs typeface="+mn-cs"/>
+              </a:rPr>
+              <a:t> </a:t>
+            </a:r>
+            <a:r>
+              <a:rPr lang="fr-FR" sz="1200" b="0" kern="1200" dirty="0" err="1" smtClean="0">
+                <a:solidFill>
+                  <a:schemeClr val="tx1"/>
+                </a:solidFill>
+                <a:effectLst/>
+                <a:latin typeface="+mn-lt"/>
+                <a:ea typeface="+mn-ea"/>
+                <a:cs typeface="+mn-cs"/>
+              </a:rPr>
+              <a:t>isReallyFav</a:t>
+            </a:r>
+            <a:r>
+              <a:rPr lang="fr-FR" sz="1200" b="0" kern="1200" dirty="0" smtClean="0">
+                <a:solidFill>
+                  <a:schemeClr val="tx1"/>
+                </a:solidFill>
+                <a:effectLst/>
+                <a:latin typeface="+mn-lt"/>
+                <a:ea typeface="+mn-ea"/>
+                <a:cs typeface="+mn-cs"/>
+              </a:rPr>
+              <a:t>() {</a:t>
+            </a:r>
+          </a:p>
+          <a:p>
+            <a:r>
+              <a:rPr lang="fr-FR" sz="1200" b="0" kern="1200" dirty="0" smtClean="0">
+                <a:solidFill>
+                  <a:schemeClr val="tx1"/>
+                </a:solidFill>
+                <a:effectLst/>
+                <a:latin typeface="+mn-lt"/>
+                <a:ea typeface="+mn-ea"/>
+                <a:cs typeface="+mn-cs"/>
+              </a:rPr>
+              <a:t>return </a:t>
+            </a:r>
+            <a:r>
+              <a:rPr lang="fr-FR" sz="1200" b="0" kern="1200" dirty="0" err="1" smtClean="0">
+                <a:solidFill>
+                  <a:schemeClr val="tx1"/>
+                </a:solidFill>
+                <a:effectLst/>
+                <a:latin typeface="+mn-lt"/>
+                <a:ea typeface="+mn-ea"/>
+                <a:cs typeface="+mn-cs"/>
+              </a:rPr>
+              <a:t>this.favorisStorageService.isFav</a:t>
+            </a:r>
+            <a:r>
+              <a:rPr lang="fr-FR" sz="1200" b="0" kern="1200" dirty="0" smtClean="0">
+                <a:solidFill>
+                  <a:schemeClr val="tx1"/>
+                </a:solidFill>
+                <a:effectLst/>
+                <a:latin typeface="+mn-lt"/>
+                <a:ea typeface="+mn-ea"/>
+                <a:cs typeface="+mn-cs"/>
+              </a:rPr>
+              <a:t>(</a:t>
+            </a:r>
+            <a:r>
+              <a:rPr lang="fr-FR" sz="1200" b="0" kern="1200" dirty="0" err="1" smtClean="0">
+                <a:solidFill>
+                  <a:schemeClr val="tx1"/>
+                </a:solidFill>
+                <a:effectLst/>
+                <a:latin typeface="+mn-lt"/>
+                <a:ea typeface="+mn-ea"/>
+                <a:cs typeface="+mn-cs"/>
+              </a:rPr>
+              <a:t>this.appName</a:t>
+            </a:r>
+            <a:r>
+              <a:rPr lang="fr-FR" sz="1200" b="0" kern="1200" dirty="0" smtClean="0">
+                <a:solidFill>
+                  <a:schemeClr val="tx1"/>
+                </a:solidFill>
+                <a:effectLst/>
+                <a:latin typeface="+mn-lt"/>
+                <a:ea typeface="+mn-ea"/>
+                <a:cs typeface="+mn-cs"/>
+              </a:rPr>
+              <a:t>);</a:t>
+            </a:r>
+          </a:p>
+          <a:p>
+            <a:r>
+              <a:rPr lang="fr-FR" sz="1200" b="0" kern="1200" dirty="0" smtClean="0">
+                <a:solidFill>
+                  <a:schemeClr val="tx1"/>
+                </a:solidFill>
+                <a:effectLst/>
+                <a:latin typeface="+mn-lt"/>
+                <a:ea typeface="+mn-ea"/>
+                <a:cs typeface="+mn-cs"/>
+              </a:rPr>
+              <a:t>}</a:t>
+            </a:r>
+          </a:p>
+          <a:p>
+            <a:r>
+              <a:rPr lang="fr-FR" sz="1200" b="0" kern="1200" dirty="0" smtClean="0">
+                <a:solidFill>
+                  <a:schemeClr val="tx1"/>
+                </a:solidFill>
+                <a:effectLst/>
+                <a:latin typeface="+mn-lt"/>
+                <a:ea typeface="+mn-ea"/>
+                <a:cs typeface="+mn-cs"/>
+              </a:rPr>
+              <a:t/>
+            </a:r>
+            <a:br>
+              <a:rPr lang="fr-FR" sz="1200" b="0" kern="1200" dirty="0" smtClean="0">
+                <a:solidFill>
+                  <a:schemeClr val="tx1"/>
+                </a:solidFill>
+                <a:effectLst/>
+                <a:latin typeface="+mn-lt"/>
+                <a:ea typeface="+mn-ea"/>
+                <a:cs typeface="+mn-cs"/>
+              </a:rPr>
+            </a:br>
+            <a:r>
+              <a:rPr lang="fr-FR" sz="1200" b="0" kern="1200" dirty="0" err="1" smtClean="0">
+                <a:solidFill>
+                  <a:schemeClr val="tx1"/>
+                </a:solidFill>
+                <a:effectLst/>
+                <a:latin typeface="+mn-lt"/>
+                <a:ea typeface="+mn-ea"/>
+                <a:cs typeface="+mn-cs"/>
+              </a:rPr>
+              <a:t>doAction</a:t>
+            </a:r>
+            <a:r>
+              <a:rPr lang="fr-FR" sz="1200" b="0" kern="1200" dirty="0" smtClean="0">
+                <a:solidFill>
+                  <a:schemeClr val="tx1"/>
+                </a:solidFill>
+                <a:effectLst/>
+                <a:latin typeface="+mn-lt"/>
+                <a:ea typeface="+mn-ea"/>
+                <a:cs typeface="+mn-cs"/>
+              </a:rPr>
+              <a:t>() {</a:t>
+            </a:r>
+          </a:p>
+          <a:p>
+            <a:r>
+              <a:rPr lang="fr-FR" sz="1200" b="0" kern="1200" dirty="0" err="1" smtClean="0">
+                <a:solidFill>
+                  <a:schemeClr val="tx1"/>
+                </a:solidFill>
+                <a:effectLst/>
+                <a:latin typeface="+mn-lt"/>
+                <a:ea typeface="+mn-ea"/>
+                <a:cs typeface="+mn-cs"/>
+              </a:rPr>
+              <a:t>this.action.emit</a:t>
+            </a:r>
+            <a:r>
+              <a:rPr lang="fr-FR" sz="1200" b="0" kern="1200" dirty="0" smtClean="0">
+                <a:solidFill>
+                  <a:schemeClr val="tx1"/>
+                </a:solidFill>
+                <a:effectLst/>
+                <a:latin typeface="+mn-lt"/>
+                <a:ea typeface="+mn-ea"/>
+                <a:cs typeface="+mn-cs"/>
+              </a:rPr>
+              <a:t>(() =&gt; </a:t>
+            </a:r>
+            <a:r>
+              <a:rPr lang="fr-FR" sz="1200" b="0" kern="1200" dirty="0" err="1" smtClean="0">
+                <a:solidFill>
+                  <a:schemeClr val="tx1"/>
+                </a:solidFill>
+                <a:effectLst/>
+                <a:latin typeface="+mn-lt"/>
+                <a:ea typeface="+mn-ea"/>
+                <a:cs typeface="+mn-cs"/>
+              </a:rPr>
+              <a:t>this.favorisStorageService.majTableau</a:t>
+            </a:r>
+            <a:r>
+              <a:rPr lang="fr-FR" sz="1200" b="0" kern="1200" dirty="0" smtClean="0">
+                <a:solidFill>
+                  <a:schemeClr val="tx1"/>
+                </a:solidFill>
+                <a:effectLst/>
+                <a:latin typeface="+mn-lt"/>
+                <a:ea typeface="+mn-ea"/>
+                <a:cs typeface="+mn-cs"/>
+              </a:rPr>
+              <a:t>(</a:t>
+            </a:r>
+            <a:r>
+              <a:rPr lang="fr-FR" sz="1200" b="0" kern="1200" dirty="0" err="1" smtClean="0">
+                <a:solidFill>
+                  <a:schemeClr val="tx1"/>
+                </a:solidFill>
+                <a:effectLst/>
+                <a:latin typeface="+mn-lt"/>
+                <a:ea typeface="+mn-ea"/>
+                <a:cs typeface="+mn-cs"/>
+              </a:rPr>
+              <a:t>this.appName</a:t>
+            </a:r>
+            <a:r>
+              <a:rPr lang="fr-FR" sz="1200" b="0" kern="1200" dirty="0" smtClean="0">
+                <a:solidFill>
+                  <a:schemeClr val="tx1"/>
+                </a:solidFill>
+                <a:effectLst/>
+                <a:latin typeface="+mn-lt"/>
+                <a:ea typeface="+mn-ea"/>
+                <a:cs typeface="+mn-cs"/>
+              </a:rPr>
+              <a:t>));</a:t>
+            </a:r>
+          </a:p>
+          <a:p>
+            <a:r>
+              <a:rPr lang="fr-FR" sz="1200" b="0" kern="1200" dirty="0" smtClean="0">
+                <a:solidFill>
+                  <a:schemeClr val="tx1"/>
+                </a:solidFill>
+                <a:effectLst/>
+                <a:latin typeface="+mn-lt"/>
+                <a:ea typeface="+mn-ea"/>
+                <a:cs typeface="+mn-cs"/>
+              </a:rPr>
+              <a:t>}</a:t>
+            </a:r>
+          </a:p>
+          <a:p>
+            <a:r>
+              <a:rPr lang="fr-FR" sz="1200" b="0" kern="1200" dirty="0" smtClean="0">
+                <a:solidFill>
+                  <a:schemeClr val="tx1"/>
+                </a:solidFill>
+                <a:effectLst/>
+                <a:latin typeface="+mn-lt"/>
+                <a:ea typeface="+mn-ea"/>
+                <a:cs typeface="+mn-cs"/>
+              </a:rPr>
+              <a:t>}</a:t>
+            </a:r>
+          </a:p>
+          <a:p>
+            <a:r>
+              <a:rPr lang="fr-FR" sz="1200" b="0" kern="1200" dirty="0" smtClean="0">
+                <a:solidFill>
+                  <a:schemeClr val="tx1"/>
+                </a:solidFill>
+                <a:effectLst/>
+                <a:latin typeface="+mn-lt"/>
+                <a:ea typeface="+mn-ea"/>
+                <a:cs typeface="+mn-cs"/>
+              </a:rPr>
+              <a:t/>
+            </a:r>
+            <a:br>
+              <a:rPr lang="fr-FR" sz="1200" b="0" kern="1200" dirty="0" smtClean="0">
+                <a:solidFill>
+                  <a:schemeClr val="tx1"/>
+                </a:solidFill>
+                <a:effectLst/>
+                <a:latin typeface="+mn-lt"/>
+                <a:ea typeface="+mn-ea"/>
+                <a:cs typeface="+mn-cs"/>
+              </a:rPr>
+            </a:br>
+            <a:r>
+              <a:rPr lang="fr-FR" sz="1200" b="0" kern="1200" dirty="0" smtClean="0">
+                <a:solidFill>
+                  <a:schemeClr val="tx1"/>
+                </a:solidFill>
+                <a:effectLst/>
+                <a:latin typeface="+mn-lt"/>
+                <a:ea typeface="+mn-ea"/>
+                <a:cs typeface="+mn-cs"/>
+              </a:rPr>
+              <a:t>export class </a:t>
+            </a:r>
+            <a:r>
+              <a:rPr lang="fr-FR" sz="1200" b="0" kern="1200" dirty="0" err="1" smtClean="0">
+                <a:solidFill>
+                  <a:schemeClr val="tx1"/>
+                </a:solidFill>
+                <a:effectLst/>
+                <a:latin typeface="+mn-lt"/>
+                <a:ea typeface="+mn-ea"/>
+                <a:cs typeface="+mn-cs"/>
+              </a:rPr>
+              <a:t>FavorisStorageService</a:t>
+            </a:r>
+            <a:r>
+              <a:rPr lang="fr-FR" sz="1200" b="0" kern="1200" dirty="0" smtClean="0">
+                <a:solidFill>
+                  <a:schemeClr val="tx1"/>
+                </a:solidFill>
+                <a:effectLst/>
+                <a:latin typeface="+mn-lt"/>
+                <a:ea typeface="+mn-ea"/>
+                <a:cs typeface="+mn-cs"/>
+              </a:rPr>
+              <a:t> {</a:t>
+            </a:r>
+          </a:p>
+          <a:p>
+            <a:r>
+              <a:rPr lang="fr-FR" sz="1200" b="0" kern="1200" dirty="0" err="1" smtClean="0">
+                <a:solidFill>
+                  <a:schemeClr val="tx1"/>
+                </a:solidFill>
+                <a:effectLst/>
+                <a:latin typeface="+mn-lt"/>
+                <a:ea typeface="+mn-ea"/>
+                <a:cs typeface="+mn-cs"/>
+              </a:rPr>
+              <a:t>isFav</a:t>
+            </a:r>
+            <a:r>
+              <a:rPr lang="fr-FR" sz="1200" b="0" kern="1200" dirty="0" smtClean="0">
+                <a:solidFill>
+                  <a:schemeClr val="tx1"/>
+                </a:solidFill>
+                <a:effectLst/>
+                <a:latin typeface="+mn-lt"/>
+                <a:ea typeface="+mn-ea"/>
+                <a:cs typeface="+mn-cs"/>
+              </a:rPr>
+              <a:t>(</a:t>
+            </a:r>
+            <a:r>
+              <a:rPr lang="fr-FR" sz="1200" b="0" kern="1200" dirty="0" err="1" smtClean="0">
+                <a:solidFill>
+                  <a:schemeClr val="tx1"/>
+                </a:solidFill>
+                <a:effectLst/>
+                <a:latin typeface="+mn-lt"/>
+                <a:ea typeface="+mn-ea"/>
+                <a:cs typeface="+mn-cs"/>
+              </a:rPr>
+              <a:t>appname</a:t>
+            </a:r>
+            <a:r>
+              <a:rPr lang="fr-FR" sz="1200" b="0" kern="1200" dirty="0" smtClean="0">
+                <a:solidFill>
+                  <a:schemeClr val="tx1"/>
+                </a:solidFill>
+                <a:effectLst/>
+                <a:latin typeface="+mn-lt"/>
+                <a:ea typeface="+mn-ea"/>
+                <a:cs typeface="+mn-cs"/>
+              </a:rPr>
+              <a:t>: </a:t>
+            </a:r>
+            <a:r>
+              <a:rPr lang="fr-FR" sz="1200" b="0" kern="1200" dirty="0" err="1" smtClean="0">
+                <a:solidFill>
+                  <a:schemeClr val="tx1"/>
+                </a:solidFill>
+                <a:effectLst/>
+                <a:latin typeface="+mn-lt"/>
+                <a:ea typeface="+mn-ea"/>
+                <a:cs typeface="+mn-cs"/>
+              </a:rPr>
+              <a:t>any</a:t>
+            </a:r>
+            <a:r>
+              <a:rPr lang="fr-FR" sz="1200" b="0" kern="1200" dirty="0" smtClean="0">
+                <a:solidFill>
+                  <a:schemeClr val="tx1"/>
+                </a:solidFill>
+                <a:effectLst/>
+                <a:latin typeface="+mn-lt"/>
+                <a:ea typeface="+mn-ea"/>
+                <a:cs typeface="+mn-cs"/>
+              </a:rPr>
+              <a:t>) {return </a:t>
+            </a:r>
+            <a:r>
+              <a:rPr lang="fr-FR" sz="1200" b="0" kern="1200" dirty="0" err="1" smtClean="0">
+                <a:solidFill>
+                  <a:schemeClr val="tx1"/>
+                </a:solidFill>
+                <a:effectLst/>
+                <a:latin typeface="+mn-lt"/>
+                <a:ea typeface="+mn-ea"/>
+                <a:cs typeface="+mn-cs"/>
+              </a:rPr>
+              <a:t>null</a:t>
+            </a:r>
+            <a:r>
+              <a:rPr lang="fr-FR" sz="1200" b="0" kern="1200" dirty="0" smtClean="0">
+                <a:solidFill>
+                  <a:schemeClr val="tx1"/>
+                </a:solidFill>
+                <a:effectLst/>
+                <a:latin typeface="+mn-lt"/>
+                <a:ea typeface="+mn-ea"/>
+                <a:cs typeface="+mn-cs"/>
+              </a:rPr>
+              <a:t>;}</a:t>
+            </a:r>
+          </a:p>
+          <a:p>
+            <a:r>
+              <a:rPr lang="fr-FR" sz="1200" b="0" kern="1200" dirty="0" err="1" smtClean="0">
+                <a:solidFill>
+                  <a:schemeClr val="tx1"/>
+                </a:solidFill>
+                <a:effectLst/>
+                <a:latin typeface="+mn-lt"/>
+                <a:ea typeface="+mn-ea"/>
+                <a:cs typeface="+mn-cs"/>
+              </a:rPr>
+              <a:t>majTableau</a:t>
+            </a:r>
+            <a:r>
+              <a:rPr lang="fr-FR" sz="1200" b="0" kern="1200" dirty="0" smtClean="0">
+                <a:solidFill>
+                  <a:schemeClr val="tx1"/>
+                </a:solidFill>
+                <a:effectLst/>
+                <a:latin typeface="+mn-lt"/>
+                <a:ea typeface="+mn-ea"/>
+                <a:cs typeface="+mn-cs"/>
+              </a:rPr>
+              <a:t>(</a:t>
+            </a:r>
+            <a:r>
+              <a:rPr lang="fr-FR" sz="1200" b="0" kern="1200" dirty="0" err="1" smtClean="0">
+                <a:solidFill>
+                  <a:schemeClr val="tx1"/>
+                </a:solidFill>
+                <a:effectLst/>
+                <a:latin typeface="+mn-lt"/>
+                <a:ea typeface="+mn-ea"/>
+                <a:cs typeface="+mn-cs"/>
+              </a:rPr>
+              <a:t>appname</a:t>
+            </a:r>
+            <a:r>
+              <a:rPr lang="fr-FR" sz="1200" b="0" kern="1200" dirty="0" smtClean="0">
+                <a:solidFill>
+                  <a:schemeClr val="tx1"/>
+                </a:solidFill>
+                <a:effectLst/>
+                <a:latin typeface="+mn-lt"/>
+                <a:ea typeface="+mn-ea"/>
+                <a:cs typeface="+mn-cs"/>
+              </a:rPr>
+              <a:t>: </a:t>
+            </a:r>
+            <a:r>
+              <a:rPr lang="fr-FR" sz="1200" b="0" kern="1200" dirty="0" err="1" smtClean="0">
+                <a:solidFill>
+                  <a:schemeClr val="tx1"/>
+                </a:solidFill>
+                <a:effectLst/>
+                <a:latin typeface="+mn-lt"/>
+                <a:ea typeface="+mn-ea"/>
+                <a:cs typeface="+mn-cs"/>
+              </a:rPr>
+              <a:t>any</a:t>
+            </a:r>
+            <a:r>
+              <a:rPr lang="fr-FR" sz="1200" b="0" kern="1200" dirty="0" smtClean="0">
+                <a:solidFill>
+                  <a:schemeClr val="tx1"/>
+                </a:solidFill>
+                <a:effectLst/>
+                <a:latin typeface="+mn-lt"/>
+                <a:ea typeface="+mn-ea"/>
+                <a:cs typeface="+mn-cs"/>
+              </a:rPr>
+              <a:t>) {return </a:t>
+            </a:r>
+            <a:r>
+              <a:rPr lang="fr-FR" sz="1200" b="0" kern="1200" dirty="0" err="1" smtClean="0">
+                <a:solidFill>
+                  <a:schemeClr val="tx1"/>
+                </a:solidFill>
+                <a:effectLst/>
+                <a:latin typeface="+mn-lt"/>
+                <a:ea typeface="+mn-ea"/>
+                <a:cs typeface="+mn-cs"/>
+              </a:rPr>
+              <a:t>null</a:t>
+            </a:r>
+            <a:r>
+              <a:rPr lang="fr-FR" sz="1200" b="0" kern="1200" dirty="0" smtClean="0">
+                <a:solidFill>
+                  <a:schemeClr val="tx1"/>
+                </a:solidFill>
+                <a:effectLst/>
+                <a:latin typeface="+mn-lt"/>
+                <a:ea typeface="+mn-ea"/>
+                <a:cs typeface="+mn-cs"/>
+              </a:rPr>
+              <a:t>;}</a:t>
+            </a:r>
+          </a:p>
+          <a:p>
+            <a:r>
+              <a:rPr lang="fr-FR" sz="1200" b="0" kern="1200" dirty="0" smtClean="0">
+                <a:solidFill>
+                  <a:schemeClr val="tx1"/>
+                </a:solidFill>
+                <a:effectLst/>
+                <a:latin typeface="+mn-lt"/>
+                <a:ea typeface="+mn-ea"/>
+                <a:cs typeface="+mn-cs"/>
+              </a:rPr>
+              <a:t>}</a:t>
+            </a:r>
+          </a:p>
+          <a:p>
             <a:endParaRPr lang="fr-FR" dirty="0"/>
           </a:p>
         </p:txBody>
@@ -2726,7 +4398,7 @@
           <a:p>
             <a:fld id="{FD0CA3AA-443A-466C-BF59-FB6574BB11C3}" type="slidenum">
               <a:rPr lang="fr-FR" smtClean="0"/>
-              <a:t>6</a:t>
+              <a:t>7</a:t>
             </a:fld>
             <a:endParaRPr lang="fr-FR"/>
           </a:p>
@@ -2735,7 +4407,7 @@
     </p:spTree>
     <p:extLst>
       <p:ext uri="{BB962C8B-B14F-4D97-AF65-F5344CB8AC3E}">
-        <p14:creationId xmlns:p14="http://schemas.microsoft.com/office/powerpoint/2010/main" val="2570715949"/>
+        <p14:creationId xmlns:p14="http://schemas.microsoft.com/office/powerpoint/2010/main" val="1854354065"/>
       </p:ext>
     </p:extLst>
   </p:cSld>
@@ -2789,6 +4461,10 @@
           <a:bodyPr/>
           <a:lstStyle/>
           <a:p>
+            <a:r>
+              <a:rPr lang="fr-FR" dirty="0" smtClean="0"/>
+              <a:t>Dans le répertorie initié lors du TP Environnement</a:t>
+            </a:r>
             <a:endParaRPr lang="fr-FR" dirty="0"/>
           </a:p>
         </p:txBody>
@@ -2810,7 +4486,7 @@
           <a:p>
             <a:fld id="{FD0CA3AA-443A-466C-BF59-FB6574BB11C3}" type="slidenum">
               <a:rPr lang="fr-FR" smtClean="0"/>
-              <a:t>7</a:t>
+              <a:t>8</a:t>
             </a:fld>
             <a:endParaRPr lang="fr-FR"/>
           </a:p>
@@ -2819,7 +4495,7 @@
     </p:spTree>
     <p:extLst>
       <p:ext uri="{BB962C8B-B14F-4D97-AF65-F5344CB8AC3E}">
-        <p14:creationId xmlns:p14="http://schemas.microsoft.com/office/powerpoint/2010/main" val="2636852585"/>
+        <p14:creationId xmlns:p14="http://schemas.microsoft.com/office/powerpoint/2010/main" val="2570715949"/>
       </p:ext>
     </p:extLst>
   </p:cSld>
@@ -2873,92 +4549,6 @@
           <a:bodyPr/>
           <a:lstStyle/>
           <a:p>
-            <a:r>
-              <a:rPr lang="fr-FR" dirty="0" smtClean="0"/>
-              <a:t>Étudier la racine du répertoire</a:t>
-            </a:r>
-          </a:p>
-          <a:p>
-            <a:r>
-              <a:rPr lang="fr-FR" dirty="0" err="1" smtClean="0"/>
-              <a:t>Sockjs</a:t>
-            </a:r>
-            <a:r>
-              <a:rPr lang="fr-FR" dirty="0" smtClean="0"/>
-              <a:t> =&gt; </a:t>
-            </a:r>
-            <a:r>
-              <a:rPr lang="fr-FR" dirty="0" err="1" smtClean="0"/>
-              <a:t>webpack</a:t>
-            </a:r>
-            <a:r>
-              <a:rPr lang="fr-FR" dirty="0" smtClean="0"/>
-              <a:t>-</a:t>
-            </a:r>
-            <a:r>
-              <a:rPr lang="fr-FR" dirty="0" err="1" smtClean="0"/>
-              <a:t>dev</a:t>
-            </a:r>
-            <a:r>
-              <a:rPr lang="fr-FR" dirty="0" smtClean="0"/>
-              <a:t>-server : memory-</a:t>
-            </a:r>
-            <a:r>
-              <a:rPr lang="fr-FR" dirty="0" err="1" smtClean="0"/>
-              <a:t>fs</a:t>
-            </a:r>
-            <a:r>
-              <a:rPr lang="fr-FR" dirty="0" smtClean="0"/>
-              <a:t> utiliser pour charger le projet dans objet </a:t>
-            </a:r>
-            <a:r>
-              <a:rPr lang="fr-FR" dirty="0" err="1" smtClean="0"/>
-              <a:t>js</a:t>
-            </a:r>
-            <a:r>
-              <a:rPr lang="fr-FR" dirty="0" smtClean="0"/>
-              <a:t> (pas de /</a:t>
-            </a:r>
-            <a:r>
-              <a:rPr lang="fr-FR" dirty="0" err="1" smtClean="0"/>
-              <a:t>dist</a:t>
-            </a:r>
-            <a:r>
-              <a:rPr lang="fr-FR" dirty="0" smtClean="0"/>
-              <a:t>)</a:t>
-            </a:r>
-          </a:p>
-          <a:p>
-            <a:r>
-              <a:rPr lang="fr-FR" dirty="0" err="1" smtClean="0"/>
-              <a:t>Polyfills</a:t>
-            </a:r>
-            <a:r>
-              <a:rPr lang="fr-FR" dirty="0" smtClean="0"/>
-              <a:t> : ES6 mais </a:t>
-            </a:r>
-            <a:r>
-              <a:rPr lang="fr-FR" dirty="0" err="1" smtClean="0"/>
-              <a:t>retrocompatible</a:t>
-            </a:r>
-            <a:endParaRPr lang="fr-FR" dirty="0" smtClean="0"/>
-          </a:p>
-          <a:p>
-            <a:r>
-              <a:rPr lang="fr-FR" dirty="0" smtClean="0"/>
-              <a:t>Styles.js : fonctions</a:t>
-            </a:r>
-            <a:r>
-              <a:rPr lang="fr-FR" baseline="0" dirty="0" smtClean="0"/>
-              <a:t> de traitement style &amp; </a:t>
-            </a:r>
-            <a:r>
-              <a:rPr lang="fr-FR" baseline="0" dirty="0" err="1" smtClean="0"/>
-              <a:t>css</a:t>
-            </a:r>
-            <a:endParaRPr lang="fr-FR" baseline="0" dirty="0" smtClean="0"/>
-          </a:p>
-          <a:p>
             <a:endParaRPr lang="fr-FR" dirty="0"/>
           </a:p>
         </p:txBody>
@@ -2989,7 +4579,7 @@
     </p:spTree>
     <p:extLst>
       <p:ext uri="{BB962C8B-B14F-4D97-AF65-F5344CB8AC3E}">
-        <p14:creationId xmlns:p14="http://schemas.microsoft.com/office/powerpoint/2010/main" val="1259930748"/>
+        <p14:creationId xmlns:p14="http://schemas.microsoft.com/office/powerpoint/2010/main" val="2636852585"/>
       </p:ext>
     </p:extLst>
   </p:cSld>
@@ -3043,27 +4633,90 @@
           <a:bodyPr/>
           <a:lstStyle/>
           <a:p>
-            <a:pPr marL="0" marR="0" indent="0" algn="l" defTabSz="914400" rtl="0" eaLnBrk="1" fontAlgn="auto" latinLnBrk="0" hangingPunct="1">
-              <a:lnSpc>
-                <a:spcPct val="100000"/>
-              </a:lnSpc>
-              <a:spcBef>
-                <a:spcPts val="0"/>
-              </a:spcBef>
-              <a:spcAft>
-                <a:spcPts val="0"/>
-              </a:spcAft>
-              <a:buClrTx/>
-              <a:buSzTx/>
-              <a:buFontTx/>
-              <a:buNone/>
-              <a:tabLst/>
-              <a:defRPr/>
-            </a:pPr>
             <a:r>
               <a:rPr lang="fr-FR" dirty="0" smtClean="0"/>
-              <a:t>Ordre de déclaration des routes crucial </a:t>
-            </a:r>
+              <a:t>Étudier la racine du répertoire</a:t>
+            </a:r>
+          </a:p>
+          <a:p>
+            <a:r>
+              <a:rPr lang="fr-FR" dirty="0" err="1" smtClean="0"/>
+              <a:t>Sockjs</a:t>
+            </a:r>
+            <a:r>
+              <a:rPr lang="fr-FR" dirty="0" smtClean="0"/>
+              <a:t> =&gt; </a:t>
+            </a:r>
+            <a:r>
+              <a:rPr lang="fr-FR" dirty="0" err="1" smtClean="0"/>
+              <a:t>webpack</a:t>
+            </a:r>
+            <a:r>
+              <a:rPr lang="fr-FR" dirty="0" smtClean="0"/>
+              <a:t>-</a:t>
+            </a:r>
+            <a:r>
+              <a:rPr lang="fr-FR" dirty="0" err="1" smtClean="0"/>
+              <a:t>dev</a:t>
+            </a:r>
+            <a:r>
+              <a:rPr lang="fr-FR" dirty="0" smtClean="0"/>
+              <a:t>-server : memory-</a:t>
+            </a:r>
+            <a:r>
+              <a:rPr lang="fr-FR" dirty="0" err="1" smtClean="0"/>
+              <a:t>fs</a:t>
+            </a:r>
+            <a:r>
+              <a:rPr lang="fr-FR" dirty="0" smtClean="0"/>
+              <a:t> utiliser pour charger le projet dans objet </a:t>
+            </a:r>
+            <a:r>
+              <a:rPr lang="fr-FR" dirty="0" err="1" smtClean="0"/>
+              <a:t>js</a:t>
+            </a:r>
+            <a:r>
+              <a:rPr lang="fr-FR" dirty="0" smtClean="0"/>
+              <a:t> (pas de /</a:t>
+            </a:r>
+            <a:r>
+              <a:rPr lang="fr-FR" dirty="0" err="1" smtClean="0"/>
+              <a:t>dist</a:t>
+            </a:r>
+            <a:r>
+              <a:rPr lang="fr-FR" dirty="0" smtClean="0"/>
+              <a:t>)</a:t>
+            </a:r>
+          </a:p>
+          <a:p>
+            <a:r>
+              <a:rPr lang="fr-FR" dirty="0" err="1" smtClean="0"/>
+              <a:t>Polyfills</a:t>
+            </a:r>
+            <a:r>
+              <a:rPr lang="fr-FR" dirty="0" smtClean="0"/>
+              <a:t> : ES6 mais </a:t>
+            </a:r>
+            <a:r>
+              <a:rPr lang="fr-FR" dirty="0" err="1" smtClean="0"/>
+              <a:t>retrocompatible</a:t>
+            </a:r>
+            <a:endParaRPr lang="fr-FR" dirty="0" smtClean="0"/>
+          </a:p>
+          <a:p>
+            <a:r>
+              <a:rPr lang="fr-FR" dirty="0" smtClean="0"/>
+              <a:t>Styles.js : fonctions</a:t>
+            </a:r>
+            <a:r>
+              <a:rPr lang="fr-FR" baseline="0" dirty="0" smtClean="0"/>
+              <a:t> de traitement style &amp; </a:t>
+            </a:r>
+            <a:r>
+              <a:rPr lang="fr-FR" baseline="0" dirty="0" err="1" smtClean="0"/>
+              <a:t>css</a:t>
+            </a:r>
+            <a:endParaRPr lang="fr-FR" baseline="0" dirty="0" smtClean="0"/>
           </a:p>
           <a:p>
             <a:endParaRPr lang="fr-FR" dirty="0"/>
@@ -3087,7 +4740,7 @@
           <a:p>
             <a:fld id="{FD0CA3AA-443A-466C-BF59-FB6574BB11C3}" type="slidenum">
               <a:rPr lang="fr-FR" smtClean="0"/>
-              <a:t>10</a:t>
+              <a:t>11</a:t>
             </a:fld>
             <a:endParaRPr lang="fr-FR"/>
           </a:p>
@@ -3096,7 +4749,7 @@
     </p:spTree>
     <p:extLst>
       <p:ext uri="{BB962C8B-B14F-4D97-AF65-F5344CB8AC3E}">
-        <p14:creationId xmlns:p14="http://schemas.microsoft.com/office/powerpoint/2010/main" val="3388767870"/>
+        <p14:creationId xmlns:p14="http://schemas.microsoft.com/office/powerpoint/2010/main" val="1259930748"/>
       </p:ext>
     </p:extLst>
   </p:cSld>
@@ -3150,34 +4803,29 @@
           <a:bodyPr/>
           <a:lstStyle/>
           <a:p>
-            <a:r>
-              <a:rPr lang="fr-FR" dirty="0" err="1" smtClean="0"/>
-              <a:t>ng</a:t>
-            </a:r>
+            <a:pPr marL="0" marR="0" indent="0" algn="l" defTabSz="914400" rtl="0" eaLnBrk="1" fontAlgn="auto" latinLnBrk="0" hangingPunct="1">
+              <a:lnSpc>
+                <a:spcPct val="100000"/>
+              </a:lnSpc>
+              <a:spcBef>
+                <a:spcPts val="0"/>
+              </a:spcBef>
+              <a:spcAft>
+                <a:spcPts val="0"/>
+              </a:spcAft>
+              <a:buClrTx/>
+              <a:buSzTx/>
+              <a:buFontTx/>
+              <a:buNone/>
+              <a:tabLst/>
+              <a:defRPr/>
+            </a:pPr>
             <a:r>
               <a:rPr lang="fr-FR" dirty="0" smtClean="0"/>
-              <a:t> </a:t>
-            </a:r>
-            <a:r>
-              <a:rPr lang="fr-FR" dirty="0" err="1" smtClean="0"/>
-              <a:t>generate</a:t>
-            </a:r>
-            <a:r>
-              <a:rPr lang="fr-FR" dirty="0" smtClean="0"/>
-              <a:t> module </a:t>
-            </a:r>
-            <a:r>
-              <a:rPr lang="fr-FR" dirty="0" err="1" smtClean="0"/>
-              <a:t>core</a:t>
-            </a:r>
-            <a:r>
-              <a:rPr lang="fr-FR" dirty="0" smtClean="0"/>
-              <a:t> --</a:t>
-            </a:r>
-            <a:r>
-              <a:rPr lang="fr-FR" dirty="0" err="1" smtClean="0"/>
-              <a:t>routing</a:t>
-            </a:r>
+              <a:t>Ordre de déclaration des routes crucial </a:t>
+            </a:r>
+          </a:p>
+          <a:p>
             <a:endParaRPr lang="fr-FR" dirty="0"/>
           </a:p>
         </p:txBody>
@@ -3199,7 +4847,7 @@
           <a:p>
             <a:fld id="{FD0CA3AA-443A-466C-BF59-FB6574BB11C3}" type="slidenum">
               <a:rPr lang="fr-FR" smtClean="0"/>
-              <a:t>11</a:t>
+              <a:t>12</a:t>
             </a:fld>
             <a:endParaRPr lang="fr-FR"/>
           </a:p>
@@ -3208,7 +4856,7 @@
     </p:spTree>
     <p:extLst>
       <p:ext uri="{BB962C8B-B14F-4D97-AF65-F5344CB8AC3E}">
-        <p14:creationId xmlns:p14="http://schemas.microsoft.com/office/powerpoint/2010/main" val="3528251478"/>
+        <p14:creationId xmlns:p14="http://schemas.microsoft.com/office/powerpoint/2010/main" val="3388767870"/>
       </p:ext>
     </p:extLst>
   </p:cSld>
@@ -5030,7 +6678,7 @@
           <a:p>
             <a:fld id="{58FC6F0A-3597-4ED6-9ED9-061AF1CD731E}" type="datetimeFigureOut">
               <a:rPr lang="fr-FR" smtClean="0"/>
-              <a:t>29/05/2018</a:t>
+              <a:t>30/05/2018</a:t>
             </a:fld>
             <a:endParaRPr lang="fr-FR"/>
           </a:p>
@@ -5211,7 +6859,7 @@
           <a:p>
             <a:fld id="{58FC6F0A-3597-4ED6-9ED9-061AF1CD731E}" type="datetimeFigureOut">
               <a:rPr lang="fr-FR" smtClean="0"/>
-              <a:t>29/05/2018</a:t>
+              <a:t>30/05/2018</a:t>
             </a:fld>
             <a:endParaRPr lang="fr-FR"/>
           </a:p>
@@ -5362,7 +7010,7 @@
           <a:p>
             <a:fld id="{58FC6F0A-3597-4ED6-9ED9-061AF1CD731E}" type="datetimeFigureOut">
               <a:rPr lang="fr-FR" smtClean="0"/>
-              <a:t>29/05/2018</a:t>
+              <a:t>30/05/2018</a:t>
             </a:fld>
             <a:endParaRPr lang="fr-FR"/>
           </a:p>
@@ -7188,7 +8836,7 @@
           <a:p>
             <a:fld id="{58FC6F0A-3597-4ED6-9ED9-061AF1CD731E}" type="datetimeFigureOut">
               <a:rPr lang="fr-FR" smtClean="0"/>
-              <a:t>29/05/2018</a:t>
+              <a:t>30/05/2018</a:t>
             </a:fld>
             <a:endParaRPr lang="fr-FR"/>
           </a:p>
@@ -9058,7 +10706,7 @@
           <a:p>
             <a:fld id="{58FC6F0A-3597-4ED6-9ED9-061AF1CD731E}" type="datetimeFigureOut">
               <a:rPr lang="fr-FR" smtClean="0"/>
-              <a:t>29/05/2018</a:t>
+              <a:t>30/05/2018</a:t>
             </a:fld>
             <a:endParaRPr lang="fr-FR"/>
           </a:p>
@@ -9171,7 +10819,7 @@
           <a:p>
             <a:fld id="{58FC6F0A-3597-4ED6-9ED9-061AF1CD731E}" type="datetimeFigureOut">
               <a:rPr lang="fr-FR" smtClean="0"/>
-              <a:t>29/05/2018</a:t>
+              <a:t>30/05/2018</a:t>
             </a:fld>
             <a:endParaRPr lang="fr-FR"/>
           </a:p>
@@ -9712,7 +11360,7 @@
           <a:p>
             <a:fld id="{58FC6F0A-3597-4ED6-9ED9-061AF1CD731E}" type="datetimeFigureOut">
               <a:rPr lang="fr-FR" smtClean="0"/>
-              <a:t>29/05/2018</a:t>
+              <a:t>30/05/2018</a:t>
             </a:fld>
             <a:endParaRPr lang="fr-FR"/>
           </a:p>
@@ -9825,7 +11473,7 @@
           <a:p>
             <a:fld id="{58FC6F0A-3597-4ED6-9ED9-061AF1CD731E}" type="datetimeFigureOut">
               <a:rPr lang="fr-FR" smtClean="0"/>
-              <a:t>29/05/2018</a:t>
+              <a:t>30/05/2018</a:t>
             </a:fld>
             <a:endParaRPr lang="fr-FR"/>
           </a:p>
@@ -11536,7 +13184,7 @@
           <a:p>
             <a:fld id="{58FC6F0A-3597-4ED6-9ED9-061AF1CD731E}" type="datetimeFigureOut">
               <a:rPr lang="fr-FR" smtClean="0"/>
-              <a:t>29/05/2018</a:t>
+              <a:t>30/05/2018</a:t>
             </a:fld>
             <a:endParaRPr lang="fr-FR"/>
           </a:p>
@@ -11687,7 +13335,7 @@
           <a:p>
             <a:fld id="{58FC6F0A-3597-4ED6-9ED9-061AF1CD731E}" type="datetimeFigureOut">
               <a:rPr lang="fr-FR" smtClean="0"/>
-              <a:t>29/05/2018</a:t>
+              <a:t>30/05/2018</a:t>
             </a:fld>
             <a:endParaRPr lang="fr-FR"/>
           </a:p>
@@ -15302,7 +16950,7 @@
           <a:p>
             <a:fld id="{58FC6F0A-3597-4ED6-9ED9-061AF1CD731E}" type="datetimeFigureOut">
               <a:rPr lang="fr-FR" smtClean="0"/>
-              <a:t>29/05/2018</a:t>
+              <a:t>30/05/2018</a:t>
             </a:fld>
             <a:endParaRPr lang="fr-FR"/>
           </a:p>
@@ -17161,7 +18809,7 @@
           <a:p>
             <a:fld id="{58FC6F0A-3597-4ED6-9ED9-061AF1CD731E}" type="datetimeFigureOut">
               <a:rPr lang="fr-FR" smtClean="0"/>
-              <a:t>29/05/2018</a:t>
+              <a:t>30/05/2018</a:t>
             </a:fld>
             <a:endParaRPr lang="fr-FR"/>
           </a:p>
@@ -18124,84 +19772,102 @@
         </p:nvSpPr>
         <p:spPr/>
         <p:txBody>
-          <a:bodyPr/>
+          <a:bodyPr>
+            <a:normAutofit/>
+          </a:bodyPr>
           <a:lstStyle/>
           <a:p>
             <a:r>
+              <a:rPr lang="fr-FR" dirty="0" err="1" smtClean="0"/>
+              <a:t>StarterKit</a:t>
+            </a:r>
+            <a:r>
               <a:rPr lang="fr-FR" dirty="0" smtClean="0"/>
-              <a:t>Décorateur @</a:t>
-            </a:r>
+              <a:t> : </a:t>
+            </a:r>
+          </a:p>
+          <a:p>
+            <a:pPr lvl="1"/>
             <a:r>
               <a:rPr lang="fr-FR" dirty="0" err="1" smtClean="0"/>
-              <a:t>NgModule</a:t>
-            </a:r>
+              <a:t>angular.json</a:t>
+            </a:r>
+            <a:endParaRPr lang="fr-FR" dirty="0" smtClean="0"/>
+          </a:p>
+          <a:p>
+            <a:pPr lvl="1"/>
+            <a:r>
+              <a:rPr lang="fr-FR" dirty="0"/>
+              <a:t>Dépendances du </a:t>
+            </a:r>
+            <a:r>
+              <a:rPr lang="fr-FR" dirty="0" err="1" smtClean="0"/>
+              <a:t>package.json</a:t>
+            </a:r>
+            <a:endParaRPr lang="fr-FR" dirty="0" smtClean="0"/>
+          </a:p>
+          <a:p>
+            <a:pPr lvl="1"/>
+            <a:r>
+              <a:rPr lang="fr-FR" dirty="0" err="1"/>
+              <a:t>tslint</a:t>
+            </a:r>
+            <a:r>
+              <a:rPr lang="fr-FR" dirty="0"/>
+              <a:t> &amp; </a:t>
+            </a:r>
+            <a:r>
+              <a:rPr lang="fr-FR" dirty="0" err="1"/>
+              <a:t>tsconfig.json</a:t>
+            </a:r>
+            <a:endParaRPr lang="fr-FR" dirty="0"/>
+          </a:p>
+          <a:p>
             <a:r>
               <a:rPr lang="fr-FR" dirty="0" smtClean="0"/>
-              <a:t> (</a:t>
-            </a:r>
+              <a:t>Architecture du projet : </a:t>
+            </a:r>
+          </a:p>
+          <a:p>
+            <a:pPr lvl="1"/>
             <a:r>
               <a:rPr lang="fr-FR" dirty="0" err="1" smtClean="0"/>
-              <a:t>declarations</a:t>
+              <a:t>Src</a:t>
             </a:r>
             <a:r>
               <a:rPr lang="fr-FR" dirty="0" smtClean="0"/>
-              <a:t>, imports, providers et </a:t>
+              <a:t>/</a:t>
             </a:r>
             <a:r>
               <a:rPr lang="fr-FR" dirty="0" err="1" smtClean="0"/>
-              <a:t>bootstrap</a:t>
+              <a:t>app</a:t>
+            </a:r>
+            <a:endParaRPr lang="fr-FR" dirty="0" smtClean="0"/>
+          </a:p>
+          <a:p>
+            <a:pPr lvl="1"/>
+            <a:r>
+              <a:rPr lang="fr-FR" dirty="0" err="1" smtClean="0"/>
+              <a:t>Src</a:t>
             </a:r>
             <a:r>
               <a:rPr lang="fr-FR" dirty="0" smtClean="0"/>
-              <a:t>)</a:t>
-            </a:r>
-          </a:p>
-          <a:p>
+              <a:t>/</a:t>
+            </a:r>
             <a:r>
               <a:rPr lang="fr-FR" dirty="0" err="1" smtClean="0"/>
-              <a:t>Main.ts</a:t>
-            </a:r>
+              <a:t>envrionments</a:t>
+            </a:r>
+            <a:endParaRPr lang="fr-FR" dirty="0"/>
+          </a:p>
+          <a:p>
+            <a:pPr lvl="1"/>
             <a:r>
               <a:rPr lang="fr-FR" dirty="0" smtClean="0"/>
-              <a:t> &amp; </a:t>
-            </a:r>
-            <a:r>
-              <a:rPr lang="fr-FR" dirty="0" err="1" smtClean="0"/>
-              <a:t>App.module.ts</a:t>
-            </a:r>
-            <a:endParaRPr lang="fr-FR" dirty="0" smtClean="0"/>
-          </a:p>
-          <a:p>
-            <a:r>
-              <a:rPr lang="fr-FR" dirty="0" err="1" smtClean="0"/>
-              <a:t>SoC</a:t>
-            </a:r>
-            <a:r>
-              <a:rPr lang="fr-FR" dirty="0" smtClean="0"/>
-              <a:t> : multi modules (</a:t>
-            </a:r>
-            <a:r>
-              <a:rPr lang="fr-FR" dirty="0" err="1" smtClean="0"/>
-              <a:t>core</a:t>
-            </a:r>
-            <a:r>
-              <a:rPr lang="fr-FR" dirty="0" smtClean="0"/>
-              <a:t>, admin, </a:t>
-            </a:r>
-            <a:r>
-              <a:rPr lang="fr-FR" dirty="0" err="1" smtClean="0"/>
-              <a:t>shared</a:t>
-            </a:r>
-            <a:r>
-              <a:rPr lang="fr-FR" dirty="0" smtClean="0"/>
-              <a:t>)</a:t>
-            </a:r>
-          </a:p>
-          <a:p>
-            <a:r>
-              <a:rPr lang="fr-FR" dirty="0" smtClean="0"/>
-              <a:t>Composant, directive évoluée</a:t>
-            </a:r>
+              <a:t>e2e</a:t>
+            </a:r>
+          </a:p>
+          <a:p>
             <a:endParaRPr lang="fr-FR" dirty="0"/>
           </a:p>
         </p:txBody>
@@ -18223,7 +19889,15 @@
           <a:p>
             <a:r>
               <a:rPr lang="fr-FR" dirty="0" smtClean="0"/>
-              <a:t>@Module &amp; @Component</a:t>
+              <a:t>@</a:t>
+            </a:r>
+            <a:r>
+              <a:rPr lang="fr-FR" dirty="0" err="1" smtClean="0"/>
+              <a:t>angular</a:t>
+            </a:r>
+            <a:r>
+              <a:rPr lang="fr-FR" dirty="0" smtClean="0"/>
+              <a:t>/cli</a:t>
             </a:r>
             <a:endParaRPr lang="fr-FR" dirty="0"/>
           </a:p>
@@ -18232,7 +19906,7 @@
     </p:spTree>
     <p:extLst>
       <p:ext uri="{BB962C8B-B14F-4D97-AF65-F5344CB8AC3E}">
-        <p14:creationId xmlns:p14="http://schemas.microsoft.com/office/powerpoint/2010/main" val="2918786984"/>
+        <p14:creationId xmlns:p14="http://schemas.microsoft.com/office/powerpoint/2010/main" val="4071396687"/>
       </p:ext>
     </p:extLst>
   </p:cSld>
@@ -18278,29 +19952,19 @@
         </p:nvSpPr>
         <p:spPr>
           <a:xfrm>
-            <a:off x="827584" y="2996952"/>
-            <a:ext cx="7416823" cy="3201219"/>
+            <a:off x="179512" y="2204864"/>
+            <a:ext cx="4420013" cy="4104456"/>
           </a:xfrm>
         </p:spPr>
         <p:txBody>
-          <a:bodyPr/>
+          <a:bodyPr>
+            <a:normAutofit/>
+          </a:bodyPr>
           <a:lstStyle/>
           <a:p>
             <a:r>
               <a:rPr lang="fr-FR" dirty="0" smtClean="0"/>
-              <a:t>Ajouter un module </a:t>
-            </a:r>
-            <a:r>
-              <a:rPr lang="fr-FR" dirty="0" err="1" smtClean="0"/>
-              <a:t>core</a:t>
-            </a:r>
-            <a:r>
-              <a:rPr lang="fr-FR" dirty="0"/>
-              <a:t> </a:t>
-            </a:r>
-            <a:r>
-              <a:rPr lang="fr-FR" dirty="0" smtClean="0"/>
-              <a:t>à l’application avec le client </a:t>
+              <a:t>Installer le client </a:t>
             </a:r>
             <a:r>
               <a:rPr lang="fr-FR" dirty="0" err="1" smtClean="0"/>
@@ -18308,44 +19972,34 @@
             </a:r>
             <a:r>
               <a:rPr lang="fr-FR" dirty="0" smtClean="0"/>
-              <a:t> </a:t>
+              <a:t> en global</a:t>
             </a:r>
           </a:p>
           <a:p>
             <a:r>
               <a:rPr lang="fr-FR" dirty="0" smtClean="0"/>
-              <a:t>Le module </a:t>
-            </a:r>
-            <a:r>
-              <a:rPr lang="fr-FR" dirty="0" err="1" smtClean="0"/>
-              <a:t>core</a:t>
-            </a:r>
+              <a:t>Générer un nouveau projet avec le client</a:t>
+            </a:r>
+          </a:p>
+          <a:p>
             <a:r>
               <a:rPr lang="fr-FR" dirty="0" smtClean="0"/>
-              <a:t> importe le </a:t>
-            </a:r>
-            <a:r>
-              <a:rPr lang="fr-FR" dirty="0" err="1" smtClean="0"/>
-              <a:t>CommonModule</a:t>
-            </a:r>
-            <a:endParaRPr lang="fr-FR" dirty="0" smtClean="0"/>
-          </a:p>
-          <a:p>
-            <a:r>
-              <a:rPr lang="fr-FR" dirty="0" smtClean="0"/>
-              <a:t>Ajouter le composant à la vue du composant </a:t>
-            </a:r>
-            <a:r>
-              <a:rPr lang="fr-FR" dirty="0" err="1" smtClean="0"/>
-              <a:t>app</a:t>
-            </a:r>
-            <a:endParaRPr lang="fr-FR" dirty="0" smtClean="0"/>
-          </a:p>
-          <a:p>
-            <a:r>
-              <a:rPr lang="fr-FR" dirty="0" smtClean="0"/>
-              <a:t>Passer une valeur au composant</a:t>
-            </a:r>
+              <a:t>Analyser les fichiers de la racine</a:t>
+            </a:r>
+          </a:p>
+          <a:p>
+            <a:r>
+              <a:rPr lang="fr-FR" dirty="0"/>
+              <a:t>Lancer le serveur</a:t>
+            </a:r>
+          </a:p>
+          <a:p>
+            <a:r>
+              <a:rPr lang="fr-FR" dirty="0"/>
+              <a:t>Dans la console chrome analyser les fichiers récupérés</a:t>
+            </a:r>
+          </a:p>
+          <a:p>
             <a:endParaRPr lang="fr-FR" dirty="0"/>
           </a:p>
         </p:txBody>
@@ -18367,16 +20021,123 @@
           <a:p>
             <a:r>
               <a:rPr lang="fr-FR" dirty="0" smtClean="0"/>
-              <a:t>TP Modularisation</a:t>
+              <a:t>TP Client </a:t>
+            </a:r>
+            <a:r>
+              <a:rPr lang="fr-FR" dirty="0" err="1" smtClean="0"/>
+              <a:t>Angular</a:t>
             </a:r>
             <a:endParaRPr lang="fr-FR" dirty="0"/>
           </a:p>
         </p:txBody>
       </p:sp>
+      <p:pic>
+        <p:nvPicPr>
+          <p:cNvPr id="3074" name="Picture 2"/>
+          <p:cNvPicPr>
+            <a:picLocks noChangeAspect="1" noChangeArrowheads="1"/>
+          </p:cNvPicPr>
+          <p:nvPr/>
+        </p:nvPicPr>
+        <p:blipFill>
+          <a:blip r:embed="rId3">
+            <a:extLst>
+              <a:ext uri="{28A0092B-C50C-407E-A947-70E740481C1C}">
+                <a14:useLocalDpi xmlns:a14="http://schemas.microsoft.com/office/drawing/2010/main" val="0"/>
+              </a:ext>
+            </a:extLst>
+          </a:blip>
+          <a:srcRect/>
+          <a:stretch>
+            <a:fillRect/>
+          </a:stretch>
+        </p:blipFill>
+        <p:spPr bwMode="auto">
+          <a:xfrm>
+            <a:off x="4716016" y="1487191"/>
+            <a:ext cx="2448272" cy="3657480"/>
+          </a:xfrm>
+          <a:prstGeom prst="rect">
+            <a:avLst/>
+          </a:prstGeom>
+          <a:noFill/>
+          <a:ln w="9525">
+            <a:solidFill>
+              <a:schemeClr val="accent2"/>
+            </a:solidFill>
+            <a:miter lim="800000"/>
+            <a:headEnd/>
+            <a:tailEnd/>
+          </a:ln>
+          <a:extLst>
+            <a:ext uri="{909E8E84-426E-40DD-AFC4-6F175D3DCCD1}">
+              <a14:hiddenFill xmlns:a14="http://schemas.microsoft.com/office/drawing/2010/main">
+                <a:solidFill>
+                  <a:schemeClr val="accent1"/>
+                </a:solidFill>
+              </a14:hiddenFill>
+            </a:ext>
+          </a:extLst>
+        </p:spPr>
+      </p:pic>
+      <p:pic>
+        <p:nvPicPr>
+          <p:cNvPr id="5" name="Picture 2"/>
+          <p:cNvPicPr>
+            <a:picLocks noChangeAspect="1" noChangeArrowheads="1"/>
+          </p:cNvPicPr>
+          <p:nvPr/>
+        </p:nvPicPr>
+        <p:blipFill>
+          <a:blip r:embed="rId4">
+            <a:extLst>
+              <a:ext uri="{28A0092B-C50C-407E-A947-70E740481C1C}">
+                <a14:useLocalDpi xmlns:a14="http://schemas.microsoft.com/office/drawing/2010/main" val="0"/>
+              </a:ext>
+            </a:extLst>
+          </a:blip>
+          <a:srcRect/>
+          <a:stretch>
+            <a:fillRect/>
+          </a:stretch>
+        </p:blipFill>
+        <p:spPr bwMode="auto">
+          <a:xfrm>
+            <a:off x="6372200" y="3756804"/>
+            <a:ext cx="2523625" cy="3130574"/>
+          </a:xfrm>
+          <a:prstGeom prst="rect">
+            <a:avLst/>
+          </a:prstGeom>
+          <a:noFill/>
+          <a:ln>
+            <a:noFill/>
+          </a:ln>
+          <a:extLst>
+            <a:ext uri="{909E8E84-426E-40DD-AFC4-6F175D3DCCD1}">
+              <a14:hiddenFill xmlns:a14="http://schemas.microsoft.com/office/drawing/2010/main">
+                <a:solidFill>
+                  <a:schemeClr val="accent1"/>
+                </a:solidFill>
+              </a14:hiddenFill>
+            </a:ext>
+            <a:ext uri="{91240B29-F687-4F45-9708-019B960494DF}">
+              <a14:hiddenLine xmlns:a14="http://schemas.microsoft.com/office/drawing/2010/main" w="9525">
+                <a:solidFill>
+                  <a:schemeClr val="tx1"/>
+                </a:solidFill>
+                <a:miter lim="800000"/>
+                <a:headEnd/>
+                <a:tailEnd/>
+              </a14:hiddenLine>
+            </a:ext>
+          </a:extLst>
+        </p:spPr>
+      </p:pic>
     </p:spTree>
     <p:extLst>
       <p:ext uri="{BB962C8B-B14F-4D97-AF65-F5344CB8AC3E}">
-        <p14:creationId xmlns:p14="http://schemas.microsoft.com/office/powerpoint/2010/main" val="872678905"/>
+        <p14:creationId xmlns:p14="http://schemas.microsoft.com/office/powerpoint/2010/main" val="3693256250"/>
       </p:ext>
     </p:extLst>
   </p:cSld>
@@ -18427,33 +20188,78 @@
           <a:p>
             <a:r>
               <a:rPr lang="fr-FR" dirty="0" smtClean="0"/>
-              <a:t>@Injectable</a:t>
-            </a:r>
-          </a:p>
-          <a:p>
+              <a:t>Décorateur @</a:t>
+            </a:r>
+            <a:r>
+              <a:rPr lang="fr-FR" dirty="0" err="1" smtClean="0"/>
+              <a:t>NgModule</a:t>
+            </a:r>
             <a:r>
               <a:rPr lang="fr-FR" dirty="0" smtClean="0"/>
-              <a:t>Singleton</a:t>
-            </a:r>
-          </a:p>
-          <a:p>
+              <a:t> (</a:t>
+            </a:r>
+            <a:r>
+              <a:rPr lang="fr-FR" dirty="0" err="1" smtClean="0"/>
+              <a:t>declarations</a:t>
+            </a:r>
             <a:r>
               <a:rPr lang="fr-FR" dirty="0" smtClean="0"/>
-              <a:t>Injection dans le constructeur </a:t>
-            </a:r>
-          </a:p>
-          <a:p>
+              <a:t>, imports, providers et </a:t>
+            </a:r>
+            <a:r>
+              <a:rPr lang="fr-FR" dirty="0" err="1" smtClean="0"/>
+              <a:t>bootstrap</a:t>
+            </a:r>
             <a:r>
               <a:rPr lang="fr-FR" dirty="0" smtClean="0"/>
-              <a:t>Les injections depuis </a:t>
-            </a:r>
+              <a:t>)</a:t>
+            </a:r>
+          </a:p>
+          <a:p>
             <a:r>
               <a:rPr lang="fr-FR" dirty="0" err="1" smtClean="0"/>
-              <a:t>Angular</a:t>
+              <a:t>Main.ts</a:t>
             </a:r>
             <a:r>
               <a:rPr lang="fr-FR" dirty="0" smtClean="0"/>
-              <a:t> 6</a:t>
+              <a:t> &amp; </a:t>
+            </a:r>
+            <a:r>
+              <a:rPr lang="fr-FR" dirty="0" err="1" smtClean="0"/>
+              <a:t>App.module.ts</a:t>
+            </a:r>
+            <a:endParaRPr lang="fr-FR" dirty="0" smtClean="0"/>
+          </a:p>
+          <a:p>
+            <a:r>
+              <a:rPr lang="fr-FR" dirty="0" err="1" smtClean="0"/>
+              <a:t>SoC</a:t>
+            </a:r>
+            <a:r>
+              <a:rPr lang="fr-FR" dirty="0" smtClean="0"/>
+              <a:t> : multi modules (</a:t>
+            </a:r>
+            <a:r>
+              <a:rPr lang="fr-FR" dirty="0" err="1" smtClean="0"/>
+              <a:t>core</a:t>
+            </a:r>
+            <a:r>
+              <a:rPr lang="fr-FR" dirty="0" smtClean="0"/>
+              <a:t>, admin, </a:t>
+            </a:r>
+            <a:r>
+              <a:rPr lang="fr-FR" dirty="0" err="1" smtClean="0"/>
+              <a:t>shared</a:t>
+            </a:r>
+            <a:r>
+              <a:rPr lang="fr-FR" dirty="0" smtClean="0"/>
+              <a:t>)</a:t>
+            </a:r>
+          </a:p>
+          <a:p>
+            <a:r>
+              <a:rPr lang="fr-FR" dirty="0" smtClean="0"/>
+              <a:t>Composant, directive évoluée</a:t>
             </a:r>
             <a:endParaRPr lang="fr-FR" dirty="0"/>
           </a:p>
@@ -18471,14 +20277,12 @@
         </p:nvSpPr>
         <p:spPr/>
         <p:txBody>
-          <a:bodyPr>
-            <a:normAutofit/>
-          </a:bodyPr>
+          <a:bodyPr/>
           <a:lstStyle/>
           <a:p>
             <a:r>
               <a:rPr lang="fr-FR" dirty="0" smtClean="0"/>
-              <a:t>Providers</a:t>
+              <a:t>@Module &amp; @Component</a:t>
             </a:r>
             <a:endParaRPr lang="fr-FR" dirty="0"/>
           </a:p>
@@ -18487,7 +20291,7 @@
     </p:spTree>
     <p:extLst>
       <p:ext uri="{BB962C8B-B14F-4D97-AF65-F5344CB8AC3E}">
-        <p14:creationId xmlns:p14="http://schemas.microsoft.com/office/powerpoint/2010/main" val="1590663567"/>
+        <p14:creationId xmlns:p14="http://schemas.microsoft.com/office/powerpoint/2010/main" val="2918786984"/>
       </p:ext>
     </p:extLst>
   </p:cSld>
@@ -18531,53 +20335,77 @@
             <p:ph idx="1"/>
           </p:nvPr>
         </p:nvSpPr>
-        <p:spPr/>
+        <p:spPr>
+          <a:xfrm>
+            <a:off x="827584" y="2996952"/>
+            <a:ext cx="7416823" cy="3201219"/>
+          </a:xfrm>
+        </p:spPr>
         <p:txBody>
           <a:bodyPr/>
           <a:lstStyle/>
           <a:p>
             <a:r>
               <a:rPr lang="fr-FR" dirty="0" smtClean="0"/>
-              <a:t>Ajouter un model </a:t>
+              <a:t>Ajouter un module </a:t>
             </a:r>
             <a:r>
               <a:rPr lang="fr-FR" dirty="0" err="1" smtClean="0"/>
-              <a:t>student.ts</a:t>
+              <a:t>core</a:t>
+            </a:r>
+            <a:r>
+              <a:rPr lang="fr-FR" dirty="0"/>
+              <a:t> </a:t>
             </a:r>
             <a:r>
               <a:rPr lang="fr-FR" dirty="0" smtClean="0"/>
-              <a:t> &amp; </a:t>
+              <a:t>à l’application avec le client </a:t>
             </a:r>
             <a:r>
               <a:rPr lang="fr-FR" dirty="0" err="1" smtClean="0"/>
-              <a:t>classroom.ts</a:t>
+              <a:t>Angular</a:t>
+            </a:r>
+            <a:r>
+              <a:rPr lang="fr-FR" dirty="0" smtClean="0"/>
+              <a:t> </a:t>
+            </a:r>
+          </a:p>
+          <a:p>
+            <a:r>
+              <a:rPr lang="fr-FR" dirty="0" smtClean="0"/>
+              <a:t>Le module </a:t>
+            </a:r>
+            <a:r>
+              <a:rPr lang="fr-FR" dirty="0" err="1" smtClean="0"/>
+              <a:t>core</a:t>
+            </a:r>
+            <a:r>
+              <a:rPr lang="fr-FR" dirty="0" smtClean="0"/>
+              <a:t> importe le </a:t>
+            </a:r>
+            <a:r>
+              <a:rPr lang="fr-FR" dirty="0" err="1" smtClean="0"/>
+              <a:t>CommonModule</a:t>
+            </a:r>
+            <a:endParaRPr lang="fr-FR" dirty="0" smtClean="0"/>
+          </a:p>
+          <a:p>
+            <a:r>
+              <a:rPr lang="fr-FR" dirty="0" smtClean="0"/>
+              <a:t>Ajouter le composant à la vue du composant </a:t>
+            </a:r>
+            <a:r>
+              <a:rPr lang="fr-FR" dirty="0" err="1" smtClean="0"/>
+              <a:t>app</a:t>
+            </a:r>
+            <a:endParaRPr lang="fr-FR" dirty="0" smtClean="0"/>
+          </a:p>
+          <a:p>
+            <a:r>
+              <a:rPr lang="fr-FR" dirty="0" smtClean="0"/>
+              <a:t>Passer une valeur au composant</a:t>
             </a:r>
             <a:endParaRPr lang="fr-FR" dirty="0"/>
-          </a:p>
-          <a:p>
-            <a:r>
-              <a:rPr lang="fr-FR" dirty="0" smtClean="0"/>
-              <a:t>Créer un provider </a:t>
-            </a:r>
-            <a:r>
-              <a:rPr lang="fr-FR" dirty="0" err="1" smtClean="0"/>
-              <a:t>students.service</a:t>
-            </a:r>
-            <a:r>
-              <a:rPr lang="fr-FR" dirty="0" smtClean="0"/>
-              <a:t> qui renvoie une liste d’élèves</a:t>
-            </a:r>
-          </a:p>
-          <a:p>
-            <a:r>
-              <a:rPr lang="fr-FR" dirty="0" smtClean="0"/>
-              <a:t>Afficher la liste d’élèves dans le composant </a:t>
-            </a:r>
-            <a:r>
-              <a:rPr lang="fr-FR" dirty="0" err="1" smtClean="0"/>
-              <a:t>classroom</a:t>
-            </a:r>
-            <a:endParaRPr lang="fr-FR" dirty="0" smtClean="0"/>
           </a:p>
         </p:txBody>
       </p:sp>
@@ -18598,7 +20426,7 @@
           <a:p>
             <a:r>
               <a:rPr lang="fr-FR" dirty="0" smtClean="0"/>
-              <a:t>TP Provider</a:t>
+              <a:t>TP Modularisation</a:t>
             </a:r>
             <a:endParaRPr lang="fr-FR" dirty="0"/>
           </a:p>
@@ -18607,7 +20435,7 @@
     </p:spTree>
     <p:extLst>
       <p:ext uri="{BB962C8B-B14F-4D97-AF65-F5344CB8AC3E}">
-        <p14:creationId xmlns:p14="http://schemas.microsoft.com/office/powerpoint/2010/main" val="683755863"/>
+        <p14:creationId xmlns:p14="http://schemas.microsoft.com/office/powerpoint/2010/main" val="872678905"/>
       </p:ext>
     </p:extLst>
   </p:cSld>
@@ -18657,45 +20485,34 @@
           <a:lstStyle/>
           <a:p>
             <a:r>
+              <a:rPr lang="fr-FR" dirty="0" smtClean="0"/>
+              <a:t>@Injectable</a:t>
+            </a:r>
+          </a:p>
+          <a:p>
+            <a:r>
+              <a:rPr lang="fr-FR" dirty="0" smtClean="0"/>
+              <a:t>Singleton</a:t>
+            </a:r>
+          </a:p>
+          <a:p>
+            <a:r>
+              <a:rPr lang="fr-FR" dirty="0" smtClean="0"/>
+              <a:t>Injection dans le constructeur </a:t>
+            </a:r>
+          </a:p>
+          <a:p>
+            <a:r>
               <a:rPr lang="fr-FR" dirty="0" err="1" smtClean="0"/>
-              <a:t>Databinding</a:t>
-            </a:r>
-            <a:endParaRPr lang="fr-FR" dirty="0" smtClean="0"/>
-          </a:p>
-          <a:p>
+              <a:t>providedIn</a:t>
+            </a:r>
             <a:r>
               <a:rPr lang="fr-FR" dirty="0" smtClean="0"/>
-              <a:t>Directives natives : </a:t>
+              <a:t> et le </a:t>
             </a:r>
             <a:r>
               <a:rPr lang="fr-FR" dirty="0" err="1" smtClean="0"/>
-              <a:t>ngClick</a:t>
-            </a:r>
-            <a:r>
-              <a:rPr lang="fr-FR" dirty="0" smtClean="0"/>
-              <a:t>, </a:t>
-            </a:r>
-            <a:r>
-              <a:rPr lang="fr-FR" dirty="0" err="1" smtClean="0"/>
-              <a:t>ngIf</a:t>
-            </a:r>
-            <a:r>
-              <a:rPr lang="fr-FR" dirty="0" smtClean="0"/>
-              <a:t>, </a:t>
-            </a:r>
-            <a:r>
-              <a:rPr lang="fr-FR" dirty="0" err="1" smtClean="0"/>
-              <a:t>ngFor</a:t>
-            </a:r>
-            <a:r>
-              <a:rPr lang="fr-FR" dirty="0" smtClean="0"/>
-              <a:t>…</a:t>
-            </a:r>
-          </a:p>
-          <a:p>
-            <a:r>
-              <a:rPr lang="fr-FR" dirty="0" smtClean="0"/>
-              <a:t>Filtre =&gt; Pipe</a:t>
+              <a:t>treeshaking</a:t>
             </a:r>
             <a:endParaRPr lang="fr-FR" dirty="0"/>
           </a:p>
@@ -18713,16 +20530,14 @@
         </p:nvSpPr>
         <p:spPr/>
         <p:txBody>
-          <a:bodyPr/>
+          <a:bodyPr>
+            <a:normAutofit/>
+          </a:bodyPr>
           <a:lstStyle/>
           <a:p>
             <a:r>
-              <a:rPr lang="fr-FR" dirty="0" err="1" smtClean="0"/>
-              <a:t>View</a:t>
-            </a:r>
-            <a:r>
               <a:rPr lang="fr-FR" dirty="0" smtClean="0"/>
-              <a:t> &amp; Pipe</a:t>
+              <a:t>Providers</a:t>
             </a:r>
             <a:endParaRPr lang="fr-FR" dirty="0"/>
           </a:p>
@@ -18731,7 +20546,7 @@
     </p:spTree>
     <p:extLst>
       <p:ext uri="{BB962C8B-B14F-4D97-AF65-F5344CB8AC3E}">
-        <p14:creationId xmlns:p14="http://schemas.microsoft.com/office/powerpoint/2010/main" val="2941735617"/>
+        <p14:creationId xmlns:p14="http://schemas.microsoft.com/office/powerpoint/2010/main" val="1590663567"/>
       </p:ext>
     </p:extLst>
   </p:cSld>
@@ -18782,31 +20597,46 @@
           <a:p>
             <a:r>
               <a:rPr lang="fr-FR" dirty="0" smtClean="0"/>
-              <a:t>Créer une classe Pipe avec le générateur</a:t>
-            </a:r>
-          </a:p>
-          <a:p>
+              <a:t>Ajouter un model </a:t>
+            </a:r>
+            <a:r>
+              <a:rPr lang="fr-FR" dirty="0" err="1" smtClean="0"/>
+              <a:t>student.ts</a:t>
+            </a:r>
             <a:r>
               <a:rPr lang="fr-FR" dirty="0" smtClean="0"/>
-              <a:t>Créer un pipe de tri</a:t>
-            </a:r>
+              <a:t> &amp; </a:t>
+            </a:r>
+            <a:r>
+              <a:rPr lang="fr-FR" dirty="0" err="1" smtClean="0"/>
+              <a:t>classroom.ts</a:t>
+            </a:r>
+            <a:endParaRPr lang="fr-FR" dirty="0"/>
           </a:p>
           <a:p>
             <a:r>
               <a:rPr lang="fr-FR" dirty="0" smtClean="0"/>
-              <a:t>Afficher la liste des étudiants avec le pipe de tri</a:t>
-            </a:r>
-          </a:p>
-          <a:p>
+              <a:t>Créer un provider </a:t>
+            </a:r>
+            <a:r>
+              <a:rPr lang="fr-FR" dirty="0" err="1" smtClean="0"/>
+              <a:t>students.service</a:t>
+            </a:r>
             <a:r>
               <a:rPr lang="fr-FR" dirty="0" smtClean="0"/>
-              <a:t>Ajouter un </a:t>
-            </a:r>
-            <a:r>
-              <a:rPr lang="fr-FR" smtClean="0"/>
-              <a:t>bouton d’ordre de tri</a:t>
-            </a:r>
-            <a:endParaRPr lang="fr-FR" dirty="0"/>
+              <a:t> qui renvoie une liste d’élèves</a:t>
+            </a:r>
+          </a:p>
+          <a:p>
+            <a:r>
+              <a:rPr lang="fr-FR" dirty="0" smtClean="0"/>
+              <a:t>Afficher la liste d’élèves dans le composant </a:t>
+            </a:r>
+            <a:r>
+              <a:rPr lang="fr-FR" dirty="0" err="1" smtClean="0"/>
+              <a:t>classroom</a:t>
+            </a:r>
+            <a:endParaRPr lang="fr-FR" dirty="0" smtClean="0"/>
           </a:p>
         </p:txBody>
       </p:sp>
@@ -18827,7 +20657,7 @@
           <a:p>
             <a:r>
               <a:rPr lang="fr-FR" dirty="0" smtClean="0"/>
-              <a:t>TP Pipe</a:t>
+              <a:t>TP Provider</a:t>
             </a:r>
             <a:endParaRPr lang="fr-FR" dirty="0"/>
           </a:p>
@@ -18836,7 +20666,7 @@
     </p:spTree>
     <p:extLst>
       <p:ext uri="{BB962C8B-B14F-4D97-AF65-F5344CB8AC3E}">
-        <p14:creationId xmlns:p14="http://schemas.microsoft.com/office/powerpoint/2010/main" val="424605377"/>
+        <p14:creationId xmlns:p14="http://schemas.microsoft.com/office/powerpoint/2010/main" val="683755863"/>
       </p:ext>
     </p:extLst>
   </p:cSld>
@@ -18886,45 +20716,46 @@
           <a:lstStyle/>
           <a:p>
             <a:r>
+              <a:rPr lang="fr-FR" dirty="0" err="1" smtClean="0"/>
+              <a:t>Databinding</a:t>
+            </a:r>
+            <a:endParaRPr lang="fr-FR" dirty="0" smtClean="0"/>
+          </a:p>
+          <a:p>
+            <a:r>
               <a:rPr lang="fr-FR" dirty="0" smtClean="0"/>
-              <a:t>Le </a:t>
+              <a:t>Directives natives : </a:t>
             </a:r>
             <a:r>
               <a:rPr lang="fr-FR" dirty="0" err="1" smtClean="0"/>
-              <a:t>lodash</a:t>
+              <a:t>ngClick</a:t>
             </a:r>
             <a:r>
               <a:rPr lang="fr-FR" dirty="0" smtClean="0"/>
-              <a:t> des évènements</a:t>
-            </a:r>
-          </a:p>
-          <a:p>
+              <a:t>, </a:t>
+            </a:r>
+            <a:r>
+              <a:rPr lang="fr-FR" dirty="0" err="1" smtClean="0"/>
+              <a:t>ngIf</a:t>
+            </a:r>
             <a:r>
               <a:rPr lang="fr-FR" dirty="0" smtClean="0"/>
-              <a:t>Pattern Observer &amp; </a:t>
+              <a:t>, </a:t>
             </a:r>
             <a:r>
               <a:rPr lang="fr-FR" dirty="0" err="1" smtClean="0"/>
-              <a:t>Iterator</a:t>
-            </a:r>
-            <a:endParaRPr lang="fr-FR" dirty="0" smtClean="0"/>
-          </a:p>
-          <a:p>
+              <a:t>ngFor</a:t>
+            </a:r>
             <a:r>
               <a:rPr lang="fr-FR" dirty="0" smtClean="0"/>
-              <a:t>Programmation fonctionnelle avec collections</a:t>
+              <a:t>…</a:t>
             </a:r>
           </a:p>
           <a:p>
             <a:r>
               <a:rPr lang="fr-FR" dirty="0" smtClean="0"/>
-              <a:t>V6</a:t>
-            </a:r>
-          </a:p>
-          <a:p>
-            <a:endParaRPr lang="fr-FR" dirty="0" smtClean="0"/>
-          </a:p>
-          <a:p>
+              <a:t>Filtre =&gt; Pipe</a:t>
+            </a:r>
             <a:endParaRPr lang="fr-FR" dirty="0"/>
           </a:p>
         </p:txBody>
@@ -18946,7 +20777,11 @@
           <a:p>
             <a:r>
               <a:rPr lang="fr-FR" dirty="0" err="1" smtClean="0"/>
-              <a:t>RxJS</a:t>
+              <a:t>View</a:t>
+            </a:r>
+            <a:r>
+              <a:rPr lang="fr-FR" dirty="0" smtClean="0"/>
+              <a:t> &amp; Pipe</a:t>
             </a:r>
             <a:endParaRPr lang="fr-FR" dirty="0"/>
           </a:p>
@@ -18955,7 +20790,7 @@
     </p:spTree>
     <p:extLst>
       <p:ext uri="{BB962C8B-B14F-4D97-AF65-F5344CB8AC3E}">
-        <p14:creationId xmlns:p14="http://schemas.microsoft.com/office/powerpoint/2010/main" val="1216844591"/>
+        <p14:creationId xmlns:p14="http://schemas.microsoft.com/office/powerpoint/2010/main" val="2941735617"/>
       </p:ext>
     </p:extLst>
   </p:cSld>
@@ -18999,39 +20834,81 @@
             <p:ph idx="1"/>
           </p:nvPr>
         </p:nvSpPr>
-        <p:spPr>
-          <a:xfrm>
-            <a:off x="872067" y="2996951"/>
-            <a:ext cx="7408333" cy="3129211"/>
-          </a:xfrm>
-        </p:spPr>
+        <p:spPr/>
         <p:txBody>
-          <a:bodyPr/>
+          <a:bodyPr>
+            <a:normAutofit lnSpcReduction="10000"/>
+          </a:bodyPr>
           <a:lstStyle/>
           <a:p>
-            <a:endParaRPr lang="fr-FR" dirty="0" smtClean="0"/>
-          </a:p>
-          <a:p>
             <a:r>
               <a:rPr lang="fr-FR" dirty="0" smtClean="0"/>
-              <a:t>Module de routage : Composant, directive et provider</a:t>
+              <a:t>Créer une classe Pipe avec le générateur</a:t>
+            </a:r>
+          </a:p>
+          <a:p>
+            <a:r>
+              <a:rPr lang="fr-FR" dirty="0"/>
+              <a:t>Pipe de filtre</a:t>
+            </a:r>
+          </a:p>
+          <a:p>
+            <a:pPr lvl="1"/>
+            <a:r>
+              <a:rPr lang="fr-FR" dirty="0"/>
+              <a:t>Créer un pipe de filtrage</a:t>
+            </a:r>
+          </a:p>
+          <a:p>
+            <a:pPr lvl="1"/>
+            <a:r>
+              <a:rPr lang="fr-FR" dirty="0"/>
+              <a:t>Afficher la liste des étudiants avec le pipe de filtrage</a:t>
+            </a:r>
+          </a:p>
+          <a:p>
+            <a:pPr lvl="1"/>
+            <a:r>
+              <a:rPr lang="fr-FR" dirty="0"/>
+              <a:t>Ajouter un champ de saisi de ce filtre</a:t>
             </a:r>
           </a:p>
           <a:p>
             <a:r>
               <a:rPr lang="fr-FR" dirty="0" smtClean="0"/>
-              <a:t>A chaque module son routage</a:t>
-            </a:r>
-          </a:p>
-          <a:p>
+              <a:t>Pipe de tri</a:t>
+            </a:r>
+          </a:p>
+          <a:p>
+            <a:pPr lvl="1"/>
             <a:r>
               <a:rPr lang="fr-FR" dirty="0" smtClean="0"/>
-              <a:t>Gestion des paramètres en </a:t>
-            </a:r>
-            <a:r>
-              <a:rPr lang="fr-FR" dirty="0" err="1" smtClean="0"/>
-              <a:t>RxJS</a:t>
-            </a:r>
+              <a:t>Créer </a:t>
+            </a:r>
+            <a:r>
+              <a:rPr lang="fr-FR" dirty="0" smtClean="0"/>
+              <a:t>un pipe de tri</a:t>
+            </a:r>
+          </a:p>
+          <a:p>
+            <a:pPr lvl="1"/>
+            <a:r>
+              <a:rPr lang="fr-FR" dirty="0" smtClean="0"/>
+              <a:t>Afficher la liste des étudiants avec le pipe de tri</a:t>
+            </a:r>
+          </a:p>
+          <a:p>
+            <a:pPr lvl="1"/>
+            <a:r>
+              <a:rPr lang="fr-FR" dirty="0" smtClean="0"/>
+              <a:t>Ajouter un bouton d’ordre de </a:t>
+            </a:r>
+            <a:r>
+              <a:rPr lang="fr-FR" dirty="0" smtClean="0"/>
+              <a:t>tri</a:t>
+            </a:r>
+          </a:p>
+          <a:p>
             <a:endParaRPr lang="fr-FR" dirty="0"/>
           </a:p>
         </p:txBody>
@@ -19053,7 +20930,7 @@
           <a:p>
             <a:r>
               <a:rPr lang="fr-FR" dirty="0" smtClean="0"/>
-              <a:t>Module Router</a:t>
+              <a:t>TP Pipe</a:t>
             </a:r>
             <a:endParaRPr lang="fr-FR" dirty="0"/>
           </a:p>
@@ -19062,7 +20939,7 @@
     </p:spTree>
     <p:extLst>
       <p:ext uri="{BB962C8B-B14F-4D97-AF65-F5344CB8AC3E}">
-        <p14:creationId xmlns:p14="http://schemas.microsoft.com/office/powerpoint/2010/main" val="2136042114"/>
+        <p14:creationId xmlns:p14="http://schemas.microsoft.com/office/powerpoint/2010/main" val="424605377"/>
       </p:ext>
     </p:extLst>
   </p:cSld>
@@ -19106,71 +20983,81 @@
             <p:ph idx="1"/>
           </p:nvPr>
         </p:nvSpPr>
-        <p:spPr/>
+        <p:spPr>
+          <a:xfrm>
+            <a:off x="395536" y="1916832"/>
+            <a:ext cx="7408333" cy="4464496"/>
+          </a:xfrm>
+        </p:spPr>
         <p:txBody>
-          <a:bodyPr/>
+          <a:bodyPr>
+            <a:normAutofit/>
+          </a:bodyPr>
           <a:lstStyle/>
           <a:p>
             <a:r>
+              <a:rPr lang="fr-FR" dirty="0" smtClean="0"/>
+              <a:t>Le </a:t>
+            </a:r>
+            <a:r>
               <a:rPr lang="fr-FR" dirty="0" err="1" smtClean="0"/>
-              <a:t>Editer</a:t>
+              <a:t>lodash</a:t>
             </a:r>
             <a:r>
               <a:rPr lang="fr-FR" dirty="0" smtClean="0"/>
-              <a:t> les </a:t>
-            </a:r>
-            <a:r>
-              <a:rPr lang="fr-FR" dirty="0"/>
-              <a:t>routes de </a:t>
-            </a:r>
+              <a:t> des évènements</a:t>
+            </a:r>
+          </a:p>
+          <a:p>
             <a:r>
               <a:rPr lang="fr-FR" dirty="0" smtClean="0"/>
-              <a:t>base au module </a:t>
+              <a:t>Pattern Observer &amp; </a:t>
             </a:r>
             <a:r>
               <a:rPr lang="fr-FR" dirty="0" err="1" smtClean="0"/>
-              <a:t>core</a:t>
-            </a:r>
+              <a:t>Iterator</a:t>
+            </a:r>
+            <a:endParaRPr lang="fr-FR" dirty="0" smtClean="0"/>
+          </a:p>
+          <a:p>
             <a:r>
               <a:rPr lang="fr-FR" dirty="0" smtClean="0"/>
-              <a:t> </a:t>
-            </a:r>
-          </a:p>
-          <a:p>
-            <a:pPr lvl="1"/>
+              <a:t>Programmation fonctionnelle avec </a:t>
+            </a:r>
             <a:r>
               <a:rPr lang="fr-FR" dirty="0" smtClean="0"/>
-              <a:t>Toute route non identifiée : **</a:t>
-            </a:r>
-          </a:p>
-          <a:p>
-            <a:pPr lvl="1"/>
+              <a:t>collections</a:t>
+            </a:r>
+          </a:p>
+          <a:p>
+            <a:endParaRPr lang="fr-FR" dirty="0" smtClean="0"/>
+          </a:p>
+          <a:p>
+            <a:endParaRPr lang="fr-FR" dirty="0"/>
+          </a:p>
+          <a:p>
+            <a:endParaRPr lang="fr-FR" dirty="0" smtClean="0"/>
+          </a:p>
+          <a:p>
+            <a:endParaRPr lang="fr-FR" dirty="0"/>
+          </a:p>
+          <a:p>
+            <a:endParaRPr lang="fr-FR" dirty="0" smtClean="0"/>
+          </a:p>
+          <a:p>
+            <a:endParaRPr lang="fr-FR" dirty="0" smtClean="0"/>
+          </a:p>
+          <a:p>
             <a:r>
               <a:rPr lang="fr-FR" dirty="0" smtClean="0"/>
-              <a:t>Route non renseignée : /</a:t>
-            </a:r>
-          </a:p>
-          <a:p>
-            <a:pPr lvl="1"/>
-            <a:r>
-              <a:rPr lang="fr-FR" dirty="0" smtClean="0"/>
-              <a:t>Page introuvable : page </a:t>
-            </a:r>
-            <a:r>
-              <a:rPr lang="fr-FR" dirty="0"/>
-              <a:t>not </a:t>
-            </a:r>
-            <a:r>
-              <a:rPr lang="fr-FR" dirty="0" err="1" smtClean="0"/>
-              <a:t>found</a:t>
+              <a:t>Depuis lav 5.5 : pipe &amp; imports simplifiés</a:t>
             </a:r>
             <a:endParaRPr lang="fr-FR" dirty="0" smtClean="0"/>
           </a:p>
           <a:p>
-            <a:r>
-              <a:rPr lang="fr-FR" dirty="0" smtClean="0"/>
-              <a:t>Gérer le passage de paramètres entre deux routes en asynchrone</a:t>
-            </a:r>
+            <a:endParaRPr lang="fr-FR" dirty="0" smtClean="0"/>
+          </a:p>
+          <a:p>
             <a:endParaRPr lang="fr-FR" dirty="0"/>
           </a:p>
         </p:txBody>
@@ -19191,21 +21078,71 @@
           <a:lstStyle/>
           <a:p>
             <a:r>
-              <a:rPr lang="fr-FR" dirty="0" smtClean="0"/>
-              <a:t>TP </a:t>
-            </a:r>
-            <a:r>
               <a:rPr lang="fr-FR" dirty="0" err="1" smtClean="0"/>
-              <a:t>Routing</a:t>
+              <a:t>RxJS</a:t>
             </a:r>
             <a:endParaRPr lang="fr-FR" dirty="0"/>
           </a:p>
         </p:txBody>
       </p:sp>
+      <p:pic>
+        <p:nvPicPr>
+          <p:cNvPr id="3074" name="Picture 2"/>
+          <p:cNvPicPr>
+            <a:picLocks noChangeAspect="1" noChangeArrowheads="1"/>
+          </p:cNvPicPr>
+          <p:nvPr/>
+        </p:nvPicPr>
+        <p:blipFill>
+          <a:blip r:embed="rId2">
+            <a:extLst>
+              <a:ext uri="{28A0092B-C50C-407E-A947-70E740481C1C}">
+                <a14:useLocalDpi xmlns:a14="http://schemas.microsoft.com/office/drawing/2010/main" val="0"/>
+              </a:ext>
+            </a:extLst>
+          </a:blip>
+          <a:srcRect/>
+          <a:stretch>
+            <a:fillRect/>
+          </a:stretch>
+        </p:blipFill>
+        <p:spPr bwMode="auto">
+          <a:xfrm>
+            <a:off x="1475655" y="3284985"/>
+            <a:ext cx="4968553" cy="2606592"/>
+          </a:xfrm>
+          <a:prstGeom prst="rect">
+            <a:avLst/>
+          </a:prstGeom>
+          <a:noFill/>
+          <a:ln>
+            <a:noFill/>
+          </a:ln>
+          <a:extLst>
+            <a:ext uri="{909E8E84-426E-40DD-AFC4-6F175D3DCCD1}">
+              <a14:hiddenFill xmlns:a14="http://schemas.microsoft.com/office/drawing/2010/main">
+                <a:solidFill>
+                  <a:schemeClr val="accent1"/>
+                </a:solidFill>
+              </a14:hiddenFill>
+            </a:ext>
+            <a:ext uri="{91240B29-F687-4F45-9708-019B960494DF}">
+              <a14:hiddenLine xmlns:a14="http://schemas.microsoft.com/office/drawing/2010/main" w="9525">
+                <a:solidFill>
+                  <a:schemeClr val="tx1"/>
+                </a:solidFill>
+                <a:miter lim="800000"/>
+                <a:headEnd/>
+                <a:tailEnd/>
+              </a14:hiddenLine>
+            </a:ext>
+          </a:extLst>
+        </p:spPr>
+      </p:pic>
     </p:spTree>
     <p:extLst>
       <p:ext uri="{BB962C8B-B14F-4D97-AF65-F5344CB8AC3E}">
-        <p14:creationId xmlns:p14="http://schemas.microsoft.com/office/powerpoint/2010/main" val="3351862972"/>
+        <p14:creationId xmlns:p14="http://schemas.microsoft.com/office/powerpoint/2010/main" val="1216844591"/>
       </p:ext>
     </p:extLst>
   </p:cSld>
@@ -19223,7 +21160,7 @@
 </file>
 
 <file path=ppt/slides/slide19.xml><?xml version="1.0" encoding="utf-8"?>
-<p:sld xmlns:a="http://schemas.openxmlformats.org/drawingml/2006/main" xmlns:r="http://schemas.openxmlformats.org/officeDocument/2006/relationships" xmlns:p="http://schemas.openxmlformats.org/presentationml/2006/main" show="0">
+<p:sld xmlns:a="http://schemas.openxmlformats.org/drawingml/2006/main" xmlns:r="http://schemas.openxmlformats.org/officeDocument/2006/relationships" xmlns:p="http://schemas.openxmlformats.org/presentationml/2006/main">
   <p:cSld>
     <p:spTree>
       <p:nvGrpSpPr>
@@ -19249,34 +21186,61 @@
             <p:ph idx="1"/>
           </p:nvPr>
         </p:nvSpPr>
-        <p:spPr/>
+        <p:spPr>
+          <a:xfrm>
+            <a:off x="872067" y="2996951"/>
+            <a:ext cx="7408333" cy="3129211"/>
+          </a:xfrm>
+        </p:spPr>
         <p:txBody>
           <a:bodyPr/>
           <a:lstStyle/>
           <a:p>
+            <a:endParaRPr lang="fr-FR" dirty="0" smtClean="0"/>
+          </a:p>
+          <a:p>
             <a:r>
               <a:rPr lang="fr-FR" dirty="0" smtClean="0"/>
-              <a:t>Requête des WS</a:t>
-            </a:r>
-          </a:p>
-          <a:p>
+              <a:t>Module de routage : Composant, directive et </a:t>
+            </a:r>
+            <a:r>
+              <a:rPr lang="fr-FR" dirty="0" smtClean="0"/>
+              <a:t>provider</a:t>
+            </a:r>
+          </a:p>
+          <a:p>
+            <a:r>
+              <a:rPr lang="fr-FR" dirty="0" smtClean="0"/>
+              <a:t>Le module </a:t>
+            </a:r>
             <a:r>
               <a:rPr lang="fr-FR" dirty="0" err="1" smtClean="0"/>
-              <a:t>Rxjs</a:t>
-            </a:r>
-            <a:endParaRPr lang="fr-FR" dirty="0" smtClean="0"/>
-          </a:p>
-          <a:p>
-            <a:r>
-              <a:rPr lang="fr-FR" dirty="0"/>
-              <a:t>Intercepteur</a:t>
-            </a:r>
-            <a:endParaRPr lang="fr-FR" dirty="0" smtClean="0"/>
-          </a:p>
-          <a:p>
-            <a:pPr marL="0" indent="0">
-              <a:buNone/>
-            </a:pPr>
+              <a:t>core</a:t>
+            </a:r>
+            <a:r>
+              <a:rPr lang="fr-FR" dirty="0" smtClean="0"/>
+              <a:t> est le seul à exposer les providers </a:t>
+            </a:r>
+          </a:p>
+          <a:p>
+            <a:r>
+              <a:rPr lang="fr-FR" dirty="0" smtClean="0"/>
+              <a:t>A </a:t>
+            </a:r>
+            <a:r>
+              <a:rPr lang="fr-FR" dirty="0" smtClean="0"/>
+              <a:t>chaque module son routage</a:t>
+            </a:r>
+          </a:p>
+          <a:p>
+            <a:r>
+              <a:rPr lang="fr-FR" dirty="0" smtClean="0"/>
+              <a:t>Gestion des paramètres en </a:t>
+            </a:r>
+            <a:r>
+              <a:rPr lang="fr-FR" dirty="0" err="1" smtClean="0"/>
+              <a:t>RxJS</a:t>
+            </a:r>
             <a:endParaRPr lang="fr-FR" dirty="0"/>
           </a:p>
         </p:txBody>
@@ -19298,7 +21262,7 @@
           <a:p>
             <a:r>
               <a:rPr lang="fr-FR" dirty="0" smtClean="0"/>
-              <a:t>Module Http</a:t>
+              <a:t>Module Router</a:t>
             </a:r>
             <a:endParaRPr lang="fr-FR" dirty="0"/>
           </a:p>
@@ -19307,21 +21271,13 @@
     </p:spTree>
     <p:extLst>
       <p:ext uri="{BB962C8B-B14F-4D97-AF65-F5344CB8AC3E}">
-        <p14:creationId xmlns:p14="http://schemas.microsoft.com/office/powerpoint/2010/main" val="405711871"/>
+        <p14:creationId xmlns:p14="http://schemas.microsoft.com/office/powerpoint/2010/main" val="2136042114"/>
       </p:ext>
     </p:extLst>
   </p:cSld>
   <p:clrMapOvr>
     <a:masterClrMapping/>
   </p:clrMapOvr>
-  <mc:AlternateContent xmlns:mc="http://schemas.openxmlformats.org/markup-compatibility/2006" xmlns:p14="http://schemas.microsoft.com/office/powerpoint/2010/main">
-    <mc:Choice Requires="p14">
-      <p:transition spd="slow" p14:dur="2000"/>
-    </mc:Choice>
-    <mc:Fallback xmlns="">
-      <p:transition spd="slow"/>
-    </mc:Fallback>
-  </mc:AlternateContent>
   <p:timing>
     <p:tnLst>
       <p:par>
@@ -19487,6 +21443,153 @@
 </file>
 
 <file path=ppt/slides/slide20.xml><?xml version="1.0" encoding="utf-8"?>
+<p:sld xmlns:a="http://schemas.openxmlformats.org/drawingml/2006/main" xmlns:r="http://schemas.openxmlformats.org/officeDocument/2006/relationships" xmlns:p="http://schemas.openxmlformats.org/presentationml/2006/main">
+  <p:cSld>
+    <p:spTree>
+      <p:nvGrpSpPr>
+        <p:cNvPr id="1" name=""/>
+        <p:cNvGrpSpPr/>
+        <p:nvPr/>
+      </p:nvGrpSpPr>
+      <p:grpSpPr>
+        <a:xfrm>
+          <a:off x="0" y="0"/>
+          <a:ext cx="0" cy="0"/>
+          <a:chOff x="0" y="0"/>
+          <a:chExt cx="0" cy="0"/>
+        </a:xfrm>
+      </p:grpSpPr>
+      <p:sp>
+        <p:nvSpPr>
+          <p:cNvPr id="3" name="Espace réservé du contenu 2"/>
+          <p:cNvSpPr>
+            <a:spLocks noGrp="1"/>
+          </p:cNvSpPr>
+          <p:nvPr>
+            <p:ph idx="1"/>
+          </p:nvPr>
+        </p:nvSpPr>
+        <p:spPr/>
+        <p:txBody>
+          <a:bodyPr/>
+          <a:lstStyle/>
+          <a:p>
+            <a:r>
+              <a:rPr lang="fr-FR" dirty="0" smtClean="0"/>
+              <a:t>Éditer </a:t>
+            </a:r>
+            <a:r>
+              <a:rPr lang="fr-FR" dirty="0" smtClean="0"/>
+              <a:t>les </a:t>
+            </a:r>
+            <a:r>
+              <a:rPr lang="fr-FR" dirty="0"/>
+              <a:t>routes de </a:t>
+            </a:r>
+            <a:r>
+              <a:rPr lang="fr-FR" dirty="0" smtClean="0"/>
+              <a:t>base </a:t>
+            </a:r>
+            <a:r>
+              <a:rPr lang="fr-FR" dirty="0" smtClean="0"/>
+              <a:t>du module </a:t>
+            </a:r>
+            <a:r>
+              <a:rPr lang="fr-FR" dirty="0" err="1" smtClean="0"/>
+              <a:t>core</a:t>
+            </a:r>
+            <a:r>
+              <a:rPr lang="fr-FR" dirty="0" smtClean="0"/>
+              <a:t> </a:t>
+            </a:r>
+          </a:p>
+          <a:p>
+            <a:pPr lvl="1"/>
+            <a:r>
+              <a:rPr lang="fr-FR" dirty="0" smtClean="0"/>
+              <a:t>Toute route non identifiée : **</a:t>
+            </a:r>
+          </a:p>
+          <a:p>
+            <a:pPr lvl="1"/>
+            <a:r>
+              <a:rPr lang="fr-FR" dirty="0" smtClean="0"/>
+              <a:t>Route non renseignée : /</a:t>
+            </a:r>
+          </a:p>
+          <a:p>
+            <a:pPr lvl="1"/>
+            <a:r>
+              <a:rPr lang="fr-FR" dirty="0" smtClean="0"/>
+              <a:t>Page introuvable : page </a:t>
+            </a:r>
+            <a:r>
+              <a:rPr lang="fr-FR" dirty="0"/>
+              <a:t>not </a:t>
+            </a:r>
+            <a:r>
+              <a:rPr lang="fr-FR" dirty="0" err="1" smtClean="0"/>
+              <a:t>found</a:t>
+            </a:r>
+            <a:endParaRPr lang="fr-FR" dirty="0" smtClean="0"/>
+          </a:p>
+          <a:p>
+            <a:r>
+              <a:rPr lang="fr-FR" dirty="0" smtClean="0"/>
+              <a:t>Gérer le passage de paramètres entre deux routes en asynchrone</a:t>
+            </a:r>
+            <a:endParaRPr lang="fr-FR" dirty="0"/>
+          </a:p>
+        </p:txBody>
+      </p:sp>
+      <p:sp>
+        <p:nvSpPr>
+          <p:cNvPr id="2" name="Titre 1"/>
+          <p:cNvSpPr>
+            <a:spLocks noGrp="1"/>
+          </p:cNvSpPr>
+          <p:nvPr>
+            <p:ph type="title"/>
+          </p:nvPr>
+        </p:nvSpPr>
+        <p:spPr/>
+        <p:txBody>
+          <a:bodyPr/>
+          <a:lstStyle/>
+          <a:p>
+            <a:r>
+              <a:rPr lang="fr-FR" dirty="0" smtClean="0"/>
+              <a:t>TP </a:t>
+            </a:r>
+            <a:r>
+              <a:rPr lang="fr-FR" dirty="0" err="1" smtClean="0"/>
+              <a:t>Routing</a:t>
+            </a:r>
+            <a:endParaRPr lang="fr-FR" dirty="0"/>
+          </a:p>
+        </p:txBody>
+      </p:sp>
+    </p:spTree>
+    <p:extLst>
+      <p:ext uri="{BB962C8B-B14F-4D97-AF65-F5344CB8AC3E}">
+        <p14:creationId xmlns:p14="http://schemas.microsoft.com/office/powerpoint/2010/main" val="3351862972"/>
+      </p:ext>
+    </p:extLst>
+  </p:cSld>
+  <p:clrMapOvr>
+    <a:masterClrMapping/>
+  </p:clrMapOvr>
+  <p:timing>
+    <p:tnLst>
+      <p:par>
+        <p:cTn id="1" dur="indefinite" restart="never" nodeType="tmRoot"/>
+      </p:par>
+    </p:tnLst>
+  </p:timing>
+</p:sld>
+</file>
+
+<file path=ppt/slides/slide21.xml><?xml version="1.0" encoding="utf-8"?>
 <p:sld xmlns:a="http://schemas.openxmlformats.org/drawingml/2006/main" xmlns:r="http://schemas.openxmlformats.org/officeDocument/2006/relationships" xmlns:p="http://schemas.openxmlformats.org/presentationml/2006/main" show="0">
   <p:cSld>
     <p:spTree>
@@ -19520,6 +21623,116 @@
           <a:p>
             <a:r>
               <a:rPr lang="fr-FR" dirty="0" smtClean="0"/>
+              <a:t>Requête des WS</a:t>
+            </a:r>
+          </a:p>
+          <a:p>
+            <a:r>
+              <a:rPr lang="fr-FR" dirty="0" err="1" smtClean="0"/>
+              <a:t>Rxjs</a:t>
+            </a:r>
+            <a:endParaRPr lang="fr-FR" dirty="0" smtClean="0"/>
+          </a:p>
+          <a:p>
+            <a:r>
+              <a:rPr lang="fr-FR" dirty="0"/>
+              <a:t>Intercepteur</a:t>
+            </a:r>
+            <a:endParaRPr lang="fr-FR" dirty="0" smtClean="0"/>
+          </a:p>
+          <a:p>
+            <a:pPr marL="0" indent="0">
+              <a:buNone/>
+            </a:pPr>
+            <a:endParaRPr lang="fr-FR" dirty="0"/>
+          </a:p>
+        </p:txBody>
+      </p:sp>
+      <p:sp>
+        <p:nvSpPr>
+          <p:cNvPr id="2" name="Titre 1"/>
+          <p:cNvSpPr>
+            <a:spLocks noGrp="1"/>
+          </p:cNvSpPr>
+          <p:nvPr>
+            <p:ph type="title"/>
+          </p:nvPr>
+        </p:nvSpPr>
+        <p:spPr/>
+        <p:txBody>
+          <a:bodyPr/>
+          <a:lstStyle/>
+          <a:p>
+            <a:r>
+              <a:rPr lang="fr-FR" dirty="0" smtClean="0"/>
+              <a:t>Module Http</a:t>
+            </a:r>
+            <a:endParaRPr lang="fr-FR" dirty="0"/>
+          </a:p>
+        </p:txBody>
+      </p:sp>
+    </p:spTree>
+    <p:extLst>
+      <p:ext uri="{BB962C8B-B14F-4D97-AF65-F5344CB8AC3E}">
+        <p14:creationId xmlns:p14="http://schemas.microsoft.com/office/powerpoint/2010/main" val="405711871"/>
+      </p:ext>
+    </p:extLst>
+  </p:cSld>
+  <p:clrMapOvr>
+    <a:masterClrMapping/>
+  </p:clrMapOvr>
+  <mc:AlternateContent xmlns:mc="http://schemas.openxmlformats.org/markup-compatibility/2006" xmlns:p14="http://schemas.microsoft.com/office/powerpoint/2010/main">
+    <mc:Choice Requires="p14">
+      <p:transition spd="slow" p14:dur="2000"/>
+    </mc:Choice>
+    <mc:Fallback xmlns="">
+      <p:transition spd="slow"/>
+    </mc:Fallback>
+  </mc:AlternateContent>
+  <p:timing>
+    <p:tnLst>
+      <p:par>
+        <p:cTn id="1" dur="indefinite" restart="never" nodeType="tmRoot"/>
+      </p:par>
+    </p:tnLst>
+  </p:timing>
+</p:sld>
+</file>
+
+<file path=ppt/slides/slide22.xml><?xml version="1.0" encoding="utf-8"?>
+<p:sld xmlns:a="http://schemas.openxmlformats.org/drawingml/2006/main" xmlns:r="http://schemas.openxmlformats.org/officeDocument/2006/relationships" xmlns:p="http://schemas.openxmlformats.org/presentationml/2006/main" show="0">
+  <p:cSld>
+    <p:spTree>
+      <p:nvGrpSpPr>
+        <p:cNvPr id="1" name=""/>
+        <p:cNvGrpSpPr/>
+        <p:nvPr/>
+      </p:nvGrpSpPr>
+      <p:grpSpPr>
+        <a:xfrm>
+          <a:off x="0" y="0"/>
+          <a:ext cx="0" cy="0"/>
+          <a:chOff x="0" y="0"/>
+          <a:chExt cx="0" cy="0"/>
+        </a:xfrm>
+      </p:grpSpPr>
+      <p:sp>
+        <p:nvSpPr>
+          <p:cNvPr id="3" name="Espace réservé du contenu 2"/>
+          <p:cNvSpPr>
+            <a:spLocks noGrp="1"/>
+          </p:cNvSpPr>
+          <p:nvPr>
+            <p:ph idx="1"/>
+          </p:nvPr>
+        </p:nvSpPr>
+        <p:spPr/>
+        <p:txBody>
+          <a:bodyPr/>
+          <a:lstStyle/>
+          <a:p>
+            <a:r>
+              <a:rPr lang="fr-FR" dirty="0" smtClean="0"/>
               <a:t>Créer un </a:t>
             </a:r>
             <a:r>
@@ -19600,7 +21813,7 @@
 </p:sld>
 </file>
 
-<file path=ppt/slides/slide21.xml><?xml version="1.0" encoding="utf-8"?>
+<file path=ppt/slides/slide23.xml><?xml version="1.0" encoding="utf-8"?>
 <p:sld xmlns:a="http://schemas.openxmlformats.org/drawingml/2006/main" xmlns:r="http://schemas.openxmlformats.org/officeDocument/2006/relationships" xmlns:p="http://schemas.openxmlformats.org/presentationml/2006/main">
   <p:cSld>
     <p:spTree>
@@ -20266,109 +22479,7 @@
       </p:grpSpPr>
       <p:sp>
         <p:nvSpPr>
-          <p:cNvPr id="3" name="Espace réservé du contenu 2"/>
-          <p:cNvSpPr>
-            <a:spLocks noGrp="1"/>
-          </p:cNvSpPr>
-          <p:nvPr>
-            <p:ph idx="1"/>
-          </p:nvPr>
-        </p:nvSpPr>
-        <p:spPr>
-          <a:xfrm>
-            <a:off x="251520" y="2574727"/>
-            <a:ext cx="4246203" cy="3816424"/>
-          </a:xfrm>
-        </p:spPr>
-        <p:txBody>
-          <a:bodyPr>
-            <a:normAutofit/>
-          </a:bodyPr>
-          <a:lstStyle/>
-          <a:p>
-            <a:r>
-              <a:rPr lang="fr-FR" dirty="0" smtClean="0"/>
-              <a:t>Créer les fichiers suivants :</a:t>
-            </a:r>
-          </a:p>
-          <a:p>
-            <a:pPr lvl="1"/>
-            <a:r>
-              <a:rPr lang="fr-FR" dirty="0" smtClean="0"/>
-              <a:t>Index.html</a:t>
-            </a:r>
-          </a:p>
-          <a:p>
-            <a:pPr lvl="1"/>
-            <a:r>
-              <a:rPr lang="fr-FR" dirty="0" err="1" smtClean="0"/>
-              <a:t>Main.ts</a:t>
-            </a:r>
-            <a:r>
-              <a:rPr lang="fr-FR" dirty="0" smtClean="0"/>
-              <a:t> &amp; </a:t>
-            </a:r>
-            <a:r>
-              <a:rPr lang="fr-FR" dirty="0" err="1" smtClean="0"/>
-              <a:t>test.ts</a:t>
-            </a:r>
-            <a:endParaRPr lang="fr-FR" dirty="0" smtClean="0"/>
-          </a:p>
-          <a:p>
-            <a:pPr lvl="1"/>
-            <a:r>
-              <a:rPr lang="fr-FR" dirty="0" err="1" smtClean="0"/>
-              <a:t>Tsconfig.json</a:t>
-            </a:r>
-            <a:endParaRPr lang="fr-FR" dirty="0" smtClean="0"/>
-          </a:p>
-          <a:p>
-            <a:pPr lvl="1"/>
-            <a:r>
-              <a:rPr lang="fr-FR" dirty="0" err="1" smtClean="0"/>
-              <a:t>Webpack.config.json</a:t>
-            </a:r>
-            <a:endParaRPr lang="fr-FR" dirty="0" smtClean="0"/>
-          </a:p>
-          <a:p>
-            <a:r>
-              <a:rPr lang="fr-FR" dirty="0" smtClean="0"/>
-              <a:t>Configurer </a:t>
-            </a:r>
-            <a:r>
-              <a:rPr lang="fr-FR" dirty="0" err="1" smtClean="0"/>
-              <a:t>ts</a:t>
-            </a:r>
-            <a:r>
-              <a:rPr lang="fr-FR" dirty="0" smtClean="0"/>
-              <a:t>-loader</a:t>
-            </a:r>
-          </a:p>
-          <a:p>
-            <a:r>
-              <a:rPr lang="fr-FR" dirty="0" smtClean="0"/>
-              <a:t>Ajouter le script d’exécution du </a:t>
-            </a:r>
-            <a:r>
-              <a:rPr lang="fr-FR" dirty="0" err="1" smtClean="0"/>
-              <a:t>webpack</a:t>
-            </a:r>
-            <a:r>
-              <a:rPr lang="fr-FR" dirty="0" smtClean="0"/>
-              <a:t> local</a:t>
-            </a:r>
-          </a:p>
-          <a:p>
-            <a:r>
-              <a:rPr lang="fr-FR" dirty="0" smtClean="0"/>
-              <a:t>Compiler, ouvrir le bundle.js</a:t>
-            </a:r>
-          </a:p>
-        </p:txBody>
-      </p:sp>
-      <p:sp>
-        <p:nvSpPr>
-          <p:cNvPr id="2" name="Titre 1"/>
+          <p:cNvPr id="3" name="Titre 2"/>
           <p:cNvSpPr>
             <a:spLocks noGrp="1"/>
           </p:cNvSpPr>
@@ -20383,11 +22494,15 @@
           <a:p>
             <a:r>
               <a:rPr lang="fr-FR" dirty="0" smtClean="0"/>
-              <a:t>TP </a:t>
+              <a:t>Une directive avec </a:t>
             </a:r>
             <a:r>
               <a:rPr lang="fr-FR" dirty="0" err="1" smtClean="0"/>
-              <a:t>Typescript</a:t>
+              <a:t>Angular</a:t>
+            </a:r>
+            <a:r>
+              <a:rPr lang="fr-FR" dirty="0" smtClean="0"/>
+              <a:t> JS</a:t>
             </a:r>
             <a:endParaRPr lang="fr-FR" dirty="0"/>
           </a:p>
@@ -20395,7 +22510,61 @@
       </p:sp>
       <p:pic>
         <p:nvPicPr>
-          <p:cNvPr id="4098" name="Picture 2"/>
+          <p:cNvPr id="1026" name="Picture 2"/>
+          <p:cNvPicPr>
+            <a:picLocks noChangeAspect="1" noChangeArrowheads="1"/>
+          </p:cNvPicPr>
+          <p:nvPr/>
+        </p:nvPicPr>
+        <p:blipFill>
+          <a:blip r:embed="rId2">
+            <a:extLst>
+              <a:ext uri="{28A0092B-C50C-407E-A947-70E740481C1C}">
+                <a14:useLocalDpi xmlns:a14="http://schemas.microsoft.com/office/drawing/2010/main" val="0"/>
+              </a:ext>
+            </a:extLst>
+          </a:blip>
+          <a:srcRect/>
+          <a:stretch>
+            <a:fillRect/>
+          </a:stretch>
+        </p:blipFill>
+        <p:spPr bwMode="auto">
+          <a:xfrm>
+            <a:off x="251518" y="2319923"/>
+            <a:ext cx="4536506" cy="3998550"/>
+          </a:xfrm>
+          <a:prstGeom prst="rect">
+            <a:avLst/>
+          </a:prstGeom>
+          <a:noFill/>
+          <a:ln>
+            <a:noFill/>
+          </a:ln>
+          <a:extLst>
+            <a:ext uri="{909E8E84-426E-40DD-AFC4-6F175D3DCCD1}">
+              <a14:hiddenFill xmlns:a14="http://schemas.microsoft.com/office/drawing/2010/main">
+                <a:solidFill>
+                  <a:schemeClr val="accent1"/>
+                </a:solidFill>
+              </a14:hiddenFill>
+            </a:ext>
+            <a:ext uri="{91240B29-F687-4F45-9708-019B960494DF}">
+              <a14:hiddenLine xmlns:a14="http://schemas.microsoft.com/office/drawing/2010/main" w="9525">
+                <a:solidFill>
+                  <a:schemeClr val="tx1"/>
+                </a:solidFill>
+                <a:miter lim="800000"/>
+                <a:headEnd/>
+                <a:tailEnd/>
+              </a14:hiddenLine>
+            </a:ext>
+          </a:extLst>
+        </p:spPr>
+      </p:pic>
+      <p:pic>
+        <p:nvPicPr>
+          <p:cNvPr id="1027" name="Picture 3"/>
           <p:cNvPicPr>
             <a:picLocks noChangeAspect="1" noChangeArrowheads="1"/>
           </p:cNvPicPr>
@@ -20416,16 +22585,80 @@
         </p:blipFill>
         <p:spPr bwMode="auto">
           <a:xfrm>
-            <a:off x="4427984" y="3140968"/>
-            <a:ext cx="4478167" cy="3258308"/>
+            <a:off x="3275856" y="5968230"/>
+            <a:ext cx="5436603" cy="700485"/>
           </a:xfrm>
           <a:prstGeom prst="rect">
             <a:avLst/>
           </a:prstGeom>
-          <a:noFill/>
-          <a:ln>
-            <a:noFill/>
+          <a:ln w="38100" cap="sq">
+            <a:solidFill>
+              <a:srgbClr val="000000"/>
+            </a:solidFill>
+            <a:prstDash val="solid"/>
+            <a:miter lim="800000"/>
           </a:ln>
+          <a:effectLst>
+            <a:outerShdw blurRad="50800" dist="38100" dir="2700000" algn="tl" rotWithShape="0">
+              <a:srgbClr val="000000">
+                <a:alpha val="43000"/>
+              </a:srgbClr>
+            </a:outerShdw>
+          </a:effectLst>
+          <a:extLst>
+            <a:ext uri="{909E8E84-426E-40DD-AFC4-6F175D3DCCD1}">
+              <a14:hiddenFill xmlns:a14="http://schemas.microsoft.com/office/drawing/2010/main">
+                <a:solidFill>
+                  <a:schemeClr val="accent1"/>
+                </a:solidFill>
+              </a14:hiddenFill>
+            </a:ext>
+          </a:extLst>
+        </p:spPr>
+      </p:pic>
+      <p:pic>
+        <p:nvPicPr>
+          <p:cNvPr id="1028" name="Picture 4"/>
+          <p:cNvPicPr>
+            <a:picLocks noChangeAspect="1" noChangeArrowheads="1"/>
+          </p:cNvPicPr>
+          <p:nvPr/>
+        </p:nvPicPr>
+        <p:blipFill>
+          <a:blip r:embed="rId4">
+            <a:extLst>
+              <a:ext uri="{28A0092B-C50C-407E-A947-70E740481C1C}">
+                <a14:useLocalDpi xmlns:a14="http://schemas.microsoft.com/office/drawing/2010/main" val="0"/>
+              </a:ext>
+            </a:extLst>
+          </a:blip>
+          <a:srcRect/>
+          <a:stretch>
+            <a:fillRect/>
+          </a:stretch>
+        </p:blipFill>
+        <p:spPr bwMode="auto">
+          <a:xfrm>
+            <a:off x="4047097" y="3534699"/>
+            <a:ext cx="4968552" cy="1142084"/>
+          </a:xfrm>
+          <a:prstGeom prst="rect">
+            <a:avLst/>
+          </a:prstGeom>
+          <a:ln w="38100" cap="sq">
+            <a:solidFill>
+              <a:srgbClr val="000000"/>
+            </a:solidFill>
+            <a:prstDash val="solid"/>
+            <a:miter lim="800000"/>
+          </a:ln>
+          <a:effectLst>
+            <a:outerShdw blurRad="50800" dist="38100" dir="2700000" algn="tl" rotWithShape="0">
+              <a:srgbClr val="000000">
+                <a:alpha val="43000"/>
+              </a:srgbClr>
+            </a:outerShdw>
+          </a:effectLst>
           <a:extLst>
             <a:ext uri="{909E8E84-426E-40DD-AFC4-6F175D3DCCD1}">
               <a14:hiddenFill xmlns:a14="http://schemas.microsoft.com/office/drawing/2010/main">
@@ -20447,10 +22680,100 @@
           </a:extLst>
         </p:spPr>
       </p:pic>
+      <p:sp>
+        <p:nvSpPr>
+          <p:cNvPr id="7" name="ZoneTexte 6"/>
+          <p:cNvSpPr txBox="1"/>
+          <p:nvPr/>
+        </p:nvSpPr>
+        <p:spPr>
+          <a:xfrm>
+            <a:off x="323528" y="1907540"/>
+            <a:ext cx="3312370" cy="369332"/>
+          </a:xfrm>
+          <a:prstGeom prst="rect">
+            <a:avLst/>
+          </a:prstGeom>
+          <a:noFill/>
+        </p:spPr>
+        <p:txBody>
+          <a:bodyPr wrap="square" rtlCol="0">
+            <a:spAutoFit/>
+          </a:bodyPr>
+          <a:lstStyle/>
+          <a:p>
+            <a:r>
+              <a:rPr lang="fr-FR" dirty="0" smtClean="0"/>
+              <a:t>Définition de la directive en JS :</a:t>
+            </a:r>
+            <a:endParaRPr lang="fr-FR" dirty="0"/>
+          </a:p>
+        </p:txBody>
+      </p:sp>
+      <p:sp>
+        <p:nvSpPr>
+          <p:cNvPr id="11" name="ZoneTexte 10"/>
+          <p:cNvSpPr txBox="1"/>
+          <p:nvPr/>
+        </p:nvSpPr>
+        <p:spPr>
+          <a:xfrm>
+            <a:off x="4896035" y="3074485"/>
+            <a:ext cx="3312370" cy="369332"/>
+          </a:xfrm>
+          <a:prstGeom prst="rect">
+            <a:avLst/>
+          </a:prstGeom>
+          <a:noFill/>
+        </p:spPr>
+        <p:txBody>
+          <a:bodyPr wrap="square" rtlCol="0">
+            <a:spAutoFit/>
+          </a:bodyPr>
+          <a:lstStyle/>
+          <a:p>
+            <a:r>
+              <a:rPr lang="fr-FR" dirty="0" smtClean="0"/>
+              <a:t>Template associé à la directive:</a:t>
+            </a:r>
+            <a:endParaRPr lang="fr-FR" dirty="0"/>
+          </a:p>
+        </p:txBody>
+      </p:sp>
+      <p:sp>
+        <p:nvSpPr>
+          <p:cNvPr id="12" name="ZoneTexte 11"/>
+          <p:cNvSpPr txBox="1"/>
+          <p:nvPr/>
+        </p:nvSpPr>
+        <p:spPr>
+          <a:xfrm>
+            <a:off x="5004048" y="5589101"/>
+            <a:ext cx="3312370" cy="369332"/>
+          </a:xfrm>
+          <a:prstGeom prst="rect">
+            <a:avLst/>
+          </a:prstGeom>
+          <a:noFill/>
+        </p:spPr>
+        <p:txBody>
+          <a:bodyPr wrap="square" rtlCol="0">
+            <a:spAutoFit/>
+          </a:bodyPr>
+          <a:lstStyle/>
+          <a:p>
+            <a:r>
+              <a:rPr lang="fr-FR" dirty="0" smtClean="0"/>
+              <a:t>Invocation de la directive :</a:t>
+            </a:r>
+            <a:endParaRPr lang="fr-FR" dirty="0"/>
+          </a:p>
+        </p:txBody>
+      </p:sp>
     </p:spTree>
     <p:extLst>
       <p:ext uri="{BB962C8B-B14F-4D97-AF65-F5344CB8AC3E}">
-        <p14:creationId xmlns:p14="http://schemas.microsoft.com/office/powerpoint/2010/main" val="507424033"/>
+        <p14:creationId xmlns:p14="http://schemas.microsoft.com/office/powerpoint/2010/main" val="1775639800"/>
       </p:ext>
     </p:extLst>
   </p:cSld>
@@ -20486,132 +22809,7 @@
       </p:grpSpPr>
       <p:sp>
         <p:nvSpPr>
-          <p:cNvPr id="3" name="Espace réservé du contenu 2"/>
-          <p:cNvSpPr>
-            <a:spLocks noGrp="1"/>
-          </p:cNvSpPr>
-          <p:nvPr>
-            <p:ph idx="1"/>
-          </p:nvPr>
-        </p:nvSpPr>
-        <p:spPr/>
-        <p:txBody>
-          <a:bodyPr>
-            <a:normAutofit fontScale="92500"/>
-          </a:bodyPr>
-          <a:lstStyle/>
-          <a:p>
-            <a:r>
-              <a:rPr lang="fr-FR" dirty="0" smtClean="0"/>
-              <a:t>v2 : Refonte du Framework (</a:t>
-            </a:r>
-            <a:r>
-              <a:rPr lang="fr-FR" dirty="0" err="1" smtClean="0"/>
-              <a:t>Typescript</a:t>
-            </a:r>
-            <a:r>
-              <a:rPr lang="fr-FR" dirty="0" smtClean="0"/>
-              <a:t>, décorateurs, composants…)</a:t>
-            </a:r>
-          </a:p>
-          <a:p>
-            <a:r>
-              <a:rPr lang="fr-FR" dirty="0" smtClean="0"/>
-              <a:t>V3 : Pas de version afin de synchroniser le </a:t>
-            </a:r>
-            <a:r>
-              <a:rPr lang="fr-FR" dirty="0" err="1" smtClean="0"/>
-              <a:t>core</a:t>
-            </a:r>
-            <a:r>
-              <a:rPr lang="fr-FR" dirty="0" smtClean="0"/>
-              <a:t> avec les routes, déjà en v4</a:t>
-            </a:r>
-          </a:p>
-          <a:p>
-            <a:r>
-              <a:rPr lang="fr-FR" dirty="0" smtClean="0"/>
-              <a:t>V4 : AOT optimisé (pré-</a:t>
-            </a:r>
-            <a:r>
-              <a:rPr lang="fr-FR" dirty="0" err="1" smtClean="0"/>
-              <a:t>build</a:t>
-            </a:r>
-            <a:r>
-              <a:rPr lang="fr-FR" dirty="0" smtClean="0"/>
-              <a:t> côté serveur), animations dans une dépendances isolée…</a:t>
-            </a:r>
-          </a:p>
-          <a:p>
-            <a:r>
-              <a:rPr lang="fr-FR" dirty="0" smtClean="0"/>
-              <a:t>V5 : http déprécié, 1 composant/ N alias, nouveaux pipes</a:t>
-            </a:r>
-          </a:p>
-          <a:p>
-            <a:r>
-              <a:rPr lang="fr-FR" dirty="0" smtClean="0"/>
-              <a:t>V6 : </a:t>
-            </a:r>
-            <a:r>
-              <a:rPr lang="fr-FR" dirty="0" err="1" smtClean="0"/>
-              <a:t>Angular</a:t>
-            </a:r>
-            <a:r>
-              <a:rPr lang="fr-FR" dirty="0" smtClean="0"/>
-              <a:t> </a:t>
-            </a:r>
-            <a:r>
-              <a:rPr lang="fr-FR" dirty="0" err="1" smtClean="0"/>
-              <a:t>Elements</a:t>
-            </a:r>
-            <a:r>
-              <a:rPr lang="fr-FR" dirty="0" smtClean="0"/>
-              <a:t>, </a:t>
-            </a:r>
-            <a:r>
-              <a:rPr lang="fr-FR" dirty="0" err="1" smtClean="0"/>
-              <a:t>Ivy</a:t>
-            </a:r>
-            <a:r>
-              <a:rPr lang="fr-FR" dirty="0" smtClean="0"/>
-              <a:t> (en cours), </a:t>
-            </a:r>
-            <a:r>
-              <a:rPr lang="fr-FR" dirty="0" err="1" smtClean="0"/>
-              <a:t>Tree</a:t>
-            </a:r>
-            <a:r>
-              <a:rPr lang="fr-FR" dirty="0" smtClean="0"/>
-              <a:t> </a:t>
-            </a:r>
-            <a:r>
-              <a:rPr lang="fr-FR" dirty="0" err="1" smtClean="0"/>
-              <a:t>shaking</a:t>
-            </a:r>
-            <a:r>
-              <a:rPr lang="fr-FR" dirty="0" smtClean="0"/>
-              <a:t>, </a:t>
-            </a:r>
-            <a:r>
-              <a:rPr lang="fr-FR" dirty="0" err="1" smtClean="0"/>
-              <a:t>ng</a:t>
-            </a:r>
-            <a:r>
-              <a:rPr lang="fr-FR" dirty="0" smtClean="0"/>
-              <a:t>-update &amp; </a:t>
-            </a:r>
-            <a:r>
-              <a:rPr lang="fr-FR" dirty="0" err="1" smtClean="0"/>
-              <a:t>ng-add</a:t>
-            </a:r>
-            <a:endParaRPr lang="fr-FR" dirty="0"/>
-          </a:p>
-        </p:txBody>
-      </p:sp>
-      <p:sp>
-        <p:nvSpPr>
-          <p:cNvPr id="2" name="Titre 1"/>
+          <p:cNvPr id="3" name="Titre 2"/>
           <p:cNvSpPr>
             <a:spLocks noGrp="1"/>
           </p:cNvSpPr>
@@ -20626,7 +22824,7 @@
           <a:p>
             <a:r>
               <a:rPr lang="fr-FR" dirty="0" smtClean="0"/>
-              <a:t>Historique d’</a:t>
+              <a:t>Une directive avec </a:t>
             </a:r>
             <a:r>
               <a:rPr lang="fr-FR" dirty="0" err="1" smtClean="0"/>
@@ -20634,16 +22832,194 @@
             </a:r>
             <a:r>
               <a:rPr lang="fr-FR" dirty="0" smtClean="0"/>
-              <a:t> </a:t>
+              <a:t> 2+</a:t>
             </a:r>
             <a:endParaRPr lang="fr-FR" dirty="0"/>
           </a:p>
         </p:txBody>
       </p:sp>
+      <p:sp>
+        <p:nvSpPr>
+          <p:cNvPr id="7" name="ZoneTexte 6"/>
+          <p:cNvSpPr txBox="1"/>
+          <p:nvPr/>
+        </p:nvSpPr>
+        <p:spPr>
+          <a:xfrm>
+            <a:off x="251518" y="1844824"/>
+            <a:ext cx="3600402" cy="646331"/>
+          </a:xfrm>
+          <a:prstGeom prst="rect">
+            <a:avLst/>
+          </a:prstGeom>
+          <a:noFill/>
+        </p:spPr>
+        <p:txBody>
+          <a:bodyPr wrap="square" rtlCol="0">
+            <a:spAutoFit/>
+          </a:bodyPr>
+          <a:lstStyle/>
+          <a:p>
+            <a:r>
+              <a:rPr lang="fr-FR" dirty="0" smtClean="0"/>
+              <a:t>Définition du composant avec sélecteur de type attribut en TS:</a:t>
+            </a:r>
+            <a:endParaRPr lang="fr-FR" dirty="0"/>
+          </a:p>
+        </p:txBody>
+      </p:sp>
+      <p:sp>
+        <p:nvSpPr>
+          <p:cNvPr id="12" name="ZoneTexte 11"/>
+          <p:cNvSpPr txBox="1"/>
+          <p:nvPr/>
+        </p:nvSpPr>
+        <p:spPr>
+          <a:xfrm>
+            <a:off x="5839034" y="3388447"/>
+            <a:ext cx="3312370" cy="369332"/>
+          </a:xfrm>
+          <a:prstGeom prst="rect">
+            <a:avLst/>
+          </a:prstGeom>
+          <a:noFill/>
+        </p:spPr>
+        <p:txBody>
+          <a:bodyPr wrap="square" rtlCol="0">
+            <a:spAutoFit/>
+          </a:bodyPr>
+          <a:lstStyle/>
+          <a:p>
+            <a:r>
+              <a:rPr lang="fr-FR" dirty="0" smtClean="0"/>
+              <a:t>Invocation du composant :</a:t>
+            </a:r>
+            <a:endParaRPr lang="fr-FR" dirty="0"/>
+          </a:p>
+        </p:txBody>
+      </p:sp>
+      <p:pic>
+        <p:nvPicPr>
+          <p:cNvPr id="2052" name="Picture 4"/>
+          <p:cNvPicPr>
+            <a:picLocks noChangeAspect="1" noChangeArrowheads="1"/>
+          </p:cNvPicPr>
+          <p:nvPr/>
+        </p:nvPicPr>
+        <p:blipFill>
+          <a:blip r:embed="rId3">
+            <a:extLst>
+              <a:ext uri="{28A0092B-C50C-407E-A947-70E740481C1C}">
+                <a14:useLocalDpi xmlns:a14="http://schemas.microsoft.com/office/drawing/2010/main" val="0"/>
+              </a:ext>
+            </a:extLst>
+          </a:blip>
+          <a:srcRect/>
+          <a:stretch>
+            <a:fillRect/>
+          </a:stretch>
+        </p:blipFill>
+        <p:spPr bwMode="auto">
+          <a:xfrm>
+            <a:off x="251517" y="2479142"/>
+            <a:ext cx="5392471" cy="3758170"/>
+          </a:xfrm>
+          <a:prstGeom prst="rect">
+            <a:avLst/>
+          </a:prstGeom>
+          <a:noFill/>
+          <a:ln>
+            <a:noFill/>
+          </a:ln>
+          <a:extLst>
+            <a:ext uri="{909E8E84-426E-40DD-AFC4-6F175D3DCCD1}">
+              <a14:hiddenFill xmlns:a14="http://schemas.microsoft.com/office/drawing/2010/main">
+                <a:solidFill>
+                  <a:schemeClr val="accent1"/>
+                </a:solidFill>
+              </a14:hiddenFill>
+            </a:ext>
+            <a:ext uri="{91240B29-F687-4F45-9708-019B960494DF}">
+              <a14:hiddenLine xmlns:a14="http://schemas.microsoft.com/office/drawing/2010/main" w="9525">
+                <a:solidFill>
+                  <a:schemeClr val="tx1"/>
+                </a:solidFill>
+                <a:miter lim="800000"/>
+                <a:headEnd/>
+                <a:tailEnd/>
+              </a14:hiddenLine>
+            </a:ext>
+          </a:extLst>
+        </p:spPr>
+      </p:pic>
+      <p:pic>
+        <p:nvPicPr>
+          <p:cNvPr id="2051" name="Picture 3"/>
+          <p:cNvPicPr>
+            <a:picLocks noChangeAspect="1" noChangeArrowheads="1"/>
+          </p:cNvPicPr>
+          <p:nvPr/>
+        </p:nvPicPr>
+        <p:blipFill>
+          <a:blip r:embed="rId4">
+            <a:extLst>
+              <a:ext uri="{28A0092B-C50C-407E-A947-70E740481C1C}">
+                <a14:useLocalDpi xmlns:a14="http://schemas.microsoft.com/office/drawing/2010/main" val="0"/>
+              </a:ext>
+            </a:extLst>
+          </a:blip>
+          <a:srcRect/>
+          <a:stretch>
+            <a:fillRect/>
+          </a:stretch>
+        </p:blipFill>
+        <p:spPr bwMode="auto">
+          <a:xfrm>
+            <a:off x="3851920" y="3789040"/>
+            <a:ext cx="5112568" cy="578782"/>
+          </a:xfrm>
+          <a:prstGeom prst="rect">
+            <a:avLst/>
+          </a:prstGeom>
+          <a:ln w="38100" cap="sq">
+            <a:solidFill>
+              <a:srgbClr val="000000"/>
+            </a:solidFill>
+            <a:prstDash val="solid"/>
+            <a:miter lim="800000"/>
+          </a:ln>
+          <a:effectLst>
+            <a:outerShdw blurRad="50800" dist="38100" dir="2700000" algn="tl" rotWithShape="0">
+              <a:srgbClr val="000000">
+                <a:alpha val="43000"/>
+              </a:srgbClr>
+            </a:outerShdw>
+          </a:effectLst>
+          <a:extLst>
+            <a:ext uri="{909E8E84-426E-40DD-AFC4-6F175D3DCCD1}">
+              <a14:hiddenFill xmlns:a14="http://schemas.microsoft.com/office/drawing/2010/main">
+                <a:solidFill>
+                  <a:schemeClr val="accent1"/>
+                </a:solidFill>
+              </a14:hiddenFill>
+            </a:ext>
+            <a:ext uri="{91240B29-F687-4F45-9708-019B960494DF}">
+              <a14:hiddenLine xmlns:a14="http://schemas.microsoft.com/office/drawing/2010/main" w="9525">
+                <a:solidFill>
+                  <a:schemeClr val="tx1"/>
+                </a:solidFill>
+                <a:miter lim="800000"/>
+                <a:headEnd/>
+                <a:tailEnd/>
+              </a14:hiddenLine>
+            </a:ext>
+          </a:extLst>
+        </p:spPr>
+      </p:pic>
     </p:spTree>
     <p:extLst>
       <p:ext uri="{BB962C8B-B14F-4D97-AF65-F5344CB8AC3E}">
-        <p14:creationId xmlns:p14="http://schemas.microsoft.com/office/powerpoint/2010/main" val="3394142483"/>
+        <p14:creationId xmlns:p14="http://schemas.microsoft.com/office/powerpoint/2010/main" val="4272149740"/>
       </p:ext>
     </p:extLst>
   </p:cSld>
@@ -20687,35 +23063,92 @@
             <p:ph idx="1"/>
           </p:nvPr>
         </p:nvSpPr>
-        <p:spPr/>
+        <p:spPr>
+          <a:xfrm>
+            <a:off x="251520" y="2204864"/>
+            <a:ext cx="4320480" cy="4186287"/>
+          </a:xfrm>
+        </p:spPr>
         <p:txBody>
           <a:bodyPr>
-            <a:normAutofit/>
+            <a:normAutofit lnSpcReduction="10000"/>
           </a:bodyPr>
           <a:lstStyle/>
           <a:p>
             <a:r>
+              <a:rPr lang="fr-FR" dirty="0" smtClean="0"/>
+              <a:t>Créer les fichiers suivants :</a:t>
+            </a:r>
+          </a:p>
+          <a:p>
+            <a:pPr lvl="1"/>
+            <a:r>
+              <a:rPr lang="fr-FR" dirty="0" smtClean="0"/>
+              <a:t>Index.html</a:t>
+            </a:r>
+          </a:p>
+          <a:p>
+            <a:pPr lvl="1"/>
+            <a:r>
               <a:rPr lang="fr-FR" dirty="0" err="1" smtClean="0"/>
-              <a:t>StarterKit</a:t>
+              <a:t>Main.ts</a:t>
             </a:r>
             <a:r>
               <a:rPr lang="fr-FR" dirty="0" smtClean="0"/>
-              <a:t> : </a:t>
-            </a:r>
+              <a:t> &amp; </a:t>
+            </a:r>
+            <a:r>
+              <a:rPr lang="fr-FR" dirty="0" err="1" smtClean="0"/>
+              <a:t>student.ts</a:t>
+            </a:r>
+            <a:endParaRPr lang="fr-FR" dirty="0" smtClean="0"/>
           </a:p>
           <a:p>
             <a:pPr lvl="1"/>
             <a:r>
               <a:rPr lang="fr-FR" dirty="0" err="1" smtClean="0"/>
-              <a:t>angular.json</a:t>
+              <a:t>Tsconfig.json</a:t>
             </a:r>
             <a:endParaRPr lang="fr-FR" dirty="0" smtClean="0"/>
           </a:p>
           <a:p>
             <a:pPr lvl="1"/>
             <a:r>
-              <a:rPr lang="fr-FR" dirty="0"/>
-              <a:t>Dépendances du </a:t>
+              <a:rPr lang="fr-FR" dirty="0" err="1" smtClean="0"/>
+              <a:t>Webpack.config.json</a:t>
+            </a:r>
+            <a:endParaRPr lang="fr-FR" dirty="0" smtClean="0"/>
+          </a:p>
+          <a:p>
+            <a:r>
+              <a:rPr lang="fr-FR" dirty="0" smtClean="0"/>
+              <a:t>Configurer </a:t>
+            </a:r>
+            <a:r>
+              <a:rPr lang="fr-FR" dirty="0" err="1" smtClean="0"/>
+              <a:t>ts</a:t>
+            </a:r>
+            <a:r>
+              <a:rPr lang="fr-FR" dirty="0" smtClean="0"/>
+              <a:t>-loader</a:t>
+            </a:r>
+          </a:p>
+          <a:p>
+            <a:r>
+              <a:rPr lang="fr-FR" dirty="0" smtClean="0"/>
+              <a:t>Ajouter le script d’exécution du </a:t>
+            </a:r>
+            <a:r>
+              <a:rPr lang="fr-FR" dirty="0" err="1" smtClean="0"/>
+              <a:t>webpack</a:t>
+            </a:r>
+            <a:r>
+              <a:rPr lang="fr-FR" dirty="0" smtClean="0"/>
+              <a:t> </a:t>
+            </a:r>
+            <a:r>
+              <a:rPr lang="fr-FR" dirty="0" smtClean="0"/>
+              <a:t>local au </a:t>
             </a:r>
             <a:r>
               <a:rPr lang="fr-FR" dirty="0" err="1" smtClean="0"/>
@@ -20724,68 +23157,22 @@
             <a:endParaRPr lang="fr-FR" dirty="0" smtClean="0"/>
           </a:p>
           <a:p>
-            <a:pPr lvl="1"/>
-            <a:r>
-              <a:rPr lang="fr-FR" dirty="0" err="1"/>
-              <a:t>tslint</a:t>
-            </a:r>
-            <a:r>
-              <a:rPr lang="fr-FR" dirty="0"/>
-              <a:t> &amp; </a:t>
-            </a:r>
-            <a:r>
-              <a:rPr lang="fr-FR" dirty="0" err="1"/>
-              <a:t>tsconfig.json</a:t>
-            </a:r>
-            <a:endParaRPr lang="fr-FR" dirty="0"/>
-          </a:p>
-          <a:p>
             <a:r>
               <a:rPr lang="fr-FR" dirty="0" smtClean="0"/>
-              <a:t>Architecture du projet : </a:t>
-            </a:r>
-          </a:p>
-          <a:p>
-            <a:pPr lvl="1"/>
-            <a:r>
-              <a:rPr lang="fr-FR" dirty="0" err="1" smtClean="0"/>
-              <a:t>Src</a:t>
+              <a:t>Compiler puis </a:t>
             </a:r>
             <a:r>
               <a:rPr lang="fr-FR" dirty="0" smtClean="0"/>
-              <a:t>/</a:t>
-            </a:r>
-            <a:r>
-              <a:rPr lang="fr-FR" dirty="0" err="1" smtClean="0"/>
-              <a:t>app</a:t>
-            </a:r>
-            <a:endParaRPr lang="fr-FR" dirty="0" smtClean="0"/>
-          </a:p>
-          <a:p>
-            <a:pPr lvl="1"/>
-            <a:r>
-              <a:rPr lang="fr-FR" dirty="0" err="1" smtClean="0"/>
-              <a:t>Src</a:t>
+              <a:t>ouvrir </a:t>
             </a:r>
             <a:r>
               <a:rPr lang="fr-FR" dirty="0" smtClean="0"/>
-              <a:t>/</a:t>
-            </a:r>
-            <a:r>
-              <a:rPr lang="fr-FR" dirty="0" err="1" smtClean="0"/>
-              <a:t>envrionments</a:t>
-            </a:r>
-            <a:endParaRPr lang="fr-FR" dirty="0"/>
-          </a:p>
-          <a:p>
-            <a:pPr lvl="1"/>
+              <a:t>le fichier </a:t>
+            </a:r>
             <a:r>
               <a:rPr lang="fr-FR" dirty="0" smtClean="0"/>
-              <a:t>e2e</a:t>
-            </a:r>
-          </a:p>
-          <a:p>
-            <a:endParaRPr lang="fr-FR" dirty="0"/>
+              <a:t>bundle.js</a:t>
+            </a:r>
           </a:p>
         </p:txBody>
       </p:sp>
@@ -20806,24 +23193,74 @@
           <a:p>
             <a:r>
               <a:rPr lang="fr-FR" dirty="0" smtClean="0"/>
-              <a:t>@</a:t>
+              <a:t>TP </a:t>
             </a:r>
             <a:r>
               <a:rPr lang="fr-FR" dirty="0" err="1" smtClean="0"/>
-              <a:t>angular</a:t>
-            </a:r>
-            <a:r>
-              <a:rPr lang="fr-FR" dirty="0" smtClean="0"/>
-              <a:t>/cli</a:t>
+              <a:t>Typescript</a:t>
             </a:r>
             <a:endParaRPr lang="fr-FR" dirty="0"/>
           </a:p>
         </p:txBody>
       </p:sp>
+      <p:pic>
+        <p:nvPicPr>
+          <p:cNvPr id="4098" name="Picture 2"/>
+          <p:cNvPicPr>
+            <a:picLocks noChangeAspect="1" noChangeArrowheads="1"/>
+          </p:cNvPicPr>
+          <p:nvPr/>
+        </p:nvPicPr>
+        <p:blipFill>
+          <a:blip r:embed="rId3">
+            <a:extLst>
+              <a:ext uri="{28A0092B-C50C-407E-A947-70E740481C1C}">
+                <a14:useLocalDpi xmlns:a14="http://schemas.microsoft.com/office/drawing/2010/main" val="0"/>
+              </a:ext>
+            </a:extLst>
+          </a:blip>
+          <a:srcRect/>
+          <a:stretch>
+            <a:fillRect/>
+          </a:stretch>
+        </p:blipFill>
+        <p:spPr bwMode="auto">
+          <a:xfrm>
+            <a:off x="4427984" y="3140968"/>
+            <a:ext cx="4478167" cy="3258308"/>
+          </a:xfrm>
+          <a:prstGeom prst="rect">
+            <a:avLst/>
+          </a:prstGeom>
+          <a:noFill/>
+          <a:ln>
+            <a:noFill/>
+          </a:ln>
+          <a:extLst>
+            <a:ext uri="{909E8E84-426E-40DD-AFC4-6F175D3DCCD1}">
+              <a14:hiddenFill xmlns:a14="http://schemas.microsoft.com/office/drawing/2010/main">
+                <a:solidFill>
+                  <a:schemeClr val="accent1"/>
+                </a:solidFill>
+              </a14:hiddenFill>
+            </a:ext>
+            <a:ext uri="{91240B29-F687-4F45-9708-019B960494DF}">
+              <a14:hiddenLine xmlns:a14="http://schemas.microsoft.com/office/drawing/2010/main" w="9525">
+                <a:solidFill>
+                  <a:schemeClr val="tx1"/>
+                </a:solidFill>
+                <a:miter lim="800000"/>
+                <a:headEnd/>
+                <a:tailEnd/>
+              </a14:hiddenLine>
+            </a:ext>
+          </a:extLst>
+        </p:spPr>
+      </p:pic>
     </p:spTree>
     <p:extLst>
       <p:ext uri="{BB962C8B-B14F-4D97-AF65-F5344CB8AC3E}">
-        <p14:creationId xmlns:p14="http://schemas.microsoft.com/office/powerpoint/2010/main" val="4071396687"/>
+        <p14:creationId xmlns:p14="http://schemas.microsoft.com/office/powerpoint/2010/main" val="507424033"/>
       </p:ext>
     </p:extLst>
   </p:cSld>
@@ -20867,21 +23304,64 @@
             <p:ph idx="1"/>
           </p:nvPr>
         </p:nvSpPr>
-        <p:spPr>
-          <a:xfrm>
-            <a:off x="179512" y="2204864"/>
-            <a:ext cx="4420013" cy="4104456"/>
-          </a:xfrm>
-        </p:spPr>
+        <p:spPr/>
         <p:txBody>
           <a:bodyPr>
-            <a:normAutofit/>
+            <a:normAutofit fontScale="92500"/>
           </a:bodyPr>
           <a:lstStyle/>
           <a:p>
             <a:r>
               <a:rPr lang="fr-FR" dirty="0" smtClean="0"/>
-              <a:t>Installer le client </a:t>
+              <a:t>v2 : Refonte du Framework (</a:t>
+            </a:r>
+            <a:r>
+              <a:rPr lang="fr-FR" dirty="0" err="1" smtClean="0"/>
+              <a:t>Typescript</a:t>
+            </a:r>
+            <a:r>
+              <a:rPr lang="fr-FR" dirty="0" smtClean="0"/>
+              <a:t>, décorateurs, composants…)</a:t>
+            </a:r>
+          </a:p>
+          <a:p>
+            <a:r>
+              <a:rPr lang="fr-FR" dirty="0" smtClean="0"/>
+              <a:t>V3 : Pas de version afin de synchroniser le </a:t>
+            </a:r>
+            <a:r>
+              <a:rPr lang="fr-FR" dirty="0" err="1" smtClean="0"/>
+              <a:t>core</a:t>
+            </a:r>
+            <a:r>
+              <a:rPr lang="fr-FR" dirty="0" smtClean="0"/>
+              <a:t> avec les routes, déjà en v4</a:t>
+            </a:r>
+          </a:p>
+          <a:p>
+            <a:r>
+              <a:rPr lang="fr-FR" dirty="0" smtClean="0"/>
+              <a:t>V4 : AOT optimisé (pré-</a:t>
+            </a:r>
+            <a:r>
+              <a:rPr lang="fr-FR" dirty="0" err="1" smtClean="0"/>
+              <a:t>build</a:t>
+            </a:r>
+            <a:r>
+              <a:rPr lang="fr-FR" dirty="0" smtClean="0"/>
+              <a:t> côté serveur), animations dans une dépendances isolée…</a:t>
+            </a:r>
+          </a:p>
+          <a:p>
+            <a:r>
+              <a:rPr lang="fr-FR" dirty="0" smtClean="0"/>
+              <a:t>V5 : http déprécié, 1 composant/ N alias, nouveaux pipes</a:t>
+            </a:r>
+          </a:p>
+          <a:p>
+            <a:r>
+              <a:rPr lang="fr-FR" dirty="0" smtClean="0"/>
+              <a:t>V6 : </a:t>
             </a:r>
             <a:r>
               <a:rPr lang="fr-FR" dirty="0" err="1" smtClean="0"/>
@@ -20889,34 +23369,52 @@
             </a:r>
             <a:r>
               <a:rPr lang="fr-FR" dirty="0" smtClean="0"/>
-              <a:t> en global</a:t>
-            </a:r>
-          </a:p>
-          <a:p>
+              <a:t> </a:t>
+            </a:r>
+            <a:r>
+              <a:rPr lang="fr-FR" dirty="0" err="1" smtClean="0"/>
+              <a:t>Elements</a:t>
+            </a:r>
             <a:r>
               <a:rPr lang="fr-FR" dirty="0" smtClean="0"/>
-              <a:t>Générer un nouveau projet avec le client</a:t>
-            </a:r>
-          </a:p>
-          <a:p>
+              <a:t>, </a:t>
+            </a:r>
+            <a:r>
+              <a:rPr lang="fr-FR" dirty="0" err="1" smtClean="0"/>
+              <a:t>Ivy</a:t>
+            </a:r>
             <a:r>
               <a:rPr lang="fr-FR" dirty="0" smtClean="0"/>
-              <a:t>Analyser les fichiers de la racine</a:t>
-            </a:r>
-          </a:p>
-          <a:p>
-            <a:r>
-              <a:rPr lang="fr-FR" dirty="0"/>
-              <a:t>Lancer le serveur</a:t>
-            </a:r>
-          </a:p>
-          <a:p>
-            <a:r>
-              <a:rPr lang="fr-FR" dirty="0"/>
-              <a:t>Dans la console chrome analyser les fichiers récupérés</a:t>
-            </a:r>
-          </a:p>
-          <a:p>
+              <a:t> (en cours), </a:t>
+            </a:r>
+            <a:r>
+              <a:rPr lang="fr-FR" dirty="0" err="1" smtClean="0"/>
+              <a:t>Tree</a:t>
+            </a:r>
+            <a:r>
+              <a:rPr lang="fr-FR" dirty="0" smtClean="0"/>
+              <a:t> </a:t>
+            </a:r>
+            <a:r>
+              <a:rPr lang="fr-FR" dirty="0" err="1" smtClean="0"/>
+              <a:t>shaking</a:t>
+            </a:r>
+            <a:r>
+              <a:rPr lang="fr-FR" dirty="0" smtClean="0"/>
+              <a:t>, </a:t>
+            </a:r>
+            <a:r>
+              <a:rPr lang="fr-FR" dirty="0" err="1" smtClean="0"/>
+              <a:t>ng</a:t>
+            </a:r>
+            <a:r>
+              <a:rPr lang="fr-FR" dirty="0" smtClean="0"/>
+              <a:t>-update &amp; </a:t>
+            </a:r>
+            <a:r>
+              <a:rPr lang="fr-FR" dirty="0" err="1" smtClean="0"/>
+              <a:t>ng-add</a:t>
+            </a:r>
             <a:endParaRPr lang="fr-FR" dirty="0"/>
           </a:p>
         </p:txBody>
@@ -20938,123 +23436,24 @@
           <a:p>
             <a:r>
               <a:rPr lang="fr-FR" dirty="0" smtClean="0"/>
-              <a:t>TP Client </a:t>
+              <a:t>Historique d’</a:t>
             </a:r>
             <a:r>
               <a:rPr lang="fr-FR" dirty="0" err="1" smtClean="0"/>
               <a:t>Angular</a:t>
             </a:r>
+            <a:r>
+              <a:rPr lang="fr-FR" dirty="0" smtClean="0"/>
+              <a:t> </a:t>
+            </a:r>
             <a:endParaRPr lang="fr-FR" dirty="0"/>
           </a:p>
         </p:txBody>
       </p:sp>
-      <p:pic>
-        <p:nvPicPr>
-          <p:cNvPr id="3074" name="Picture 2"/>
-          <p:cNvPicPr>
-            <a:picLocks noChangeAspect="1" noChangeArrowheads="1"/>
-          </p:cNvPicPr>
-          <p:nvPr/>
-        </p:nvPicPr>
-        <p:blipFill>
-          <a:blip r:embed="rId3">
-            <a:extLst>
-              <a:ext uri="{28A0092B-C50C-407E-A947-70E740481C1C}">
-                <a14:useLocalDpi xmlns:a14="http://schemas.microsoft.com/office/drawing/2010/main" val="0"/>
-              </a:ext>
-            </a:extLst>
-          </a:blip>
-          <a:srcRect/>
-          <a:stretch>
-            <a:fillRect/>
-          </a:stretch>
-        </p:blipFill>
-        <p:spPr bwMode="auto">
-          <a:xfrm>
-            <a:off x="4716016" y="1487191"/>
-            <a:ext cx="2448272" cy="3657480"/>
-          </a:xfrm>
-          <a:prstGeom prst="rect">
-            <a:avLst/>
-          </a:prstGeom>
-          <a:noFill/>
-          <a:ln w="9525">
-            <a:solidFill>
-              <a:schemeClr val="accent2"/>
-            </a:solidFill>
-            <a:miter lim="800000"/>
-            <a:headEnd/>
-            <a:tailEnd/>
-          </a:ln>
-          <a:extLst>
-            <a:ext uri="{909E8E84-426E-40DD-AFC4-6F175D3DCCD1}">
-              <a14:hiddenFill xmlns:a14="http://schemas.microsoft.com/office/drawing/2010/main">
-                <a:solidFill>
-                  <a:schemeClr val="accent1"/>
-                </a:solidFill>
-              </a14:hiddenFill>
-            </a:ext>
-          </a:extLst>
-        </p:spPr>
-      </p:pic>
-      <p:pic>
-        <p:nvPicPr>
-          <p:cNvPr id="5" name="Picture 2"/>
-          <p:cNvPicPr>
-            <a:picLocks noChangeAspect="1" noChangeArrowheads="1"/>
-          </p:cNvPicPr>
-          <p:nvPr/>
-        </p:nvPicPr>
-        <p:blipFill>
-          <a:blip r:embed="rId4">
-            <a:extLst>
-              <a:ext uri="{28A0092B-C50C-407E-A947-70E740481C1C}">
-                <a14:useLocalDpi xmlns:a14="http://schemas.microsoft.com/office/drawing/2010/main" val="0"/>
-              </a:ext>
-            </a:extLst>
-          </a:blip>
-          <a:srcRect/>
-          <a:stretch>
-            <a:fillRect/>
-          </a:stretch>
-        </p:blipFill>
-        <p:spPr bwMode="auto">
-          <a:xfrm>
-            <a:off x="6372200" y="3756804"/>
-            <a:ext cx="2523625" cy="3130574"/>
-          </a:xfrm>
-          <a:prstGeom prst="rect">
-            <a:avLst/>
-          </a:prstGeom>
-          <a:noFill/>
-          <a:ln>
-            <a:noFill/>
-          </a:ln>
-          <a:extLst>
-            <a:ext uri="{909E8E84-426E-40DD-AFC4-6F175D3DCCD1}">
-              <a14:hiddenFill xmlns:a14="http://schemas.microsoft.com/office/drawing/2010/main">
-                <a:solidFill>
-                  <a:schemeClr val="accent1"/>
-                </a:solidFill>
-              </a14:hiddenFill>
-            </a:ext>
-            <a:ext uri="{91240B29-F687-4F45-9708-019B960494DF}">
-              <a14:hiddenLine xmlns:a14="http://schemas.microsoft.com/office/drawing/2010/main" w="9525">
-                <a:solidFill>
-                  <a:schemeClr val="tx1"/>
-                </a:solidFill>
-                <a:miter lim="800000"/>
-                <a:headEnd/>
-                <a:tailEnd/>
-              </a14:hiddenLine>
-            </a:ext>
-          </a:extLst>
-        </p:spPr>
-      </p:pic>
     </p:spTree>
     <p:extLst>
       <p:ext uri="{BB962C8B-B14F-4D97-AF65-F5344CB8AC3E}">
-        <p14:creationId xmlns:p14="http://schemas.microsoft.com/office/powerpoint/2010/main" val="3693256250"/>
+        <p14:creationId xmlns:p14="http://schemas.microsoft.com/office/powerpoint/2010/main" val="3394142483"/>
       </p:ext>
     </p:extLst>
   </p:cSld>

--- a/formation_Angular.pptx
+++ b/formation_Angular.pptx
@@ -129,6 +129,22 @@
       </a:defRPr>
     </a:lvl9pPr>
   </p:defaultTextStyle>
+  <p:extLst>
+    <p:ext uri="{EFAFB233-063F-42B5-8137-9DF3F51BA10A}">
+      <p15:sldGuideLst xmlns:p15="http://schemas.microsoft.com/office/powerpoint/2012/main">
+        <p15:guide id="1" orient="horz" pos="2160">
+          <p15:clr>
+            <a:srgbClr val="A4A3A4"/>
+          </p15:clr>
+        </p15:guide>
+        <p15:guide id="2" pos="2880">
+          <p15:clr>
+            <a:srgbClr val="A4A3A4"/>
+          </p15:clr>
+        </p15:guide>
+      </p15:sldGuideLst>
+    </p:ext>
+  </p:extLst>
 </p:presentation>
 </file>
 
@@ -214,7 +230,7 @@
           <a:p>
             <a:fld id="{060E997E-A64A-414F-A106-86024763E701}" type="datetimeFigureOut">
               <a:rPr lang="fr-FR" smtClean="0"/>
-              <a:t>30/05/2018</a:t>
+              <a:t>31/05/2018</a:t>
             </a:fld>
             <a:endParaRPr lang="fr-FR"/>
           </a:p>
@@ -526,6 +542,14 @@
           <a:bodyPr/>
           <a:lstStyle/>
           <a:p>
+            <a:r>
+              <a:rPr lang="fr-FR" dirty="0" smtClean="0"/>
+              <a:t>Expérience VIVARTE : FW </a:t>
+            </a:r>
+            <a:r>
+              <a:rPr lang="fr-FR" dirty="0" err="1" smtClean="0"/>
+              <a:t>JQuery</a:t>
+            </a:r>
             <a:endParaRPr lang="fr-FR" dirty="0"/>
           </a:p>
         </p:txBody>
@@ -610,34 +634,29 @@
           <a:bodyPr/>
           <a:lstStyle/>
           <a:p>
-            <a:r>
-              <a:rPr lang="fr-FR" dirty="0" err="1" smtClean="0"/>
-              <a:t>ng</a:t>
-            </a:r>
+            <a:pPr marL="0" marR="0" indent="0" algn="l" defTabSz="914400" rtl="0" eaLnBrk="1" fontAlgn="auto" latinLnBrk="0" hangingPunct="1">
+              <a:lnSpc>
+                <a:spcPct val="100000"/>
+              </a:lnSpc>
+              <a:spcBef>
+                <a:spcPts val="0"/>
+              </a:spcBef>
+              <a:spcAft>
+                <a:spcPts val="0"/>
+              </a:spcAft>
+              <a:buClrTx/>
+              <a:buSzTx/>
+              <a:buFontTx/>
+              <a:buNone/>
+              <a:tabLst/>
+              <a:defRPr/>
+            </a:pPr>
             <a:r>
               <a:rPr lang="fr-FR" dirty="0" smtClean="0"/>
-              <a:t> </a:t>
-            </a:r>
-            <a:r>
-              <a:rPr lang="fr-FR" dirty="0" err="1" smtClean="0"/>
-              <a:t>generate</a:t>
-            </a:r>
-            <a:r>
-              <a:rPr lang="fr-FR" dirty="0" smtClean="0"/>
-              <a:t> module </a:t>
-            </a:r>
-            <a:r>
-              <a:rPr lang="fr-FR" dirty="0" err="1" smtClean="0"/>
-              <a:t>core</a:t>
-            </a:r>
-            <a:r>
-              <a:rPr lang="fr-FR" dirty="0" smtClean="0"/>
-              <a:t> --</a:t>
-            </a:r>
-            <a:r>
-              <a:rPr lang="fr-FR" dirty="0" err="1" smtClean="0"/>
-              <a:t>routing</a:t>
-            </a:r>
+              <a:t>Ordre de déclaration des routes crucial </a:t>
+            </a:r>
+          </a:p>
+          <a:p>
             <a:endParaRPr lang="fr-FR" dirty="0"/>
           </a:p>
         </p:txBody>
@@ -659,7 +678,7 @@
           <a:p>
             <a:fld id="{FD0CA3AA-443A-466C-BF59-FB6574BB11C3}" type="slidenum">
               <a:rPr lang="fr-FR" smtClean="0"/>
-              <a:t>13</a:t>
+              <a:t>12</a:t>
             </a:fld>
             <a:endParaRPr lang="fr-FR"/>
           </a:p>
@@ -668,7 +687,7 @@
     </p:spTree>
     <p:extLst>
       <p:ext uri="{BB962C8B-B14F-4D97-AF65-F5344CB8AC3E}">
-        <p14:creationId xmlns:p14="http://schemas.microsoft.com/office/powerpoint/2010/main" val="3528251478"/>
+        <p14:creationId xmlns:p14="http://schemas.microsoft.com/office/powerpoint/2010/main" val="3388767870"/>
       </p:ext>
     </p:extLst>
   </p:cSld>
@@ -722,6 +741,34 @@
           <a:bodyPr/>
           <a:lstStyle/>
           <a:p>
+            <a:r>
+              <a:rPr lang="fr-FR" dirty="0" err="1" smtClean="0"/>
+              <a:t>ng</a:t>
+            </a:r>
+            <a:r>
+              <a:rPr lang="fr-FR" dirty="0" smtClean="0"/>
+              <a:t> </a:t>
+            </a:r>
+            <a:r>
+              <a:rPr lang="fr-FR" dirty="0" err="1" smtClean="0"/>
+              <a:t>generate</a:t>
+            </a:r>
+            <a:r>
+              <a:rPr lang="fr-FR" dirty="0" smtClean="0"/>
+              <a:t> module </a:t>
+            </a:r>
+            <a:r>
+              <a:rPr lang="fr-FR" dirty="0" err="1" smtClean="0"/>
+              <a:t>core</a:t>
+            </a:r>
+            <a:r>
+              <a:rPr lang="fr-FR" dirty="0" smtClean="0"/>
+              <a:t> --</a:t>
+            </a:r>
+            <a:r>
+              <a:rPr lang="fr-FR" dirty="0" err="1" smtClean="0"/>
+              <a:t>routing</a:t>
+            </a:r>
             <a:endParaRPr lang="fr-FR" dirty="0"/>
           </a:p>
         </p:txBody>
@@ -743,7 +790,7 @@
           <a:p>
             <a:fld id="{FD0CA3AA-443A-466C-BF59-FB6574BB11C3}" type="slidenum">
               <a:rPr lang="fr-FR" smtClean="0"/>
-              <a:t>14</a:t>
+              <a:t>13</a:t>
             </a:fld>
             <a:endParaRPr lang="fr-FR"/>
           </a:p>
@@ -752,7 +799,7 @@
     </p:spTree>
     <p:extLst>
       <p:ext uri="{BB962C8B-B14F-4D97-AF65-F5344CB8AC3E}">
-        <p14:creationId xmlns:p14="http://schemas.microsoft.com/office/powerpoint/2010/main" val="3207704278"/>
+        <p14:creationId xmlns:p14="http://schemas.microsoft.com/office/powerpoint/2010/main" val="3528251478"/>
       </p:ext>
     </p:extLst>
   </p:cSld>
@@ -806,34 +853,6 @@
           <a:bodyPr/>
           <a:lstStyle/>
           <a:p>
-            <a:r>
-              <a:rPr lang="fr-FR" dirty="0" err="1" smtClean="0"/>
-              <a:t>ng</a:t>
-            </a:r>
-            <a:r>
-              <a:rPr lang="fr-FR" dirty="0" smtClean="0"/>
-              <a:t> </a:t>
-            </a:r>
-            <a:r>
-              <a:rPr lang="fr-FR" dirty="0" err="1" smtClean="0"/>
-              <a:t>generate</a:t>
-            </a:r>
-            <a:r>
-              <a:rPr lang="fr-FR" dirty="0" smtClean="0"/>
-              <a:t> provider service/</a:t>
-            </a:r>
-            <a:r>
-              <a:rPr lang="fr-FR" dirty="0" err="1" smtClean="0"/>
-              <a:t>core</a:t>
-            </a:r>
-            <a:r>
-              <a:rPr lang="fr-FR" dirty="0" smtClean="0"/>
-              <a:t>/</a:t>
-            </a:r>
-            <a:r>
-              <a:rPr lang="fr-FR" dirty="0" err="1" smtClean="0"/>
-              <a:t>student</a:t>
-            </a:r>
             <a:endParaRPr lang="fr-FR" dirty="0"/>
           </a:p>
         </p:txBody>
@@ -855,7 +874,7 @@
           <a:p>
             <a:fld id="{FD0CA3AA-443A-466C-BF59-FB6574BB11C3}" type="slidenum">
               <a:rPr lang="fr-FR" smtClean="0"/>
-              <a:t>15</a:t>
+              <a:t>14</a:t>
             </a:fld>
             <a:endParaRPr lang="fr-FR"/>
           </a:p>
@@ -864,7 +883,7 @@
     </p:spTree>
     <p:extLst>
       <p:ext uri="{BB962C8B-B14F-4D97-AF65-F5344CB8AC3E}">
-        <p14:creationId xmlns:p14="http://schemas.microsoft.com/office/powerpoint/2010/main" val="3836970229"/>
+        <p14:creationId xmlns:p14="http://schemas.microsoft.com/office/powerpoint/2010/main" val="3207704278"/>
       </p:ext>
     </p:extLst>
   </p:cSld>
@@ -920,29 +939,19 @@
           <a:p>
             <a:r>
               <a:rPr lang="fr-FR" dirty="0" err="1" smtClean="0"/>
-              <a:t>Ng</a:t>
-            </a:r>
-            <a:r>
-              <a:rPr lang="fr-FR" dirty="0" smtClean="0"/>
-              <a:t> g module </a:t>
-            </a:r>
-            <a:r>
-              <a:rPr lang="fr-FR" dirty="0" err="1" smtClean="0"/>
-              <a:t>shared</a:t>
+              <a:t>ng</a:t>
             </a:r>
             <a:r>
               <a:rPr lang="fr-FR" dirty="0" smtClean="0"/>
               <a:t> </a:t>
             </a:r>
-          </a:p>
-          <a:p>
             <a:r>
               <a:rPr lang="fr-FR" dirty="0" err="1" smtClean="0"/>
-              <a:t>ng</a:t>
+              <a:t>generate</a:t>
             </a:r>
             <a:r>
               <a:rPr lang="fr-FR" dirty="0" smtClean="0"/>
-              <a:t> g pipe </a:t>
+              <a:t> provider service/</a:t>
             </a:r>
             <a:r>
               <a:rPr lang="fr-FR" dirty="0" err="1" smtClean="0"/>
@@ -950,11 +959,11 @@
             </a:r>
             <a:r>
               <a:rPr lang="fr-FR" dirty="0" smtClean="0"/>
-              <a:t>/pipe/</a:t>
+              <a:t>/</a:t>
             </a:r>
             <a:r>
               <a:rPr lang="fr-FR" dirty="0" err="1" smtClean="0"/>
-              <a:t>orderBy</a:t>
+              <a:t>student</a:t>
             </a:r>
             <a:endParaRPr lang="fr-FR" dirty="0"/>
           </a:p>
@@ -977,7 +986,7 @@
           <a:p>
             <a:fld id="{FD0CA3AA-443A-466C-BF59-FB6574BB11C3}" type="slidenum">
               <a:rPr lang="fr-FR" smtClean="0"/>
-              <a:t>17</a:t>
+              <a:t>15</a:t>
             </a:fld>
             <a:endParaRPr lang="fr-FR"/>
           </a:p>
@@ -986,7 +995,7 @@
     </p:spTree>
     <p:extLst>
       <p:ext uri="{BB962C8B-B14F-4D97-AF65-F5344CB8AC3E}">
-        <p14:creationId xmlns:p14="http://schemas.microsoft.com/office/powerpoint/2010/main" val="2840317410"/>
+        <p14:creationId xmlns:p14="http://schemas.microsoft.com/office/powerpoint/2010/main" val="3836970229"/>
       </p:ext>
     </p:extLst>
   </p:cSld>
@@ -1041,1250 +1050,43 @@
           <a:lstStyle/>
           <a:p>
             <a:r>
-              <a:rPr lang="fr-FR" sz="1200" b="0" kern="1200" dirty="0" err="1" smtClean="0">
-                <a:solidFill>
-                  <a:schemeClr val="tx1"/>
-                </a:solidFill>
-                <a:effectLst/>
-                <a:latin typeface="+mn-lt"/>
-                <a:ea typeface="+mn-ea"/>
-                <a:cs typeface="+mn-cs"/>
-              </a:rPr>
-              <a:t>intercept</a:t>
-            </a:r>
-            <a:r>
-              <a:rPr lang="fr-FR" sz="1200" b="0" kern="1200" dirty="0" smtClean="0">
-                <a:solidFill>
-                  <a:schemeClr val="tx1"/>
-                </a:solidFill>
-                <a:effectLst/>
-                <a:latin typeface="+mn-lt"/>
-                <a:ea typeface="+mn-ea"/>
-                <a:cs typeface="+mn-cs"/>
-              </a:rPr>
-              <a:t>(</a:t>
-            </a:r>
-            <a:r>
-              <a:rPr lang="fr-FR" sz="1200" b="0" kern="1200" dirty="0" err="1" smtClean="0">
-                <a:solidFill>
-                  <a:schemeClr val="tx1"/>
-                </a:solidFill>
-                <a:effectLst/>
-                <a:latin typeface="+mn-lt"/>
-                <a:ea typeface="+mn-ea"/>
-                <a:cs typeface="+mn-cs"/>
-              </a:rPr>
-              <a:t>req</a:t>
-            </a:r>
-            <a:r>
-              <a:rPr lang="fr-FR" sz="1200" b="0" kern="1200" dirty="0" smtClean="0">
-                <a:solidFill>
-                  <a:schemeClr val="tx1"/>
-                </a:solidFill>
-                <a:effectLst/>
-                <a:latin typeface="+mn-lt"/>
-                <a:ea typeface="+mn-ea"/>
-                <a:cs typeface="+mn-cs"/>
-              </a:rPr>
-              <a:t>: </a:t>
-            </a:r>
-            <a:r>
-              <a:rPr lang="fr-FR" sz="1200" b="0" kern="1200" dirty="0" err="1" smtClean="0">
-                <a:solidFill>
-                  <a:schemeClr val="tx1"/>
-                </a:solidFill>
-                <a:effectLst/>
-                <a:latin typeface="+mn-lt"/>
-                <a:ea typeface="+mn-ea"/>
-                <a:cs typeface="+mn-cs"/>
-              </a:rPr>
-              <a:t>HttpRequest</a:t>
-            </a:r>
-            <a:r>
-              <a:rPr lang="fr-FR" sz="1200" b="0" kern="1200" dirty="0" smtClean="0">
-                <a:solidFill>
-                  <a:schemeClr val="tx1"/>
-                </a:solidFill>
-                <a:effectLst/>
-                <a:latin typeface="+mn-lt"/>
-                <a:ea typeface="+mn-ea"/>
-                <a:cs typeface="+mn-cs"/>
-              </a:rPr>
-              <a:t>&lt;</a:t>
-            </a:r>
-            <a:r>
-              <a:rPr lang="fr-FR" sz="1200" b="0" kern="1200" dirty="0" err="1" smtClean="0">
-                <a:solidFill>
-                  <a:schemeClr val="tx1"/>
-                </a:solidFill>
-                <a:effectLst/>
-                <a:latin typeface="+mn-lt"/>
-                <a:ea typeface="+mn-ea"/>
-                <a:cs typeface="+mn-cs"/>
-              </a:rPr>
-              <a:t>any</a:t>
-            </a:r>
-            <a:r>
-              <a:rPr lang="fr-FR" sz="1200" b="0" kern="1200" dirty="0" smtClean="0">
-                <a:solidFill>
-                  <a:schemeClr val="tx1"/>
-                </a:solidFill>
-                <a:effectLst/>
-                <a:latin typeface="+mn-lt"/>
-                <a:ea typeface="+mn-ea"/>
-                <a:cs typeface="+mn-cs"/>
-              </a:rPr>
-              <a:t>&gt;, </a:t>
-            </a:r>
-            <a:r>
-              <a:rPr lang="fr-FR" sz="1200" b="0" kern="1200" dirty="0" err="1" smtClean="0">
-                <a:solidFill>
-                  <a:schemeClr val="tx1"/>
-                </a:solidFill>
-                <a:effectLst/>
-                <a:latin typeface="+mn-lt"/>
-                <a:ea typeface="+mn-ea"/>
-                <a:cs typeface="+mn-cs"/>
-              </a:rPr>
-              <a:t>next</a:t>
-            </a:r>
-            <a:r>
-              <a:rPr lang="fr-FR" sz="1200" b="0" kern="1200" dirty="0" smtClean="0">
-                <a:solidFill>
-                  <a:schemeClr val="tx1"/>
-                </a:solidFill>
-                <a:effectLst/>
-                <a:latin typeface="+mn-lt"/>
-                <a:ea typeface="+mn-ea"/>
-                <a:cs typeface="+mn-cs"/>
-              </a:rPr>
-              <a:t>: </a:t>
-            </a:r>
-            <a:r>
-              <a:rPr lang="fr-FR" sz="1200" b="0" kern="1200" dirty="0" err="1" smtClean="0">
-                <a:solidFill>
-                  <a:schemeClr val="tx1"/>
-                </a:solidFill>
-                <a:effectLst/>
-                <a:latin typeface="+mn-lt"/>
-                <a:ea typeface="+mn-ea"/>
-                <a:cs typeface="+mn-cs"/>
-              </a:rPr>
-              <a:t>HttpHandler</a:t>
-            </a:r>
-            <a:r>
-              <a:rPr lang="fr-FR" sz="1200" b="0" kern="1200" dirty="0" smtClean="0">
-                <a:solidFill>
-                  <a:schemeClr val="tx1"/>
-                </a:solidFill>
-                <a:effectLst/>
-                <a:latin typeface="+mn-lt"/>
-                <a:ea typeface="+mn-ea"/>
-                <a:cs typeface="+mn-cs"/>
-              </a:rPr>
-              <a:t>): Observable&lt;</a:t>
-            </a:r>
-            <a:r>
-              <a:rPr lang="fr-FR" sz="1200" b="0" kern="1200" dirty="0" err="1" smtClean="0">
-                <a:solidFill>
-                  <a:schemeClr val="tx1"/>
-                </a:solidFill>
-                <a:effectLst/>
-                <a:latin typeface="+mn-lt"/>
-                <a:ea typeface="+mn-ea"/>
-                <a:cs typeface="+mn-cs"/>
-              </a:rPr>
-              <a:t>HttpEvent</a:t>
-            </a:r>
-            <a:r>
-              <a:rPr lang="fr-FR" sz="1200" b="0" kern="1200" dirty="0" smtClean="0">
-                <a:solidFill>
-                  <a:schemeClr val="tx1"/>
-                </a:solidFill>
-                <a:effectLst/>
-                <a:latin typeface="+mn-lt"/>
-                <a:ea typeface="+mn-ea"/>
-                <a:cs typeface="+mn-cs"/>
-              </a:rPr>
-              <a:t>&lt;</a:t>
-            </a:r>
-            <a:r>
-              <a:rPr lang="fr-FR" sz="1200" b="0" kern="1200" dirty="0" err="1" smtClean="0">
-                <a:solidFill>
-                  <a:schemeClr val="tx1"/>
-                </a:solidFill>
-                <a:effectLst/>
-                <a:latin typeface="+mn-lt"/>
-                <a:ea typeface="+mn-ea"/>
-                <a:cs typeface="+mn-cs"/>
-              </a:rPr>
-              <a:t>any</a:t>
-            </a:r>
-            <a:r>
-              <a:rPr lang="fr-FR" sz="1200" b="0" kern="1200" dirty="0" smtClean="0">
-                <a:solidFill>
-                  <a:schemeClr val="tx1"/>
-                </a:solidFill>
-                <a:effectLst/>
-                <a:latin typeface="+mn-lt"/>
-                <a:ea typeface="+mn-ea"/>
-                <a:cs typeface="+mn-cs"/>
-              </a:rPr>
-              <a:t>&gt;&gt; {</a:t>
-            </a:r>
-          </a:p>
-          <a:p>
-            <a:r>
-              <a:rPr lang="fr-FR" sz="1200" b="0" kern="1200" dirty="0" err="1" smtClean="0">
-                <a:solidFill>
-                  <a:schemeClr val="tx1"/>
-                </a:solidFill>
-                <a:effectLst/>
-                <a:latin typeface="+mn-lt"/>
-                <a:ea typeface="+mn-ea"/>
-                <a:cs typeface="+mn-cs"/>
-              </a:rPr>
-              <a:t>const</a:t>
-            </a:r>
-            <a:r>
-              <a:rPr lang="fr-FR" sz="1200" b="0" kern="1200" dirty="0" smtClean="0">
-                <a:solidFill>
-                  <a:schemeClr val="tx1"/>
-                </a:solidFill>
-                <a:effectLst/>
-                <a:latin typeface="+mn-lt"/>
-                <a:ea typeface="+mn-ea"/>
-                <a:cs typeface="+mn-cs"/>
-              </a:rPr>
+              <a:rPr lang="fr-FR" dirty="0" err="1" smtClean="0"/>
+              <a:t>Ng</a:t>
+            </a:r>
+            <a:r>
+              <a:rPr lang="fr-FR" dirty="0" smtClean="0"/>
+              <a:t> g module </a:t>
+            </a:r>
+            <a:r>
+              <a:rPr lang="fr-FR" dirty="0" err="1" smtClean="0"/>
+              <a:t>shared</a:t>
+            </a:r>
+            <a:r>
+              <a:rPr lang="fr-FR" dirty="0" smtClean="0"/>
               <a:t> </a:t>
             </a:r>
-            <a:r>
-              <a:rPr lang="fr-FR" sz="1200" b="0" kern="1200" dirty="0" err="1" smtClean="0">
-                <a:solidFill>
-                  <a:schemeClr val="tx1"/>
-                </a:solidFill>
-                <a:effectLst/>
-                <a:latin typeface="+mn-lt"/>
-                <a:ea typeface="+mn-ea"/>
-                <a:cs typeface="+mn-cs"/>
-              </a:rPr>
-              <a:t>noCache</a:t>
-            </a:r>
-            <a:r>
-              <a:rPr lang="fr-FR" sz="1200" b="0" kern="1200" dirty="0" smtClean="0">
-                <a:solidFill>
-                  <a:schemeClr val="tx1"/>
-                </a:solidFill>
-                <a:effectLst/>
-                <a:latin typeface="+mn-lt"/>
-                <a:ea typeface="+mn-ea"/>
-                <a:cs typeface="+mn-cs"/>
-              </a:rPr>
-              <a:t> = </a:t>
-            </a:r>
-            <a:r>
-              <a:rPr lang="fr-FR" sz="1200" b="0" kern="1200" dirty="0" err="1" smtClean="0">
-                <a:solidFill>
-                  <a:schemeClr val="tx1"/>
-                </a:solidFill>
-                <a:effectLst/>
-                <a:latin typeface="+mn-lt"/>
-                <a:ea typeface="+mn-ea"/>
-                <a:cs typeface="+mn-cs"/>
-              </a:rPr>
-              <a:t>req.params.get</a:t>
-            </a:r>
-            <a:r>
-              <a:rPr lang="fr-FR" sz="1200" b="0" kern="1200" dirty="0" smtClean="0">
-                <a:solidFill>
-                  <a:schemeClr val="tx1"/>
-                </a:solidFill>
-                <a:effectLst/>
-                <a:latin typeface="+mn-lt"/>
-                <a:ea typeface="+mn-ea"/>
-                <a:cs typeface="+mn-cs"/>
-              </a:rPr>
-              <a:t>('</a:t>
-            </a:r>
-            <a:r>
-              <a:rPr lang="fr-FR" sz="1200" b="0" kern="1200" dirty="0" err="1" smtClean="0">
-                <a:solidFill>
-                  <a:schemeClr val="tx1"/>
-                </a:solidFill>
-                <a:effectLst/>
-                <a:latin typeface="+mn-lt"/>
-                <a:ea typeface="+mn-ea"/>
-                <a:cs typeface="+mn-cs"/>
-              </a:rPr>
-              <a:t>noCache</a:t>
-            </a:r>
-            <a:r>
-              <a:rPr lang="fr-FR" sz="1200" b="0" kern="1200" dirty="0" smtClean="0">
-                <a:solidFill>
-                  <a:schemeClr val="tx1"/>
-                </a:solidFill>
-                <a:effectLst/>
-                <a:latin typeface="+mn-lt"/>
-                <a:ea typeface="+mn-ea"/>
-                <a:cs typeface="+mn-cs"/>
-              </a:rPr>
-              <a:t>') === '</a:t>
-            </a:r>
-            <a:r>
-              <a:rPr lang="fr-FR" sz="1200" b="0" kern="1200" dirty="0" err="1" smtClean="0">
-                <a:solidFill>
-                  <a:schemeClr val="tx1"/>
-                </a:solidFill>
-                <a:effectLst/>
-                <a:latin typeface="+mn-lt"/>
-                <a:ea typeface="+mn-ea"/>
-                <a:cs typeface="+mn-cs"/>
-              </a:rPr>
-              <a:t>true</a:t>
-            </a:r>
-            <a:r>
-              <a:rPr lang="fr-FR" sz="1200" b="0" kern="1200" dirty="0" smtClean="0">
-                <a:solidFill>
-                  <a:schemeClr val="tx1"/>
-                </a:solidFill>
-                <a:effectLst/>
-                <a:latin typeface="+mn-lt"/>
-                <a:ea typeface="+mn-ea"/>
-                <a:cs typeface="+mn-cs"/>
-              </a:rPr>
-              <a:t>';</a:t>
-            </a:r>
-          </a:p>
-          <a:p>
-            <a:r>
-              <a:rPr lang="fr-FR" sz="1200" b="0" kern="1200" dirty="0" err="1" smtClean="0">
-                <a:solidFill>
-                  <a:schemeClr val="tx1"/>
-                </a:solidFill>
-                <a:effectLst/>
-                <a:latin typeface="+mn-lt"/>
-                <a:ea typeface="+mn-ea"/>
-                <a:cs typeface="+mn-cs"/>
-              </a:rPr>
-              <a:t>const</a:t>
-            </a:r>
-            <a:r>
-              <a:rPr lang="fr-FR" sz="1200" b="0" kern="1200" dirty="0" smtClean="0">
-                <a:solidFill>
-                  <a:schemeClr val="tx1"/>
-                </a:solidFill>
-                <a:effectLst/>
-                <a:latin typeface="+mn-lt"/>
-                <a:ea typeface="+mn-ea"/>
-                <a:cs typeface="+mn-cs"/>
-              </a:rPr>
-              <a:t> </a:t>
-            </a:r>
-            <a:r>
-              <a:rPr lang="fr-FR" sz="1200" b="0" kern="1200" dirty="0" err="1" smtClean="0">
-                <a:solidFill>
-                  <a:schemeClr val="tx1"/>
-                </a:solidFill>
-                <a:effectLst/>
-                <a:latin typeface="+mn-lt"/>
-                <a:ea typeface="+mn-ea"/>
-                <a:cs typeface="+mn-cs"/>
-              </a:rPr>
-              <a:t>noErrorModal</a:t>
-            </a:r>
-            <a:r>
-              <a:rPr lang="fr-FR" sz="1200" b="0" kern="1200" dirty="0" smtClean="0">
-                <a:solidFill>
-                  <a:schemeClr val="tx1"/>
-                </a:solidFill>
-                <a:effectLst/>
-                <a:latin typeface="+mn-lt"/>
-                <a:ea typeface="+mn-ea"/>
-                <a:cs typeface="+mn-cs"/>
-              </a:rPr>
-              <a:t> = </a:t>
-            </a:r>
-            <a:r>
-              <a:rPr lang="fr-FR" sz="1200" b="0" kern="1200" dirty="0" err="1" smtClean="0">
-                <a:solidFill>
-                  <a:schemeClr val="tx1"/>
-                </a:solidFill>
-                <a:effectLst/>
-                <a:latin typeface="+mn-lt"/>
-                <a:ea typeface="+mn-ea"/>
-                <a:cs typeface="+mn-cs"/>
-              </a:rPr>
-              <a:t>req.params.get</a:t>
-            </a:r>
-            <a:r>
-              <a:rPr lang="fr-FR" sz="1200" b="0" kern="1200" dirty="0" smtClean="0">
-                <a:solidFill>
-                  <a:schemeClr val="tx1"/>
-                </a:solidFill>
-                <a:effectLst/>
-                <a:latin typeface="+mn-lt"/>
-                <a:ea typeface="+mn-ea"/>
-                <a:cs typeface="+mn-cs"/>
-              </a:rPr>
-              <a:t>('</a:t>
-            </a:r>
-            <a:r>
-              <a:rPr lang="fr-FR" sz="1200" b="0" kern="1200" dirty="0" err="1" smtClean="0">
-                <a:solidFill>
-                  <a:schemeClr val="tx1"/>
-                </a:solidFill>
-                <a:effectLst/>
-                <a:latin typeface="+mn-lt"/>
-                <a:ea typeface="+mn-ea"/>
-                <a:cs typeface="+mn-cs"/>
-              </a:rPr>
-              <a:t>noErrorModal</a:t>
-            </a:r>
-            <a:r>
-              <a:rPr lang="fr-FR" sz="1200" b="0" kern="1200" dirty="0" smtClean="0">
-                <a:solidFill>
-                  <a:schemeClr val="tx1"/>
-                </a:solidFill>
-                <a:effectLst/>
-                <a:latin typeface="+mn-lt"/>
-                <a:ea typeface="+mn-ea"/>
-                <a:cs typeface="+mn-cs"/>
-              </a:rPr>
-              <a:t>') === '</a:t>
-            </a:r>
-            <a:r>
-              <a:rPr lang="fr-FR" sz="1200" b="0" kern="1200" dirty="0" err="1" smtClean="0">
-                <a:solidFill>
-                  <a:schemeClr val="tx1"/>
-                </a:solidFill>
-                <a:effectLst/>
-                <a:latin typeface="+mn-lt"/>
-                <a:ea typeface="+mn-ea"/>
-                <a:cs typeface="+mn-cs"/>
-              </a:rPr>
-              <a:t>true</a:t>
-            </a:r>
-            <a:r>
-              <a:rPr lang="fr-FR" sz="1200" b="0" kern="1200" dirty="0" smtClean="0">
-                <a:solidFill>
-                  <a:schemeClr val="tx1"/>
-                </a:solidFill>
-                <a:effectLst/>
-                <a:latin typeface="+mn-lt"/>
-                <a:ea typeface="+mn-ea"/>
-                <a:cs typeface="+mn-cs"/>
-              </a:rPr>
-              <a:t>';</a:t>
-            </a:r>
-          </a:p>
-          <a:p>
-            <a:r>
-              <a:rPr lang="fr-FR" sz="1200" b="0" kern="1200" dirty="0" smtClean="0">
-                <a:solidFill>
-                  <a:schemeClr val="tx1"/>
-                </a:solidFill>
-                <a:effectLst/>
-                <a:latin typeface="+mn-lt"/>
-                <a:ea typeface="+mn-ea"/>
-                <a:cs typeface="+mn-cs"/>
-              </a:rPr>
-              <a:t/>
-            </a:r>
-            <a:br>
-              <a:rPr lang="fr-FR" sz="1200" b="0" kern="1200" dirty="0" smtClean="0">
-                <a:solidFill>
-                  <a:schemeClr val="tx1"/>
-                </a:solidFill>
-                <a:effectLst/>
-                <a:latin typeface="+mn-lt"/>
-                <a:ea typeface="+mn-ea"/>
-                <a:cs typeface="+mn-cs"/>
-              </a:rPr>
-            </a:br>
-            <a:r>
-              <a:rPr lang="fr-FR" sz="1200" b="0" kern="1200" dirty="0" err="1" smtClean="0">
-                <a:solidFill>
-                  <a:schemeClr val="tx1"/>
-                </a:solidFill>
-                <a:effectLst/>
-                <a:latin typeface="+mn-lt"/>
-                <a:ea typeface="+mn-ea"/>
-                <a:cs typeface="+mn-cs"/>
-              </a:rPr>
-              <a:t>this.loading.pendingRequests</a:t>
-            </a:r>
-            <a:r>
-              <a:rPr lang="fr-FR" sz="1200" b="0" kern="1200" dirty="0" smtClean="0">
-                <a:solidFill>
-                  <a:schemeClr val="tx1"/>
-                </a:solidFill>
-                <a:effectLst/>
-                <a:latin typeface="+mn-lt"/>
-                <a:ea typeface="+mn-ea"/>
-                <a:cs typeface="+mn-cs"/>
-              </a:rPr>
-              <a:t>++;</a:t>
-            </a:r>
-          </a:p>
-          <a:p>
-            <a:r>
-              <a:rPr lang="fr-FR" sz="1200" b="0" kern="1200" dirty="0" smtClean="0">
-                <a:solidFill>
-                  <a:schemeClr val="tx1"/>
-                </a:solidFill>
-                <a:effectLst/>
-                <a:latin typeface="+mn-lt"/>
-                <a:ea typeface="+mn-ea"/>
-                <a:cs typeface="+mn-cs"/>
-              </a:rPr>
-              <a:t>return </a:t>
-            </a:r>
-            <a:r>
-              <a:rPr lang="fr-FR" sz="1200" b="0" kern="1200" dirty="0" err="1" smtClean="0">
-                <a:solidFill>
-                  <a:schemeClr val="tx1"/>
-                </a:solidFill>
-                <a:effectLst/>
-                <a:latin typeface="+mn-lt"/>
-                <a:ea typeface="+mn-ea"/>
-                <a:cs typeface="+mn-cs"/>
-              </a:rPr>
-              <a:t>next.handle</a:t>
-            </a:r>
-            <a:r>
-              <a:rPr lang="fr-FR" sz="1200" b="0" kern="1200" dirty="0" smtClean="0">
-                <a:solidFill>
-                  <a:schemeClr val="tx1"/>
-                </a:solidFill>
-                <a:effectLst/>
-                <a:latin typeface="+mn-lt"/>
-                <a:ea typeface="+mn-ea"/>
-                <a:cs typeface="+mn-cs"/>
-              </a:rPr>
-              <a:t>(</a:t>
-            </a:r>
-            <a:r>
-              <a:rPr lang="fr-FR" sz="1200" b="0" kern="1200" dirty="0" err="1" smtClean="0">
-                <a:solidFill>
-                  <a:schemeClr val="tx1"/>
-                </a:solidFill>
-                <a:effectLst/>
-                <a:latin typeface="+mn-lt"/>
-                <a:ea typeface="+mn-ea"/>
-                <a:cs typeface="+mn-cs"/>
-              </a:rPr>
-              <a:t>req</a:t>
-            </a:r>
-            <a:r>
-              <a:rPr lang="fr-FR" sz="1200" b="0" kern="1200" dirty="0" smtClean="0">
-                <a:solidFill>
-                  <a:schemeClr val="tx1"/>
-                </a:solidFill>
-                <a:effectLst/>
-                <a:latin typeface="+mn-lt"/>
-                <a:ea typeface="+mn-ea"/>
-                <a:cs typeface="+mn-cs"/>
-              </a:rPr>
-              <a:t>)</a:t>
-            </a:r>
-          </a:p>
-          <a:p>
-            <a:r>
-              <a:rPr lang="fr-FR" sz="1200" b="0" kern="1200" dirty="0" smtClean="0">
-                <a:solidFill>
-                  <a:schemeClr val="tx1"/>
-                </a:solidFill>
-                <a:effectLst/>
-                <a:latin typeface="+mn-lt"/>
-                <a:ea typeface="+mn-ea"/>
-                <a:cs typeface="+mn-cs"/>
-              </a:rPr>
-              <a:t>.timeout(REQUEST_TIMEOUT)</a:t>
-            </a:r>
-          </a:p>
-          <a:p>
-            <a:r>
-              <a:rPr lang="fr-FR" sz="1200" b="0" kern="1200" dirty="0" smtClean="0">
-                <a:solidFill>
-                  <a:schemeClr val="tx1"/>
-                </a:solidFill>
-                <a:effectLst/>
-                <a:latin typeface="+mn-lt"/>
-                <a:ea typeface="+mn-ea"/>
-                <a:cs typeface="+mn-cs"/>
-              </a:rPr>
-              <a:t>.</a:t>
-            </a:r>
-            <a:r>
-              <a:rPr lang="fr-FR" sz="1200" b="0" kern="1200" dirty="0" err="1" smtClean="0">
-                <a:solidFill>
-                  <a:schemeClr val="tx1"/>
-                </a:solidFill>
-                <a:effectLst/>
-                <a:latin typeface="+mn-lt"/>
-                <a:ea typeface="+mn-ea"/>
-                <a:cs typeface="+mn-cs"/>
-              </a:rPr>
-              <a:t>filter</a:t>
-            </a:r>
-            <a:r>
-              <a:rPr lang="fr-FR" sz="1200" b="0" kern="1200" dirty="0" smtClean="0">
-                <a:solidFill>
-                  <a:schemeClr val="tx1"/>
-                </a:solidFill>
-                <a:effectLst/>
-                <a:latin typeface="+mn-lt"/>
-                <a:ea typeface="+mn-ea"/>
-                <a:cs typeface="+mn-cs"/>
-              </a:rPr>
-              <a:t>(</a:t>
-            </a:r>
-            <a:r>
-              <a:rPr lang="fr-FR" sz="1200" b="0" kern="1200" dirty="0" err="1" smtClean="0">
-                <a:solidFill>
-                  <a:schemeClr val="tx1"/>
-                </a:solidFill>
-                <a:effectLst/>
-                <a:latin typeface="+mn-lt"/>
-                <a:ea typeface="+mn-ea"/>
-                <a:cs typeface="+mn-cs"/>
-              </a:rPr>
-              <a:t>result</a:t>
-            </a:r>
-            <a:r>
-              <a:rPr lang="fr-FR" sz="1200" b="0" kern="1200" dirty="0" smtClean="0">
-                <a:solidFill>
-                  <a:schemeClr val="tx1"/>
-                </a:solidFill>
-                <a:effectLst/>
-                <a:latin typeface="+mn-lt"/>
-                <a:ea typeface="+mn-ea"/>
-                <a:cs typeface="+mn-cs"/>
-              </a:rPr>
-              <a:t> =&gt; </a:t>
-            </a:r>
-            <a:r>
-              <a:rPr lang="fr-FR" sz="1200" b="0" kern="1200" dirty="0" err="1" smtClean="0">
-                <a:solidFill>
-                  <a:schemeClr val="tx1"/>
-                </a:solidFill>
-                <a:effectLst/>
-                <a:latin typeface="+mn-lt"/>
-                <a:ea typeface="+mn-ea"/>
-                <a:cs typeface="+mn-cs"/>
-              </a:rPr>
-              <a:t>this.isHttpResponse</a:t>
-            </a:r>
-            <a:r>
-              <a:rPr lang="fr-FR" sz="1200" b="0" kern="1200" dirty="0" smtClean="0">
-                <a:solidFill>
-                  <a:schemeClr val="tx1"/>
-                </a:solidFill>
-                <a:effectLst/>
-                <a:latin typeface="+mn-lt"/>
-                <a:ea typeface="+mn-ea"/>
-                <a:cs typeface="+mn-cs"/>
-              </a:rPr>
-              <a:t>(</a:t>
-            </a:r>
-            <a:r>
-              <a:rPr lang="fr-FR" sz="1200" b="0" kern="1200" dirty="0" err="1" smtClean="0">
-                <a:solidFill>
-                  <a:schemeClr val="tx1"/>
-                </a:solidFill>
-                <a:effectLst/>
-                <a:latin typeface="+mn-lt"/>
-                <a:ea typeface="+mn-ea"/>
-                <a:cs typeface="+mn-cs"/>
-              </a:rPr>
-              <a:t>result</a:t>
-            </a:r>
-            <a:r>
-              <a:rPr lang="fr-FR" sz="1200" b="0" kern="1200" dirty="0" smtClean="0">
-                <a:solidFill>
-                  <a:schemeClr val="tx1"/>
-                </a:solidFill>
-                <a:effectLst/>
-                <a:latin typeface="+mn-lt"/>
-                <a:ea typeface="+mn-ea"/>
-                <a:cs typeface="+mn-cs"/>
-              </a:rPr>
-              <a:t>))</a:t>
-            </a:r>
-          </a:p>
-          <a:p>
-            <a:r>
-              <a:rPr lang="fr-FR" sz="1200" b="0" kern="1200" dirty="0" smtClean="0">
-                <a:solidFill>
-                  <a:schemeClr val="tx1"/>
-                </a:solidFill>
-                <a:effectLst/>
-                <a:latin typeface="+mn-lt"/>
-                <a:ea typeface="+mn-ea"/>
-                <a:cs typeface="+mn-cs"/>
-              </a:rPr>
-              <a:t>.do(</a:t>
-            </a:r>
-            <a:r>
-              <a:rPr lang="fr-FR" sz="1200" b="0" kern="1200" dirty="0" err="1" smtClean="0">
-                <a:solidFill>
-                  <a:schemeClr val="tx1"/>
-                </a:solidFill>
-                <a:effectLst/>
-                <a:latin typeface="+mn-lt"/>
-                <a:ea typeface="+mn-ea"/>
-                <a:cs typeface="+mn-cs"/>
-              </a:rPr>
-              <a:t>result</a:t>
-            </a:r>
-            <a:r>
-              <a:rPr lang="fr-FR" sz="1200" b="0" kern="1200" dirty="0" smtClean="0">
-                <a:solidFill>
-                  <a:schemeClr val="tx1"/>
-                </a:solidFill>
-                <a:effectLst/>
-                <a:latin typeface="+mn-lt"/>
-                <a:ea typeface="+mn-ea"/>
-                <a:cs typeface="+mn-cs"/>
-              </a:rPr>
-              <a:t> =&gt; !</a:t>
-            </a:r>
-            <a:r>
-              <a:rPr lang="fr-FR" sz="1200" b="0" kern="1200" dirty="0" err="1" smtClean="0">
-                <a:solidFill>
-                  <a:schemeClr val="tx1"/>
-                </a:solidFill>
-                <a:effectLst/>
-                <a:latin typeface="+mn-lt"/>
-                <a:ea typeface="+mn-ea"/>
-                <a:cs typeface="+mn-cs"/>
-              </a:rPr>
-              <a:t>noCache</a:t>
-            </a:r>
-            <a:r>
-              <a:rPr lang="fr-FR" sz="1200" b="0" kern="1200" dirty="0" smtClean="0">
-                <a:solidFill>
-                  <a:schemeClr val="tx1"/>
-                </a:solidFill>
-                <a:effectLst/>
-                <a:latin typeface="+mn-lt"/>
-                <a:ea typeface="+mn-ea"/>
-                <a:cs typeface="+mn-cs"/>
-              </a:rPr>
-              <a:t> &amp;&amp; </a:t>
-            </a:r>
-            <a:r>
-              <a:rPr lang="fr-FR" sz="1200" b="0" kern="1200" dirty="0" err="1" smtClean="0">
-                <a:solidFill>
-                  <a:schemeClr val="tx1"/>
-                </a:solidFill>
-                <a:effectLst/>
-                <a:latin typeface="+mn-lt"/>
-                <a:ea typeface="+mn-ea"/>
-                <a:cs typeface="+mn-cs"/>
-              </a:rPr>
-              <a:t>this.cacheRequestResponse</a:t>
-            </a:r>
-            <a:r>
-              <a:rPr lang="fr-FR" sz="1200" b="0" kern="1200" dirty="0" smtClean="0">
-                <a:solidFill>
-                  <a:schemeClr val="tx1"/>
-                </a:solidFill>
-                <a:effectLst/>
-                <a:latin typeface="+mn-lt"/>
-                <a:ea typeface="+mn-ea"/>
-                <a:cs typeface="+mn-cs"/>
-              </a:rPr>
-              <a:t>(req.url, </a:t>
-            </a:r>
-            <a:r>
-              <a:rPr lang="fr-FR" sz="1200" b="0" kern="1200" dirty="0" err="1" smtClean="0">
-                <a:solidFill>
-                  <a:schemeClr val="tx1"/>
-                </a:solidFill>
-                <a:effectLst/>
-                <a:latin typeface="+mn-lt"/>
-                <a:ea typeface="+mn-ea"/>
-                <a:cs typeface="+mn-cs"/>
-              </a:rPr>
-              <a:t>result</a:t>
-            </a:r>
-            <a:r>
-              <a:rPr lang="fr-FR" sz="1200" b="0" kern="1200" dirty="0" smtClean="0">
-                <a:solidFill>
-                  <a:schemeClr val="tx1"/>
-                </a:solidFill>
-                <a:effectLst/>
-                <a:latin typeface="+mn-lt"/>
-                <a:ea typeface="+mn-ea"/>
-                <a:cs typeface="+mn-cs"/>
-              </a:rPr>
-              <a:t> as </a:t>
-            </a:r>
-            <a:r>
-              <a:rPr lang="fr-FR" sz="1200" b="0" kern="1200" dirty="0" err="1" smtClean="0">
-                <a:solidFill>
-                  <a:schemeClr val="tx1"/>
-                </a:solidFill>
-                <a:effectLst/>
-                <a:latin typeface="+mn-lt"/>
-                <a:ea typeface="+mn-ea"/>
-                <a:cs typeface="+mn-cs"/>
-              </a:rPr>
-              <a:t>HttpResponse</a:t>
-            </a:r>
-            <a:r>
-              <a:rPr lang="fr-FR" sz="1200" b="0" kern="1200" dirty="0" smtClean="0">
-                <a:solidFill>
-                  <a:schemeClr val="tx1"/>
-                </a:solidFill>
-                <a:effectLst/>
-                <a:latin typeface="+mn-lt"/>
-                <a:ea typeface="+mn-ea"/>
-                <a:cs typeface="+mn-cs"/>
-              </a:rPr>
-              <a:t>&lt;</a:t>
-            </a:r>
-            <a:r>
-              <a:rPr lang="fr-FR" sz="1200" b="0" kern="1200" dirty="0" err="1" smtClean="0">
-                <a:solidFill>
-                  <a:schemeClr val="tx1"/>
-                </a:solidFill>
-                <a:effectLst/>
-                <a:latin typeface="+mn-lt"/>
-                <a:ea typeface="+mn-ea"/>
-                <a:cs typeface="+mn-cs"/>
-              </a:rPr>
-              <a:t>any</a:t>
-            </a:r>
-            <a:r>
-              <a:rPr lang="fr-FR" sz="1200" b="0" kern="1200" dirty="0" smtClean="0">
-                <a:solidFill>
-                  <a:schemeClr val="tx1"/>
-                </a:solidFill>
-                <a:effectLst/>
-                <a:latin typeface="+mn-lt"/>
-                <a:ea typeface="+mn-ea"/>
-                <a:cs typeface="+mn-cs"/>
-              </a:rPr>
-              <a:t>&gt;))</a:t>
-            </a:r>
-          </a:p>
-          <a:p>
-            <a:r>
-              <a:rPr lang="fr-FR" sz="1200" b="0" kern="1200" dirty="0" smtClean="0">
-                <a:solidFill>
-                  <a:schemeClr val="tx1"/>
-                </a:solidFill>
-                <a:effectLst/>
-                <a:latin typeface="+mn-lt"/>
-                <a:ea typeface="+mn-ea"/>
-                <a:cs typeface="+mn-cs"/>
-              </a:rPr>
-              <a:t>.catch((</a:t>
-            </a:r>
-            <a:r>
-              <a:rPr lang="fr-FR" sz="1200" b="0" kern="1200" dirty="0" err="1" smtClean="0">
-                <a:solidFill>
-                  <a:schemeClr val="tx1"/>
-                </a:solidFill>
-                <a:effectLst/>
-                <a:latin typeface="+mn-lt"/>
-                <a:ea typeface="+mn-ea"/>
-                <a:cs typeface="+mn-cs"/>
-              </a:rPr>
-              <a:t>error</a:t>
-            </a:r>
-            <a:r>
-              <a:rPr lang="fr-FR" sz="1200" b="0" kern="1200" dirty="0" smtClean="0">
-                <a:solidFill>
-                  <a:schemeClr val="tx1"/>
-                </a:solidFill>
-                <a:effectLst/>
-                <a:latin typeface="+mn-lt"/>
-                <a:ea typeface="+mn-ea"/>
-                <a:cs typeface="+mn-cs"/>
-              </a:rPr>
-              <a:t>, </a:t>
-            </a:r>
-            <a:r>
-              <a:rPr lang="fr-FR" sz="1200" b="0" kern="1200" dirty="0" err="1" smtClean="0">
-                <a:solidFill>
-                  <a:schemeClr val="tx1"/>
-                </a:solidFill>
-                <a:effectLst/>
-                <a:latin typeface="+mn-lt"/>
-                <a:ea typeface="+mn-ea"/>
-                <a:cs typeface="+mn-cs"/>
-              </a:rPr>
-              <a:t>caught</a:t>
-            </a:r>
-            <a:r>
-              <a:rPr lang="fr-FR" sz="1200" b="0" kern="1200" dirty="0" smtClean="0">
-                <a:solidFill>
-                  <a:schemeClr val="tx1"/>
-                </a:solidFill>
-                <a:effectLst/>
-                <a:latin typeface="+mn-lt"/>
-                <a:ea typeface="+mn-ea"/>
-                <a:cs typeface="+mn-cs"/>
-              </a:rPr>
-              <a:t>) =&gt; {</a:t>
-            </a:r>
-          </a:p>
-          <a:p>
-            <a:r>
-              <a:rPr lang="fr-FR" sz="1200" b="0" kern="1200" dirty="0" smtClean="0">
-                <a:solidFill>
-                  <a:schemeClr val="tx1"/>
-                </a:solidFill>
-                <a:effectLst/>
-                <a:latin typeface="+mn-lt"/>
-                <a:ea typeface="+mn-ea"/>
-                <a:cs typeface="+mn-cs"/>
-              </a:rPr>
-              <a:t>if (</a:t>
-            </a:r>
-            <a:r>
-              <a:rPr lang="fr-FR" sz="1200" b="0" kern="1200" dirty="0" err="1" smtClean="0">
-                <a:solidFill>
-                  <a:schemeClr val="tx1"/>
-                </a:solidFill>
-                <a:effectLst/>
-                <a:latin typeface="+mn-lt"/>
-                <a:ea typeface="+mn-ea"/>
-                <a:cs typeface="+mn-cs"/>
-              </a:rPr>
-              <a:t>this.isProxyError</a:t>
-            </a:r>
-            <a:r>
-              <a:rPr lang="fr-FR" sz="1200" b="0" kern="1200" dirty="0" smtClean="0">
-                <a:solidFill>
-                  <a:schemeClr val="tx1"/>
-                </a:solidFill>
-                <a:effectLst/>
-                <a:latin typeface="+mn-lt"/>
-                <a:ea typeface="+mn-ea"/>
-                <a:cs typeface="+mn-cs"/>
-              </a:rPr>
-              <a:t>(</a:t>
-            </a:r>
-            <a:r>
-              <a:rPr lang="fr-FR" sz="1200" b="0" kern="1200" dirty="0" err="1" smtClean="0">
-                <a:solidFill>
-                  <a:schemeClr val="tx1"/>
-                </a:solidFill>
-                <a:effectLst/>
-                <a:latin typeface="+mn-lt"/>
-                <a:ea typeface="+mn-ea"/>
-                <a:cs typeface="+mn-cs"/>
-              </a:rPr>
-              <a:t>error</a:t>
-            </a:r>
-            <a:r>
-              <a:rPr lang="fr-FR" sz="1200" b="0" kern="1200" dirty="0" smtClean="0">
-                <a:solidFill>
-                  <a:schemeClr val="tx1"/>
-                </a:solidFill>
-                <a:effectLst/>
-                <a:latin typeface="+mn-lt"/>
-                <a:ea typeface="+mn-ea"/>
-                <a:cs typeface="+mn-cs"/>
-              </a:rPr>
-              <a:t>)) {</a:t>
-            </a:r>
-          </a:p>
-          <a:p>
-            <a:r>
-              <a:rPr lang="fr-FR" sz="1200" b="0" kern="1200" dirty="0" smtClean="0">
-                <a:solidFill>
-                  <a:schemeClr val="tx1"/>
-                </a:solidFill>
-                <a:effectLst/>
-                <a:latin typeface="+mn-lt"/>
-                <a:ea typeface="+mn-ea"/>
-                <a:cs typeface="+mn-cs"/>
-              </a:rPr>
-              <a:t>return </a:t>
-            </a:r>
-            <a:r>
-              <a:rPr lang="fr-FR" sz="1200" b="0" kern="1200" dirty="0" err="1" smtClean="0">
-                <a:solidFill>
-                  <a:schemeClr val="tx1"/>
-                </a:solidFill>
-                <a:effectLst/>
-                <a:latin typeface="+mn-lt"/>
-                <a:ea typeface="+mn-ea"/>
-                <a:cs typeface="+mn-cs"/>
-              </a:rPr>
-              <a:t>Observable.of</a:t>
-            </a:r>
-            <a:r>
-              <a:rPr lang="fr-FR" sz="1200" b="0" kern="1200" dirty="0" smtClean="0">
-                <a:solidFill>
-                  <a:schemeClr val="tx1"/>
-                </a:solidFill>
-                <a:effectLst/>
-                <a:latin typeface="+mn-lt"/>
-                <a:ea typeface="+mn-ea"/>
-                <a:cs typeface="+mn-cs"/>
-              </a:rPr>
-              <a:t>(</a:t>
-            </a:r>
-            <a:r>
-              <a:rPr lang="fr-FR" sz="1200" b="0" kern="1200" dirty="0" err="1" smtClean="0">
-                <a:solidFill>
-                  <a:schemeClr val="tx1"/>
-                </a:solidFill>
-                <a:effectLst/>
-                <a:latin typeface="+mn-lt"/>
-                <a:ea typeface="+mn-ea"/>
-                <a:cs typeface="+mn-cs"/>
-              </a:rPr>
-              <a:t>this.inFlightResponse</a:t>
-            </a:r>
-            <a:r>
-              <a:rPr lang="fr-FR" sz="1200" b="0" kern="1200" dirty="0" smtClean="0">
-                <a:solidFill>
-                  <a:schemeClr val="tx1"/>
-                </a:solidFill>
-                <a:effectLst/>
-                <a:latin typeface="+mn-lt"/>
-                <a:ea typeface="+mn-ea"/>
-                <a:cs typeface="+mn-cs"/>
-              </a:rPr>
-              <a:t>(req.url, </a:t>
-            </a:r>
-            <a:r>
-              <a:rPr lang="fr-FR" sz="1200" b="0" kern="1200" dirty="0" err="1" smtClean="0">
-                <a:solidFill>
-                  <a:schemeClr val="tx1"/>
-                </a:solidFill>
-                <a:effectLst/>
-                <a:latin typeface="+mn-lt"/>
-                <a:ea typeface="+mn-ea"/>
-                <a:cs typeface="+mn-cs"/>
-              </a:rPr>
-              <a:t>error.error</a:t>
-            </a:r>
-            <a:r>
-              <a:rPr lang="fr-FR" sz="1200" b="0" kern="1200" dirty="0" smtClean="0">
-                <a:solidFill>
-                  <a:schemeClr val="tx1"/>
-                </a:solidFill>
-                <a:effectLst/>
-                <a:latin typeface="+mn-lt"/>
-                <a:ea typeface="+mn-ea"/>
-                <a:cs typeface="+mn-cs"/>
-              </a:rPr>
-              <a:t>));</a:t>
-            </a:r>
-          </a:p>
-          <a:p>
-            <a:r>
-              <a:rPr lang="fr-FR" sz="1200" b="0" kern="1200" dirty="0" smtClean="0">
-                <a:solidFill>
-                  <a:schemeClr val="tx1"/>
-                </a:solidFill>
-                <a:effectLst/>
-                <a:latin typeface="+mn-lt"/>
-                <a:ea typeface="+mn-ea"/>
-                <a:cs typeface="+mn-cs"/>
-              </a:rPr>
-              <a:t>} </a:t>
-            </a:r>
-            <a:r>
-              <a:rPr lang="fr-FR" sz="1200" b="0" kern="1200" dirty="0" err="1" smtClean="0">
-                <a:solidFill>
-                  <a:schemeClr val="tx1"/>
-                </a:solidFill>
-                <a:effectLst/>
-                <a:latin typeface="+mn-lt"/>
-                <a:ea typeface="+mn-ea"/>
-                <a:cs typeface="+mn-cs"/>
-              </a:rPr>
-              <a:t>else</a:t>
-            </a:r>
-            <a:r>
-              <a:rPr lang="fr-FR" sz="1200" b="0" kern="1200" dirty="0" smtClean="0">
-                <a:solidFill>
-                  <a:schemeClr val="tx1"/>
-                </a:solidFill>
-                <a:effectLst/>
-                <a:latin typeface="+mn-lt"/>
-                <a:ea typeface="+mn-ea"/>
-                <a:cs typeface="+mn-cs"/>
-              </a:rPr>
-              <a:t> {</a:t>
-            </a:r>
-          </a:p>
-          <a:p>
-            <a:r>
-              <a:rPr lang="fr-FR" sz="1200" b="0" kern="1200" dirty="0" smtClean="0">
-                <a:solidFill>
-                  <a:schemeClr val="tx1"/>
-                </a:solidFill>
-                <a:effectLst/>
-                <a:latin typeface="+mn-lt"/>
-                <a:ea typeface="+mn-ea"/>
-                <a:cs typeface="+mn-cs"/>
-              </a:rPr>
-              <a:t>return </a:t>
-            </a:r>
-            <a:r>
-              <a:rPr lang="fr-FR" sz="1200" b="0" kern="1200" dirty="0" err="1" smtClean="0">
-                <a:solidFill>
-                  <a:schemeClr val="tx1"/>
-                </a:solidFill>
-                <a:effectLst/>
-                <a:latin typeface="+mn-lt"/>
-                <a:ea typeface="+mn-ea"/>
-                <a:cs typeface="+mn-cs"/>
-              </a:rPr>
-              <a:t>this.responseFromCacheOrPresentModal</a:t>
-            </a:r>
-            <a:r>
-              <a:rPr lang="fr-FR" sz="1200" b="0" kern="1200" dirty="0" smtClean="0">
-                <a:solidFill>
-                  <a:schemeClr val="tx1"/>
-                </a:solidFill>
-                <a:effectLst/>
-                <a:latin typeface="+mn-lt"/>
-                <a:ea typeface="+mn-ea"/>
-                <a:cs typeface="+mn-cs"/>
-              </a:rPr>
-              <a:t>(req.url, </a:t>
-            </a:r>
-            <a:r>
-              <a:rPr lang="fr-FR" sz="1200" b="0" kern="1200" dirty="0" err="1" smtClean="0">
-                <a:solidFill>
-                  <a:schemeClr val="tx1"/>
-                </a:solidFill>
-                <a:effectLst/>
-                <a:latin typeface="+mn-lt"/>
-                <a:ea typeface="+mn-ea"/>
-                <a:cs typeface="+mn-cs"/>
-              </a:rPr>
-              <a:t>error</a:t>
-            </a:r>
-            <a:r>
-              <a:rPr lang="fr-FR" sz="1200" b="0" kern="1200" dirty="0" smtClean="0">
-                <a:solidFill>
-                  <a:schemeClr val="tx1"/>
-                </a:solidFill>
-                <a:effectLst/>
-                <a:latin typeface="+mn-lt"/>
-                <a:ea typeface="+mn-ea"/>
-                <a:cs typeface="+mn-cs"/>
-              </a:rPr>
-              <a:t>, </a:t>
-            </a:r>
-            <a:r>
-              <a:rPr lang="fr-FR" sz="1200" b="0" kern="1200" dirty="0" err="1" smtClean="0">
-                <a:solidFill>
-                  <a:schemeClr val="tx1"/>
-                </a:solidFill>
-                <a:effectLst/>
-                <a:latin typeface="+mn-lt"/>
-                <a:ea typeface="+mn-ea"/>
-                <a:cs typeface="+mn-cs"/>
-              </a:rPr>
-              <a:t>noErrorModal</a:t>
-            </a:r>
-            <a:r>
-              <a:rPr lang="fr-FR" sz="1200" b="0" kern="1200" dirty="0" smtClean="0">
-                <a:solidFill>
-                  <a:schemeClr val="tx1"/>
-                </a:solidFill>
-                <a:effectLst/>
-                <a:latin typeface="+mn-lt"/>
-                <a:ea typeface="+mn-ea"/>
-                <a:cs typeface="+mn-cs"/>
-              </a:rPr>
-              <a:t>);</a:t>
-            </a:r>
-          </a:p>
-          <a:p>
-            <a:r>
-              <a:rPr lang="fr-FR" sz="1200" b="0" kern="1200" dirty="0" smtClean="0">
-                <a:solidFill>
-                  <a:schemeClr val="tx1"/>
-                </a:solidFill>
-                <a:effectLst/>
-                <a:latin typeface="+mn-lt"/>
-                <a:ea typeface="+mn-ea"/>
-                <a:cs typeface="+mn-cs"/>
-              </a:rPr>
-              <a:t>}</a:t>
-            </a:r>
-          </a:p>
-          <a:p>
-            <a:r>
-              <a:rPr lang="fr-FR" sz="1200" b="0" kern="1200" dirty="0" smtClean="0">
-                <a:solidFill>
-                  <a:schemeClr val="tx1"/>
-                </a:solidFill>
-                <a:effectLst/>
-                <a:latin typeface="+mn-lt"/>
-                <a:ea typeface="+mn-ea"/>
-                <a:cs typeface="+mn-cs"/>
-              </a:rPr>
-              <a:t>})</a:t>
-            </a:r>
-          </a:p>
-          <a:p>
-            <a:r>
-              <a:rPr lang="fr-FR" sz="1200" b="0" kern="1200" dirty="0" smtClean="0">
-                <a:solidFill>
-                  <a:schemeClr val="tx1"/>
-                </a:solidFill>
-                <a:effectLst/>
-                <a:latin typeface="+mn-lt"/>
-                <a:ea typeface="+mn-ea"/>
-                <a:cs typeface="+mn-cs"/>
-              </a:rPr>
-              <a:t>.do(() =&gt; </a:t>
-            </a:r>
-            <a:r>
-              <a:rPr lang="fr-FR" sz="1200" b="0" kern="1200" dirty="0" err="1" smtClean="0">
-                <a:solidFill>
-                  <a:schemeClr val="tx1"/>
-                </a:solidFill>
-                <a:effectLst/>
-                <a:latin typeface="+mn-lt"/>
-                <a:ea typeface="+mn-ea"/>
-                <a:cs typeface="+mn-cs"/>
-              </a:rPr>
-              <a:t>this.loading.pendingRequests</a:t>
-            </a:r>
-            <a:r>
-              <a:rPr lang="fr-FR" sz="1200" b="0" kern="1200" dirty="0" smtClean="0">
-                <a:solidFill>
-                  <a:schemeClr val="tx1"/>
-                </a:solidFill>
-                <a:effectLst/>
-                <a:latin typeface="+mn-lt"/>
-                <a:ea typeface="+mn-ea"/>
-                <a:cs typeface="+mn-cs"/>
-              </a:rPr>
-              <a:t>--);</a:t>
-            </a:r>
-          </a:p>
-          <a:p>
-            <a:r>
-              <a:rPr lang="fr-FR" sz="1200" b="0" kern="1200" dirty="0" smtClean="0">
-                <a:solidFill>
-                  <a:schemeClr val="tx1"/>
-                </a:solidFill>
-                <a:effectLst/>
-                <a:latin typeface="+mn-lt"/>
-                <a:ea typeface="+mn-ea"/>
-                <a:cs typeface="+mn-cs"/>
-              </a:rPr>
-              <a:t>}</a:t>
-            </a:r>
-          </a:p>
-          <a:p>
+          </a:p>
+          <a:p>
+            <a:r>
+              <a:rPr lang="fr-FR" dirty="0" err="1" smtClean="0"/>
+              <a:t>ng</a:t>
+            </a:r>
+            <a:r>
+              <a:rPr lang="fr-FR" dirty="0" smtClean="0"/>
+              <a:t> g pipe </a:t>
+            </a:r>
+            <a:r>
+              <a:rPr lang="fr-FR" dirty="0" err="1" smtClean="0"/>
+              <a:t>core</a:t>
+            </a:r>
+            <a:r>
+              <a:rPr lang="fr-FR" dirty="0" smtClean="0"/>
+              <a:t>/pipe/</a:t>
+            </a:r>
+            <a:r>
+              <a:rPr lang="fr-FR" dirty="0" err="1" smtClean="0"/>
+              <a:t>orderBy</a:t>
+            </a:r>
             <a:endParaRPr lang="fr-FR" dirty="0"/>
           </a:p>
         </p:txBody>
@@ -2306,6 +1108,1427 @@
           <a:p>
             <a:fld id="{FD0CA3AA-443A-466C-BF59-FB6574BB11C3}" type="slidenum">
               <a:rPr lang="fr-FR" smtClean="0"/>
+              <a:t>17</a:t>
+            </a:fld>
+            <a:endParaRPr lang="fr-FR"/>
+          </a:p>
+        </p:txBody>
+      </p:sp>
+    </p:spTree>
+    <p:extLst>
+      <p:ext uri="{BB962C8B-B14F-4D97-AF65-F5344CB8AC3E}">
+        <p14:creationId xmlns:p14="http://schemas.microsoft.com/office/powerpoint/2010/main" val="2840317410"/>
+      </p:ext>
+    </p:extLst>
+  </p:cSld>
+  <p:clrMapOvr>
+    <a:masterClrMapping/>
+  </p:clrMapOvr>
+</p:notes>
+</file>
+
+<file path=ppt/notesSlides/notesSlide15.xml><?xml version="1.0" encoding="utf-8"?>
+<p:notes xmlns:a="http://schemas.openxmlformats.org/drawingml/2006/main" xmlns:r="http://schemas.openxmlformats.org/officeDocument/2006/relationships" xmlns:p="http://schemas.openxmlformats.org/presentationml/2006/main">
+  <p:cSld>
+    <p:spTree>
+      <p:nvGrpSpPr>
+        <p:cNvPr id="1" name=""/>
+        <p:cNvGrpSpPr/>
+        <p:nvPr/>
+      </p:nvGrpSpPr>
+      <p:grpSpPr>
+        <a:xfrm>
+          <a:off x="0" y="0"/>
+          <a:ext cx="0" cy="0"/>
+          <a:chOff x="0" y="0"/>
+          <a:chExt cx="0" cy="0"/>
+        </a:xfrm>
+      </p:grpSpPr>
+      <p:sp>
+        <p:nvSpPr>
+          <p:cNvPr id="2" name="Espace réservé de l'image des diapositives 1"/>
+          <p:cNvSpPr>
+            <a:spLocks noGrp="1" noRot="1" noChangeAspect="1"/>
+          </p:cNvSpPr>
+          <p:nvPr>
+            <p:ph type="sldImg"/>
+          </p:nvPr>
+        </p:nvSpPr>
+        <p:spPr/>
+      </p:sp>
+      <p:sp>
+        <p:nvSpPr>
+          <p:cNvPr id="3" name="Espace réservé des commentaires 2"/>
+          <p:cNvSpPr>
+            <a:spLocks noGrp="1"/>
+          </p:cNvSpPr>
+          <p:nvPr>
+            <p:ph type="body" idx="1"/>
+          </p:nvPr>
+        </p:nvSpPr>
+        <p:spPr/>
+        <p:txBody>
+          <a:bodyPr/>
+          <a:lstStyle/>
+          <a:p>
+            <a:r>
+              <a:rPr lang="en-US" dirty="0" err="1" smtClean="0"/>
+              <a:t>npm</a:t>
+            </a:r>
+            <a:r>
+              <a:rPr lang="en-US" dirty="0" smtClean="0"/>
+              <a:t> run ng g c core/about</a:t>
+            </a:r>
+            <a:endParaRPr lang="fr-FR" dirty="0"/>
+          </a:p>
+        </p:txBody>
+      </p:sp>
+      <p:sp>
+        <p:nvSpPr>
+          <p:cNvPr id="4" name="Espace réservé du numéro de diapositive 3"/>
+          <p:cNvSpPr>
+            <a:spLocks noGrp="1"/>
+          </p:cNvSpPr>
+          <p:nvPr>
+            <p:ph type="sldNum" sz="quarter" idx="10"/>
+          </p:nvPr>
+        </p:nvSpPr>
+        <p:spPr/>
+        <p:txBody>
+          <a:bodyPr/>
+          <a:lstStyle/>
+          <a:p>
+            <a:fld id="{FD0CA3AA-443A-466C-BF59-FB6574BB11C3}" type="slidenum">
+              <a:rPr lang="fr-FR" smtClean="0"/>
+              <a:t>20</a:t>
+            </a:fld>
+            <a:endParaRPr lang="fr-FR"/>
+          </a:p>
+        </p:txBody>
+      </p:sp>
+    </p:spTree>
+    <p:extLst>
+      <p:ext uri="{BB962C8B-B14F-4D97-AF65-F5344CB8AC3E}">
+        <p14:creationId xmlns:p14="http://schemas.microsoft.com/office/powerpoint/2010/main" val="101353858"/>
+      </p:ext>
+    </p:extLst>
+  </p:cSld>
+  <p:clrMapOvr>
+    <a:masterClrMapping/>
+  </p:clrMapOvr>
+</p:notes>
+</file>
+
+<file path=ppt/notesSlides/notesSlide16.xml><?xml version="1.0" encoding="utf-8"?>
+<p:notes xmlns:a="http://schemas.openxmlformats.org/drawingml/2006/main" xmlns:r="http://schemas.openxmlformats.org/officeDocument/2006/relationships" xmlns:p="http://schemas.openxmlformats.org/presentationml/2006/main">
+  <p:cSld>
+    <p:spTree>
+      <p:nvGrpSpPr>
+        <p:cNvPr id="1" name=""/>
+        <p:cNvGrpSpPr/>
+        <p:nvPr/>
+      </p:nvGrpSpPr>
+      <p:grpSpPr>
+        <a:xfrm>
+          <a:off x="0" y="0"/>
+          <a:ext cx="0" cy="0"/>
+          <a:chOff x="0" y="0"/>
+          <a:chExt cx="0" cy="0"/>
+        </a:xfrm>
+      </p:grpSpPr>
+      <p:sp>
+        <p:nvSpPr>
+          <p:cNvPr id="2" name="Espace réservé de l'image des diapositives 1"/>
+          <p:cNvSpPr>
+            <a:spLocks noGrp="1" noRot="1" noChangeAspect="1"/>
+          </p:cNvSpPr>
+          <p:nvPr>
+            <p:ph type="sldImg"/>
+          </p:nvPr>
+        </p:nvSpPr>
+        <p:spPr/>
+      </p:sp>
+      <p:sp>
+        <p:nvSpPr>
+          <p:cNvPr id="3" name="Espace réservé des commentaires 2"/>
+          <p:cNvSpPr>
+            <a:spLocks noGrp="1"/>
+          </p:cNvSpPr>
+          <p:nvPr>
+            <p:ph type="body" idx="1"/>
+          </p:nvPr>
+        </p:nvSpPr>
+        <p:spPr/>
+        <p:txBody>
+          <a:bodyPr/>
+          <a:lstStyle/>
+          <a:p>
+            <a:r>
+              <a:rPr lang="fr-FR" sz="1200" b="0" kern="1200" dirty="0" err="1" smtClean="0">
+                <a:solidFill>
+                  <a:schemeClr val="tx1"/>
+                </a:solidFill>
+                <a:effectLst/>
+                <a:latin typeface="+mn-lt"/>
+                <a:ea typeface="+mn-ea"/>
+                <a:cs typeface="+mn-cs"/>
+              </a:rPr>
+              <a:t>intercept</a:t>
+            </a:r>
+            <a:r>
+              <a:rPr lang="fr-FR" sz="1200" b="0" kern="1200" dirty="0" smtClean="0">
+                <a:solidFill>
+                  <a:schemeClr val="tx1"/>
+                </a:solidFill>
+                <a:effectLst/>
+                <a:latin typeface="+mn-lt"/>
+                <a:ea typeface="+mn-ea"/>
+                <a:cs typeface="+mn-cs"/>
+              </a:rPr>
+              <a:t>(</a:t>
+            </a:r>
+            <a:r>
+              <a:rPr lang="fr-FR" sz="1200" b="0" kern="1200" dirty="0" err="1" smtClean="0">
+                <a:solidFill>
+                  <a:schemeClr val="tx1"/>
+                </a:solidFill>
+                <a:effectLst/>
+                <a:latin typeface="+mn-lt"/>
+                <a:ea typeface="+mn-ea"/>
+                <a:cs typeface="+mn-cs"/>
+              </a:rPr>
+              <a:t>req</a:t>
+            </a:r>
+            <a:r>
+              <a:rPr lang="fr-FR" sz="1200" b="0" kern="1200" dirty="0" smtClean="0">
+                <a:solidFill>
+                  <a:schemeClr val="tx1"/>
+                </a:solidFill>
+                <a:effectLst/>
+                <a:latin typeface="+mn-lt"/>
+                <a:ea typeface="+mn-ea"/>
+                <a:cs typeface="+mn-cs"/>
+              </a:rPr>
+              <a:t>: </a:t>
+            </a:r>
+            <a:r>
+              <a:rPr lang="fr-FR" sz="1200" b="0" kern="1200" dirty="0" err="1" smtClean="0">
+                <a:solidFill>
+                  <a:schemeClr val="tx1"/>
+                </a:solidFill>
+                <a:effectLst/>
+                <a:latin typeface="+mn-lt"/>
+                <a:ea typeface="+mn-ea"/>
+                <a:cs typeface="+mn-cs"/>
+              </a:rPr>
+              <a:t>HttpRequest</a:t>
+            </a:r>
+            <a:r>
+              <a:rPr lang="fr-FR" sz="1200" b="0" kern="1200" dirty="0" smtClean="0">
+                <a:solidFill>
+                  <a:schemeClr val="tx1"/>
+                </a:solidFill>
+                <a:effectLst/>
+                <a:latin typeface="+mn-lt"/>
+                <a:ea typeface="+mn-ea"/>
+                <a:cs typeface="+mn-cs"/>
+              </a:rPr>
+              <a:t>&lt;</a:t>
+            </a:r>
+            <a:r>
+              <a:rPr lang="fr-FR" sz="1200" b="0" kern="1200" dirty="0" err="1" smtClean="0">
+                <a:solidFill>
+                  <a:schemeClr val="tx1"/>
+                </a:solidFill>
+                <a:effectLst/>
+                <a:latin typeface="+mn-lt"/>
+                <a:ea typeface="+mn-ea"/>
+                <a:cs typeface="+mn-cs"/>
+              </a:rPr>
+              <a:t>any</a:t>
+            </a:r>
+            <a:r>
+              <a:rPr lang="fr-FR" sz="1200" b="0" kern="1200" dirty="0" smtClean="0">
+                <a:solidFill>
+                  <a:schemeClr val="tx1"/>
+                </a:solidFill>
+                <a:effectLst/>
+                <a:latin typeface="+mn-lt"/>
+                <a:ea typeface="+mn-ea"/>
+                <a:cs typeface="+mn-cs"/>
+              </a:rPr>
+              <a:t>&gt;, </a:t>
+            </a:r>
+            <a:r>
+              <a:rPr lang="fr-FR" sz="1200" b="0" kern="1200" dirty="0" err="1" smtClean="0">
+                <a:solidFill>
+                  <a:schemeClr val="tx1"/>
+                </a:solidFill>
+                <a:effectLst/>
+                <a:latin typeface="+mn-lt"/>
+                <a:ea typeface="+mn-ea"/>
+                <a:cs typeface="+mn-cs"/>
+              </a:rPr>
+              <a:t>next</a:t>
+            </a:r>
+            <a:r>
+              <a:rPr lang="fr-FR" sz="1200" b="0" kern="1200" dirty="0" smtClean="0">
+                <a:solidFill>
+                  <a:schemeClr val="tx1"/>
+                </a:solidFill>
+                <a:effectLst/>
+                <a:latin typeface="+mn-lt"/>
+                <a:ea typeface="+mn-ea"/>
+                <a:cs typeface="+mn-cs"/>
+              </a:rPr>
+              <a:t>: </a:t>
+            </a:r>
+            <a:r>
+              <a:rPr lang="fr-FR" sz="1200" b="0" kern="1200" dirty="0" err="1" smtClean="0">
+                <a:solidFill>
+                  <a:schemeClr val="tx1"/>
+                </a:solidFill>
+                <a:effectLst/>
+                <a:latin typeface="+mn-lt"/>
+                <a:ea typeface="+mn-ea"/>
+                <a:cs typeface="+mn-cs"/>
+              </a:rPr>
+              <a:t>HttpHandler</a:t>
+            </a:r>
+            <a:r>
+              <a:rPr lang="fr-FR" sz="1200" b="0" kern="1200" dirty="0" smtClean="0">
+                <a:solidFill>
+                  <a:schemeClr val="tx1"/>
+                </a:solidFill>
+                <a:effectLst/>
+                <a:latin typeface="+mn-lt"/>
+                <a:ea typeface="+mn-ea"/>
+                <a:cs typeface="+mn-cs"/>
+              </a:rPr>
+              <a:t>): Observable&lt;</a:t>
+            </a:r>
+            <a:r>
+              <a:rPr lang="fr-FR" sz="1200" b="0" kern="1200" dirty="0" err="1" smtClean="0">
+                <a:solidFill>
+                  <a:schemeClr val="tx1"/>
+                </a:solidFill>
+                <a:effectLst/>
+                <a:latin typeface="+mn-lt"/>
+                <a:ea typeface="+mn-ea"/>
+                <a:cs typeface="+mn-cs"/>
+              </a:rPr>
+              <a:t>HttpEvent</a:t>
+            </a:r>
+            <a:r>
+              <a:rPr lang="fr-FR" sz="1200" b="0" kern="1200" dirty="0" smtClean="0">
+                <a:solidFill>
+                  <a:schemeClr val="tx1"/>
+                </a:solidFill>
+                <a:effectLst/>
+                <a:latin typeface="+mn-lt"/>
+                <a:ea typeface="+mn-ea"/>
+                <a:cs typeface="+mn-cs"/>
+              </a:rPr>
+              <a:t>&lt;</a:t>
+            </a:r>
+            <a:r>
+              <a:rPr lang="fr-FR" sz="1200" b="0" kern="1200" dirty="0" err="1" smtClean="0">
+                <a:solidFill>
+                  <a:schemeClr val="tx1"/>
+                </a:solidFill>
+                <a:effectLst/>
+                <a:latin typeface="+mn-lt"/>
+                <a:ea typeface="+mn-ea"/>
+                <a:cs typeface="+mn-cs"/>
+              </a:rPr>
+              <a:t>any</a:t>
+            </a:r>
+            <a:r>
+              <a:rPr lang="fr-FR" sz="1200" b="0" kern="1200" dirty="0" smtClean="0">
+                <a:solidFill>
+                  <a:schemeClr val="tx1"/>
+                </a:solidFill>
+                <a:effectLst/>
+                <a:latin typeface="+mn-lt"/>
+                <a:ea typeface="+mn-ea"/>
+                <a:cs typeface="+mn-cs"/>
+              </a:rPr>
+              <a:t>&gt;&gt; {</a:t>
+            </a:r>
+          </a:p>
+          <a:p>
+            <a:r>
+              <a:rPr lang="fr-FR" sz="1200" b="0" kern="1200" dirty="0" err="1" smtClean="0">
+                <a:solidFill>
+                  <a:schemeClr val="tx1"/>
+                </a:solidFill>
+                <a:effectLst/>
+                <a:latin typeface="+mn-lt"/>
+                <a:ea typeface="+mn-ea"/>
+                <a:cs typeface="+mn-cs"/>
+              </a:rPr>
+              <a:t>const</a:t>
+            </a:r>
+            <a:r>
+              <a:rPr lang="fr-FR" sz="1200" b="0" kern="1200" dirty="0" smtClean="0">
+                <a:solidFill>
+                  <a:schemeClr val="tx1"/>
+                </a:solidFill>
+                <a:effectLst/>
+                <a:latin typeface="+mn-lt"/>
+                <a:ea typeface="+mn-ea"/>
+                <a:cs typeface="+mn-cs"/>
+              </a:rPr>
+              <a:t> </a:t>
+            </a:r>
+            <a:r>
+              <a:rPr lang="fr-FR" sz="1200" b="0" kern="1200" dirty="0" err="1" smtClean="0">
+                <a:solidFill>
+                  <a:schemeClr val="tx1"/>
+                </a:solidFill>
+                <a:effectLst/>
+                <a:latin typeface="+mn-lt"/>
+                <a:ea typeface="+mn-ea"/>
+                <a:cs typeface="+mn-cs"/>
+              </a:rPr>
+              <a:t>noCache</a:t>
+            </a:r>
+            <a:r>
+              <a:rPr lang="fr-FR" sz="1200" b="0" kern="1200" dirty="0" smtClean="0">
+                <a:solidFill>
+                  <a:schemeClr val="tx1"/>
+                </a:solidFill>
+                <a:effectLst/>
+                <a:latin typeface="+mn-lt"/>
+                <a:ea typeface="+mn-ea"/>
+                <a:cs typeface="+mn-cs"/>
+              </a:rPr>
+              <a:t> = </a:t>
+            </a:r>
+            <a:r>
+              <a:rPr lang="fr-FR" sz="1200" b="0" kern="1200" dirty="0" err="1" smtClean="0">
+                <a:solidFill>
+                  <a:schemeClr val="tx1"/>
+                </a:solidFill>
+                <a:effectLst/>
+                <a:latin typeface="+mn-lt"/>
+                <a:ea typeface="+mn-ea"/>
+                <a:cs typeface="+mn-cs"/>
+              </a:rPr>
+              <a:t>req.params.get</a:t>
+            </a:r>
+            <a:r>
+              <a:rPr lang="fr-FR" sz="1200" b="0" kern="1200" dirty="0" smtClean="0">
+                <a:solidFill>
+                  <a:schemeClr val="tx1"/>
+                </a:solidFill>
+                <a:effectLst/>
+                <a:latin typeface="+mn-lt"/>
+                <a:ea typeface="+mn-ea"/>
+                <a:cs typeface="+mn-cs"/>
+              </a:rPr>
+              <a:t>('</a:t>
+            </a:r>
+            <a:r>
+              <a:rPr lang="fr-FR" sz="1200" b="0" kern="1200" dirty="0" err="1" smtClean="0">
+                <a:solidFill>
+                  <a:schemeClr val="tx1"/>
+                </a:solidFill>
+                <a:effectLst/>
+                <a:latin typeface="+mn-lt"/>
+                <a:ea typeface="+mn-ea"/>
+                <a:cs typeface="+mn-cs"/>
+              </a:rPr>
+              <a:t>noCache</a:t>
+            </a:r>
+            <a:r>
+              <a:rPr lang="fr-FR" sz="1200" b="0" kern="1200" dirty="0" smtClean="0">
+                <a:solidFill>
+                  <a:schemeClr val="tx1"/>
+                </a:solidFill>
+                <a:effectLst/>
+                <a:latin typeface="+mn-lt"/>
+                <a:ea typeface="+mn-ea"/>
+                <a:cs typeface="+mn-cs"/>
+              </a:rPr>
+              <a:t>') === '</a:t>
+            </a:r>
+            <a:r>
+              <a:rPr lang="fr-FR" sz="1200" b="0" kern="1200" dirty="0" err="1" smtClean="0">
+                <a:solidFill>
+                  <a:schemeClr val="tx1"/>
+                </a:solidFill>
+                <a:effectLst/>
+                <a:latin typeface="+mn-lt"/>
+                <a:ea typeface="+mn-ea"/>
+                <a:cs typeface="+mn-cs"/>
+              </a:rPr>
+              <a:t>true</a:t>
+            </a:r>
+            <a:r>
+              <a:rPr lang="fr-FR" sz="1200" b="0" kern="1200" dirty="0" smtClean="0">
+                <a:solidFill>
+                  <a:schemeClr val="tx1"/>
+                </a:solidFill>
+                <a:effectLst/>
+                <a:latin typeface="+mn-lt"/>
+                <a:ea typeface="+mn-ea"/>
+                <a:cs typeface="+mn-cs"/>
+              </a:rPr>
+              <a:t>';</a:t>
+            </a:r>
+          </a:p>
+          <a:p>
+            <a:r>
+              <a:rPr lang="fr-FR" sz="1200" b="0" kern="1200" dirty="0" err="1" smtClean="0">
+                <a:solidFill>
+                  <a:schemeClr val="tx1"/>
+                </a:solidFill>
+                <a:effectLst/>
+                <a:latin typeface="+mn-lt"/>
+                <a:ea typeface="+mn-ea"/>
+                <a:cs typeface="+mn-cs"/>
+              </a:rPr>
+              <a:t>const</a:t>
+            </a:r>
+            <a:r>
+              <a:rPr lang="fr-FR" sz="1200" b="0" kern="1200" dirty="0" smtClean="0">
+                <a:solidFill>
+                  <a:schemeClr val="tx1"/>
+                </a:solidFill>
+                <a:effectLst/>
+                <a:latin typeface="+mn-lt"/>
+                <a:ea typeface="+mn-ea"/>
+                <a:cs typeface="+mn-cs"/>
+              </a:rPr>
+              <a:t> </a:t>
+            </a:r>
+            <a:r>
+              <a:rPr lang="fr-FR" sz="1200" b="0" kern="1200" dirty="0" err="1" smtClean="0">
+                <a:solidFill>
+                  <a:schemeClr val="tx1"/>
+                </a:solidFill>
+                <a:effectLst/>
+                <a:latin typeface="+mn-lt"/>
+                <a:ea typeface="+mn-ea"/>
+                <a:cs typeface="+mn-cs"/>
+              </a:rPr>
+              <a:t>noErrorModal</a:t>
+            </a:r>
+            <a:r>
+              <a:rPr lang="fr-FR" sz="1200" b="0" kern="1200" dirty="0" smtClean="0">
+                <a:solidFill>
+                  <a:schemeClr val="tx1"/>
+                </a:solidFill>
+                <a:effectLst/>
+                <a:latin typeface="+mn-lt"/>
+                <a:ea typeface="+mn-ea"/>
+                <a:cs typeface="+mn-cs"/>
+              </a:rPr>
+              <a:t> = </a:t>
+            </a:r>
+            <a:r>
+              <a:rPr lang="fr-FR" sz="1200" b="0" kern="1200" dirty="0" err="1" smtClean="0">
+                <a:solidFill>
+                  <a:schemeClr val="tx1"/>
+                </a:solidFill>
+                <a:effectLst/>
+                <a:latin typeface="+mn-lt"/>
+                <a:ea typeface="+mn-ea"/>
+                <a:cs typeface="+mn-cs"/>
+              </a:rPr>
+              <a:t>req.params.get</a:t>
+            </a:r>
+            <a:r>
+              <a:rPr lang="fr-FR" sz="1200" b="0" kern="1200" dirty="0" smtClean="0">
+                <a:solidFill>
+                  <a:schemeClr val="tx1"/>
+                </a:solidFill>
+                <a:effectLst/>
+                <a:latin typeface="+mn-lt"/>
+                <a:ea typeface="+mn-ea"/>
+                <a:cs typeface="+mn-cs"/>
+              </a:rPr>
+              <a:t>('</a:t>
+            </a:r>
+            <a:r>
+              <a:rPr lang="fr-FR" sz="1200" b="0" kern="1200" dirty="0" err="1" smtClean="0">
+                <a:solidFill>
+                  <a:schemeClr val="tx1"/>
+                </a:solidFill>
+                <a:effectLst/>
+                <a:latin typeface="+mn-lt"/>
+                <a:ea typeface="+mn-ea"/>
+                <a:cs typeface="+mn-cs"/>
+              </a:rPr>
+              <a:t>noErrorModal</a:t>
+            </a:r>
+            <a:r>
+              <a:rPr lang="fr-FR" sz="1200" b="0" kern="1200" dirty="0" smtClean="0">
+                <a:solidFill>
+                  <a:schemeClr val="tx1"/>
+                </a:solidFill>
+                <a:effectLst/>
+                <a:latin typeface="+mn-lt"/>
+                <a:ea typeface="+mn-ea"/>
+                <a:cs typeface="+mn-cs"/>
+              </a:rPr>
+              <a:t>') === '</a:t>
+            </a:r>
+            <a:r>
+              <a:rPr lang="fr-FR" sz="1200" b="0" kern="1200" dirty="0" err="1" smtClean="0">
+                <a:solidFill>
+                  <a:schemeClr val="tx1"/>
+                </a:solidFill>
+                <a:effectLst/>
+                <a:latin typeface="+mn-lt"/>
+                <a:ea typeface="+mn-ea"/>
+                <a:cs typeface="+mn-cs"/>
+              </a:rPr>
+              <a:t>true</a:t>
+            </a:r>
+            <a:r>
+              <a:rPr lang="fr-FR" sz="1200" b="0" kern="1200" dirty="0" smtClean="0">
+                <a:solidFill>
+                  <a:schemeClr val="tx1"/>
+                </a:solidFill>
+                <a:effectLst/>
+                <a:latin typeface="+mn-lt"/>
+                <a:ea typeface="+mn-ea"/>
+                <a:cs typeface="+mn-cs"/>
+              </a:rPr>
+              <a:t>';</a:t>
+            </a:r>
+          </a:p>
+          <a:p>
+            <a:r>
+              <a:rPr lang="fr-FR" sz="1200" b="0" kern="1200" dirty="0" smtClean="0">
+                <a:solidFill>
+                  <a:schemeClr val="tx1"/>
+                </a:solidFill>
+                <a:effectLst/>
+                <a:latin typeface="+mn-lt"/>
+                <a:ea typeface="+mn-ea"/>
+                <a:cs typeface="+mn-cs"/>
+              </a:rPr>
+              <a:t/>
+            </a:r>
+            <a:br>
+              <a:rPr lang="fr-FR" sz="1200" b="0" kern="1200" dirty="0" smtClean="0">
+                <a:solidFill>
+                  <a:schemeClr val="tx1"/>
+                </a:solidFill>
+                <a:effectLst/>
+                <a:latin typeface="+mn-lt"/>
+                <a:ea typeface="+mn-ea"/>
+                <a:cs typeface="+mn-cs"/>
+              </a:rPr>
+            </a:br>
+            <a:r>
+              <a:rPr lang="fr-FR" sz="1200" b="0" kern="1200" dirty="0" err="1" smtClean="0">
+                <a:solidFill>
+                  <a:schemeClr val="tx1"/>
+                </a:solidFill>
+                <a:effectLst/>
+                <a:latin typeface="+mn-lt"/>
+                <a:ea typeface="+mn-ea"/>
+                <a:cs typeface="+mn-cs"/>
+              </a:rPr>
+              <a:t>this.loading.pendingRequests</a:t>
+            </a:r>
+            <a:r>
+              <a:rPr lang="fr-FR" sz="1200" b="0" kern="1200" dirty="0" smtClean="0">
+                <a:solidFill>
+                  <a:schemeClr val="tx1"/>
+                </a:solidFill>
+                <a:effectLst/>
+                <a:latin typeface="+mn-lt"/>
+                <a:ea typeface="+mn-ea"/>
+                <a:cs typeface="+mn-cs"/>
+              </a:rPr>
+              <a:t>++;</a:t>
+            </a:r>
+          </a:p>
+          <a:p>
+            <a:r>
+              <a:rPr lang="fr-FR" sz="1200" b="0" kern="1200" dirty="0" smtClean="0">
+                <a:solidFill>
+                  <a:schemeClr val="tx1"/>
+                </a:solidFill>
+                <a:effectLst/>
+                <a:latin typeface="+mn-lt"/>
+                <a:ea typeface="+mn-ea"/>
+                <a:cs typeface="+mn-cs"/>
+              </a:rPr>
+              <a:t>return </a:t>
+            </a:r>
+            <a:r>
+              <a:rPr lang="fr-FR" sz="1200" b="0" kern="1200" dirty="0" err="1" smtClean="0">
+                <a:solidFill>
+                  <a:schemeClr val="tx1"/>
+                </a:solidFill>
+                <a:effectLst/>
+                <a:latin typeface="+mn-lt"/>
+                <a:ea typeface="+mn-ea"/>
+                <a:cs typeface="+mn-cs"/>
+              </a:rPr>
+              <a:t>next.handle</a:t>
+            </a:r>
+            <a:r>
+              <a:rPr lang="fr-FR" sz="1200" b="0" kern="1200" dirty="0" smtClean="0">
+                <a:solidFill>
+                  <a:schemeClr val="tx1"/>
+                </a:solidFill>
+                <a:effectLst/>
+                <a:latin typeface="+mn-lt"/>
+                <a:ea typeface="+mn-ea"/>
+                <a:cs typeface="+mn-cs"/>
+              </a:rPr>
+              <a:t>(</a:t>
+            </a:r>
+            <a:r>
+              <a:rPr lang="fr-FR" sz="1200" b="0" kern="1200" dirty="0" err="1" smtClean="0">
+                <a:solidFill>
+                  <a:schemeClr val="tx1"/>
+                </a:solidFill>
+                <a:effectLst/>
+                <a:latin typeface="+mn-lt"/>
+                <a:ea typeface="+mn-ea"/>
+                <a:cs typeface="+mn-cs"/>
+              </a:rPr>
+              <a:t>req</a:t>
+            </a:r>
+            <a:r>
+              <a:rPr lang="fr-FR" sz="1200" b="0" kern="1200" dirty="0" smtClean="0">
+                <a:solidFill>
+                  <a:schemeClr val="tx1"/>
+                </a:solidFill>
+                <a:effectLst/>
+                <a:latin typeface="+mn-lt"/>
+                <a:ea typeface="+mn-ea"/>
+                <a:cs typeface="+mn-cs"/>
+              </a:rPr>
+              <a:t>)</a:t>
+            </a:r>
+          </a:p>
+          <a:p>
+            <a:r>
+              <a:rPr lang="fr-FR" sz="1200" b="0" kern="1200" dirty="0" smtClean="0">
+                <a:solidFill>
+                  <a:schemeClr val="tx1"/>
+                </a:solidFill>
+                <a:effectLst/>
+                <a:latin typeface="+mn-lt"/>
+                <a:ea typeface="+mn-ea"/>
+                <a:cs typeface="+mn-cs"/>
+              </a:rPr>
+              <a:t>.timeout(REQUEST_TIMEOUT)</a:t>
+            </a:r>
+          </a:p>
+          <a:p>
+            <a:r>
+              <a:rPr lang="fr-FR" sz="1200" b="0" kern="1200" dirty="0" smtClean="0">
+                <a:solidFill>
+                  <a:schemeClr val="tx1"/>
+                </a:solidFill>
+                <a:effectLst/>
+                <a:latin typeface="+mn-lt"/>
+                <a:ea typeface="+mn-ea"/>
+                <a:cs typeface="+mn-cs"/>
+              </a:rPr>
+              <a:t>.</a:t>
+            </a:r>
+            <a:r>
+              <a:rPr lang="fr-FR" sz="1200" b="0" kern="1200" dirty="0" err="1" smtClean="0">
+                <a:solidFill>
+                  <a:schemeClr val="tx1"/>
+                </a:solidFill>
+                <a:effectLst/>
+                <a:latin typeface="+mn-lt"/>
+                <a:ea typeface="+mn-ea"/>
+                <a:cs typeface="+mn-cs"/>
+              </a:rPr>
+              <a:t>filter</a:t>
+            </a:r>
+            <a:r>
+              <a:rPr lang="fr-FR" sz="1200" b="0" kern="1200" dirty="0" smtClean="0">
+                <a:solidFill>
+                  <a:schemeClr val="tx1"/>
+                </a:solidFill>
+                <a:effectLst/>
+                <a:latin typeface="+mn-lt"/>
+                <a:ea typeface="+mn-ea"/>
+                <a:cs typeface="+mn-cs"/>
+              </a:rPr>
+              <a:t>(</a:t>
+            </a:r>
+            <a:r>
+              <a:rPr lang="fr-FR" sz="1200" b="0" kern="1200" dirty="0" err="1" smtClean="0">
+                <a:solidFill>
+                  <a:schemeClr val="tx1"/>
+                </a:solidFill>
+                <a:effectLst/>
+                <a:latin typeface="+mn-lt"/>
+                <a:ea typeface="+mn-ea"/>
+                <a:cs typeface="+mn-cs"/>
+              </a:rPr>
+              <a:t>result</a:t>
+            </a:r>
+            <a:r>
+              <a:rPr lang="fr-FR" sz="1200" b="0" kern="1200" dirty="0" smtClean="0">
+                <a:solidFill>
+                  <a:schemeClr val="tx1"/>
+                </a:solidFill>
+                <a:effectLst/>
+                <a:latin typeface="+mn-lt"/>
+                <a:ea typeface="+mn-ea"/>
+                <a:cs typeface="+mn-cs"/>
+              </a:rPr>
+              <a:t> =&gt; </a:t>
+            </a:r>
+            <a:r>
+              <a:rPr lang="fr-FR" sz="1200" b="0" kern="1200" dirty="0" err="1" smtClean="0">
+                <a:solidFill>
+                  <a:schemeClr val="tx1"/>
+                </a:solidFill>
+                <a:effectLst/>
+                <a:latin typeface="+mn-lt"/>
+                <a:ea typeface="+mn-ea"/>
+                <a:cs typeface="+mn-cs"/>
+              </a:rPr>
+              <a:t>this.isHttpResponse</a:t>
+            </a:r>
+            <a:r>
+              <a:rPr lang="fr-FR" sz="1200" b="0" kern="1200" dirty="0" smtClean="0">
+                <a:solidFill>
+                  <a:schemeClr val="tx1"/>
+                </a:solidFill>
+                <a:effectLst/>
+                <a:latin typeface="+mn-lt"/>
+                <a:ea typeface="+mn-ea"/>
+                <a:cs typeface="+mn-cs"/>
+              </a:rPr>
+              <a:t>(</a:t>
+            </a:r>
+            <a:r>
+              <a:rPr lang="fr-FR" sz="1200" b="0" kern="1200" dirty="0" err="1" smtClean="0">
+                <a:solidFill>
+                  <a:schemeClr val="tx1"/>
+                </a:solidFill>
+                <a:effectLst/>
+                <a:latin typeface="+mn-lt"/>
+                <a:ea typeface="+mn-ea"/>
+                <a:cs typeface="+mn-cs"/>
+              </a:rPr>
+              <a:t>result</a:t>
+            </a:r>
+            <a:r>
+              <a:rPr lang="fr-FR" sz="1200" b="0" kern="1200" dirty="0" smtClean="0">
+                <a:solidFill>
+                  <a:schemeClr val="tx1"/>
+                </a:solidFill>
+                <a:effectLst/>
+                <a:latin typeface="+mn-lt"/>
+                <a:ea typeface="+mn-ea"/>
+                <a:cs typeface="+mn-cs"/>
+              </a:rPr>
+              <a:t>))</a:t>
+            </a:r>
+          </a:p>
+          <a:p>
+            <a:r>
+              <a:rPr lang="fr-FR" sz="1200" b="0" kern="1200" dirty="0" smtClean="0">
+                <a:solidFill>
+                  <a:schemeClr val="tx1"/>
+                </a:solidFill>
+                <a:effectLst/>
+                <a:latin typeface="+mn-lt"/>
+                <a:ea typeface="+mn-ea"/>
+                <a:cs typeface="+mn-cs"/>
+              </a:rPr>
+              <a:t>.do(</a:t>
+            </a:r>
+            <a:r>
+              <a:rPr lang="fr-FR" sz="1200" b="0" kern="1200" dirty="0" err="1" smtClean="0">
+                <a:solidFill>
+                  <a:schemeClr val="tx1"/>
+                </a:solidFill>
+                <a:effectLst/>
+                <a:latin typeface="+mn-lt"/>
+                <a:ea typeface="+mn-ea"/>
+                <a:cs typeface="+mn-cs"/>
+              </a:rPr>
+              <a:t>result</a:t>
+            </a:r>
+            <a:r>
+              <a:rPr lang="fr-FR" sz="1200" b="0" kern="1200" dirty="0" smtClean="0">
+                <a:solidFill>
+                  <a:schemeClr val="tx1"/>
+                </a:solidFill>
+                <a:effectLst/>
+                <a:latin typeface="+mn-lt"/>
+                <a:ea typeface="+mn-ea"/>
+                <a:cs typeface="+mn-cs"/>
+              </a:rPr>
+              <a:t> =&gt; !</a:t>
+            </a:r>
+            <a:r>
+              <a:rPr lang="fr-FR" sz="1200" b="0" kern="1200" dirty="0" err="1" smtClean="0">
+                <a:solidFill>
+                  <a:schemeClr val="tx1"/>
+                </a:solidFill>
+                <a:effectLst/>
+                <a:latin typeface="+mn-lt"/>
+                <a:ea typeface="+mn-ea"/>
+                <a:cs typeface="+mn-cs"/>
+              </a:rPr>
+              <a:t>noCache</a:t>
+            </a:r>
+            <a:r>
+              <a:rPr lang="fr-FR" sz="1200" b="0" kern="1200" dirty="0" smtClean="0">
+                <a:solidFill>
+                  <a:schemeClr val="tx1"/>
+                </a:solidFill>
+                <a:effectLst/>
+                <a:latin typeface="+mn-lt"/>
+                <a:ea typeface="+mn-ea"/>
+                <a:cs typeface="+mn-cs"/>
+              </a:rPr>
+              <a:t> &amp;&amp; </a:t>
+            </a:r>
+            <a:r>
+              <a:rPr lang="fr-FR" sz="1200" b="0" kern="1200" dirty="0" err="1" smtClean="0">
+                <a:solidFill>
+                  <a:schemeClr val="tx1"/>
+                </a:solidFill>
+                <a:effectLst/>
+                <a:latin typeface="+mn-lt"/>
+                <a:ea typeface="+mn-ea"/>
+                <a:cs typeface="+mn-cs"/>
+              </a:rPr>
+              <a:t>this.cacheRequestResponse</a:t>
+            </a:r>
+            <a:r>
+              <a:rPr lang="fr-FR" sz="1200" b="0" kern="1200" dirty="0" smtClean="0">
+                <a:solidFill>
+                  <a:schemeClr val="tx1"/>
+                </a:solidFill>
+                <a:effectLst/>
+                <a:latin typeface="+mn-lt"/>
+                <a:ea typeface="+mn-ea"/>
+                <a:cs typeface="+mn-cs"/>
+              </a:rPr>
+              <a:t>(req.url, </a:t>
+            </a:r>
+            <a:r>
+              <a:rPr lang="fr-FR" sz="1200" b="0" kern="1200" dirty="0" err="1" smtClean="0">
+                <a:solidFill>
+                  <a:schemeClr val="tx1"/>
+                </a:solidFill>
+                <a:effectLst/>
+                <a:latin typeface="+mn-lt"/>
+                <a:ea typeface="+mn-ea"/>
+                <a:cs typeface="+mn-cs"/>
+              </a:rPr>
+              <a:t>result</a:t>
+            </a:r>
+            <a:r>
+              <a:rPr lang="fr-FR" sz="1200" b="0" kern="1200" dirty="0" smtClean="0">
+                <a:solidFill>
+                  <a:schemeClr val="tx1"/>
+                </a:solidFill>
+                <a:effectLst/>
+                <a:latin typeface="+mn-lt"/>
+                <a:ea typeface="+mn-ea"/>
+                <a:cs typeface="+mn-cs"/>
+              </a:rPr>
+              <a:t> as </a:t>
+            </a:r>
+            <a:r>
+              <a:rPr lang="fr-FR" sz="1200" b="0" kern="1200" dirty="0" err="1" smtClean="0">
+                <a:solidFill>
+                  <a:schemeClr val="tx1"/>
+                </a:solidFill>
+                <a:effectLst/>
+                <a:latin typeface="+mn-lt"/>
+                <a:ea typeface="+mn-ea"/>
+                <a:cs typeface="+mn-cs"/>
+              </a:rPr>
+              <a:t>HttpResponse</a:t>
+            </a:r>
+            <a:r>
+              <a:rPr lang="fr-FR" sz="1200" b="0" kern="1200" dirty="0" smtClean="0">
+                <a:solidFill>
+                  <a:schemeClr val="tx1"/>
+                </a:solidFill>
+                <a:effectLst/>
+                <a:latin typeface="+mn-lt"/>
+                <a:ea typeface="+mn-ea"/>
+                <a:cs typeface="+mn-cs"/>
+              </a:rPr>
+              <a:t>&lt;</a:t>
+            </a:r>
+            <a:r>
+              <a:rPr lang="fr-FR" sz="1200" b="0" kern="1200" dirty="0" err="1" smtClean="0">
+                <a:solidFill>
+                  <a:schemeClr val="tx1"/>
+                </a:solidFill>
+                <a:effectLst/>
+                <a:latin typeface="+mn-lt"/>
+                <a:ea typeface="+mn-ea"/>
+                <a:cs typeface="+mn-cs"/>
+              </a:rPr>
+              <a:t>any</a:t>
+            </a:r>
+            <a:r>
+              <a:rPr lang="fr-FR" sz="1200" b="0" kern="1200" dirty="0" smtClean="0">
+                <a:solidFill>
+                  <a:schemeClr val="tx1"/>
+                </a:solidFill>
+                <a:effectLst/>
+                <a:latin typeface="+mn-lt"/>
+                <a:ea typeface="+mn-ea"/>
+                <a:cs typeface="+mn-cs"/>
+              </a:rPr>
+              <a:t>&gt;))</a:t>
+            </a:r>
+          </a:p>
+          <a:p>
+            <a:r>
+              <a:rPr lang="fr-FR" sz="1200" b="0" kern="1200" dirty="0" smtClean="0">
+                <a:solidFill>
+                  <a:schemeClr val="tx1"/>
+                </a:solidFill>
+                <a:effectLst/>
+                <a:latin typeface="+mn-lt"/>
+                <a:ea typeface="+mn-ea"/>
+                <a:cs typeface="+mn-cs"/>
+              </a:rPr>
+              <a:t>.catch((</a:t>
+            </a:r>
+            <a:r>
+              <a:rPr lang="fr-FR" sz="1200" b="0" kern="1200" dirty="0" err="1" smtClean="0">
+                <a:solidFill>
+                  <a:schemeClr val="tx1"/>
+                </a:solidFill>
+                <a:effectLst/>
+                <a:latin typeface="+mn-lt"/>
+                <a:ea typeface="+mn-ea"/>
+                <a:cs typeface="+mn-cs"/>
+              </a:rPr>
+              <a:t>error</a:t>
+            </a:r>
+            <a:r>
+              <a:rPr lang="fr-FR" sz="1200" b="0" kern="1200" dirty="0" smtClean="0">
+                <a:solidFill>
+                  <a:schemeClr val="tx1"/>
+                </a:solidFill>
+                <a:effectLst/>
+                <a:latin typeface="+mn-lt"/>
+                <a:ea typeface="+mn-ea"/>
+                <a:cs typeface="+mn-cs"/>
+              </a:rPr>
+              <a:t>, </a:t>
+            </a:r>
+            <a:r>
+              <a:rPr lang="fr-FR" sz="1200" b="0" kern="1200" dirty="0" err="1" smtClean="0">
+                <a:solidFill>
+                  <a:schemeClr val="tx1"/>
+                </a:solidFill>
+                <a:effectLst/>
+                <a:latin typeface="+mn-lt"/>
+                <a:ea typeface="+mn-ea"/>
+                <a:cs typeface="+mn-cs"/>
+              </a:rPr>
+              <a:t>caught</a:t>
+            </a:r>
+            <a:r>
+              <a:rPr lang="fr-FR" sz="1200" b="0" kern="1200" dirty="0" smtClean="0">
+                <a:solidFill>
+                  <a:schemeClr val="tx1"/>
+                </a:solidFill>
+                <a:effectLst/>
+                <a:latin typeface="+mn-lt"/>
+                <a:ea typeface="+mn-ea"/>
+                <a:cs typeface="+mn-cs"/>
+              </a:rPr>
+              <a:t>) =&gt; {</a:t>
+            </a:r>
+          </a:p>
+          <a:p>
+            <a:r>
+              <a:rPr lang="fr-FR" sz="1200" b="0" kern="1200" dirty="0" smtClean="0">
+                <a:solidFill>
+                  <a:schemeClr val="tx1"/>
+                </a:solidFill>
+                <a:effectLst/>
+                <a:latin typeface="+mn-lt"/>
+                <a:ea typeface="+mn-ea"/>
+                <a:cs typeface="+mn-cs"/>
+              </a:rPr>
+              <a:t>if (</a:t>
+            </a:r>
+            <a:r>
+              <a:rPr lang="fr-FR" sz="1200" b="0" kern="1200" dirty="0" err="1" smtClean="0">
+                <a:solidFill>
+                  <a:schemeClr val="tx1"/>
+                </a:solidFill>
+                <a:effectLst/>
+                <a:latin typeface="+mn-lt"/>
+                <a:ea typeface="+mn-ea"/>
+                <a:cs typeface="+mn-cs"/>
+              </a:rPr>
+              <a:t>this.isProxyError</a:t>
+            </a:r>
+            <a:r>
+              <a:rPr lang="fr-FR" sz="1200" b="0" kern="1200" dirty="0" smtClean="0">
+                <a:solidFill>
+                  <a:schemeClr val="tx1"/>
+                </a:solidFill>
+                <a:effectLst/>
+                <a:latin typeface="+mn-lt"/>
+                <a:ea typeface="+mn-ea"/>
+                <a:cs typeface="+mn-cs"/>
+              </a:rPr>
+              <a:t>(</a:t>
+            </a:r>
+            <a:r>
+              <a:rPr lang="fr-FR" sz="1200" b="0" kern="1200" dirty="0" err="1" smtClean="0">
+                <a:solidFill>
+                  <a:schemeClr val="tx1"/>
+                </a:solidFill>
+                <a:effectLst/>
+                <a:latin typeface="+mn-lt"/>
+                <a:ea typeface="+mn-ea"/>
+                <a:cs typeface="+mn-cs"/>
+              </a:rPr>
+              <a:t>error</a:t>
+            </a:r>
+            <a:r>
+              <a:rPr lang="fr-FR" sz="1200" b="0" kern="1200" dirty="0" smtClean="0">
+                <a:solidFill>
+                  <a:schemeClr val="tx1"/>
+                </a:solidFill>
+                <a:effectLst/>
+                <a:latin typeface="+mn-lt"/>
+                <a:ea typeface="+mn-ea"/>
+                <a:cs typeface="+mn-cs"/>
+              </a:rPr>
+              <a:t>)) {</a:t>
+            </a:r>
+          </a:p>
+          <a:p>
+            <a:r>
+              <a:rPr lang="fr-FR" sz="1200" b="0" kern="1200" dirty="0" smtClean="0">
+                <a:solidFill>
+                  <a:schemeClr val="tx1"/>
+                </a:solidFill>
+                <a:effectLst/>
+                <a:latin typeface="+mn-lt"/>
+                <a:ea typeface="+mn-ea"/>
+                <a:cs typeface="+mn-cs"/>
+              </a:rPr>
+              <a:t>return </a:t>
+            </a:r>
+            <a:r>
+              <a:rPr lang="fr-FR" sz="1200" b="0" kern="1200" dirty="0" err="1" smtClean="0">
+                <a:solidFill>
+                  <a:schemeClr val="tx1"/>
+                </a:solidFill>
+                <a:effectLst/>
+                <a:latin typeface="+mn-lt"/>
+                <a:ea typeface="+mn-ea"/>
+                <a:cs typeface="+mn-cs"/>
+              </a:rPr>
+              <a:t>Observable.of</a:t>
+            </a:r>
+            <a:r>
+              <a:rPr lang="fr-FR" sz="1200" b="0" kern="1200" dirty="0" smtClean="0">
+                <a:solidFill>
+                  <a:schemeClr val="tx1"/>
+                </a:solidFill>
+                <a:effectLst/>
+                <a:latin typeface="+mn-lt"/>
+                <a:ea typeface="+mn-ea"/>
+                <a:cs typeface="+mn-cs"/>
+              </a:rPr>
+              <a:t>(</a:t>
+            </a:r>
+            <a:r>
+              <a:rPr lang="fr-FR" sz="1200" b="0" kern="1200" dirty="0" err="1" smtClean="0">
+                <a:solidFill>
+                  <a:schemeClr val="tx1"/>
+                </a:solidFill>
+                <a:effectLst/>
+                <a:latin typeface="+mn-lt"/>
+                <a:ea typeface="+mn-ea"/>
+                <a:cs typeface="+mn-cs"/>
+              </a:rPr>
+              <a:t>this.inFlightResponse</a:t>
+            </a:r>
+            <a:r>
+              <a:rPr lang="fr-FR" sz="1200" b="0" kern="1200" dirty="0" smtClean="0">
+                <a:solidFill>
+                  <a:schemeClr val="tx1"/>
+                </a:solidFill>
+                <a:effectLst/>
+                <a:latin typeface="+mn-lt"/>
+                <a:ea typeface="+mn-ea"/>
+                <a:cs typeface="+mn-cs"/>
+              </a:rPr>
+              <a:t>(req.url, </a:t>
+            </a:r>
+            <a:r>
+              <a:rPr lang="fr-FR" sz="1200" b="0" kern="1200" dirty="0" err="1" smtClean="0">
+                <a:solidFill>
+                  <a:schemeClr val="tx1"/>
+                </a:solidFill>
+                <a:effectLst/>
+                <a:latin typeface="+mn-lt"/>
+                <a:ea typeface="+mn-ea"/>
+                <a:cs typeface="+mn-cs"/>
+              </a:rPr>
+              <a:t>error.error</a:t>
+            </a:r>
+            <a:r>
+              <a:rPr lang="fr-FR" sz="1200" b="0" kern="1200" dirty="0" smtClean="0">
+                <a:solidFill>
+                  <a:schemeClr val="tx1"/>
+                </a:solidFill>
+                <a:effectLst/>
+                <a:latin typeface="+mn-lt"/>
+                <a:ea typeface="+mn-ea"/>
+                <a:cs typeface="+mn-cs"/>
+              </a:rPr>
+              <a:t>));</a:t>
+            </a:r>
+          </a:p>
+          <a:p>
+            <a:r>
+              <a:rPr lang="fr-FR" sz="1200" b="0" kern="1200" dirty="0" smtClean="0">
+                <a:solidFill>
+                  <a:schemeClr val="tx1"/>
+                </a:solidFill>
+                <a:effectLst/>
+                <a:latin typeface="+mn-lt"/>
+                <a:ea typeface="+mn-ea"/>
+                <a:cs typeface="+mn-cs"/>
+              </a:rPr>
+              <a:t>} </a:t>
+            </a:r>
+            <a:r>
+              <a:rPr lang="fr-FR" sz="1200" b="0" kern="1200" dirty="0" err="1" smtClean="0">
+                <a:solidFill>
+                  <a:schemeClr val="tx1"/>
+                </a:solidFill>
+                <a:effectLst/>
+                <a:latin typeface="+mn-lt"/>
+                <a:ea typeface="+mn-ea"/>
+                <a:cs typeface="+mn-cs"/>
+              </a:rPr>
+              <a:t>else</a:t>
+            </a:r>
+            <a:r>
+              <a:rPr lang="fr-FR" sz="1200" b="0" kern="1200" dirty="0" smtClean="0">
+                <a:solidFill>
+                  <a:schemeClr val="tx1"/>
+                </a:solidFill>
+                <a:effectLst/>
+                <a:latin typeface="+mn-lt"/>
+                <a:ea typeface="+mn-ea"/>
+                <a:cs typeface="+mn-cs"/>
+              </a:rPr>
+              <a:t> {</a:t>
+            </a:r>
+          </a:p>
+          <a:p>
+            <a:r>
+              <a:rPr lang="fr-FR" sz="1200" b="0" kern="1200" dirty="0" smtClean="0">
+                <a:solidFill>
+                  <a:schemeClr val="tx1"/>
+                </a:solidFill>
+                <a:effectLst/>
+                <a:latin typeface="+mn-lt"/>
+                <a:ea typeface="+mn-ea"/>
+                <a:cs typeface="+mn-cs"/>
+              </a:rPr>
+              <a:t>return </a:t>
+            </a:r>
+            <a:r>
+              <a:rPr lang="fr-FR" sz="1200" b="0" kern="1200" dirty="0" err="1" smtClean="0">
+                <a:solidFill>
+                  <a:schemeClr val="tx1"/>
+                </a:solidFill>
+                <a:effectLst/>
+                <a:latin typeface="+mn-lt"/>
+                <a:ea typeface="+mn-ea"/>
+                <a:cs typeface="+mn-cs"/>
+              </a:rPr>
+              <a:t>this.responseFromCacheOrPresentModal</a:t>
+            </a:r>
+            <a:r>
+              <a:rPr lang="fr-FR" sz="1200" b="0" kern="1200" dirty="0" smtClean="0">
+                <a:solidFill>
+                  <a:schemeClr val="tx1"/>
+                </a:solidFill>
+                <a:effectLst/>
+                <a:latin typeface="+mn-lt"/>
+                <a:ea typeface="+mn-ea"/>
+                <a:cs typeface="+mn-cs"/>
+              </a:rPr>
+              <a:t>(req.url, </a:t>
+            </a:r>
+            <a:r>
+              <a:rPr lang="fr-FR" sz="1200" b="0" kern="1200" dirty="0" err="1" smtClean="0">
+                <a:solidFill>
+                  <a:schemeClr val="tx1"/>
+                </a:solidFill>
+                <a:effectLst/>
+                <a:latin typeface="+mn-lt"/>
+                <a:ea typeface="+mn-ea"/>
+                <a:cs typeface="+mn-cs"/>
+              </a:rPr>
+              <a:t>error</a:t>
+            </a:r>
+            <a:r>
+              <a:rPr lang="fr-FR" sz="1200" b="0" kern="1200" dirty="0" smtClean="0">
+                <a:solidFill>
+                  <a:schemeClr val="tx1"/>
+                </a:solidFill>
+                <a:effectLst/>
+                <a:latin typeface="+mn-lt"/>
+                <a:ea typeface="+mn-ea"/>
+                <a:cs typeface="+mn-cs"/>
+              </a:rPr>
+              <a:t>, </a:t>
+            </a:r>
+            <a:r>
+              <a:rPr lang="fr-FR" sz="1200" b="0" kern="1200" dirty="0" err="1" smtClean="0">
+                <a:solidFill>
+                  <a:schemeClr val="tx1"/>
+                </a:solidFill>
+                <a:effectLst/>
+                <a:latin typeface="+mn-lt"/>
+                <a:ea typeface="+mn-ea"/>
+                <a:cs typeface="+mn-cs"/>
+              </a:rPr>
+              <a:t>noErrorModal</a:t>
+            </a:r>
+            <a:r>
+              <a:rPr lang="fr-FR" sz="1200" b="0" kern="1200" dirty="0" smtClean="0">
+                <a:solidFill>
+                  <a:schemeClr val="tx1"/>
+                </a:solidFill>
+                <a:effectLst/>
+                <a:latin typeface="+mn-lt"/>
+                <a:ea typeface="+mn-ea"/>
+                <a:cs typeface="+mn-cs"/>
+              </a:rPr>
+              <a:t>);</a:t>
+            </a:r>
+          </a:p>
+          <a:p>
+            <a:r>
+              <a:rPr lang="fr-FR" sz="1200" b="0" kern="1200" dirty="0" smtClean="0">
+                <a:solidFill>
+                  <a:schemeClr val="tx1"/>
+                </a:solidFill>
+                <a:effectLst/>
+                <a:latin typeface="+mn-lt"/>
+                <a:ea typeface="+mn-ea"/>
+                <a:cs typeface="+mn-cs"/>
+              </a:rPr>
+              <a:t>}</a:t>
+            </a:r>
+          </a:p>
+          <a:p>
+            <a:r>
+              <a:rPr lang="fr-FR" sz="1200" b="0" kern="1200" dirty="0" smtClean="0">
+                <a:solidFill>
+                  <a:schemeClr val="tx1"/>
+                </a:solidFill>
+                <a:effectLst/>
+                <a:latin typeface="+mn-lt"/>
+                <a:ea typeface="+mn-ea"/>
+                <a:cs typeface="+mn-cs"/>
+              </a:rPr>
+              <a:t>})</a:t>
+            </a:r>
+          </a:p>
+          <a:p>
+            <a:r>
+              <a:rPr lang="fr-FR" sz="1200" b="0" kern="1200" dirty="0" smtClean="0">
+                <a:solidFill>
+                  <a:schemeClr val="tx1"/>
+                </a:solidFill>
+                <a:effectLst/>
+                <a:latin typeface="+mn-lt"/>
+                <a:ea typeface="+mn-ea"/>
+                <a:cs typeface="+mn-cs"/>
+              </a:rPr>
+              <a:t>.do(() =&gt; </a:t>
+            </a:r>
+            <a:r>
+              <a:rPr lang="fr-FR" sz="1200" b="0" kern="1200" dirty="0" err="1" smtClean="0">
+                <a:solidFill>
+                  <a:schemeClr val="tx1"/>
+                </a:solidFill>
+                <a:effectLst/>
+                <a:latin typeface="+mn-lt"/>
+                <a:ea typeface="+mn-ea"/>
+                <a:cs typeface="+mn-cs"/>
+              </a:rPr>
+              <a:t>this.loading.pendingRequests</a:t>
+            </a:r>
+            <a:r>
+              <a:rPr lang="fr-FR" sz="1200" b="0" kern="1200" dirty="0" smtClean="0">
+                <a:solidFill>
+                  <a:schemeClr val="tx1"/>
+                </a:solidFill>
+                <a:effectLst/>
+                <a:latin typeface="+mn-lt"/>
+                <a:ea typeface="+mn-ea"/>
+                <a:cs typeface="+mn-cs"/>
+              </a:rPr>
+              <a:t>--);</a:t>
+            </a:r>
+          </a:p>
+          <a:p>
+            <a:r>
+              <a:rPr lang="fr-FR" sz="1200" b="0" kern="1200" dirty="0" smtClean="0">
+                <a:solidFill>
+                  <a:schemeClr val="tx1"/>
+                </a:solidFill>
+                <a:effectLst/>
+                <a:latin typeface="+mn-lt"/>
+                <a:ea typeface="+mn-ea"/>
+                <a:cs typeface="+mn-cs"/>
+              </a:rPr>
+              <a:t>}</a:t>
+            </a:r>
+          </a:p>
+          <a:p>
+            <a:endParaRPr lang="fr-FR" dirty="0"/>
+          </a:p>
+        </p:txBody>
+      </p:sp>
+      <p:sp>
+        <p:nvSpPr>
+          <p:cNvPr id="4" name="Espace réservé du numéro de diapositive 3"/>
+          <p:cNvSpPr>
+            <a:spLocks noGrp="1"/>
+          </p:cNvSpPr>
+          <p:nvPr>
+            <p:ph type="sldNum" sz="quarter" idx="10"/>
+          </p:nvPr>
+        </p:nvSpPr>
+        <p:spPr/>
+        <p:txBody>
+          <a:bodyPr/>
+          <a:lstStyle/>
+          <a:p>
+            <a:fld id="{FD0CA3AA-443A-466C-BF59-FB6574BB11C3}" type="slidenum">
+              <a:rPr lang="fr-FR" smtClean="0"/>
               <a:t>21</a:t>
             </a:fld>
             <a:endParaRPr lang="fr-FR"/>
@@ -2325,7 +2548,7 @@
 </p:notes>
 </file>
 
-<file path=ppt/notesSlides/notesSlide15.xml><?xml version="1.0" encoding="utf-8"?>
+<file path=ppt/notesSlides/notesSlide17.xml><?xml version="1.0" encoding="utf-8"?>
 <p:notes xmlns:a="http://schemas.openxmlformats.org/drawingml/2006/main" xmlns:r="http://schemas.openxmlformats.org/officeDocument/2006/relationships" xmlns:p="http://schemas.openxmlformats.org/presentationml/2006/main">
   <p:cSld>
     <p:spTree>
@@ -2454,12 +2677,35 @@
           <a:lstStyle/>
           <a:p>
             <a:r>
+              <a:rPr lang="fr-FR" dirty="0" smtClean="0"/>
+              <a:t>GIT</a:t>
+            </a:r>
+            <a:r>
+              <a:rPr lang="fr-FR" baseline="0" dirty="0" smtClean="0"/>
+              <a:t> : </a:t>
+            </a:r>
+            <a:r>
+              <a:rPr lang="fr-FR" dirty="0" smtClean="0"/>
+              <a:t>https://github.com/dalabord/ng-formation.git cloner et créer des branches pour</a:t>
+            </a:r>
+            <a:r>
+              <a:rPr lang="fr-FR" baseline="0" dirty="0" smtClean="0"/>
+              <a:t> tester et soumettre</a:t>
+            </a:r>
+            <a:endParaRPr lang="fr-FR" dirty="0" smtClean="0"/>
+          </a:p>
+          <a:p>
+            <a:r>
               <a:rPr lang="fr-FR" dirty="0" err="1" smtClean="0"/>
               <a:t>Nodejs</a:t>
             </a:r>
             <a:r>
               <a:rPr lang="fr-FR" dirty="0" smtClean="0"/>
-              <a:t> v8</a:t>
+              <a:t> </a:t>
+            </a:r>
+            <a:r>
+              <a:rPr lang="fr-FR" dirty="0" smtClean="0"/>
+              <a:t>v8</a:t>
             </a:r>
           </a:p>
           <a:p>
@@ -2489,6 +2735,45 @@
             <a:r>
               <a:rPr lang="fr-FR" dirty="0" err="1" smtClean="0"/>
               <a:t>npm</a:t>
+            </a:r>
+            <a:endParaRPr lang="fr-FR" dirty="0" smtClean="0"/>
+          </a:p>
+          <a:p>
+            <a:r>
+              <a:rPr lang="fr-FR" dirty="0" smtClean="0"/>
+              <a:t>Extensions </a:t>
+            </a:r>
+            <a:r>
+              <a:rPr lang="fr-FR" dirty="0" err="1" smtClean="0"/>
+              <a:t>VSCode</a:t>
+            </a:r>
+            <a:r>
+              <a:rPr lang="fr-FR" dirty="0" smtClean="0"/>
+              <a:t> : </a:t>
+            </a:r>
+            <a:r>
+              <a:rPr lang="fr-FR" dirty="0" err="1" smtClean="0"/>
+              <a:t>Snippets</a:t>
+            </a:r>
+            <a:r>
+              <a:rPr lang="fr-FR" dirty="0" smtClean="0"/>
+              <a:t> </a:t>
+            </a:r>
+            <a:r>
+              <a:rPr lang="fr-FR" dirty="0" err="1" smtClean="0"/>
+              <a:t>Angular</a:t>
+            </a:r>
+            <a:r>
+              <a:rPr lang="fr-FR" dirty="0" smtClean="0"/>
+              <a:t> 6 by John</a:t>
+            </a:r>
+            <a:r>
+              <a:rPr lang="fr-FR" baseline="0" dirty="0" smtClean="0"/>
+              <a:t> Papa &amp; </a:t>
+            </a:r>
+            <a:r>
+              <a:rPr lang="fr-FR" baseline="0" dirty="0" err="1" smtClean="0"/>
+              <a:t>Emmet</a:t>
             </a:r>
             <a:endParaRPr lang="fr-FR" dirty="0" smtClean="0"/>
           </a:p>
@@ -2582,11 +2867,21 @@
           <a:p>
             <a:r>
               <a:rPr lang="fr-FR" dirty="0" smtClean="0"/>
+              <a:t>https://tinychat.com</a:t>
+            </a:r>
+          </a:p>
+          <a:p>
+            <a:r>
+              <a:rPr lang="fr-FR" dirty="0" smtClean="0"/>
               <a:t>!</a:t>
             </a:r>
             <a:r>
               <a:rPr lang="fr-FR" baseline="0" dirty="0" smtClean="0"/>
-              <a:t> Module v4 est en erreur. Tester avec </a:t>
+              <a:t> </a:t>
+            </a:r>
+            <a:r>
+              <a:rPr lang="fr-FR" baseline="0" dirty="0" smtClean="0"/>
+              <a:t>Module v4 est en erreur. Tester avec </a:t>
             </a:r>
             <a:r>
               <a:rPr lang="fr-FR" baseline="0" dirty="0" err="1" smtClean="0"/>
@@ -4635,90 +4930,8 @@
           <a:p>
             <a:r>
               <a:rPr lang="fr-FR" dirty="0" smtClean="0"/>
-              <a:t>Étudier la racine du répertoire</a:t>
-            </a:r>
-          </a:p>
-          <a:p>
-            <a:r>
-              <a:rPr lang="fr-FR" dirty="0" err="1" smtClean="0"/>
-              <a:t>Sockjs</a:t>
-            </a:r>
-            <a:r>
-              <a:rPr lang="fr-FR" dirty="0" smtClean="0"/>
-              <a:t> =&gt; </a:t>
-            </a:r>
-            <a:r>
-              <a:rPr lang="fr-FR" dirty="0" err="1" smtClean="0"/>
-              <a:t>webpack</a:t>
-            </a:r>
-            <a:r>
-              <a:rPr lang="fr-FR" dirty="0" smtClean="0"/>
-              <a:t>-</a:t>
-            </a:r>
-            <a:r>
-              <a:rPr lang="fr-FR" dirty="0" err="1" smtClean="0"/>
-              <a:t>dev</a:t>
-            </a:r>
-            <a:r>
-              <a:rPr lang="fr-FR" dirty="0" smtClean="0"/>
-              <a:t>-server : memory-</a:t>
-            </a:r>
-            <a:r>
-              <a:rPr lang="fr-FR" dirty="0" err="1" smtClean="0"/>
-              <a:t>fs</a:t>
-            </a:r>
-            <a:r>
-              <a:rPr lang="fr-FR" dirty="0" smtClean="0"/>
-              <a:t> utiliser pour charger le projet dans objet </a:t>
-            </a:r>
-            <a:r>
-              <a:rPr lang="fr-FR" dirty="0" err="1" smtClean="0"/>
-              <a:t>js</a:t>
-            </a:r>
-            <a:r>
-              <a:rPr lang="fr-FR" dirty="0" smtClean="0"/>
-              <a:t> (pas de /</a:t>
-            </a:r>
-            <a:r>
-              <a:rPr lang="fr-FR" dirty="0" err="1" smtClean="0"/>
-              <a:t>dist</a:t>
-            </a:r>
-            <a:r>
-              <a:rPr lang="fr-FR" dirty="0" smtClean="0"/>
-              <a:t>)</a:t>
-            </a:r>
-          </a:p>
-          <a:p>
-            <a:r>
-              <a:rPr lang="fr-FR" dirty="0" err="1" smtClean="0"/>
-              <a:t>Polyfills</a:t>
-            </a:r>
-            <a:r>
-              <a:rPr lang="fr-FR" dirty="0" smtClean="0"/>
-              <a:t> : ES6 mais </a:t>
-            </a:r>
-            <a:r>
-              <a:rPr lang="fr-FR" dirty="0" err="1" smtClean="0"/>
-              <a:t>retrocompatible</a:t>
-            </a:r>
-            <a:endParaRPr lang="fr-FR" dirty="0" smtClean="0"/>
-          </a:p>
-          <a:p>
-            <a:r>
-              <a:rPr lang="fr-FR" dirty="0" smtClean="0"/>
-              <a:t>Styles.js : fonctions</a:t>
-            </a:r>
-            <a:r>
-              <a:rPr lang="fr-FR" baseline="0" dirty="0" smtClean="0"/>
-              <a:t> de traitement style &amp; </a:t>
-            </a:r>
-            <a:r>
-              <a:rPr lang="fr-FR" baseline="0" dirty="0" err="1" smtClean="0"/>
-              <a:t>css</a:t>
-            </a:r>
-            <a:endParaRPr lang="fr-FR" baseline="0" dirty="0" smtClean="0"/>
-          </a:p>
-          <a:p>
+              <a:t>https://github.com/angular/angular-cli</a:t>
+            </a:r>
             <a:endParaRPr lang="fr-FR" dirty="0"/>
           </a:p>
         </p:txBody>
@@ -4740,7 +4953,7 @@
           <a:p>
             <a:fld id="{FD0CA3AA-443A-466C-BF59-FB6574BB11C3}" type="slidenum">
               <a:rPr lang="fr-FR" smtClean="0"/>
-              <a:t>11</a:t>
+              <a:t>10</a:t>
             </a:fld>
             <a:endParaRPr lang="fr-FR"/>
           </a:p>
@@ -4749,7 +4962,7 @@
     </p:spTree>
     <p:extLst>
       <p:ext uri="{BB962C8B-B14F-4D97-AF65-F5344CB8AC3E}">
-        <p14:creationId xmlns:p14="http://schemas.microsoft.com/office/powerpoint/2010/main" val="1259930748"/>
+        <p14:creationId xmlns:p14="http://schemas.microsoft.com/office/powerpoint/2010/main" val="1065838406"/>
       </p:ext>
     </p:extLst>
   </p:cSld>
@@ -4803,27 +5016,85 @@
           <a:bodyPr/>
           <a:lstStyle/>
           <a:p>
-            <a:pPr marL="0" marR="0" indent="0" algn="l" defTabSz="914400" rtl="0" eaLnBrk="1" fontAlgn="auto" latinLnBrk="0" hangingPunct="1">
-              <a:lnSpc>
-                <a:spcPct val="100000"/>
-              </a:lnSpc>
-              <a:spcBef>
-                <a:spcPts val="0"/>
-              </a:spcBef>
-              <a:spcAft>
-                <a:spcPts val="0"/>
-              </a:spcAft>
-              <a:buClrTx/>
-              <a:buSzTx/>
-              <a:buFontTx/>
-              <a:buNone/>
-              <a:tabLst/>
-              <a:defRPr/>
-            </a:pPr>
             <a:r>
               <a:rPr lang="fr-FR" dirty="0" smtClean="0"/>
-              <a:t>Ordre de déclaration des routes crucial </a:t>
-            </a:r>
+              <a:t>Étudier la racine du répertoire</a:t>
+            </a:r>
+          </a:p>
+          <a:p>
+            <a:r>
+              <a:rPr lang="fr-FR" dirty="0" err="1" smtClean="0"/>
+              <a:t>Sockjs</a:t>
+            </a:r>
+            <a:r>
+              <a:rPr lang="fr-FR" dirty="0" smtClean="0"/>
+              <a:t> =&gt; </a:t>
+            </a:r>
+            <a:r>
+              <a:rPr lang="fr-FR" dirty="0" err="1" smtClean="0"/>
+              <a:t>webpack</a:t>
+            </a:r>
+            <a:r>
+              <a:rPr lang="fr-FR" dirty="0" smtClean="0"/>
+              <a:t>-</a:t>
+            </a:r>
+            <a:r>
+              <a:rPr lang="fr-FR" dirty="0" err="1" smtClean="0"/>
+              <a:t>dev</a:t>
+            </a:r>
+            <a:r>
+              <a:rPr lang="fr-FR" dirty="0" smtClean="0"/>
+              <a:t>-server : memory-</a:t>
+            </a:r>
+            <a:r>
+              <a:rPr lang="fr-FR" dirty="0" err="1" smtClean="0"/>
+              <a:t>fs</a:t>
+            </a:r>
+            <a:r>
+              <a:rPr lang="fr-FR" dirty="0" smtClean="0"/>
+              <a:t> utiliser pour charger le projet dans objet </a:t>
+            </a:r>
+            <a:r>
+              <a:rPr lang="fr-FR" dirty="0" err="1" smtClean="0"/>
+              <a:t>js</a:t>
+            </a:r>
+            <a:r>
+              <a:rPr lang="fr-FR" dirty="0" smtClean="0"/>
+              <a:t> (pas de /</a:t>
+            </a:r>
+            <a:r>
+              <a:rPr lang="fr-FR" dirty="0" err="1" smtClean="0"/>
+              <a:t>dist</a:t>
+            </a:r>
+            <a:r>
+              <a:rPr lang="fr-FR" dirty="0" smtClean="0"/>
+              <a:t>)</a:t>
+            </a:r>
+          </a:p>
+          <a:p>
+            <a:r>
+              <a:rPr lang="fr-FR" dirty="0" err="1" smtClean="0"/>
+              <a:t>Polyfills</a:t>
+            </a:r>
+            <a:r>
+              <a:rPr lang="fr-FR" dirty="0" smtClean="0"/>
+              <a:t> : ES6 mais retro compatible</a:t>
+            </a:r>
+          </a:p>
+          <a:p>
+            <a:r>
+              <a:rPr lang="fr-FR" dirty="0" smtClean="0"/>
+              <a:t>Styles.js : fonctions</a:t>
+            </a:r>
+            <a:r>
+              <a:rPr lang="fr-FR" baseline="0" dirty="0" smtClean="0"/>
+              <a:t> de traitement style &amp; </a:t>
+            </a:r>
+            <a:r>
+              <a:rPr lang="fr-FR" baseline="0" dirty="0" err="1" smtClean="0"/>
+              <a:t>css</a:t>
+            </a:r>
+            <a:endParaRPr lang="fr-FR" baseline="0" dirty="0" smtClean="0"/>
           </a:p>
           <a:p>
             <a:endParaRPr lang="fr-FR" dirty="0"/>
@@ -4847,7 +5118,7 @@
           <a:p>
             <a:fld id="{FD0CA3AA-443A-466C-BF59-FB6574BB11C3}" type="slidenum">
               <a:rPr lang="fr-FR" smtClean="0"/>
-              <a:t>12</a:t>
+              <a:t>11</a:t>
             </a:fld>
             <a:endParaRPr lang="fr-FR"/>
           </a:p>
@@ -4856,7 +5127,7 @@
     </p:spTree>
     <p:extLst>
       <p:ext uri="{BB962C8B-B14F-4D97-AF65-F5344CB8AC3E}">
-        <p14:creationId xmlns:p14="http://schemas.microsoft.com/office/powerpoint/2010/main" val="3388767870"/>
+        <p14:creationId xmlns:p14="http://schemas.microsoft.com/office/powerpoint/2010/main" val="1259930748"/>
       </p:ext>
     </p:extLst>
   </p:cSld>
@@ -6678,7 +6949,7 @@
           <a:p>
             <a:fld id="{58FC6F0A-3597-4ED6-9ED9-061AF1CD731E}" type="datetimeFigureOut">
               <a:rPr lang="fr-FR" smtClean="0"/>
-              <a:t>30/05/2018</a:t>
+              <a:t>31/05/2018</a:t>
             </a:fld>
             <a:endParaRPr lang="fr-FR"/>
           </a:p>
@@ -6859,7 +7130,7 @@
           <a:p>
             <a:fld id="{58FC6F0A-3597-4ED6-9ED9-061AF1CD731E}" type="datetimeFigureOut">
               <a:rPr lang="fr-FR" smtClean="0"/>
-              <a:t>30/05/2018</a:t>
+              <a:t>31/05/2018</a:t>
             </a:fld>
             <a:endParaRPr lang="fr-FR"/>
           </a:p>
@@ -7010,7 +7281,7 @@
           <a:p>
             <a:fld id="{58FC6F0A-3597-4ED6-9ED9-061AF1CD731E}" type="datetimeFigureOut">
               <a:rPr lang="fr-FR" smtClean="0"/>
-              <a:t>30/05/2018</a:t>
+              <a:t>31/05/2018</a:t>
             </a:fld>
             <a:endParaRPr lang="fr-FR"/>
           </a:p>
@@ -8836,7 +9107,7 @@
           <a:p>
             <a:fld id="{58FC6F0A-3597-4ED6-9ED9-061AF1CD731E}" type="datetimeFigureOut">
               <a:rPr lang="fr-FR" smtClean="0"/>
-              <a:t>30/05/2018</a:t>
+              <a:t>31/05/2018</a:t>
             </a:fld>
             <a:endParaRPr lang="fr-FR"/>
           </a:p>
@@ -10706,7 +10977,7 @@
           <a:p>
             <a:fld id="{58FC6F0A-3597-4ED6-9ED9-061AF1CD731E}" type="datetimeFigureOut">
               <a:rPr lang="fr-FR" smtClean="0"/>
-              <a:t>30/05/2018</a:t>
+              <a:t>31/05/2018</a:t>
             </a:fld>
             <a:endParaRPr lang="fr-FR"/>
           </a:p>
@@ -10819,7 +11090,7 @@
           <a:p>
             <a:fld id="{58FC6F0A-3597-4ED6-9ED9-061AF1CD731E}" type="datetimeFigureOut">
               <a:rPr lang="fr-FR" smtClean="0"/>
-              <a:t>30/05/2018</a:t>
+              <a:t>31/05/2018</a:t>
             </a:fld>
             <a:endParaRPr lang="fr-FR"/>
           </a:p>
@@ -11360,7 +11631,7 @@
           <a:p>
             <a:fld id="{58FC6F0A-3597-4ED6-9ED9-061AF1CD731E}" type="datetimeFigureOut">
               <a:rPr lang="fr-FR" smtClean="0"/>
-              <a:t>30/05/2018</a:t>
+              <a:t>31/05/2018</a:t>
             </a:fld>
             <a:endParaRPr lang="fr-FR"/>
           </a:p>
@@ -11473,7 +11744,7 @@
           <a:p>
             <a:fld id="{58FC6F0A-3597-4ED6-9ED9-061AF1CD731E}" type="datetimeFigureOut">
               <a:rPr lang="fr-FR" smtClean="0"/>
-              <a:t>30/05/2018</a:t>
+              <a:t>31/05/2018</a:t>
             </a:fld>
             <a:endParaRPr lang="fr-FR"/>
           </a:p>
@@ -13184,7 +13455,7 @@
           <a:p>
             <a:fld id="{58FC6F0A-3597-4ED6-9ED9-061AF1CD731E}" type="datetimeFigureOut">
               <a:rPr lang="fr-FR" smtClean="0"/>
-              <a:t>30/05/2018</a:t>
+              <a:t>31/05/2018</a:t>
             </a:fld>
             <a:endParaRPr lang="fr-FR"/>
           </a:p>
@@ -13335,7 +13606,7 @@
           <a:p>
             <a:fld id="{58FC6F0A-3597-4ED6-9ED9-061AF1CD731E}" type="datetimeFigureOut">
               <a:rPr lang="fr-FR" smtClean="0"/>
-              <a:t>30/05/2018</a:t>
+              <a:t>31/05/2018</a:t>
             </a:fld>
             <a:endParaRPr lang="fr-FR"/>
           </a:p>
@@ -16950,7 +17221,7 @@
           <a:p>
             <a:fld id="{58FC6F0A-3597-4ED6-9ED9-061AF1CD731E}" type="datetimeFigureOut">
               <a:rPr lang="fr-FR" smtClean="0"/>
-              <a:t>30/05/2018</a:t>
+              <a:t>31/05/2018</a:t>
             </a:fld>
             <a:endParaRPr lang="fr-FR"/>
           </a:p>
@@ -18809,7 +19080,7 @@
           <a:p>
             <a:fld id="{58FC6F0A-3597-4ED6-9ED9-061AF1CD731E}" type="datetimeFigureOut">
               <a:rPr lang="fr-FR" smtClean="0"/>
-              <a:t>30/05/2018</a:t>
+              <a:t>31/05/2018</a:t>
             </a:fld>
             <a:endParaRPr lang="fr-FR"/>
           </a:p>
@@ -19405,9 +19676,13 @@
           <a:p>
             <a:r>
               <a:rPr lang="fr-FR" sz="2800" dirty="0" smtClean="0"/>
-              <a:t>Architecture &amp; Modularisation</a:t>
-            </a:r>
-            <a:endParaRPr lang="fr-FR" sz="2800" dirty="0"/>
+              <a:t>Architecture &amp; </a:t>
+            </a:r>
+            <a:r>
+              <a:rPr lang="fr-FR" sz="2800" i="1" dirty="0" smtClean="0"/>
+              <a:t>Modularisation</a:t>
+            </a:r>
+            <a:endParaRPr lang="fr-FR" sz="2800" i="1" dirty="0"/>
           </a:p>
         </p:txBody>
       </p:sp>
@@ -19958,7 +20233,7 @@
         </p:spPr>
         <p:txBody>
           <a:bodyPr>
-            <a:normAutofit/>
+            <a:normAutofit fontScale="92500"/>
           </a:bodyPr>
           <a:lstStyle/>
           <a:p>
@@ -19996,8 +20271,29 @@
           <a:p>
             <a:r>
               <a:rPr lang="fr-FR" dirty="0"/>
-              <a:t>Dans la console chrome analyser les fichiers récupérés</a:t>
-            </a:r>
+              <a:t>Dans la console chrome analyser les fichiers </a:t>
+            </a:r>
+            <a:r>
+              <a:rPr lang="fr-FR" dirty="0" smtClean="0"/>
+              <a:t>récupérés</a:t>
+            </a:r>
+          </a:p>
+          <a:p>
+            <a:r>
+              <a:rPr lang="fr-FR" dirty="0" smtClean="0"/>
+              <a:t>Débogage HTML/CSS/JS</a:t>
+            </a:r>
+          </a:p>
+          <a:p>
+            <a:r>
+              <a:rPr lang="fr-FR" dirty="0" err="1" smtClean="0"/>
+              <a:t>Angular.json</a:t>
+            </a:r>
+            <a:r>
+              <a:rPr lang="fr-FR" dirty="0" smtClean="0"/>
+              <a:t> : CSS &gt; SCSS</a:t>
+            </a:r>
+            <a:endParaRPr lang="fr-FR" dirty="0"/>
           </a:p>
           <a:p>
             <a:endParaRPr lang="fr-FR" dirty="0"/>
@@ -20392,7 +20688,15 @@
           <a:p>
             <a:r>
               <a:rPr lang="fr-FR" dirty="0" smtClean="0"/>
-              <a:t>Ajouter le composant à la vue du composant </a:t>
+              <a:t>Ajouter le composant </a:t>
+            </a:r>
+            <a:r>
+              <a:rPr lang="fr-FR" dirty="0" err="1" smtClean="0"/>
+              <a:t>classroom</a:t>
+            </a:r>
+            <a:r>
+              <a:rPr lang="fr-FR" dirty="0" smtClean="0"/>
+              <a:t>-liste puis l’afficher dans la vue du composant </a:t>
             </a:r>
             <a:r>
               <a:rPr lang="fr-FR" dirty="0" err="1" smtClean="0"/>
@@ -20883,11 +21187,7 @@
             <a:pPr lvl="1"/>
             <a:r>
               <a:rPr lang="fr-FR" dirty="0" smtClean="0"/>
-              <a:t>Créer </a:t>
-            </a:r>
-            <a:r>
-              <a:rPr lang="fr-FR" dirty="0" smtClean="0"/>
-              <a:t>un pipe de tri</a:t>
+              <a:t>Créer un pipe de tri</a:t>
             </a:r>
           </a:p>
           <a:p>
@@ -20901,11 +21201,7 @@
             <a:pPr lvl="1"/>
             <a:r>
               <a:rPr lang="fr-FR" dirty="0" smtClean="0"/>
-              <a:t>Ajouter un bouton d’ordre de </a:t>
-            </a:r>
-            <a:r>
-              <a:rPr lang="fr-FR" dirty="0" smtClean="0"/>
-              <a:t>tri</a:t>
+              <a:t>Ajouter un bouton d’ordre de tri</a:t>
             </a:r>
           </a:p>
           <a:p>
@@ -21022,11 +21318,7 @@
           <a:p>
             <a:r>
               <a:rPr lang="fr-FR" dirty="0" smtClean="0"/>
-              <a:t>Programmation fonctionnelle avec </a:t>
-            </a:r>
-            <a:r>
-              <a:rPr lang="fr-FR" dirty="0" smtClean="0"/>
-              <a:t>collections</a:t>
+              <a:t>Programmation fonctionnelle avec collections</a:t>
             </a:r>
           </a:p>
           <a:p>
@@ -21052,7 +21344,6 @@
               <a:rPr lang="fr-FR" dirty="0" smtClean="0"/>
               <a:t>Depuis lav 5.5 : pipe &amp; imports simplifiés</a:t>
             </a:r>
-            <a:endParaRPr lang="fr-FR" dirty="0" smtClean="0"/>
           </a:p>
           <a:p>
             <a:endParaRPr lang="fr-FR" dirty="0" smtClean="0"/>
@@ -21201,11 +21492,7 @@
           <a:p>
             <a:r>
               <a:rPr lang="fr-FR" dirty="0" smtClean="0"/>
-              <a:t>Module de routage : Composant, directive et </a:t>
-            </a:r>
-            <a:r>
-              <a:rPr lang="fr-FR" dirty="0" smtClean="0"/>
-              <a:t>provider</a:t>
+              <a:t>Module de routage : Composant, directive et provider</a:t>
             </a:r>
           </a:p>
           <a:p>
@@ -21225,11 +21512,7 @@
           <a:p>
             <a:r>
               <a:rPr lang="fr-FR" dirty="0" smtClean="0"/>
-              <a:t>A </a:t>
-            </a:r>
-            <a:r>
-              <a:rPr lang="fr-FR" dirty="0" smtClean="0"/>
-              <a:t>chaque module son routage</a:t>
+              <a:t>A chaque module son routage</a:t>
             </a:r>
           </a:p>
           <a:p>
@@ -21317,7 +21600,9 @@
         </p:nvSpPr>
         <p:spPr/>
         <p:txBody>
-          <a:bodyPr/>
+          <a:bodyPr>
+            <a:normAutofit fontScale="92500" lnSpcReduction="10000"/>
+          </a:bodyPr>
           <a:lstStyle/>
           <a:p>
             <a:r>
@@ -21330,20 +21615,49 @@
             </a:r>
             <a:r>
               <a:rPr lang="fr-FR" dirty="0" smtClean="0"/>
-              <a:t> : trop de complexité sur de gros projets</a:t>
-            </a:r>
-          </a:p>
-          <a:p>
+              <a:t> : trop de complexité </a:t>
+            </a:r>
+            <a:endParaRPr lang="fr-FR" dirty="0" smtClean="0"/>
+          </a:p>
+          <a:p>
+            <a:pPr marL="0" indent="0">
+              <a:buNone/>
+            </a:pPr>
             <a:r>
               <a:rPr lang="fr-FR" dirty="0" smtClean="0"/>
-              <a:t>Besoin d’industrialisation:</a:t>
+              <a:t>sur </a:t>
+            </a:r>
+            <a:r>
+              <a:rPr lang="fr-FR" dirty="0" smtClean="0"/>
+              <a:t>de gros projets</a:t>
+            </a:r>
+          </a:p>
+          <a:p>
+            <a:r>
+              <a:rPr lang="fr-FR" dirty="0" smtClean="0"/>
+              <a:t>Besoin </a:t>
+            </a:r>
+            <a:r>
+              <a:rPr lang="fr-FR" dirty="0" smtClean="0"/>
+              <a:t>d’industrialisation :</a:t>
             </a:r>
           </a:p>
           <a:p>
             <a:pPr lvl="1"/>
             <a:r>
               <a:rPr lang="fr-FR" dirty="0" smtClean="0"/>
-              <a:t>Gestion des routes ;</a:t>
+              <a:t>MVC</a:t>
+            </a:r>
+          </a:p>
+          <a:p>
+            <a:pPr lvl="1"/>
+            <a:r>
+              <a:rPr lang="fr-FR" dirty="0" smtClean="0"/>
+              <a:t>Gestion </a:t>
+            </a:r>
+            <a:r>
+              <a:rPr lang="fr-FR" dirty="0" smtClean="0"/>
+              <a:t>des routes ;</a:t>
             </a:r>
           </a:p>
           <a:p>
@@ -21365,13 +21679,23 @@
               <a:rPr lang="fr-FR" dirty="0" smtClean="0"/>
               <a:t>Depuis 2010, apparition des </a:t>
             </a:r>
+            <a:endParaRPr lang="fr-FR" dirty="0" smtClean="0"/>
+          </a:p>
+          <a:p>
+            <a:pPr marL="0" indent="0">
+              <a:buNone/>
+            </a:pPr>
             <a:r>
               <a:rPr lang="fr-FR" dirty="0" err="1" smtClean="0"/>
               <a:t>frameworks</a:t>
             </a:r>
             <a:r>
               <a:rPr lang="fr-FR" dirty="0" smtClean="0"/>
-              <a:t> JS : </a:t>
+              <a:t> </a:t>
+            </a:r>
+            <a:r>
+              <a:rPr lang="fr-FR" dirty="0" smtClean="0"/>
+              <a:t>JS : </a:t>
             </a:r>
             <a:r>
               <a:rPr lang="fr-FR" dirty="0" err="1" smtClean="0"/>
@@ -21422,6 +21746,40 @@
           </a:p>
         </p:txBody>
       </p:sp>
+      <p:pic>
+        <p:nvPicPr>
+          <p:cNvPr id="5" name="Image 4"/>
+          <p:cNvPicPr>
+            <a:picLocks noChangeAspect="1"/>
+          </p:cNvPicPr>
+          <p:nvPr/>
+        </p:nvPicPr>
+        <p:blipFill>
+          <a:blip r:embed="rId3"/>
+          <a:stretch>
+            <a:fillRect/>
+          </a:stretch>
+        </p:blipFill>
+        <p:spPr>
+          <a:xfrm>
+            <a:off x="6156176" y="1603797"/>
+            <a:ext cx="2352675" cy="5038725"/>
+          </a:xfrm>
+          <a:prstGeom prst="rect">
+            <a:avLst/>
+          </a:prstGeom>
+          <a:ln>
+            <a:noFill/>
+          </a:ln>
+          <a:effectLst>
+            <a:outerShdw blurRad="190500" algn="tl" rotWithShape="0">
+              <a:srgbClr val="000000">
+                <a:alpha val="70000"/>
+              </a:srgbClr>
+            </a:outerShdw>
+          </a:effectLst>
+        </p:spPr>
+      </p:pic>
     </p:spTree>
     <p:extLst>
       <p:ext uri="{BB962C8B-B14F-4D97-AF65-F5344CB8AC3E}">
@@ -21471,16 +21829,25 @@
         </p:nvSpPr>
         <p:spPr/>
         <p:txBody>
-          <a:bodyPr/>
+          <a:bodyPr>
+            <a:normAutofit lnSpcReduction="10000"/>
+          </a:bodyPr>
           <a:lstStyle/>
           <a:p>
             <a:r>
               <a:rPr lang="fr-FR" dirty="0" smtClean="0"/>
-              <a:t>Éditer </a:t>
-            </a:r>
+              <a:t>Ajouter un composant </a:t>
+            </a:r>
+            <a:r>
+              <a:rPr lang="fr-FR" dirty="0" err="1" smtClean="0"/>
+              <a:t>classroom-detail</a:t>
+            </a:r>
+            <a:endParaRPr lang="fr-FR" dirty="0" smtClean="0"/>
+          </a:p>
+          <a:p>
             <a:r>
               <a:rPr lang="fr-FR" dirty="0" smtClean="0"/>
-              <a:t>les </a:t>
+              <a:t>Éditer les </a:t>
             </a:r>
             <a:r>
               <a:rPr lang="fr-FR" dirty="0"/>
@@ -21488,11 +21855,7 @@
             </a:r>
             <a:r>
               <a:rPr lang="fr-FR" dirty="0" smtClean="0"/>
-              <a:t>base </a:t>
-            </a:r>
-            <a:r>
-              <a:rPr lang="fr-FR" dirty="0" smtClean="0"/>
-              <a:t>du module </a:t>
+              <a:t>base du module </a:t>
             </a:r>
             <a:r>
               <a:rPr lang="fr-FR" dirty="0" err="1" smtClean="0"/>
@@ -21507,15 +21870,53 @@
             <a:pPr lvl="1"/>
             <a:r>
               <a:rPr lang="fr-FR" dirty="0" smtClean="0"/>
-              <a:t>Toute route non identifiée : **</a:t>
-            </a:r>
+              <a:t>Route </a:t>
+            </a:r>
+            <a:r>
+              <a:rPr lang="fr-FR" dirty="0" err="1" smtClean="0"/>
+              <a:t>classroom</a:t>
+            </a:r>
+            <a:endParaRPr lang="fr-FR" dirty="0" smtClean="0"/>
           </a:p>
           <a:p>
             <a:pPr lvl="1"/>
             <a:r>
               <a:rPr lang="fr-FR" dirty="0" smtClean="0"/>
-              <a:t>Route non renseignée : /</a:t>
-            </a:r>
+              <a:t>Route </a:t>
+            </a:r>
+            <a:r>
+              <a:rPr lang="fr-FR" dirty="0" err="1" smtClean="0"/>
+              <a:t>classroom</a:t>
+            </a:r>
+            <a:r>
+              <a:rPr lang="fr-FR" dirty="0" smtClean="0"/>
+              <a:t>/</a:t>
+            </a:r>
+            <a:r>
+              <a:rPr lang="fr-FR" dirty="0" err="1" smtClean="0"/>
+              <a:t>student</a:t>
+            </a:r>
+            <a:r>
+              <a:rPr lang="fr-FR" dirty="0" smtClean="0"/>
+              <a:t>/:</a:t>
+            </a:r>
+            <a:r>
+              <a:rPr lang="fr-FR" dirty="0" err="1" smtClean="0"/>
+              <a:t>name</a:t>
+            </a:r>
+            <a:endParaRPr lang="fr-FR" dirty="0" smtClean="0"/>
+          </a:p>
+          <a:p>
+            <a:pPr lvl="1"/>
+            <a:r>
+              <a:rPr lang="fr-FR" dirty="0" smtClean="0"/>
+              <a:t>Route non renseignée : / // Renvoie vers </a:t>
+            </a:r>
+            <a:r>
+              <a:rPr lang="fr-FR" dirty="0" err="1" smtClean="0"/>
+              <a:t>classroom</a:t>
+            </a:r>
+            <a:endParaRPr lang="fr-FR" dirty="0" smtClean="0"/>
           </a:p>
           <a:p>
             <a:pPr lvl="1"/>
@@ -21530,6 +21931,14 @@
             <a:r>
               <a:rPr lang="fr-FR" dirty="0" err="1" smtClean="0"/>
               <a:t>found</a:t>
+            </a:r>
+            <a:endParaRPr lang="fr-FR" dirty="0" smtClean="0"/>
+          </a:p>
+          <a:p>
+            <a:pPr lvl="1"/>
+            <a:r>
+              <a:rPr lang="fr-FR" dirty="0"/>
+              <a:t>Toute route non identifiée : **</a:t>
             </a:r>
             <a:endParaRPr lang="fr-FR" dirty="0" smtClean="0"/>
           </a:p>
@@ -21832,55 +22241,6 @@
       </p:grpSpPr>
       <p:sp>
         <p:nvSpPr>
-          <p:cNvPr id="3" name="Espace réservé du contenu 2"/>
-          <p:cNvSpPr>
-            <a:spLocks noGrp="1"/>
-          </p:cNvSpPr>
-          <p:nvPr>
-            <p:ph idx="1"/>
-          </p:nvPr>
-        </p:nvSpPr>
-        <p:spPr/>
-        <p:txBody>
-          <a:bodyPr/>
-          <a:lstStyle/>
-          <a:p>
-            <a:r>
-              <a:rPr lang="fr-FR" dirty="0" smtClean="0"/>
-              <a:t>Recommandations </a:t>
-            </a:r>
-            <a:r>
-              <a:rPr lang="fr-FR" dirty="0" err="1" smtClean="0"/>
-              <a:t>Angular</a:t>
-            </a:r>
-            <a:r>
-              <a:rPr lang="fr-FR" dirty="0"/>
-              <a:t> : </a:t>
-            </a:r>
-            <a:r>
-              <a:rPr lang="fr-FR" dirty="0">
-                <a:hlinkClick r:id="rId3"/>
-              </a:rPr>
-              <a:t>https://</a:t>
-            </a:r>
-            <a:r>
-              <a:rPr lang="fr-FR" dirty="0" smtClean="0">
-                <a:hlinkClick r:id="rId3"/>
-              </a:rPr>
-              <a:t>angular.io/guide/styleguide</a:t>
-            </a:r>
-            <a:endParaRPr lang="fr-FR" dirty="0" smtClean="0"/>
-          </a:p>
-          <a:p>
-            <a:endParaRPr lang="fr-FR" dirty="0"/>
-          </a:p>
-          <a:p>
-            <a:endParaRPr lang="fr-FR" dirty="0"/>
-          </a:p>
-        </p:txBody>
-      </p:sp>
-      <p:sp>
-        <p:nvSpPr>
           <p:cNvPr id="2" name="Titre 1"/>
           <p:cNvSpPr>
             <a:spLocks noGrp="1"/>
@@ -21896,12 +22256,431 @@
           <a:p>
             <a:r>
               <a:rPr lang="fr-FR" dirty="0" smtClean="0"/>
-              <a:t>Annexes	</a:t>
+              <a:t>Liens</a:t>
+            </a:r>
+            <a:r>
+              <a:rPr lang="fr-FR" dirty="0" smtClean="0"/>
+              <a:t>	</a:t>
             </a:r>
             <a:endParaRPr lang="fr-FR" dirty="0"/>
           </a:p>
         </p:txBody>
       </p:sp>
+      <p:graphicFrame>
+        <p:nvGraphicFramePr>
+          <p:cNvPr id="4" name="Tableau 3"/>
+          <p:cNvGraphicFramePr>
+            <a:graphicFrameLocks noGrp="1"/>
+          </p:cNvGraphicFramePr>
+          <p:nvPr>
+            <p:extLst>
+              <p:ext uri="{D42A27DB-BD31-4B8C-83A1-F6EECF244321}">
+                <p14:modId xmlns:p14="http://schemas.microsoft.com/office/powerpoint/2010/main" val="4259419249"/>
+              </p:ext>
+            </p:extLst>
+          </p:nvPr>
+        </p:nvGraphicFramePr>
+        <p:xfrm>
+          <a:off x="251520" y="1795339"/>
+          <a:ext cx="8671875" cy="4837421"/>
+        </p:xfrm>
+        <a:graphic>
+          <a:graphicData uri="http://schemas.openxmlformats.org/drawingml/2006/table">
+            <a:tbl>
+              <a:tblPr firstRow="1" bandRow="1">
+                <a:tableStyleId>{3B4B98B0-60AC-42C2-AFA5-B58CD77FA1E5}</a:tableStyleId>
+              </a:tblPr>
+              <a:tblGrid>
+                <a:gridCol w="2592288"/>
+                <a:gridCol w="6079587"/>
+              </a:tblGrid>
+              <a:tr h="843378">
+                <a:tc>
+                  <a:txBody>
+                    <a:bodyPr/>
+                    <a:lstStyle/>
+                    <a:p>
+                      <a:endParaRPr lang="fr-FR" dirty="0"/>
+                    </a:p>
+                  </a:txBody>
+                  <a:tcPr/>
+                </a:tc>
+                <a:tc>
+                  <a:txBody>
+                    <a:bodyPr/>
+                    <a:lstStyle/>
+                    <a:p>
+                      <a:endParaRPr lang="fr-FR" dirty="0"/>
+                    </a:p>
+                  </a:txBody>
+                  <a:tcPr/>
+                </a:tc>
+              </a:tr>
+              <a:tr h="430243">
+                <a:tc>
+                  <a:txBody>
+                    <a:bodyPr/>
+                    <a:lstStyle/>
+                    <a:p>
+                      <a:r>
+                        <a:rPr lang="fr-FR" dirty="0" smtClean="0"/>
+                        <a:t>Ressources de formation</a:t>
+                      </a:r>
+                      <a:endParaRPr lang="fr-FR" dirty="0"/>
+                    </a:p>
+                  </a:txBody>
+                  <a:tcPr/>
+                </a:tc>
+                <a:tc>
+                  <a:txBody>
+                    <a:bodyPr/>
+                    <a:lstStyle/>
+                    <a:p>
+                      <a:r>
+                        <a:rPr lang="fr-FR" dirty="0" smtClean="0">
+                          <a:hlinkClick r:id="rId3"/>
+                        </a:rPr>
+                        <a:t>https://github.com/dalabord/ng-formation.git</a:t>
+                      </a:r>
+                      <a:endParaRPr lang="fr-FR" dirty="0"/>
+                    </a:p>
+                  </a:txBody>
+                  <a:tcPr/>
+                </a:tc>
+              </a:tr>
+              <a:tr h="432048">
+                <a:tc>
+                  <a:txBody>
+                    <a:bodyPr/>
+                    <a:lstStyle/>
+                    <a:p>
+                      <a:pPr marL="0" marR="0" indent="0" algn="l" defTabSz="914400" rtl="0" eaLnBrk="1" fontAlgn="auto" latinLnBrk="0" hangingPunct="1">
+                        <a:lnSpc>
+                          <a:spcPct val="100000"/>
+                        </a:lnSpc>
+                        <a:spcBef>
+                          <a:spcPts val="0"/>
+                        </a:spcBef>
+                        <a:spcAft>
+                          <a:spcPts val="0"/>
+                        </a:spcAft>
+                        <a:buClrTx/>
+                        <a:buSzTx/>
+                        <a:buFontTx/>
+                        <a:buNone/>
+                        <a:tabLst/>
+                        <a:defRPr/>
+                      </a:pPr>
+                      <a:r>
+                        <a:rPr lang="fr-FR" dirty="0" err="1" smtClean="0"/>
+                        <a:t>Webpack</a:t>
+                      </a:r>
+                      <a:r>
+                        <a:rPr lang="fr-FR" dirty="0" smtClean="0"/>
+                        <a:t> loaders</a:t>
+                      </a:r>
+                    </a:p>
+                    <a:p>
+                      <a:endParaRPr lang="fr-FR" dirty="0"/>
+                    </a:p>
+                  </a:txBody>
+                  <a:tcPr/>
+                </a:tc>
+                <a:tc>
+                  <a:txBody>
+                    <a:bodyPr/>
+                    <a:lstStyle/>
+                    <a:p>
+                      <a:r>
+                        <a:rPr lang="fr-FR" dirty="0" smtClean="0">
+                          <a:hlinkClick r:id="rId4"/>
+                        </a:rPr>
+                        <a:t>https://webpack.js.org/loaders/</a:t>
+                      </a:r>
+                      <a:endParaRPr lang="fr-FR" dirty="0" smtClean="0"/>
+                    </a:p>
+                  </a:txBody>
+                  <a:tcPr/>
+                </a:tc>
+              </a:tr>
+              <a:tr h="360040">
+                <a:tc>
+                  <a:txBody>
+                    <a:bodyPr/>
+                    <a:lstStyle/>
+                    <a:p>
+                      <a:r>
+                        <a:rPr lang="fr-FR" dirty="0" smtClean="0"/>
+                        <a:t>VS Code Marketplace</a:t>
+                      </a:r>
+                      <a:endParaRPr lang="fr-FR" dirty="0"/>
+                    </a:p>
+                  </a:txBody>
+                  <a:tcPr/>
+                </a:tc>
+                <a:tc>
+                  <a:txBody>
+                    <a:bodyPr/>
+                    <a:lstStyle/>
+                    <a:p>
+                      <a:r>
+                        <a:rPr lang="fr-FR" dirty="0" smtClean="0">
+                          <a:hlinkClick r:id="rId5"/>
+                        </a:rPr>
+                        <a:t>https://marketplace.visualstudio.com/VSCode</a:t>
+                      </a:r>
+                      <a:endParaRPr lang="fr-FR" dirty="0"/>
+                    </a:p>
+                  </a:txBody>
+                  <a:tcPr/>
+                </a:tc>
+              </a:tr>
+              <a:tr h="354320">
+                <a:tc>
+                  <a:txBody>
+                    <a:bodyPr/>
+                    <a:lstStyle/>
+                    <a:p>
+                      <a:pPr marL="0" marR="0" indent="0" algn="l" defTabSz="914400" rtl="0" eaLnBrk="1" fontAlgn="auto" latinLnBrk="0" hangingPunct="1">
+                        <a:lnSpc>
+                          <a:spcPct val="100000"/>
+                        </a:lnSpc>
+                        <a:spcBef>
+                          <a:spcPts val="0"/>
+                        </a:spcBef>
+                        <a:spcAft>
+                          <a:spcPts val="0"/>
+                        </a:spcAft>
+                        <a:buClrTx/>
+                        <a:buSzTx/>
+                        <a:buFontTx/>
+                        <a:buNone/>
+                        <a:tabLst/>
+                        <a:defRPr/>
+                      </a:pPr>
+                      <a:r>
+                        <a:rPr lang="fr-FR" dirty="0" err="1" smtClean="0"/>
+                        <a:t>Typescript</a:t>
+                      </a:r>
+                      <a:endParaRPr lang="fr-FR" dirty="0" smtClean="0"/>
+                    </a:p>
+                  </a:txBody>
+                  <a:tcPr/>
+                </a:tc>
+                <a:tc>
+                  <a:txBody>
+                    <a:bodyPr/>
+                    <a:lstStyle/>
+                    <a:p>
+                      <a:pPr marL="0" marR="0" indent="0" algn="l" defTabSz="914400" rtl="0" eaLnBrk="1" fontAlgn="auto" latinLnBrk="0" hangingPunct="1">
+                        <a:lnSpc>
+                          <a:spcPct val="100000"/>
+                        </a:lnSpc>
+                        <a:spcBef>
+                          <a:spcPts val="0"/>
+                        </a:spcBef>
+                        <a:spcAft>
+                          <a:spcPts val="0"/>
+                        </a:spcAft>
+                        <a:buClrTx/>
+                        <a:buSzTx/>
+                        <a:buFontTx/>
+                        <a:buNone/>
+                        <a:tabLst/>
+                        <a:defRPr/>
+                      </a:pPr>
+                      <a:r>
+                        <a:rPr lang="fr-FR" dirty="0" smtClean="0">
+                          <a:hlinkClick r:id="rId6"/>
+                        </a:rPr>
+                        <a:t>https://www.typescriptlang.org/docs/handbook/release-notes/typescript-1-5.html</a:t>
+                      </a:r>
+                      <a:endParaRPr lang="fr-FR" dirty="0" smtClean="0"/>
+                    </a:p>
+                  </a:txBody>
+                  <a:tcPr/>
+                </a:tc>
+              </a:tr>
+              <a:tr h="420608">
+                <a:tc>
+                  <a:txBody>
+                    <a:bodyPr/>
+                    <a:lstStyle/>
+                    <a:p>
+                      <a:r>
+                        <a:rPr lang="fr-FR" dirty="0" smtClean="0"/>
+                        <a:t>VS Code</a:t>
+                      </a:r>
+                      <a:endParaRPr lang="fr-FR" dirty="0"/>
+                    </a:p>
+                  </a:txBody>
+                  <a:tcPr/>
+                </a:tc>
+                <a:tc>
+                  <a:txBody>
+                    <a:bodyPr/>
+                    <a:lstStyle/>
+                    <a:p>
+                      <a:pPr marL="0" marR="0" indent="0" algn="l" defTabSz="914400" rtl="0" eaLnBrk="1" fontAlgn="auto" latinLnBrk="0" hangingPunct="1">
+                        <a:lnSpc>
+                          <a:spcPct val="100000"/>
+                        </a:lnSpc>
+                        <a:spcBef>
+                          <a:spcPts val="0"/>
+                        </a:spcBef>
+                        <a:spcAft>
+                          <a:spcPts val="0"/>
+                        </a:spcAft>
+                        <a:buClrTx/>
+                        <a:buSzTx/>
+                        <a:buFontTx/>
+                        <a:buNone/>
+                        <a:tabLst/>
+                        <a:defRPr/>
+                      </a:pPr>
+                      <a:r>
+                        <a:rPr lang="fr-FR" dirty="0" smtClean="0">
+                          <a:hlinkClick r:id="rId7"/>
+                        </a:rPr>
+                        <a:t>https://code.visualstudio.com/download</a:t>
+                      </a:r>
+                      <a:endParaRPr lang="fr-FR" dirty="0"/>
+                    </a:p>
+                  </a:txBody>
+                  <a:tcPr/>
+                </a:tc>
+              </a:tr>
+              <a:tr h="284584">
+                <a:tc>
+                  <a:txBody>
+                    <a:bodyPr/>
+                    <a:lstStyle/>
+                    <a:p>
+                      <a:endParaRPr lang="fr-FR" dirty="0"/>
+                    </a:p>
+                  </a:txBody>
+                  <a:tcPr/>
+                </a:tc>
+                <a:tc>
+                  <a:txBody>
+                    <a:bodyPr/>
+                    <a:lstStyle/>
+                    <a:p>
+                      <a:endParaRPr lang="fr-FR" dirty="0"/>
+                    </a:p>
+                  </a:txBody>
+                  <a:tcPr/>
+                </a:tc>
+              </a:tr>
+              <a:tr h="354320">
+                <a:tc>
+                  <a:txBody>
+                    <a:bodyPr/>
+                    <a:lstStyle/>
+                    <a:p>
+                      <a:endParaRPr lang="fr-FR" dirty="0"/>
+                    </a:p>
+                  </a:txBody>
+                  <a:tcPr/>
+                </a:tc>
+                <a:tc>
+                  <a:txBody>
+                    <a:bodyPr/>
+                    <a:lstStyle/>
+                    <a:p>
+                      <a:endParaRPr lang="fr-FR" dirty="0"/>
+                    </a:p>
+                  </a:txBody>
+                  <a:tcPr/>
+                </a:tc>
+              </a:tr>
+              <a:tr h="765752">
+                <a:tc>
+                  <a:txBody>
+                    <a:bodyPr/>
+                    <a:lstStyle/>
+                    <a:p>
+                      <a:pPr marL="0" marR="0" indent="0" algn="l" defTabSz="914400" rtl="0" eaLnBrk="1" fontAlgn="auto" latinLnBrk="0" hangingPunct="1">
+                        <a:lnSpc>
+                          <a:spcPct val="100000"/>
+                        </a:lnSpc>
+                        <a:spcBef>
+                          <a:spcPts val="0"/>
+                        </a:spcBef>
+                        <a:spcAft>
+                          <a:spcPts val="0"/>
+                        </a:spcAft>
+                        <a:buClrTx/>
+                        <a:buSzTx/>
+                        <a:buFontTx/>
+                        <a:buNone/>
+                        <a:tabLst/>
+                        <a:defRPr/>
+                      </a:pPr>
+                      <a:r>
+                        <a:rPr lang="fr-FR" dirty="0" err="1" smtClean="0"/>
+                        <a:t>Reco</a:t>
+                      </a:r>
+                      <a:r>
+                        <a:rPr lang="fr-FR" dirty="0" smtClean="0"/>
+                        <a:t>. </a:t>
+                      </a:r>
+                      <a:r>
+                        <a:rPr lang="fr-FR" dirty="0" err="1" smtClean="0"/>
+                        <a:t>Angular</a:t>
+                      </a:r>
+                      <a:r>
+                        <a:rPr lang="fr-FR" dirty="0" smtClean="0"/>
+                        <a:t> </a:t>
+                      </a:r>
+                    </a:p>
+                    <a:p>
+                      <a:endParaRPr lang="fr-FR" dirty="0"/>
+                    </a:p>
+                  </a:txBody>
+                  <a:tcPr/>
+                </a:tc>
+                <a:tc>
+                  <a:txBody>
+                    <a:bodyPr/>
+                    <a:lstStyle/>
+                    <a:p>
+                      <a:pPr marL="0" marR="0" indent="0" algn="l" defTabSz="914400" rtl="0" eaLnBrk="1" fontAlgn="auto" latinLnBrk="0" hangingPunct="1">
+                        <a:lnSpc>
+                          <a:spcPct val="100000"/>
+                        </a:lnSpc>
+                        <a:spcBef>
+                          <a:spcPts val="0"/>
+                        </a:spcBef>
+                        <a:spcAft>
+                          <a:spcPts val="0"/>
+                        </a:spcAft>
+                        <a:buClrTx/>
+                        <a:buSzTx/>
+                        <a:buFontTx/>
+                        <a:buNone/>
+                        <a:tabLst/>
+                        <a:defRPr/>
+                      </a:pPr>
+                      <a:r>
+                        <a:rPr lang="fr-FR" dirty="0" smtClean="0">
+                          <a:hlinkClick r:id="rId8"/>
+                        </a:rPr>
+                        <a:t>https://angular.io/guide/styleguide</a:t>
+                      </a:r>
+                      <a:endParaRPr lang="fr-FR" dirty="0" smtClean="0"/>
+                    </a:p>
+                    <a:p>
+                      <a:endParaRPr lang="fr-FR" dirty="0"/>
+                    </a:p>
+                  </a:txBody>
+                  <a:tcPr/>
+                </a:tc>
+              </a:tr>
+            </a:tbl>
+          </a:graphicData>
+        </a:graphic>
+      </p:graphicFrame>
     </p:spTree>
     <p:extLst>
       <p:ext uri="{BB962C8B-B14F-4D97-AF65-F5344CB8AC3E}">
@@ -21956,7 +22735,9 @@
           </a:xfrm>
         </p:spPr>
         <p:txBody>
-          <a:bodyPr/>
+          <a:bodyPr>
+            <a:normAutofit lnSpcReduction="10000"/>
+          </a:bodyPr>
           <a:lstStyle/>
           <a:p>
             <a:r>
@@ -21999,8 +22780,13 @@
             </a:r>
             <a:r>
               <a:rPr lang="fr-FR" dirty="0" smtClean="0"/>
-              <a:t> Package Manager)</a:t>
-            </a:r>
+              <a:t> Package Manager</a:t>
+            </a:r>
+            <a:r>
+              <a:rPr lang="fr-FR" dirty="0" smtClean="0"/>
+              <a:t>) en local et en global :</a:t>
+            </a:r>
+            <a:endParaRPr lang="fr-FR" dirty="0" smtClean="0"/>
           </a:p>
           <a:p>
             <a:pPr lvl="1"/>
@@ -22036,8 +22822,13 @@
           <a:p>
             <a:r>
               <a:rPr lang="fr-FR" dirty="0" smtClean="0"/>
-              <a:t>VS Code</a:t>
-            </a:r>
+              <a:t>VS </a:t>
+            </a:r>
+            <a:r>
+              <a:rPr lang="fr-FR" dirty="0" smtClean="0"/>
+              <a:t>Code : Editeur léger, intuitif avec extensions (Marketplace)</a:t>
+            </a:r>
+            <a:endParaRPr lang="fr-FR" dirty="0" smtClean="0"/>
           </a:p>
           <a:p>
             <a:endParaRPr lang="fr-FR" dirty="0"/>
@@ -22141,7 +22932,7 @@
               <a:rPr lang="fr-FR" dirty="0" err="1" smtClean="0"/>
               <a:t>npm</a:t>
             </a:r>
-            <a:endParaRPr lang="fr-FR" dirty="0" smtClean="0"/>
+            <a:endParaRPr lang="fr-FR" dirty="0"/>
           </a:p>
           <a:p>
             <a:r>
@@ -22149,6 +22940,26 @@
               <a:t>Installer </a:t>
             </a:r>
             <a:r>
+              <a:rPr lang="fr-FR" dirty="0"/>
+              <a:t>des </a:t>
+            </a:r>
+            <a:r>
+              <a:rPr lang="fr-FR" dirty="0" smtClean="0"/>
+              <a:t>dépendances </a:t>
+            </a:r>
+            <a:r>
+              <a:rPr lang="fr-FR" dirty="0"/>
+              <a:t>en local et en </a:t>
+            </a:r>
+            <a:r>
+              <a:rPr lang="fr-FR" dirty="0" err="1"/>
+              <a:t>dev</a:t>
+            </a:r>
+            <a:endParaRPr lang="fr-FR" dirty="0" smtClean="0"/>
+          </a:p>
+          <a:p>
+            <a:pPr lvl="1"/>
+            <a:r>
               <a:rPr lang="fr-FR" dirty="0" err="1" smtClean="0"/>
               <a:t>webpack</a:t>
             </a:r>
@@ -22156,33 +22967,40 @@
               <a:rPr lang="fr-FR" dirty="0" smtClean="0"/>
               <a:t>, </a:t>
             </a:r>
+            <a:endParaRPr lang="fr-FR" dirty="0" smtClean="0"/>
+          </a:p>
+          <a:p>
+            <a:pPr lvl="1"/>
             <a:r>
               <a:rPr lang="fr-FR" dirty="0" err="1" smtClean="0"/>
               <a:t>webpack</a:t>
             </a:r>
             <a:r>
               <a:rPr lang="fr-FR" dirty="0" smtClean="0"/>
-              <a:t>-cli, </a:t>
-            </a:r>
+              <a:t>-cli</a:t>
+            </a:r>
+            <a:r>
+              <a:rPr lang="fr-FR" dirty="0" smtClean="0"/>
+              <a:t>, </a:t>
+            </a:r>
+            <a:endParaRPr lang="fr-FR" dirty="0" smtClean="0"/>
+          </a:p>
+          <a:p>
+            <a:pPr lvl="1"/>
             <a:r>
               <a:rPr lang="fr-FR" dirty="0" err="1" smtClean="0"/>
               <a:t>ts</a:t>
             </a:r>
             <a:r>
               <a:rPr lang="fr-FR" dirty="0" smtClean="0"/>
-              <a:t>-loader &amp; </a:t>
-            </a:r>
+              <a:t>-loader</a:t>
+            </a:r>
+          </a:p>
+          <a:p>
+            <a:pPr lvl="1"/>
             <a:r>
               <a:rPr lang="fr-FR" dirty="0" err="1" smtClean="0"/>
               <a:t>typescript</a:t>
-            </a:r>
-            <a:r>
-              <a:rPr lang="fr-FR" dirty="0" smtClean="0"/>
-              <a:t> en local et en </a:t>
-            </a:r>
-            <a:r>
-              <a:rPr lang="fr-FR" dirty="0" err="1" smtClean="0"/>
-              <a:t>dev</a:t>
             </a:r>
             <a:endParaRPr lang="fr-FR" dirty="0" smtClean="0"/>
           </a:p>
@@ -22258,7 +23076,12 @@
             <p:ph idx="1"/>
           </p:nvPr>
         </p:nvSpPr>
-        <p:spPr/>
+        <p:spPr>
+          <a:xfrm>
+            <a:off x="442888" y="2636912"/>
+            <a:ext cx="7408333" cy="3450696"/>
+          </a:xfrm>
+        </p:spPr>
         <p:txBody>
           <a:bodyPr>
             <a:normAutofit/>
@@ -22667,16 +23490,6 @@
                 </a:solidFill>
               </a14:hiddenFill>
             </a:ext>
-            <a:ext uri="{91240B29-F687-4F45-9708-019B960494DF}">
-              <a14:hiddenLine xmlns:a14="http://schemas.microsoft.com/office/drawing/2010/main" w="9525">
-                <a:solidFill>
-                  <a:schemeClr val="tx1"/>
-                </a:solidFill>
-                <a:miter lim="800000"/>
-                <a:headEnd/>
-                <a:tailEnd/>
-              </a14:hiddenLine>
-            </a:ext>
           </a:extLst>
         </p:spPr>
       </p:pic>
@@ -23002,16 +23815,6 @@
                   <a:schemeClr val="accent1"/>
                 </a:solidFill>
               </a14:hiddenFill>
-            </a:ext>
-            <a:ext uri="{91240B29-F687-4F45-9708-019B960494DF}">
-              <a14:hiddenLine xmlns:a14="http://schemas.microsoft.com/office/drawing/2010/main" w="9525">
-                <a:solidFill>
-                  <a:schemeClr val="tx1"/>
-                </a:solidFill>
-                <a:miter lim="800000"/>
-                <a:headEnd/>
-                <a:tailEnd/>
-              </a14:hiddenLine>
             </a:ext>
           </a:extLst>
         </p:spPr>
@@ -23144,11 +23947,7 @@
             </a:r>
             <a:r>
               <a:rPr lang="fr-FR" dirty="0" smtClean="0"/>
-              <a:t> </a:t>
-            </a:r>
-            <a:r>
-              <a:rPr lang="fr-FR" dirty="0" smtClean="0"/>
-              <a:t>local au </a:t>
+              <a:t> local au </a:t>
             </a:r>
             <a:r>
               <a:rPr lang="fr-FR" dirty="0" err="1" smtClean="0"/>
@@ -23159,19 +23958,7 @@
           <a:p>
             <a:r>
               <a:rPr lang="fr-FR" dirty="0" smtClean="0"/>
-              <a:t>Compiler puis </a:t>
-            </a:r>
-            <a:r>
-              <a:rPr lang="fr-FR" dirty="0" smtClean="0"/>
-              <a:t>ouvrir </a:t>
-            </a:r>
-            <a:r>
-              <a:rPr lang="fr-FR" dirty="0" smtClean="0"/>
-              <a:t>le fichier </a:t>
-            </a:r>
-            <a:r>
-              <a:rPr lang="fr-FR" dirty="0" smtClean="0"/>
-              <a:t>bundle.js</a:t>
+              <a:t>Compiler puis ouvrir le fichier bundle.js</a:t>
             </a:r>
           </a:p>
         </p:txBody>

--- a/formation_Angular.pptx
+++ b/formation_Angular.pptx
@@ -2701,11 +2701,7 @@
             </a:r>
             <a:r>
               <a:rPr lang="fr-FR" dirty="0" smtClean="0"/>
-              <a:t> </a:t>
-            </a:r>
-            <a:r>
-              <a:rPr lang="fr-FR" dirty="0" smtClean="0"/>
-              <a:t>v8</a:t>
+              <a:t> v8</a:t>
             </a:r>
           </a:p>
           <a:p>
@@ -2877,11 +2873,7 @@
             </a:r>
             <a:r>
               <a:rPr lang="fr-FR" baseline="0" dirty="0" smtClean="0"/>
-              <a:t> </a:t>
-            </a:r>
-            <a:r>
-              <a:rPr lang="fr-FR" baseline="0" dirty="0" smtClean="0"/>
-              <a:t>Module v4 est en erreur. Tester avec </a:t>
+              <a:t> Module v4 est en erreur. Tester avec </a:t>
             </a:r>
             <a:r>
               <a:rPr lang="fr-FR" baseline="0" dirty="0" err="1" smtClean="0"/>
@@ -3097,8 +3089,45 @@
             </a:r>
             <a:r>
               <a:rPr lang="fr-FR" dirty="0" smtClean="0"/>
-              <a:t>http://es6-features.org/#Constants</a:t>
-            </a:r>
+              <a:t>http://es6-features.org</a:t>
+            </a:r>
+            <a:r>
+              <a:rPr lang="fr-FR" smtClean="0"/>
+              <a:t>/#</a:t>
+            </a:r>
+            <a:r>
+              <a:rPr lang="fr-FR" smtClean="0"/>
+              <a:t>Constants</a:t>
+            </a:r>
+          </a:p>
+          <a:p>
+            <a:endParaRPr lang="fr-FR" dirty="0" smtClean="0"/>
+          </a:p>
+          <a:p>
+            <a:pPr marL="0" marR="0" indent="0" algn="l" defTabSz="914400" rtl="0" eaLnBrk="1" fontAlgn="auto" latinLnBrk="0" hangingPunct="1">
+              <a:lnSpc>
+                <a:spcPct val="100000"/>
+              </a:lnSpc>
+              <a:spcBef>
+                <a:spcPts val="0"/>
+              </a:spcBef>
+              <a:spcAft>
+                <a:spcPts val="0"/>
+              </a:spcAft>
+              <a:buClrTx/>
+              <a:buSzTx/>
+              <a:buFontTx/>
+              <a:buNone/>
+              <a:tabLst/>
+              <a:defRPr/>
+            </a:pPr>
+            <a:r>
+              <a:rPr lang="fr-FR" dirty="0" smtClean="0">
+                <a:hlinkClick r:id="rId3"/>
+              </a:rPr>
+              <a:t>https://dzone.com/articles/learn-different-about-angular-1-angular-2-amp-angu</a:t>
+            </a:r>
+            <a:endParaRPr lang="fr-FR" dirty="0" smtClean="0"/>
           </a:p>
           <a:p>
             <a:endParaRPr lang="fr-FR" dirty="0" smtClean="0"/>
@@ -4758,8 +4787,47 @@
           <a:p>
             <a:r>
               <a:rPr lang="fr-FR" dirty="0" smtClean="0"/>
-              <a:t>Dans le répertorie initié lors du TP Environnement</a:t>
-            </a:r>
+              <a:t>Dans le répertorie initié lors du TP </a:t>
+            </a:r>
+            <a:r>
+              <a:rPr lang="fr-FR" dirty="0" smtClean="0"/>
+              <a:t>Environnement</a:t>
+            </a:r>
+          </a:p>
+          <a:p>
+            <a:pPr marL="0" marR="0" indent="0" algn="l" defTabSz="914400" rtl="0" eaLnBrk="1" fontAlgn="auto" latinLnBrk="0" hangingPunct="1">
+              <a:lnSpc>
+                <a:spcPct val="100000"/>
+              </a:lnSpc>
+              <a:spcBef>
+                <a:spcPts val="0"/>
+              </a:spcBef>
+              <a:spcAft>
+                <a:spcPts val="0"/>
+              </a:spcAft>
+              <a:buClrTx/>
+              <a:buSzTx/>
+              <a:buFontTx/>
+              <a:buNone/>
+              <a:tabLst/>
+              <a:defRPr/>
+            </a:pPr>
+            <a:r>
+              <a:rPr lang="fr-FR" dirty="0" smtClean="0">
+                <a:solidFill>
+                  <a:schemeClr val="bg1"/>
+                </a:solidFill>
+                <a:hlinkClick r:id="rId3"/>
+              </a:rPr>
+              <a:t>https://www.typescriptlang.org/docs/handbook/release-notes/typescript-1-4.html</a:t>
+            </a:r>
+            <a:endParaRPr lang="fr-FR" dirty="0" smtClean="0">
+              <a:solidFill>
+                <a:schemeClr val="bg1"/>
+              </a:solidFill>
+            </a:endParaRPr>
+          </a:p>
+          <a:p>
             <a:endParaRPr lang="fr-FR" dirty="0"/>
           </a:p>
         </p:txBody>
@@ -21617,7 +21685,6 @@
               <a:rPr lang="fr-FR" dirty="0" smtClean="0"/>
               <a:t> : trop de complexité </a:t>
             </a:r>
-            <a:endParaRPr lang="fr-FR" dirty="0" smtClean="0"/>
           </a:p>
           <a:p>
             <a:pPr marL="0" indent="0">
@@ -21625,21 +21692,13 @@
             </a:pPr>
             <a:r>
               <a:rPr lang="fr-FR" dirty="0" smtClean="0"/>
-              <a:t>sur </a:t>
-            </a:r>
+              <a:t>sur de gros projets</a:t>
+            </a:r>
+          </a:p>
+          <a:p>
             <a:r>
               <a:rPr lang="fr-FR" dirty="0" smtClean="0"/>
-              <a:t>de gros projets</a:t>
-            </a:r>
-          </a:p>
-          <a:p>
-            <a:r>
-              <a:rPr lang="fr-FR" dirty="0" smtClean="0"/>
-              <a:t>Besoin </a:t>
-            </a:r>
-            <a:r>
-              <a:rPr lang="fr-FR" dirty="0" smtClean="0"/>
-              <a:t>d’industrialisation :</a:t>
+              <a:t>Besoin d’industrialisation :</a:t>
             </a:r>
           </a:p>
           <a:p>
@@ -21653,11 +21712,7 @@
             <a:pPr lvl="1"/>
             <a:r>
               <a:rPr lang="fr-FR" dirty="0" smtClean="0"/>
-              <a:t>Gestion </a:t>
-            </a:r>
-            <a:r>
-              <a:rPr lang="fr-FR" dirty="0" smtClean="0"/>
-              <a:t>des routes ;</a:t>
+              <a:t>Gestion des routes ;</a:t>
             </a:r>
           </a:p>
           <a:p>
@@ -21679,7 +21734,6 @@
               <a:rPr lang="fr-FR" dirty="0" smtClean="0"/>
               <a:t>Depuis 2010, apparition des </a:t>
             </a:r>
-            <a:endParaRPr lang="fr-FR" dirty="0" smtClean="0"/>
           </a:p>
           <a:p>
             <a:pPr marL="0" indent="0">
@@ -21691,11 +21745,7 @@
             </a:r>
             <a:r>
               <a:rPr lang="fr-FR" dirty="0" smtClean="0"/>
-              <a:t> </a:t>
-            </a:r>
-            <a:r>
-              <a:rPr lang="fr-FR" dirty="0" smtClean="0"/>
-              <a:t>JS : </a:t>
+              <a:t> JS : </a:t>
             </a:r>
             <a:r>
               <a:rPr lang="fr-FR" dirty="0" err="1" smtClean="0"/>
@@ -22256,11 +22306,7 @@
           <a:p>
             <a:r>
               <a:rPr lang="fr-FR" dirty="0" smtClean="0"/>
-              <a:t>Liens</a:t>
-            </a:r>
-            <a:r>
-              <a:rPr lang="fr-FR" dirty="0" smtClean="0"/>
-              <a:t>	</a:t>
+              <a:t>Liens	</a:t>
             </a:r>
             <a:endParaRPr lang="fr-FR" dirty="0"/>
           </a:p>
@@ -22275,14 +22321,14 @@
           <p:nvPr>
             <p:extLst>
               <p:ext uri="{D42A27DB-BD31-4B8C-83A1-F6EECF244321}">
-                <p14:modId xmlns:p14="http://schemas.microsoft.com/office/powerpoint/2010/main" val="4259419249"/>
+                <p14:modId xmlns:p14="http://schemas.microsoft.com/office/powerpoint/2010/main" val="1382987481"/>
               </p:ext>
             </p:extLst>
           </p:nvPr>
         </p:nvGraphicFramePr>
         <p:xfrm>
-          <a:off x="251520" y="1795339"/>
-          <a:ext cx="8671875" cy="4837421"/>
+          <a:off x="251520" y="1682526"/>
+          <a:ext cx="8671875" cy="4986834"/>
         </p:xfrm>
         <a:graphic>
           <a:graphicData uri="http://schemas.openxmlformats.org/drawingml/2006/table">
@@ -22294,7 +22340,7 @@
                 <a:gridCol w="2592288"/>
                 <a:gridCol w="6079587"/>
               </a:tblGrid>
-              <a:tr h="843378">
+              <a:tr h="808432">
                 <a:tc>
                   <a:txBody>
                     <a:bodyPr/>
@@ -22316,7 +22362,7 @@
                   <a:tcPr/>
                 </a:tc>
               </a:tr>
-              <a:tr h="430243">
+              <a:tr h="412415">
                 <a:tc>
                   <a:txBody>
                     <a:bodyPr/>
@@ -22348,7 +22394,7 @@
                   <a:tcPr/>
                 </a:tc>
               </a:tr>
-              <a:tr h="432048">
+              <a:tr h="613558">
                 <a:tc>
                   <a:txBody>
                     <a:bodyPr/>
@@ -22403,7 +22449,7 @@
                   <a:tcPr/>
                 </a:tc>
               </a:tr>
-              <a:tr h="360040">
+              <a:tr h="350604">
                 <a:tc>
                   <a:txBody>
                     <a:bodyPr/>
@@ -22435,7 +22481,7 @@
                   <a:tcPr/>
                 </a:tc>
               </a:tr>
-              <a:tr h="354320">
+              <a:tr h="613558">
                 <a:tc>
                   <a:txBody>
                     <a:bodyPr/>
@@ -22501,7 +22547,7 @@
                   <a:tcPr/>
                 </a:tc>
               </a:tr>
-              <a:tr h="420608">
+              <a:tr h="403180">
                 <a:tc>
                   <a:txBody>
                     <a:bodyPr/>
@@ -22550,12 +22596,24 @@
                   <a:tcPr/>
                 </a:tc>
               </a:tr>
-              <a:tr h="284584">
+              <a:tr h="711047">
                 <a:tc>
                   <a:txBody>
                     <a:bodyPr/>
                     <a:lstStyle/>
                     <a:p>
+                      <a:r>
+                        <a:rPr lang="fr-FR" dirty="0" err="1" smtClean="0"/>
+                        <a:t>AngularJS</a:t>
+                      </a:r>
+                      <a:r>
+                        <a:rPr lang="fr-FR" baseline="0" dirty="0" smtClean="0"/>
+                        <a:t> &gt; </a:t>
+                      </a:r>
+                      <a:r>
+                        <a:rPr lang="fr-FR" baseline="0" dirty="0" err="1" smtClean="0"/>
+                        <a:t>Angular</a:t>
+                      </a:r>
                       <a:endParaRPr lang="fr-FR" dirty="0"/>
                     </a:p>
                   </a:txBody>
@@ -22566,18 +22624,32 @@
                     <a:bodyPr/>
                     <a:lstStyle/>
                     <a:p>
+                      <a:r>
+                        <a:rPr lang="fr-FR" dirty="0" smtClean="0">
+                          <a:hlinkClick r:id="rId8"/>
+                        </a:rPr>
+                        <a:t>https://dzone.com/articles/learn-different-about-angular-1-angular-2-amp-angu</a:t>
+                      </a:r>
                       <a:endParaRPr lang="fr-FR" dirty="0"/>
                     </a:p>
                   </a:txBody>
                   <a:tcPr/>
                 </a:tc>
               </a:tr>
-              <a:tr h="354320">
+              <a:tr h="350604">
                 <a:tc>
                   <a:txBody>
                     <a:bodyPr/>
                     <a:lstStyle/>
                     <a:p>
+                      <a:r>
+                        <a:rPr lang="fr-FR" dirty="0" err="1" smtClean="0"/>
+                        <a:t>Angular</a:t>
+                      </a:r>
+                      <a:r>
+                        <a:rPr lang="fr-FR" dirty="0" smtClean="0"/>
+                        <a:t> sur Medium</a:t>
+                      </a:r>
                       <a:endParaRPr lang="fr-FR" dirty="0"/>
                     </a:p>
                   </a:txBody>
@@ -22588,13 +22660,19 @@
                     <a:bodyPr/>
                     <a:lstStyle/>
                     <a:p>
+                      <a:r>
+                        <a:rPr lang="fr-FR" dirty="0" smtClean="0">
+                          <a:hlinkClick r:id="rId9"/>
+                        </a:rPr>
+                        <a:t>https://blog.angular.io/</a:t>
+                      </a:r>
                       <a:endParaRPr lang="fr-FR" dirty="0"/>
                     </a:p>
                   </a:txBody>
                   <a:tcPr/>
                 </a:tc>
               </a:tr>
-              <a:tr h="765752">
+              <a:tr h="506651">
                 <a:tc>
                   <a:txBody>
                     <a:bodyPr/>
@@ -22664,13 +22742,16 @@
                       </a:pPr>
                       <a:r>
                         <a:rPr lang="fr-FR" dirty="0" smtClean="0">
-                          <a:hlinkClick r:id="rId8"/>
+                          <a:hlinkClick r:id="rId10"/>
                         </a:rPr>
-                        <a:t>https://angular.io/guide/styleguide</a:t>
+                        <a:t>https://</a:t>
                       </a:r>
-                      <a:endParaRPr lang="fr-FR" dirty="0" smtClean="0"/>
-                    </a:p>
-                    <a:p>
+                      <a:r>
+                        <a:rPr lang="fr-FR" dirty="0" smtClean="0">
+                          <a:hlinkClick r:id="rId10"/>
+                        </a:rPr>
+                        <a:t>angular.io/guide/styleguide</a:t>
+                      </a:r>
                       <a:endParaRPr lang="fr-FR" dirty="0"/>
                     </a:p>
                   </a:txBody>
@@ -22780,13 +22861,8 @@
             </a:r>
             <a:r>
               <a:rPr lang="fr-FR" dirty="0" smtClean="0"/>
-              <a:t> Package Manager</a:t>
-            </a:r>
-            <a:r>
-              <a:rPr lang="fr-FR" dirty="0" smtClean="0"/>
-              <a:t>) en local et en global :</a:t>
-            </a:r>
-            <a:endParaRPr lang="fr-FR" dirty="0" smtClean="0"/>
+              <a:t> Package Manager) en local et en global :</a:t>
+            </a:r>
           </a:p>
           <a:p>
             <a:pPr lvl="1"/>
@@ -22822,13 +22898,8 @@
           <a:p>
             <a:r>
               <a:rPr lang="fr-FR" dirty="0" smtClean="0"/>
-              <a:t>VS </a:t>
-            </a:r>
-            <a:r>
-              <a:rPr lang="fr-FR" dirty="0" smtClean="0"/>
-              <a:t>Code : Editeur léger, intuitif avec extensions (Marketplace)</a:t>
-            </a:r>
-            <a:endParaRPr lang="fr-FR" dirty="0" smtClean="0"/>
+              <a:t>VS Code : Editeur léger, intuitif avec extensions (Marketplace)</a:t>
+            </a:r>
           </a:p>
           <a:p>
             <a:endParaRPr lang="fr-FR" dirty="0"/>
@@ -22967,7 +23038,6 @@
               <a:rPr lang="fr-FR" dirty="0" smtClean="0"/>
               <a:t>, </a:t>
             </a:r>
-            <a:endParaRPr lang="fr-FR" dirty="0" smtClean="0"/>
           </a:p>
           <a:p>
             <a:pPr lvl="1"/>
@@ -22977,13 +23047,8 @@
             </a:r>
             <a:r>
               <a:rPr lang="fr-FR" dirty="0" smtClean="0"/>
-              <a:t>-cli</a:t>
-            </a:r>
-            <a:r>
-              <a:rPr lang="fr-FR" dirty="0" smtClean="0"/>
-              <a:t>, </a:t>
-            </a:r>
-            <a:endParaRPr lang="fr-FR" dirty="0" smtClean="0"/>
+              <a:t>-cli, </a:t>
+            </a:r>
           </a:p>
           <a:p>
             <a:pPr lvl="1"/>

--- a/formation_Angular.pptx
+++ b/formation_Angular.pptx
@@ -3089,15 +3089,7 @@
             </a:r>
             <a:r>
               <a:rPr lang="fr-FR" dirty="0" smtClean="0"/>
-              <a:t>http://es6-features.org</a:t>
-            </a:r>
-            <a:r>
-              <a:rPr lang="fr-FR" smtClean="0"/>
-              <a:t>/#</a:t>
-            </a:r>
-            <a:r>
-              <a:rPr lang="fr-FR" smtClean="0"/>
-              <a:t>Constants</a:t>
+              <a:t>http://es6-features.org/#Constants</a:t>
             </a:r>
           </a:p>
           <a:p>
@@ -4787,11 +4779,7 @@
           <a:p>
             <a:r>
               <a:rPr lang="fr-FR" dirty="0" smtClean="0"/>
-              <a:t>Dans le répertorie initié lors du TP </a:t>
-            </a:r>
-            <a:r>
-              <a:rPr lang="fr-FR" dirty="0" smtClean="0"/>
-              <a:t>Environnement</a:t>
+              <a:t>Dans le répertorie initié lors du TP Environnement</a:t>
             </a:r>
           </a:p>
           <a:p>
@@ -4819,7 +4807,305 @@
                 </a:solidFill>
                 <a:hlinkClick r:id="rId3"/>
               </a:rPr>
-              <a:t>https://www.typescriptlang.org/docs/handbook/release-notes/typescript-1-4.html</a:t>
+              <a:t>https://</a:t>
+            </a:r>
+            <a:r>
+              <a:rPr lang="fr-FR" dirty="0" smtClean="0">
+                <a:solidFill>
+                  <a:schemeClr val="bg1"/>
+                </a:solidFill>
+                <a:hlinkClick r:id="rId3"/>
+              </a:rPr>
+              <a:t>www.typescriptlang.org/docs/handbook/release-notes/typescript-1-4.html</a:t>
+            </a:r>
+            <a:endParaRPr lang="fr-FR" dirty="0" smtClean="0">
+              <a:solidFill>
+                <a:schemeClr val="bg1"/>
+              </a:solidFill>
+            </a:endParaRPr>
+          </a:p>
+          <a:p>
+            <a:pPr marL="0" marR="0" indent="0" algn="l" defTabSz="914400" rtl="0" eaLnBrk="1" fontAlgn="auto" latinLnBrk="0" hangingPunct="1">
+              <a:lnSpc>
+                <a:spcPct val="100000"/>
+              </a:lnSpc>
+              <a:spcBef>
+                <a:spcPts val="0"/>
+              </a:spcBef>
+              <a:spcAft>
+                <a:spcPts val="0"/>
+              </a:spcAft>
+              <a:buClrTx/>
+              <a:buSzTx/>
+              <a:buFontTx/>
+              <a:buNone/>
+              <a:tabLst/>
+              <a:defRPr/>
+            </a:pPr>
+            <a:r>
+              <a:rPr lang="fr-FR" dirty="0" smtClean="0">
+                <a:solidFill>
+                  <a:schemeClr val="bg1"/>
+                </a:solidFill>
+              </a:rPr>
+              <a:t>Exercice</a:t>
+            </a:r>
+            <a:r>
+              <a:rPr lang="fr-FR" baseline="0" dirty="0" smtClean="0">
+                <a:solidFill>
+                  <a:schemeClr val="bg1"/>
+                </a:solidFill>
+              </a:rPr>
+              <a:t> : Taper les fichiers </a:t>
+            </a:r>
+            <a:r>
+              <a:rPr lang="fr-FR" baseline="0" dirty="0" err="1" smtClean="0">
+                <a:solidFill>
+                  <a:schemeClr val="bg1"/>
+                </a:solidFill>
+              </a:rPr>
+              <a:t>tsconfig.ts</a:t>
+            </a:r>
+            <a:r>
+              <a:rPr lang="fr-FR" baseline="0" dirty="0" smtClean="0">
+                <a:solidFill>
+                  <a:schemeClr val="bg1"/>
+                </a:solidFill>
+              </a:rPr>
+              <a:t>, webpack.config.js et </a:t>
+            </a:r>
+            <a:r>
+              <a:rPr lang="fr-FR" baseline="0" dirty="0" err="1" smtClean="0">
+                <a:solidFill>
+                  <a:schemeClr val="bg1"/>
+                </a:solidFill>
+              </a:rPr>
+              <a:t>main.ts</a:t>
+            </a:r>
+            <a:r>
+              <a:rPr lang="fr-FR" baseline="0" dirty="0" smtClean="0">
+                <a:solidFill>
+                  <a:schemeClr val="bg1"/>
+                </a:solidFill>
+              </a:rPr>
+              <a:t> puis faire créer </a:t>
+            </a:r>
+            <a:r>
+              <a:rPr lang="fr-FR" baseline="0" dirty="0" err="1" smtClean="0">
+                <a:solidFill>
+                  <a:schemeClr val="bg1"/>
+                </a:solidFill>
+              </a:rPr>
+              <a:t>Student.ts</a:t>
+            </a:r>
+            <a:endParaRPr lang="fr-FR" baseline="0" dirty="0" smtClean="0">
+              <a:solidFill>
+                <a:schemeClr val="bg1"/>
+              </a:solidFill>
+            </a:endParaRPr>
+          </a:p>
+          <a:p>
+            <a:pPr marL="0" marR="0" indent="0" algn="l" defTabSz="914400" rtl="0" eaLnBrk="1" fontAlgn="auto" latinLnBrk="0" hangingPunct="1">
+              <a:lnSpc>
+                <a:spcPct val="100000"/>
+              </a:lnSpc>
+              <a:spcBef>
+                <a:spcPts val="0"/>
+              </a:spcBef>
+              <a:spcAft>
+                <a:spcPts val="0"/>
+              </a:spcAft>
+              <a:buClrTx/>
+              <a:buSzTx/>
+              <a:buFontTx/>
+              <a:buNone/>
+              <a:tabLst/>
+              <a:defRPr/>
+            </a:pPr>
+            <a:r>
+              <a:rPr lang="fr-FR" dirty="0" smtClean="0">
+                <a:solidFill>
+                  <a:schemeClr val="bg1"/>
+                </a:solidFill>
+              </a:rPr>
+              <a:t> Créer une classe </a:t>
+            </a:r>
+            <a:r>
+              <a:rPr lang="fr-FR" dirty="0" err="1" smtClean="0">
+                <a:solidFill>
+                  <a:schemeClr val="bg1"/>
+                </a:solidFill>
+              </a:rPr>
+              <a:t>Student</a:t>
+            </a:r>
+            <a:endParaRPr lang="fr-FR" dirty="0" smtClean="0">
+              <a:solidFill>
+                <a:schemeClr val="bg1"/>
+              </a:solidFill>
+            </a:endParaRPr>
+          </a:p>
+          <a:p>
+            <a:pPr marL="0" marR="0" indent="0" algn="l" defTabSz="914400" rtl="0" eaLnBrk="1" fontAlgn="auto" latinLnBrk="0" hangingPunct="1">
+              <a:lnSpc>
+                <a:spcPct val="100000"/>
+              </a:lnSpc>
+              <a:spcBef>
+                <a:spcPts val="0"/>
+              </a:spcBef>
+              <a:spcAft>
+                <a:spcPts val="0"/>
+              </a:spcAft>
+              <a:buClrTx/>
+              <a:buSzTx/>
+              <a:buFontTx/>
+              <a:buNone/>
+              <a:tabLst/>
+              <a:defRPr/>
+            </a:pPr>
+            <a:r>
+              <a:rPr lang="fr-FR" dirty="0" smtClean="0">
+                <a:solidFill>
+                  <a:schemeClr val="bg1"/>
+                </a:solidFill>
+              </a:rPr>
+              <a:t> propriété </a:t>
+            </a:r>
+            <a:r>
+              <a:rPr lang="fr-FR" dirty="0" err="1" smtClean="0">
+                <a:solidFill>
+                  <a:schemeClr val="bg1"/>
+                </a:solidFill>
+              </a:rPr>
+              <a:t>name</a:t>
+            </a:r>
+            <a:r>
+              <a:rPr lang="fr-FR" dirty="0" smtClean="0">
+                <a:solidFill>
+                  <a:schemeClr val="bg1"/>
+                </a:solidFill>
+              </a:rPr>
+              <a:t> de type chaine</a:t>
+            </a:r>
+          </a:p>
+          <a:p>
+            <a:pPr marL="0" marR="0" indent="0" algn="l" defTabSz="914400" rtl="0" eaLnBrk="1" fontAlgn="auto" latinLnBrk="0" hangingPunct="1">
+              <a:lnSpc>
+                <a:spcPct val="100000"/>
+              </a:lnSpc>
+              <a:spcBef>
+                <a:spcPts val="0"/>
+              </a:spcBef>
+              <a:spcAft>
+                <a:spcPts val="0"/>
+              </a:spcAft>
+              <a:buClrTx/>
+              <a:buSzTx/>
+              <a:buFontTx/>
+              <a:buNone/>
+              <a:tabLst/>
+              <a:defRPr/>
+            </a:pPr>
+            <a:r>
+              <a:rPr lang="fr-FR" dirty="0" smtClean="0">
+                <a:solidFill>
+                  <a:schemeClr val="bg1"/>
+                </a:solidFill>
+              </a:rPr>
+              <a:t> propriété </a:t>
+            </a:r>
+            <a:r>
+              <a:rPr lang="fr-FR" dirty="0" err="1" smtClean="0">
+                <a:solidFill>
+                  <a:schemeClr val="bg1"/>
+                </a:solidFill>
+              </a:rPr>
+              <a:t>age</a:t>
+            </a:r>
+            <a:r>
+              <a:rPr lang="fr-FR" dirty="0" smtClean="0">
+                <a:solidFill>
+                  <a:schemeClr val="bg1"/>
+                </a:solidFill>
+              </a:rPr>
+              <a:t> de type numérique</a:t>
+            </a:r>
+          </a:p>
+          <a:p>
+            <a:pPr marL="0" marR="0" indent="0" algn="l" defTabSz="914400" rtl="0" eaLnBrk="1" fontAlgn="auto" latinLnBrk="0" hangingPunct="1">
+              <a:lnSpc>
+                <a:spcPct val="100000"/>
+              </a:lnSpc>
+              <a:spcBef>
+                <a:spcPts val="0"/>
+              </a:spcBef>
+              <a:spcAft>
+                <a:spcPts val="0"/>
+              </a:spcAft>
+              <a:buClrTx/>
+              <a:buSzTx/>
+              <a:buFontTx/>
+              <a:buNone/>
+              <a:tabLst/>
+              <a:defRPr/>
+            </a:pPr>
+            <a:r>
+              <a:rPr lang="fr-FR" dirty="0" smtClean="0">
+                <a:solidFill>
+                  <a:schemeClr val="bg1"/>
+                </a:solidFill>
+              </a:rPr>
+              <a:t> constructeur avec 2 paramètres (2ème facultatif)</a:t>
+            </a:r>
+          </a:p>
+          <a:p>
+            <a:pPr marL="0" marR="0" indent="0" algn="l" defTabSz="914400" rtl="0" eaLnBrk="1" fontAlgn="auto" latinLnBrk="0" hangingPunct="1">
+              <a:lnSpc>
+                <a:spcPct val="100000"/>
+              </a:lnSpc>
+              <a:spcBef>
+                <a:spcPts val="0"/>
+              </a:spcBef>
+              <a:spcAft>
+                <a:spcPts val="0"/>
+              </a:spcAft>
+              <a:buClrTx/>
+              <a:buSzTx/>
+              <a:buFontTx/>
+              <a:buNone/>
+              <a:tabLst/>
+              <a:defRPr/>
+            </a:pPr>
+            <a:r>
+              <a:rPr lang="fr-FR" dirty="0" smtClean="0">
+                <a:solidFill>
+                  <a:schemeClr val="bg1"/>
+                </a:solidFill>
+              </a:rPr>
+              <a:t> info : méthode de console </a:t>
+            </a:r>
+            <a:r>
+              <a:rPr lang="fr-FR" dirty="0" err="1" smtClean="0">
+                <a:solidFill>
+                  <a:schemeClr val="bg1"/>
+                </a:solidFill>
+              </a:rPr>
+              <a:t>deu</a:t>
+            </a:r>
+            <a:r>
+              <a:rPr lang="fr-FR" dirty="0" smtClean="0">
+                <a:solidFill>
+                  <a:schemeClr val="bg1"/>
+                </a:solidFill>
+              </a:rPr>
+              <a:t> nom et de </a:t>
+            </a:r>
+            <a:r>
+              <a:rPr lang="fr-FR" dirty="0" err="1" smtClean="0">
+                <a:solidFill>
+                  <a:schemeClr val="bg1"/>
+                </a:solidFill>
+              </a:rPr>
+              <a:t>l'age</a:t>
             </a:r>
             <a:endParaRPr lang="fr-FR" dirty="0" smtClean="0">
               <a:solidFill>
@@ -22744,13 +23030,7 @@
                         <a:rPr lang="fr-FR" dirty="0" smtClean="0">
                           <a:hlinkClick r:id="rId10"/>
                         </a:rPr>
-                        <a:t>https://</a:t>
-                      </a:r>
-                      <a:r>
-                        <a:rPr lang="fr-FR" dirty="0" smtClean="0">
-                          <a:hlinkClick r:id="rId10"/>
-                        </a:rPr>
-                        <a:t>angular.io/guide/styleguide</a:t>
+                        <a:t>https://angular.io/guide/styleguide</a:t>
                       </a:r>
                       <a:endParaRPr lang="fr-FR" dirty="0"/>
                     </a:p>
